--- a/presentations/NYC F# UG. 2014-08-26.pptx
+++ b/presentations/NYC F# UG. 2014-08-26.pptx
@@ -7,6 +7,7 @@
   <p:sldIdLst>
     <p:sldId id="256" r:id="rId2"/>
     <p:sldId id="288" r:id="rId3"/>
+    <p:sldId id="289" r:id="rId4"/>
   </p:sldIdLst>
   <p:sldSz cx="12192000" cy="6858000"/>
   <p:notesSz cx="6858000" cy="9144000"/>
@@ -12535,7 +12536,7 @@
             </a:r>
             <a:r>
               <a:rPr lang="en-US" dirty="0" smtClean="0"/>
-              <a:t>DMITRY SEVATIANOV</a:t>
+              <a:t>DMITRY SEVASTIANOV</a:t>
             </a:r>
             <a:endParaRPr lang="en-US" dirty="0" smtClean="0"/>
           </a:p>
@@ -12604,9 +12605,20 @@
           <a:p>
             <a:r>
               <a:rPr lang="en-US" dirty="0" smtClean="0"/>
-              <a:t>Interesting facts</a:t>
+              <a:t>Interesting facts </a:t>
             </a:r>
-            <a:endParaRPr lang="en-US" dirty="0"/>
+            <a:r>
+              <a:rPr lang="en-US" dirty="0"/>
+              <a:t>from </a:t>
+            </a:r>
+            <a:r>
+              <a:rPr lang="en-US" dirty="0" smtClean="0"/>
+              <a:t>JULY 2014 TIOBE </a:t>
+            </a:r>
+            <a:r>
+              <a:rPr lang="en-US" dirty="0"/>
+              <a:t>Index</a:t>
+            </a:r>
           </a:p>
         </p:txBody>
       </p:sp>
@@ -12684,6 +12696,137 @@
       </p:par>
     </p:tnLst>
   </p:timing>
+</p:sld>
+</file>
+
+<file path=ppt/slides/slide3.xml><?xml version="1.0" encoding="utf-8"?>
+<p:sld xmlns:a="http://schemas.openxmlformats.org/drawingml/2006/main" xmlns:r="http://schemas.openxmlformats.org/officeDocument/2006/relationships" xmlns:p="http://schemas.openxmlformats.org/presentationml/2006/main">
+  <p:cSld>
+    <p:spTree>
+      <p:nvGrpSpPr>
+        <p:cNvPr id="1" name=""/>
+        <p:cNvGrpSpPr/>
+        <p:nvPr/>
+      </p:nvGrpSpPr>
+      <p:grpSpPr>
+        <a:xfrm>
+          <a:off x="0" y="0"/>
+          <a:ext cx="0" cy="0"/>
+          <a:chOff x="0" y="0"/>
+          <a:chExt cx="0" cy="0"/>
+        </a:xfrm>
+      </p:grpSpPr>
+      <p:sp>
+        <p:nvSpPr>
+          <p:cNvPr id="4" name="Title 3"/>
+          <p:cNvSpPr>
+            <a:spLocks noGrp="1"/>
+          </p:cNvSpPr>
+          <p:nvPr>
+            <p:ph type="title"/>
+          </p:nvPr>
+        </p:nvSpPr>
+        <p:spPr/>
+        <p:txBody>
+          <a:bodyPr>
+            <a:normAutofit fontScale="90000"/>
+          </a:bodyPr>
+          <a:lstStyle/>
+          <a:p>
+            <a:r>
+              <a:rPr lang="en-US" dirty="0" smtClean="0"/>
+              <a:t>If both are so good </a:t>
+            </a:r>
+            <a:br>
+              <a:rPr lang="en-US" dirty="0" smtClean="0"/>
+            </a:br>
+            <a:r>
+              <a:rPr lang="en-US" dirty="0" smtClean="0"/>
+              <a:t>LET’S JUST ADD them UP </a:t>
+            </a:r>
+            <a:br>
+              <a:rPr lang="en-US" dirty="0" smtClean="0"/>
+            </a:br>
+            <a:r>
+              <a:rPr lang="en-US" dirty="0"/>
+              <a:t>WHAT POSSIBLY CAN GO WRONG </a:t>
+            </a:r>
+            <a:r>
+              <a:rPr lang="en-US" dirty="0" smtClean="0"/>
+              <a:t>?</a:t>
+            </a:r>
+            <a:endParaRPr lang="en-US" dirty="0"/>
+          </a:p>
+        </p:txBody>
+      </p:sp>
+      <p:sp>
+        <p:nvSpPr>
+          <p:cNvPr id="6" name="Text Placeholder 5"/>
+          <p:cNvSpPr>
+            <a:spLocks noGrp="1"/>
+          </p:cNvSpPr>
+          <p:nvPr>
+            <p:ph type="body" sz="half" idx="2"/>
+          </p:nvPr>
+        </p:nvSpPr>
+        <p:spPr/>
+        <p:txBody>
+          <a:bodyPr/>
+          <a:lstStyle/>
+          <a:p>
+            <a:endParaRPr lang="en-US" dirty="0"/>
+          </a:p>
+        </p:txBody>
+      </p:sp>
+      <p:pic>
+        <p:nvPicPr>
+          <p:cNvPr id="1026" name="Picture 2" descr="http://juicebaraustin.com/wp-content/uploads/2014/04/Peanut-Butter.jpg"/>
+          <p:cNvPicPr>
+            <a:picLocks noGrp="1" noChangeAspect="1" noChangeArrowheads="1"/>
+          </p:cNvPicPr>
+          <p:nvPr>
+            <p:ph type="pic" idx="1"/>
+          </p:nvPr>
+        </p:nvPicPr>
+        <p:blipFill>
+          <a:blip r:embed="rId2">
+            <a:extLst>
+              <a:ext uri="{28A0092B-C50C-407E-A947-70E740481C1C}">
+                <a14:useLocalDpi xmlns:a14="http://schemas.microsoft.com/office/drawing/2010/main" val="0"/>
+              </a:ext>
+            </a:extLst>
+          </a:blip>
+          <a:srcRect l="5528" r="5528"/>
+          <a:stretch>
+            <a:fillRect/>
+          </a:stretch>
+        </p:blipFill>
+        <p:spPr bwMode="auto">
+          <a:prstGeom prst="rect">
+            <a:avLst/>
+          </a:prstGeom>
+          <a:noFill/>
+          <a:extLst>
+            <a:ext uri="{909E8E84-426E-40DD-AFC4-6F175D3DCCD1}">
+              <a14:hiddenFill xmlns:a14="http://schemas.microsoft.com/office/drawing/2010/main">
+                <a:solidFill>
+                  <a:srgbClr val="FFFFFF"/>
+                </a:solidFill>
+              </a14:hiddenFill>
+            </a:ext>
+          </a:extLst>
+        </p:spPr>
+      </p:pic>
+    </p:spTree>
+    <p:extLst>
+      <p:ext uri="{BB962C8B-B14F-4D97-AF65-F5344CB8AC3E}">
+        <p14:creationId xmlns:p14="http://schemas.microsoft.com/office/powerpoint/2010/main" val="2832757295"/>
+      </p:ext>
+    </p:extLst>
+  </p:cSld>
+  <p:clrMapOvr>
+    <a:masterClrMapping/>
+  </p:clrMapOvr>
 </p:sld>
 </file>
 

--- a/presentations/NYC F# UG. 2014-08-26.pptx
+++ b/presentations/NYC F# UG. 2014-08-26.pptx
@@ -8,6 +8,10 @@
     <p:sldId id="256" r:id="rId2"/>
     <p:sldId id="288" r:id="rId3"/>
     <p:sldId id="289" r:id="rId4"/>
+    <p:sldId id="291" r:id="rId5"/>
+    <p:sldId id="292" r:id="rId6"/>
+    <p:sldId id="294" r:id="rId7"/>
+    <p:sldId id="295" r:id="rId8"/>
   </p:sldIdLst>
   <p:sldSz cx="12192000" cy="6858000"/>
   <p:notesSz cx="6858000" cy="9144000"/>
@@ -12613,7 +12617,7 @@
             </a:r>
             <a:r>
               <a:rPr lang="en-US" dirty="0" smtClean="0"/>
-              <a:t>JULY 2014 TIOBE </a:t>
+              <a:t>TIOBE </a:t>
             </a:r>
             <a:r>
               <a:rPr lang="en-US" dirty="0"/>
@@ -12827,6 +12831,959 @@
   <p:clrMapOvr>
     <a:masterClrMapping/>
   </p:clrMapOvr>
+  <p:timing>
+    <p:tnLst>
+      <p:par>
+        <p:cTn id="1" dur="indefinite" restart="never" nodeType="tmRoot"/>
+      </p:par>
+    </p:tnLst>
+  </p:timing>
+</p:sld>
+</file>
+
+<file path=ppt/slides/slide4.xml><?xml version="1.0" encoding="utf-8"?>
+<p:sld xmlns:a="http://schemas.openxmlformats.org/drawingml/2006/main" xmlns:r="http://schemas.openxmlformats.org/officeDocument/2006/relationships" xmlns:p="http://schemas.openxmlformats.org/presentationml/2006/main">
+  <p:cSld>
+    <p:spTree>
+      <p:nvGrpSpPr>
+        <p:cNvPr id="1" name=""/>
+        <p:cNvGrpSpPr/>
+        <p:nvPr/>
+      </p:nvGrpSpPr>
+      <p:grpSpPr>
+        <a:xfrm>
+          <a:off x="0" y="0"/>
+          <a:ext cx="0" cy="0"/>
+          <a:chOff x="0" y="0"/>
+          <a:chExt cx="0" cy="0"/>
+        </a:xfrm>
+      </p:grpSpPr>
+      <p:pic>
+        <p:nvPicPr>
+          <p:cNvPr id="5" name="Picture Placeholder 20"/>
+          <p:cNvPicPr>
+            <a:picLocks noGrp="1" noChangeAspect="1"/>
+          </p:cNvPicPr>
+          <p:nvPr>
+            <p:ph type="pic" idx="1"/>
+          </p:nvPr>
+        </p:nvPicPr>
+        <p:blipFill>
+          <a:blip r:embed="rId2"/>
+          <a:srcRect t="2932" b="2932"/>
+          <a:stretch>
+            <a:fillRect/>
+          </a:stretch>
+        </p:blipFill>
+        <p:spPr>
+          <a:xfrm>
+            <a:off x="1284530" y="257223"/>
+            <a:ext cx="9692569" cy="5994987"/>
+          </a:xfrm>
+          <a:prstGeom prst="rect">
+            <a:avLst/>
+          </a:prstGeom>
+        </p:spPr>
+      </p:pic>
+      <p:sp>
+        <p:nvSpPr>
+          <p:cNvPr id="2" name="Title 1"/>
+          <p:cNvSpPr>
+            <a:spLocks noGrp="1"/>
+          </p:cNvSpPr>
+          <p:nvPr>
+            <p:ph type="title"/>
+          </p:nvPr>
+        </p:nvSpPr>
+        <p:spPr>
+          <a:xfrm rot="19708373">
+            <a:off x="2975573" y="1754854"/>
+            <a:ext cx="6310483" cy="2999721"/>
+          </a:xfrm>
+        </p:spPr>
+        <p:txBody>
+          <a:bodyPr>
+            <a:noAutofit/>
+          </a:bodyPr>
+          <a:lstStyle/>
+          <a:p>
+            <a:pPr algn="ctr"/>
+            <a:r>
+              <a:rPr lang="en-US" sz="6000" b="1" dirty="0">
+                <a:solidFill>
+                  <a:srgbClr val="FF0000"/>
+                </a:solidFill>
+                <a:latin typeface="Viner Hand ITC" panose="03070502030502020203" pitchFamily="66" charset="0"/>
+              </a:rPr>
+              <a:t>The Vietnam </a:t>
+            </a:r>
+            <a:r>
+              <a:rPr lang="en-US" sz="6000" b="1" dirty="0" smtClean="0">
+                <a:solidFill>
+                  <a:srgbClr val="FF0000"/>
+                </a:solidFill>
+                <a:latin typeface="Viner Hand ITC" panose="03070502030502020203" pitchFamily="66" charset="0"/>
+              </a:rPr>
+              <a:t/>
+            </a:r>
+            <a:br>
+              <a:rPr lang="en-US" sz="6000" b="1" dirty="0" smtClean="0">
+                <a:solidFill>
+                  <a:srgbClr val="FF0000"/>
+                </a:solidFill>
+                <a:latin typeface="Viner Hand ITC" panose="03070502030502020203" pitchFamily="66" charset="0"/>
+              </a:rPr>
+            </a:br>
+            <a:r>
+              <a:rPr lang="en-US" sz="6000" b="1" dirty="0" smtClean="0">
+                <a:solidFill>
+                  <a:srgbClr val="FF0000"/>
+                </a:solidFill>
+                <a:latin typeface="Viner Hand ITC" panose="03070502030502020203" pitchFamily="66" charset="0"/>
+              </a:rPr>
+              <a:t>of </a:t>
+            </a:r>
+            <a:r>
+              <a:rPr lang="en-US" sz="6000" b="1" dirty="0">
+                <a:solidFill>
+                  <a:srgbClr val="FF0000"/>
+                </a:solidFill>
+                <a:latin typeface="Viner Hand ITC" panose="03070502030502020203" pitchFamily="66" charset="0"/>
+              </a:rPr>
+              <a:t>Computer Science</a:t>
+            </a:r>
+          </a:p>
+        </p:txBody>
+      </p:sp>
+    </p:spTree>
+    <p:extLst>
+      <p:ext uri="{BB962C8B-B14F-4D97-AF65-F5344CB8AC3E}">
+        <p14:creationId xmlns:p14="http://schemas.microsoft.com/office/powerpoint/2010/main" val="1082312383"/>
+      </p:ext>
+    </p:extLst>
+  </p:cSld>
+  <p:clrMapOvr>
+    <a:masterClrMapping/>
+  </p:clrMapOvr>
+  <p:timing>
+    <p:tnLst>
+      <p:par>
+        <p:cTn id="1" dur="indefinite" restart="never" nodeType="tmRoot"/>
+      </p:par>
+    </p:tnLst>
+  </p:timing>
+</p:sld>
+</file>
+
+<file path=ppt/slides/slide5.xml><?xml version="1.0" encoding="utf-8"?>
+<p:sld xmlns:a="http://schemas.openxmlformats.org/drawingml/2006/main" xmlns:r="http://schemas.openxmlformats.org/officeDocument/2006/relationships" xmlns:p="http://schemas.openxmlformats.org/presentationml/2006/main">
+  <p:cSld>
+    <p:spTree>
+      <p:nvGrpSpPr>
+        <p:cNvPr id="1" name=""/>
+        <p:cNvGrpSpPr/>
+        <p:nvPr/>
+      </p:nvGrpSpPr>
+      <p:grpSpPr>
+        <a:xfrm>
+          <a:off x="0" y="0"/>
+          <a:ext cx="0" cy="0"/>
+          <a:chOff x="0" y="0"/>
+          <a:chExt cx="0" cy="0"/>
+        </a:xfrm>
+      </p:grpSpPr>
+      <p:sp>
+        <p:nvSpPr>
+          <p:cNvPr id="5" name="Title 4"/>
+          <p:cNvSpPr>
+            <a:spLocks noGrp="1"/>
+          </p:cNvSpPr>
+          <p:nvPr>
+            <p:ph type="title"/>
+          </p:nvPr>
+        </p:nvSpPr>
+        <p:spPr/>
+        <p:txBody>
+          <a:bodyPr/>
+          <a:lstStyle/>
+          <a:p>
+            <a:r>
+              <a:rPr lang="en-US" dirty="0" smtClean="0"/>
+              <a:t>A less scared version</a:t>
+            </a:r>
+            <a:endParaRPr lang="en-US" dirty="0"/>
+          </a:p>
+        </p:txBody>
+      </p:sp>
+      <p:pic>
+        <p:nvPicPr>
+          <p:cNvPr id="8" name="Picture Placeholder 7"/>
+          <p:cNvPicPr>
+            <a:picLocks noGrp="1" noChangeAspect="1"/>
+          </p:cNvPicPr>
+          <p:nvPr>
+            <p:ph type="pic" idx="1"/>
+          </p:nvPr>
+        </p:nvPicPr>
+        <p:blipFill>
+          <a:blip r:embed="rId2"/>
+          <a:srcRect l="5767" r="5767"/>
+          <a:stretch>
+            <a:fillRect/>
+          </a:stretch>
+        </p:blipFill>
+        <p:spPr>
+          <a:prstGeom prst="rect">
+            <a:avLst/>
+          </a:prstGeom>
+        </p:spPr>
+      </p:pic>
+      <p:sp>
+        <p:nvSpPr>
+          <p:cNvPr id="7" name="Text Placeholder 6"/>
+          <p:cNvSpPr>
+            <a:spLocks noGrp="1"/>
+          </p:cNvSpPr>
+          <p:nvPr>
+            <p:ph type="body" sz="half" idx="2"/>
+          </p:nvPr>
+        </p:nvSpPr>
+        <p:spPr/>
+        <p:txBody>
+          <a:bodyPr/>
+          <a:lstStyle/>
+          <a:p>
+            <a:endParaRPr lang="en-US"/>
+          </a:p>
+        </p:txBody>
+      </p:sp>
+    </p:spTree>
+    <p:extLst>
+      <p:ext uri="{BB962C8B-B14F-4D97-AF65-F5344CB8AC3E}">
+        <p14:creationId xmlns:p14="http://schemas.microsoft.com/office/powerpoint/2010/main" val="962552359"/>
+      </p:ext>
+    </p:extLst>
+  </p:cSld>
+  <p:clrMapOvr>
+    <a:masterClrMapping/>
+  </p:clrMapOvr>
+  <p:timing>
+    <p:tnLst>
+      <p:par>
+        <p:cTn id="1" dur="indefinite" restart="never" nodeType="tmRoot"/>
+      </p:par>
+    </p:tnLst>
+  </p:timing>
+</p:sld>
+</file>
+
+<file path=ppt/slides/slide6.xml><?xml version="1.0" encoding="utf-8"?>
+<p:sld xmlns:a="http://schemas.openxmlformats.org/drawingml/2006/main" xmlns:r="http://schemas.openxmlformats.org/officeDocument/2006/relationships" xmlns:p="http://schemas.openxmlformats.org/presentationml/2006/main">
+  <p:cSld>
+    <p:spTree>
+      <p:nvGrpSpPr>
+        <p:cNvPr id="1" name=""/>
+        <p:cNvGrpSpPr/>
+        <p:nvPr/>
+      </p:nvGrpSpPr>
+      <p:grpSpPr>
+        <a:xfrm>
+          <a:off x="0" y="0"/>
+          <a:ext cx="0" cy="0"/>
+          <a:chOff x="0" y="0"/>
+          <a:chExt cx="0" cy="0"/>
+        </a:xfrm>
+      </p:grpSpPr>
+      <p:sp>
+        <p:nvSpPr>
+          <p:cNvPr id="2" name="Title 1"/>
+          <p:cNvSpPr>
+            <a:spLocks noGrp="1"/>
+          </p:cNvSpPr>
+          <p:nvPr>
+            <p:ph type="title"/>
+          </p:nvPr>
+        </p:nvSpPr>
+        <p:spPr/>
+        <p:txBody>
+          <a:bodyPr/>
+          <a:lstStyle/>
+          <a:p>
+            <a:r>
+              <a:rPr lang="en-US" dirty="0" smtClean="0"/>
+              <a:t>T-SQL DATA </a:t>
+            </a:r>
+            <a:r>
+              <a:rPr lang="en-US" dirty="0"/>
+              <a:t>ACCESS OPTIONS for F# developers</a:t>
+            </a:r>
+          </a:p>
+        </p:txBody>
+      </p:sp>
+      <p:graphicFrame>
+        <p:nvGraphicFramePr>
+          <p:cNvPr id="4" name="Content Placeholder 3"/>
+          <p:cNvGraphicFramePr>
+            <a:graphicFrameLocks noGrp="1"/>
+          </p:cNvGraphicFramePr>
+          <p:nvPr>
+            <p:ph idx="1"/>
+            <p:extLst>
+              <p:ext uri="{D42A27DB-BD31-4B8C-83A1-F6EECF244321}">
+                <p14:modId xmlns:p14="http://schemas.microsoft.com/office/powerpoint/2010/main" val="3693123476"/>
+              </p:ext>
+            </p:extLst>
+          </p:nvPr>
+        </p:nvGraphicFramePr>
+        <p:xfrm>
+          <a:off x="822960" y="2306638"/>
+          <a:ext cx="10521633" cy="1854200"/>
+        </p:xfrm>
+        <a:graphic>
+          <a:graphicData uri="http://schemas.openxmlformats.org/drawingml/2006/table">
+            <a:tbl>
+              <a:tblPr firstRow="1" bandRow="1">
+                <a:tableStyleId>{5C22544A-7EE6-4342-B048-85BDC9FD1C3A}</a:tableStyleId>
+              </a:tblPr>
+              <a:tblGrid>
+                <a:gridCol w="2266633"/>
+                <a:gridCol w="1651000"/>
+                <a:gridCol w="1651000"/>
+                <a:gridCol w="1651000"/>
+                <a:gridCol w="1651000"/>
+                <a:gridCol w="1651000"/>
+              </a:tblGrid>
+              <a:tr h="370840">
+                <a:tc>
+                  <a:txBody>
+                    <a:bodyPr/>
+                    <a:lstStyle/>
+                    <a:p>
+                      <a:endParaRPr lang="en-US" dirty="0"/>
+                    </a:p>
+                  </a:txBody>
+                  <a:tcPr/>
+                </a:tc>
+                <a:tc>
+                  <a:txBody>
+                    <a:bodyPr/>
+                    <a:lstStyle/>
+                    <a:p>
+                      <a:pPr marL="0" marR="0" indent="0" algn="l" defTabSz="914400" rtl="0" eaLnBrk="1" fontAlgn="auto" latinLnBrk="0" hangingPunct="1">
+                        <a:lnSpc>
+                          <a:spcPct val="100000"/>
+                        </a:lnSpc>
+                        <a:spcBef>
+                          <a:spcPts val="0"/>
+                        </a:spcBef>
+                        <a:spcAft>
+                          <a:spcPts val="0"/>
+                        </a:spcAft>
+                        <a:buClrTx/>
+                        <a:buSzTx/>
+                        <a:buFontTx/>
+                        <a:buNone/>
+                        <a:tabLst/>
+                        <a:defRPr/>
+                      </a:pPr>
+                      <a:r>
+                        <a:rPr lang="en-US" dirty="0" smtClean="0"/>
+                        <a:t>Productivity</a:t>
+                      </a:r>
+                    </a:p>
+                  </a:txBody>
+                  <a:tcPr/>
+                </a:tc>
+                <a:tc>
+                  <a:txBody>
+                    <a:bodyPr/>
+                    <a:lstStyle/>
+                    <a:p>
+                      <a:pPr marL="0" marR="0" indent="0" algn="l" defTabSz="914400" rtl="0" eaLnBrk="1" fontAlgn="auto" latinLnBrk="0" hangingPunct="1">
+                        <a:lnSpc>
+                          <a:spcPct val="100000"/>
+                        </a:lnSpc>
+                        <a:spcBef>
+                          <a:spcPts val="0"/>
+                        </a:spcBef>
+                        <a:spcAft>
+                          <a:spcPts val="0"/>
+                        </a:spcAft>
+                        <a:buClrTx/>
+                        <a:buSzTx/>
+                        <a:buFontTx/>
+                        <a:buNone/>
+                        <a:tabLst/>
+                        <a:defRPr/>
+                      </a:pPr>
+                      <a:r>
+                        <a:rPr lang="en-US" dirty="0" smtClean="0"/>
+                        <a:t>Type</a:t>
+                      </a:r>
+                      <a:r>
+                        <a:rPr lang="en-US" baseline="0" dirty="0" smtClean="0"/>
+                        <a:t>s/IDE</a:t>
+                      </a:r>
+                      <a:endParaRPr lang="en-US" dirty="0" smtClean="0"/>
+                    </a:p>
+                  </a:txBody>
+                  <a:tcPr/>
+                </a:tc>
+                <a:tc>
+                  <a:txBody>
+                    <a:bodyPr/>
+                    <a:lstStyle/>
+                    <a:p>
+                      <a:r>
+                        <a:rPr lang="en-US" dirty="0" smtClean="0"/>
+                        <a:t>Abstraction</a:t>
+                      </a:r>
+                      <a:endParaRPr lang="en-US" dirty="0"/>
+                    </a:p>
+                  </a:txBody>
+                  <a:tcPr/>
+                </a:tc>
+                <a:tc>
+                  <a:txBody>
+                    <a:bodyPr/>
+                    <a:lstStyle/>
+                    <a:p>
+                      <a:pPr marL="0" marR="0" indent="0" algn="l" defTabSz="914400" rtl="0" eaLnBrk="1" fontAlgn="auto" latinLnBrk="0" hangingPunct="1">
+                        <a:lnSpc>
+                          <a:spcPct val="100000"/>
+                        </a:lnSpc>
+                        <a:spcBef>
+                          <a:spcPts val="0"/>
+                        </a:spcBef>
+                        <a:spcAft>
+                          <a:spcPts val="0"/>
+                        </a:spcAft>
+                        <a:buClrTx/>
+                        <a:buSzTx/>
+                        <a:buFontTx/>
+                        <a:buNone/>
+                        <a:tabLst/>
+                        <a:defRPr/>
+                      </a:pPr>
+                      <a:r>
+                        <a:rPr lang="en-US" dirty="0" smtClean="0"/>
+                        <a:t>Performance</a:t>
+                      </a:r>
+                    </a:p>
+                  </a:txBody>
+                  <a:tcPr/>
+                </a:tc>
+                <a:tc>
+                  <a:txBody>
+                    <a:bodyPr/>
+                    <a:lstStyle/>
+                    <a:p>
+                      <a:r>
+                        <a:rPr lang="en-US" dirty="0" smtClean="0"/>
+                        <a:t>Control</a:t>
+                      </a:r>
+                      <a:endParaRPr lang="en-US" dirty="0"/>
+                    </a:p>
+                  </a:txBody>
+                  <a:tcPr/>
+                </a:tc>
+              </a:tr>
+              <a:tr h="370840">
+                <a:tc>
+                  <a:txBody>
+                    <a:bodyPr/>
+                    <a:lstStyle/>
+                    <a:p>
+                      <a:r>
+                        <a:rPr lang="en-US" dirty="0" smtClean="0"/>
+                        <a:t>ADO.NET</a:t>
+                      </a:r>
+                      <a:endParaRPr lang="en-US" dirty="0"/>
+                    </a:p>
+                  </a:txBody>
+                  <a:tcPr/>
+                </a:tc>
+                <a:tc>
+                  <a:txBody>
+                    <a:bodyPr/>
+                    <a:lstStyle/>
+                    <a:p>
+                      <a:pPr algn="ctr"/>
+                      <a:r>
+                        <a:rPr lang="en-US" dirty="0" smtClean="0"/>
+                        <a:t>NO</a:t>
+                      </a:r>
+                      <a:endParaRPr lang="en-US" dirty="0"/>
+                    </a:p>
+                  </a:txBody>
+                  <a:tcPr/>
+                </a:tc>
+                <a:tc>
+                  <a:txBody>
+                    <a:bodyPr/>
+                    <a:lstStyle/>
+                    <a:p>
+                      <a:pPr algn="ctr"/>
+                      <a:r>
+                        <a:rPr lang="en-US" dirty="0" smtClean="0"/>
+                        <a:t>NO</a:t>
+                      </a:r>
+                      <a:endParaRPr lang="en-US" dirty="0"/>
+                    </a:p>
+                  </a:txBody>
+                  <a:tcPr/>
+                </a:tc>
+                <a:tc>
+                  <a:txBody>
+                    <a:bodyPr/>
+                    <a:lstStyle/>
+                    <a:p>
+                      <a:pPr algn="ctr"/>
+                      <a:r>
+                        <a:rPr lang="en-US" dirty="0" smtClean="0"/>
+                        <a:t>NO</a:t>
+                      </a:r>
+                      <a:endParaRPr lang="en-US" dirty="0"/>
+                    </a:p>
+                  </a:txBody>
+                  <a:tcPr/>
+                </a:tc>
+                <a:tc>
+                  <a:txBody>
+                    <a:bodyPr/>
+                    <a:lstStyle/>
+                    <a:p>
+                      <a:pPr algn="ctr"/>
+                      <a:r>
+                        <a:rPr lang="en-US" dirty="0" smtClean="0"/>
+                        <a:t>YES</a:t>
+                      </a:r>
+                      <a:endParaRPr lang="en-US" dirty="0"/>
+                    </a:p>
+                  </a:txBody>
+                  <a:tcPr/>
+                </a:tc>
+                <a:tc>
+                  <a:txBody>
+                    <a:bodyPr/>
+                    <a:lstStyle/>
+                    <a:p>
+                      <a:pPr algn="ctr"/>
+                      <a:r>
+                        <a:rPr lang="en-US" dirty="0" smtClean="0"/>
+                        <a:t>YES</a:t>
+                      </a:r>
+                      <a:endParaRPr lang="en-US" dirty="0"/>
+                    </a:p>
+                  </a:txBody>
+                  <a:tcPr/>
+                </a:tc>
+              </a:tr>
+              <a:tr h="370840">
+                <a:tc>
+                  <a:txBody>
+                    <a:bodyPr/>
+                    <a:lstStyle/>
+                    <a:p>
+                      <a:r>
+                        <a:rPr lang="en-US" dirty="0" smtClean="0"/>
+                        <a:t>ORM</a:t>
+                      </a:r>
+                      <a:r>
+                        <a:rPr lang="en-US" baseline="0" dirty="0" smtClean="0"/>
+                        <a:t> - EF</a:t>
+                      </a:r>
+                      <a:endParaRPr lang="en-US" dirty="0"/>
+                    </a:p>
+                  </a:txBody>
+                  <a:tcPr/>
+                </a:tc>
+                <a:tc>
+                  <a:txBody>
+                    <a:bodyPr/>
+                    <a:lstStyle/>
+                    <a:p>
+                      <a:pPr algn="ctr"/>
+                      <a:r>
+                        <a:rPr lang="en-US" dirty="0" smtClean="0"/>
+                        <a:t>-</a:t>
+                      </a:r>
+                      <a:endParaRPr lang="en-US" dirty="0"/>
+                    </a:p>
+                  </a:txBody>
+                  <a:tcPr/>
+                </a:tc>
+                <a:tc>
+                  <a:txBody>
+                    <a:bodyPr/>
+                    <a:lstStyle/>
+                    <a:p>
+                      <a:pPr algn="ctr"/>
+                      <a:r>
+                        <a:rPr lang="en-US" dirty="0" smtClean="0"/>
+                        <a:t>-</a:t>
+                      </a:r>
+                      <a:endParaRPr lang="en-US" dirty="0"/>
+                    </a:p>
+                  </a:txBody>
+                  <a:tcPr/>
+                </a:tc>
+                <a:tc>
+                  <a:txBody>
+                    <a:bodyPr/>
+                    <a:lstStyle/>
+                    <a:p>
+                      <a:pPr algn="ctr"/>
+                      <a:r>
+                        <a:rPr lang="en-US" dirty="0" smtClean="0"/>
+                        <a:t>-</a:t>
+                      </a:r>
+                      <a:endParaRPr lang="en-US" dirty="0"/>
+                    </a:p>
+                  </a:txBody>
+                  <a:tcPr/>
+                </a:tc>
+                <a:tc>
+                  <a:txBody>
+                    <a:bodyPr/>
+                    <a:lstStyle/>
+                    <a:p>
+                      <a:pPr algn="ctr"/>
+                      <a:r>
+                        <a:rPr lang="en-US" dirty="0" smtClean="0"/>
+                        <a:t>NO</a:t>
+                      </a:r>
+                      <a:endParaRPr lang="en-US" dirty="0"/>
+                    </a:p>
+                  </a:txBody>
+                  <a:tcPr/>
+                </a:tc>
+                <a:tc>
+                  <a:txBody>
+                    <a:bodyPr/>
+                    <a:lstStyle/>
+                    <a:p>
+                      <a:pPr algn="ctr"/>
+                      <a:r>
+                        <a:rPr lang="en-US" dirty="0" smtClean="0"/>
+                        <a:t>NO</a:t>
+                      </a:r>
+                      <a:endParaRPr lang="en-US" dirty="0"/>
+                    </a:p>
+                  </a:txBody>
+                  <a:tcPr/>
+                </a:tc>
+              </a:tr>
+              <a:tr h="370840">
+                <a:tc>
+                  <a:txBody>
+                    <a:bodyPr/>
+                    <a:lstStyle/>
+                    <a:p>
+                      <a:r>
+                        <a:rPr lang="en-US" dirty="0" smtClean="0"/>
+                        <a:t>Light ORM - Dapper</a:t>
+                      </a:r>
+                      <a:endParaRPr lang="en-US" dirty="0"/>
+                    </a:p>
+                  </a:txBody>
+                  <a:tcPr/>
+                </a:tc>
+                <a:tc>
+                  <a:txBody>
+                    <a:bodyPr/>
+                    <a:lstStyle/>
+                    <a:p>
+                      <a:pPr algn="ctr"/>
+                      <a:r>
+                        <a:rPr lang="en-US" dirty="0" smtClean="0"/>
+                        <a:t>-</a:t>
+                      </a:r>
+                      <a:endParaRPr lang="en-US" dirty="0"/>
+                    </a:p>
+                  </a:txBody>
+                  <a:tcPr/>
+                </a:tc>
+                <a:tc>
+                  <a:txBody>
+                    <a:bodyPr/>
+                    <a:lstStyle/>
+                    <a:p>
+                      <a:pPr algn="ctr"/>
+                      <a:r>
+                        <a:rPr lang="en-US" dirty="0" smtClean="0"/>
+                        <a:t>-</a:t>
+                      </a:r>
+                      <a:endParaRPr lang="en-US" dirty="0"/>
+                    </a:p>
+                  </a:txBody>
+                  <a:tcPr/>
+                </a:tc>
+                <a:tc>
+                  <a:txBody>
+                    <a:bodyPr/>
+                    <a:lstStyle/>
+                    <a:p>
+                      <a:pPr algn="ctr"/>
+                      <a:r>
+                        <a:rPr lang="en-US" dirty="0" smtClean="0"/>
+                        <a:t>-</a:t>
+                      </a:r>
+                      <a:endParaRPr lang="en-US" dirty="0"/>
+                    </a:p>
+                  </a:txBody>
+                  <a:tcPr/>
+                </a:tc>
+                <a:tc>
+                  <a:txBody>
+                    <a:bodyPr/>
+                    <a:lstStyle/>
+                    <a:p>
+                      <a:pPr algn="ctr"/>
+                      <a:r>
+                        <a:rPr lang="en-US" dirty="0" smtClean="0"/>
+                        <a:t>YES</a:t>
+                      </a:r>
+                      <a:endParaRPr lang="en-US" dirty="0"/>
+                    </a:p>
+                  </a:txBody>
+                  <a:tcPr/>
+                </a:tc>
+                <a:tc>
+                  <a:txBody>
+                    <a:bodyPr/>
+                    <a:lstStyle/>
+                    <a:p>
+                      <a:pPr algn="ctr"/>
+                      <a:r>
+                        <a:rPr lang="en-US" dirty="0" smtClean="0"/>
+                        <a:t>YES</a:t>
+                      </a:r>
+                      <a:endParaRPr lang="en-US" dirty="0"/>
+                    </a:p>
+                  </a:txBody>
+                  <a:tcPr/>
+                </a:tc>
+              </a:tr>
+              <a:tr h="370840">
+                <a:tc>
+                  <a:txBody>
+                    <a:bodyPr/>
+                    <a:lstStyle/>
+                    <a:p>
+                      <a:r>
+                        <a:rPr lang="en-US" dirty="0" smtClean="0"/>
+                        <a:t>LINQ</a:t>
+                      </a:r>
+                      <a:r>
+                        <a:rPr lang="en-US" baseline="0" dirty="0" smtClean="0"/>
+                        <a:t> - </a:t>
+                      </a:r>
+                      <a:r>
+                        <a:rPr lang="en-US" baseline="0" dirty="0" err="1" smtClean="0"/>
+                        <a:t>SQLProvider</a:t>
+                      </a:r>
+                      <a:endParaRPr lang="en-US" dirty="0"/>
+                    </a:p>
+                  </a:txBody>
+                  <a:tcPr/>
+                </a:tc>
+                <a:tc>
+                  <a:txBody>
+                    <a:bodyPr/>
+                    <a:lstStyle/>
+                    <a:p>
+                      <a:pPr algn="ctr"/>
+                      <a:r>
+                        <a:rPr lang="en-US" dirty="0" smtClean="0"/>
+                        <a:t>YES</a:t>
+                      </a:r>
+                      <a:endParaRPr lang="en-US" dirty="0"/>
+                    </a:p>
+                  </a:txBody>
+                  <a:tcPr/>
+                </a:tc>
+                <a:tc>
+                  <a:txBody>
+                    <a:bodyPr/>
+                    <a:lstStyle/>
+                    <a:p>
+                      <a:pPr algn="ctr"/>
+                      <a:r>
+                        <a:rPr lang="en-US" dirty="0" smtClean="0"/>
+                        <a:t>YES</a:t>
+                      </a:r>
+                      <a:endParaRPr lang="en-US" dirty="0"/>
+                    </a:p>
+                  </a:txBody>
+                  <a:tcPr/>
+                </a:tc>
+                <a:tc>
+                  <a:txBody>
+                    <a:bodyPr/>
+                    <a:lstStyle/>
+                    <a:p>
+                      <a:pPr algn="ctr"/>
+                      <a:r>
+                        <a:rPr lang="en-US" dirty="0" smtClean="0"/>
+                        <a:t>-</a:t>
+                      </a:r>
+                      <a:endParaRPr lang="en-US" dirty="0"/>
+                    </a:p>
+                  </a:txBody>
+                  <a:tcPr/>
+                </a:tc>
+                <a:tc>
+                  <a:txBody>
+                    <a:bodyPr/>
+                    <a:lstStyle/>
+                    <a:p>
+                      <a:pPr algn="ctr"/>
+                      <a:r>
+                        <a:rPr lang="en-US" dirty="0" smtClean="0"/>
+                        <a:t>NO</a:t>
+                      </a:r>
+                      <a:endParaRPr lang="en-US" dirty="0"/>
+                    </a:p>
+                  </a:txBody>
+                  <a:tcPr/>
+                </a:tc>
+                <a:tc>
+                  <a:txBody>
+                    <a:bodyPr/>
+                    <a:lstStyle/>
+                    <a:p>
+                      <a:pPr algn="ctr"/>
+                      <a:r>
+                        <a:rPr lang="en-US" dirty="0" smtClean="0"/>
+                        <a:t>NO</a:t>
+                      </a:r>
+                      <a:endParaRPr lang="en-US" dirty="0"/>
+                    </a:p>
+                  </a:txBody>
+                  <a:tcPr/>
+                </a:tc>
+              </a:tr>
+            </a:tbl>
+          </a:graphicData>
+        </a:graphic>
+      </p:graphicFrame>
+    </p:spTree>
+    <p:extLst>
+      <p:ext uri="{BB962C8B-B14F-4D97-AF65-F5344CB8AC3E}">
+        <p14:creationId xmlns:p14="http://schemas.microsoft.com/office/powerpoint/2010/main" val="2731343802"/>
+      </p:ext>
+    </p:extLst>
+  </p:cSld>
+  <p:clrMapOvr>
+    <a:masterClrMapping/>
+  </p:clrMapOvr>
+  <p:timing>
+    <p:tnLst>
+      <p:par>
+        <p:cTn id="1" dur="indefinite" restart="never" nodeType="tmRoot"/>
+      </p:par>
+    </p:tnLst>
+  </p:timing>
+</p:sld>
+</file>
+
+<file path=ppt/slides/slide7.xml><?xml version="1.0" encoding="utf-8"?>
+<p:sld xmlns:a="http://schemas.openxmlformats.org/drawingml/2006/main" xmlns:r="http://schemas.openxmlformats.org/officeDocument/2006/relationships" xmlns:p="http://schemas.openxmlformats.org/presentationml/2006/main">
+  <p:cSld>
+    <p:spTree>
+      <p:nvGrpSpPr>
+        <p:cNvPr id="1" name=""/>
+        <p:cNvGrpSpPr/>
+        <p:nvPr/>
+      </p:nvGrpSpPr>
+      <p:grpSpPr>
+        <a:xfrm>
+          <a:off x="0" y="0"/>
+          <a:ext cx="0" cy="0"/>
+          <a:chOff x="0" y="0"/>
+          <a:chExt cx="0" cy="0"/>
+        </a:xfrm>
+      </p:grpSpPr>
+      <p:sp>
+        <p:nvSpPr>
+          <p:cNvPr id="2" name="Title 1"/>
+          <p:cNvSpPr>
+            <a:spLocks noGrp="1"/>
+          </p:cNvSpPr>
+          <p:nvPr>
+            <p:ph type="title"/>
+          </p:nvPr>
+        </p:nvSpPr>
+        <p:spPr/>
+        <p:txBody>
+          <a:bodyPr>
+            <a:normAutofit fontScale="90000"/>
+          </a:bodyPr>
+          <a:lstStyle/>
+          <a:p>
+            <a:r>
+              <a:rPr lang="en-US" cap="none" dirty="0" err="1" smtClean="0"/>
+              <a:t>SqlCommand</a:t>
+            </a:r>
+            <a:r>
+              <a:rPr lang="en-US" cap="none" dirty="0" err="1"/>
+              <a:t>P</a:t>
+            </a:r>
+            <a:r>
+              <a:rPr lang="en-US" cap="none" dirty="0" err="1" smtClean="0"/>
+              <a:t>rovider</a:t>
+            </a:r>
+            <a:r>
+              <a:rPr lang="en-US" cap="none" dirty="0"/>
+              <a:t/>
+            </a:r>
+            <a:br>
+              <a:rPr lang="en-US" cap="none" dirty="0"/>
+            </a:br>
+            <a:r>
+              <a:rPr lang="en-US" cap="none" dirty="0"/>
+              <a:t>Bridging the gap between F# types and T-SQL scripting</a:t>
+            </a:r>
+          </a:p>
+        </p:txBody>
+      </p:sp>
+      <p:sp>
+        <p:nvSpPr>
+          <p:cNvPr id="3" name="Content Placeholder 2"/>
+          <p:cNvSpPr>
+            <a:spLocks noGrp="1"/>
+          </p:cNvSpPr>
+          <p:nvPr>
+            <p:ph idx="1"/>
+          </p:nvPr>
+        </p:nvSpPr>
+        <p:spPr/>
+        <p:txBody>
+          <a:bodyPr/>
+          <a:lstStyle/>
+          <a:p>
+            <a:endParaRPr lang="en-US" dirty="0"/>
+          </a:p>
+        </p:txBody>
+      </p:sp>
+    </p:spTree>
+    <p:extLst>
+      <p:ext uri="{BB962C8B-B14F-4D97-AF65-F5344CB8AC3E}">
+        <p14:creationId xmlns:p14="http://schemas.microsoft.com/office/powerpoint/2010/main" val="1988362295"/>
+      </p:ext>
+    </p:extLst>
+  </p:cSld>
+  <p:clrMapOvr>
+    <a:masterClrMapping/>
+  </p:clrMapOvr>
+  <p:timing>
+    <p:tnLst>
+      <p:par>
+        <p:cTn id="1" dur="indefinite" restart="never" nodeType="tmRoot"/>
+      </p:par>
+    </p:tnLst>
+  </p:timing>
 </p:sld>
 </file>
 

--- a/presentations/NYC F# UG. 2014-08-26.pptx
+++ b/presentations/NYC F# UG. 2014-08-26.pptx
@@ -12,6 +12,8 @@
     <p:sldId id="292" r:id="rId6"/>
     <p:sldId id="294" r:id="rId7"/>
     <p:sldId id="295" r:id="rId8"/>
+    <p:sldId id="296" r:id="rId9"/>
+    <p:sldId id="297" r:id="rId10"/>
   </p:sldIdLst>
   <p:sldSz cx="12192000" cy="6858000"/>
   <p:notesSz cx="6858000" cy="9144000"/>
@@ -168,7 +170,7 @@
           <a:noFill/>
           <a:extLst>
             <a:ext uri="{909E8E84-426E-40dd-AFC4-6F175D3DCCD1}">
-              <a14:hiddenFill xmlns:a14="http://schemas.microsoft.com/office/drawing/2010/main" xmlns="">
+              <a14:hiddenFill xmlns="" xmlns:a14="http://schemas.microsoft.com/office/drawing/2010/main">
                 <a:solidFill>
                   <a:srgbClr val="FFFFFF"/>
                 </a:solidFill>
@@ -228,7 +230,7 @@
             </a:ln>
             <a:extLst>
               <a:ext uri="{91240B29-F687-4f45-9708-019B960494DF}">
-                <a14:hiddenLine xmlns:a14="http://schemas.microsoft.com/office/drawing/2010/main" xmlns="" w="9525">
+                <a14:hiddenLine xmlns="" xmlns:a14="http://schemas.microsoft.com/office/drawing/2010/main" w="9525">
                   <a:solidFill>
                     <a:srgbClr val="000000"/>
                   </a:solidFill>
@@ -318,7 +320,7 @@
             </a:ln>
             <a:extLst>
               <a:ext uri="{91240B29-F687-4f45-9708-019B960494DF}">
-                <a14:hiddenLine xmlns:a14="http://schemas.microsoft.com/office/drawing/2010/main" xmlns="" w="9525">
+                <a14:hiddenLine xmlns="" xmlns:a14="http://schemas.microsoft.com/office/drawing/2010/main" w="9525">
                   <a:solidFill>
                     <a:srgbClr val="000000"/>
                   </a:solidFill>
@@ -408,7 +410,7 @@
             </a:ln>
             <a:extLst>
               <a:ext uri="{91240B29-F687-4f45-9708-019B960494DF}">
-                <a14:hiddenLine xmlns:a14="http://schemas.microsoft.com/office/drawing/2010/main" xmlns="" w="9525">
+                <a14:hiddenLine xmlns="" xmlns:a14="http://schemas.microsoft.com/office/drawing/2010/main" w="9525">
                   <a:solidFill>
                     <a:srgbClr val="000000"/>
                   </a:solidFill>
@@ -442,7 +444,7 @@
             </a:ln>
             <a:extLst>
               <a:ext uri="{91240B29-F687-4f45-9708-019B960494DF}">
-                <a14:hiddenLine xmlns:a14="http://schemas.microsoft.com/office/drawing/2010/main" xmlns="" w="9525">
+                <a14:hiddenLine xmlns="" xmlns:a14="http://schemas.microsoft.com/office/drawing/2010/main" w="9525">
                   <a:solidFill>
                     <a:srgbClr val="000000"/>
                   </a:solidFill>
@@ -532,7 +534,7 @@
             </a:ln>
             <a:extLst>
               <a:ext uri="{91240B29-F687-4f45-9708-019B960494DF}">
-                <a14:hiddenLine xmlns:a14="http://schemas.microsoft.com/office/drawing/2010/main" xmlns="" w="9525">
+                <a14:hiddenLine xmlns="" xmlns:a14="http://schemas.microsoft.com/office/drawing/2010/main" w="9525">
                   <a:solidFill>
                     <a:srgbClr val="000000"/>
                   </a:solidFill>
@@ -594,7 +596,7 @@
             </a:ln>
             <a:extLst>
               <a:ext uri="{91240B29-F687-4f45-9708-019B960494DF}">
-                <a14:hiddenLine xmlns:a14="http://schemas.microsoft.com/office/drawing/2010/main" xmlns="" w="9525">
+                <a14:hiddenLine xmlns="" xmlns:a14="http://schemas.microsoft.com/office/drawing/2010/main" w="9525">
                   <a:solidFill>
                     <a:srgbClr val="000000"/>
                   </a:solidFill>
@@ -656,7 +658,7 @@
             </a:ln>
             <a:extLst>
               <a:ext uri="{91240B29-F687-4f45-9708-019B960494DF}">
-                <a14:hiddenLine xmlns:a14="http://schemas.microsoft.com/office/drawing/2010/main" xmlns="" w="9525">
+                <a14:hiddenLine xmlns="" xmlns:a14="http://schemas.microsoft.com/office/drawing/2010/main" w="9525">
                   <a:solidFill>
                     <a:srgbClr val="000000"/>
                   </a:solidFill>
@@ -746,7 +748,7 @@
             </a:ln>
             <a:extLst>
               <a:ext uri="{91240B29-F687-4f45-9708-019B960494DF}">
-                <a14:hiddenLine xmlns:a14="http://schemas.microsoft.com/office/drawing/2010/main" xmlns="" w="9525">
+                <a14:hiddenLine xmlns="" xmlns:a14="http://schemas.microsoft.com/office/drawing/2010/main" w="9525">
                   <a:solidFill>
                     <a:srgbClr val="000000"/>
                   </a:solidFill>
@@ -808,7 +810,7 @@
             </a:ln>
             <a:extLst>
               <a:ext uri="{91240B29-F687-4f45-9708-019B960494DF}">
-                <a14:hiddenLine xmlns:a14="http://schemas.microsoft.com/office/drawing/2010/main" xmlns="" w="9525">
+                <a14:hiddenLine xmlns="" xmlns:a14="http://schemas.microsoft.com/office/drawing/2010/main" w="9525">
                   <a:solidFill>
                     <a:srgbClr val="000000"/>
                   </a:solidFill>
@@ -870,7 +872,7 @@
             </a:ln>
             <a:extLst>
               <a:ext uri="{91240B29-F687-4f45-9708-019B960494DF}">
-                <a14:hiddenLine xmlns:a14="http://schemas.microsoft.com/office/drawing/2010/main" xmlns="" w="9525">
+                <a14:hiddenLine xmlns="" xmlns:a14="http://schemas.microsoft.com/office/drawing/2010/main" w="9525">
                   <a:solidFill>
                     <a:srgbClr val="000000"/>
                   </a:solidFill>
@@ -960,7 +962,7 @@
             </a:ln>
             <a:extLst>
               <a:ext uri="{91240B29-F687-4f45-9708-019B960494DF}">
-                <a14:hiddenLine xmlns:a14="http://schemas.microsoft.com/office/drawing/2010/main" xmlns="" w="9525">
+                <a14:hiddenLine xmlns="" xmlns:a14="http://schemas.microsoft.com/office/drawing/2010/main" w="9525">
                   <a:solidFill>
                     <a:srgbClr val="000000"/>
                   </a:solidFill>
@@ -1050,7 +1052,7 @@
             </a:ln>
             <a:extLst>
               <a:ext uri="{91240B29-F687-4f45-9708-019B960494DF}">
-                <a14:hiddenLine xmlns:a14="http://schemas.microsoft.com/office/drawing/2010/main" xmlns="" w="9525">
+                <a14:hiddenLine xmlns="" xmlns:a14="http://schemas.microsoft.com/office/drawing/2010/main" w="9525">
                   <a:solidFill>
                     <a:srgbClr val="000000"/>
                   </a:solidFill>
@@ -1112,7 +1114,7 @@
             </a:ln>
             <a:extLst>
               <a:ext uri="{91240B29-F687-4f45-9708-019B960494DF}">
-                <a14:hiddenLine xmlns:a14="http://schemas.microsoft.com/office/drawing/2010/main" xmlns="" w="9525">
+                <a14:hiddenLine xmlns="" xmlns:a14="http://schemas.microsoft.com/office/drawing/2010/main" w="9525">
                   <a:solidFill>
                     <a:srgbClr val="000000"/>
                   </a:solidFill>
@@ -1222,7 +1224,7 @@
             </a:ln>
             <a:extLst>
               <a:ext uri="{91240B29-F687-4f45-9708-019B960494DF}">
-                <a14:hiddenLine xmlns:a14="http://schemas.microsoft.com/office/drawing/2010/main" xmlns="" w="9525">
+                <a14:hiddenLine xmlns="" xmlns:a14="http://schemas.microsoft.com/office/drawing/2010/main" w="9525">
                   <a:solidFill>
                     <a:srgbClr val="000000"/>
                   </a:solidFill>
@@ -1284,7 +1286,7 @@
             </a:ln>
             <a:extLst>
               <a:ext uri="{91240B29-F687-4f45-9708-019B960494DF}">
-                <a14:hiddenLine xmlns:a14="http://schemas.microsoft.com/office/drawing/2010/main" xmlns="" w="9525">
+                <a14:hiddenLine xmlns="" xmlns:a14="http://schemas.microsoft.com/office/drawing/2010/main" w="9525">
                   <a:solidFill>
                     <a:srgbClr val="000000"/>
                   </a:solidFill>
@@ -1374,7 +1376,7 @@
             </a:ln>
             <a:extLst>
               <a:ext uri="{91240B29-F687-4f45-9708-019B960494DF}">
-                <a14:hiddenLine xmlns:a14="http://schemas.microsoft.com/office/drawing/2010/main" xmlns="" w="9525">
+                <a14:hiddenLine xmlns="" xmlns:a14="http://schemas.microsoft.com/office/drawing/2010/main" w="9525">
                   <a:solidFill>
                     <a:srgbClr val="000000"/>
                   </a:solidFill>
@@ -1464,7 +1466,7 @@
             </a:ln>
             <a:extLst>
               <a:ext uri="{91240B29-F687-4f45-9708-019B960494DF}">
-                <a14:hiddenLine xmlns:a14="http://schemas.microsoft.com/office/drawing/2010/main" xmlns="" w="9525">
+                <a14:hiddenLine xmlns="" xmlns:a14="http://schemas.microsoft.com/office/drawing/2010/main" w="9525">
                   <a:solidFill>
                     <a:srgbClr val="000000"/>
                   </a:solidFill>
@@ -1526,7 +1528,7 @@
             </a:ln>
             <a:extLst>
               <a:ext uri="{91240B29-F687-4f45-9708-019B960494DF}">
-                <a14:hiddenLine xmlns:a14="http://schemas.microsoft.com/office/drawing/2010/main" xmlns="" w="9525">
+                <a14:hiddenLine xmlns="" xmlns:a14="http://schemas.microsoft.com/office/drawing/2010/main" w="9525">
                   <a:solidFill>
                     <a:srgbClr val="000000"/>
                   </a:solidFill>
@@ -1616,7 +1618,7 @@
             </a:ln>
             <a:extLst>
               <a:ext uri="{91240B29-F687-4f45-9708-019B960494DF}">
-                <a14:hiddenLine xmlns:a14="http://schemas.microsoft.com/office/drawing/2010/main" xmlns="" w="9525">
+                <a14:hiddenLine xmlns="" xmlns:a14="http://schemas.microsoft.com/office/drawing/2010/main" w="9525">
                   <a:solidFill>
                     <a:srgbClr val="000000"/>
                   </a:solidFill>
@@ -1706,7 +1708,7 @@
             </a:ln>
             <a:extLst>
               <a:ext uri="{91240B29-F687-4f45-9708-019B960494DF}">
-                <a14:hiddenLine xmlns:a14="http://schemas.microsoft.com/office/drawing/2010/main" xmlns="" w="9525">
+                <a14:hiddenLine xmlns="" xmlns:a14="http://schemas.microsoft.com/office/drawing/2010/main" w="9525">
                   <a:solidFill>
                     <a:srgbClr val="000000"/>
                   </a:solidFill>
@@ -1762,7 +1764,7 @@
             </a:ln>
             <a:extLst>
               <a:ext uri="{91240B29-F687-4f45-9708-019B960494DF}">
-                <a14:hiddenLine xmlns:a14="http://schemas.microsoft.com/office/drawing/2010/main" xmlns="" w="9525">
+                <a14:hiddenLine xmlns="" xmlns:a14="http://schemas.microsoft.com/office/drawing/2010/main" w="9525">
                   <a:solidFill>
                     <a:srgbClr val="000000"/>
                   </a:solidFill>
@@ -1852,7 +1854,7 @@
             </a:ln>
             <a:extLst>
               <a:ext uri="{91240B29-F687-4f45-9708-019B960494DF}">
-                <a14:hiddenLine xmlns:a14="http://schemas.microsoft.com/office/drawing/2010/main" xmlns="" w="9525">
+                <a14:hiddenLine xmlns="" xmlns:a14="http://schemas.microsoft.com/office/drawing/2010/main" w="9525">
                   <a:solidFill>
                     <a:srgbClr val="000000"/>
                   </a:solidFill>
@@ -1908,7 +1910,7 @@
             </a:ln>
             <a:extLst>
               <a:ext uri="{91240B29-F687-4f45-9708-019B960494DF}">
-                <a14:hiddenLine xmlns:a14="http://schemas.microsoft.com/office/drawing/2010/main" xmlns="" w="9525">
+                <a14:hiddenLine xmlns="" xmlns:a14="http://schemas.microsoft.com/office/drawing/2010/main" w="9525">
                   <a:solidFill>
                     <a:srgbClr val="000000"/>
                   </a:solidFill>
@@ -1998,7 +2000,7 @@
             </a:ln>
             <a:extLst>
               <a:ext uri="{91240B29-F687-4f45-9708-019B960494DF}">
-                <a14:hiddenLine xmlns:a14="http://schemas.microsoft.com/office/drawing/2010/main" xmlns="" w="9525">
+                <a14:hiddenLine xmlns="" xmlns:a14="http://schemas.microsoft.com/office/drawing/2010/main" w="9525">
                   <a:solidFill>
                     <a:srgbClr val="000000"/>
                   </a:solidFill>
@@ -2066,7 +2068,7 @@
             </a:ln>
             <a:extLst>
               <a:ext uri="{91240B29-F687-4f45-9708-019B960494DF}">
-                <a14:hiddenLine xmlns:a14="http://schemas.microsoft.com/office/drawing/2010/main" xmlns="" w="9525">
+                <a14:hiddenLine xmlns="" xmlns:a14="http://schemas.microsoft.com/office/drawing/2010/main" w="9525">
                   <a:solidFill>
                     <a:srgbClr val="000000"/>
                   </a:solidFill>
@@ -2156,7 +2158,7 @@
             </a:ln>
             <a:extLst>
               <a:ext uri="{91240B29-F687-4f45-9708-019B960494DF}">
-                <a14:hiddenLine xmlns:a14="http://schemas.microsoft.com/office/drawing/2010/main" xmlns="" w="9525">
+                <a14:hiddenLine xmlns="" xmlns:a14="http://schemas.microsoft.com/office/drawing/2010/main" w="9525">
                   <a:solidFill>
                     <a:srgbClr val="000000"/>
                   </a:solidFill>
@@ -2224,7 +2226,7 @@
             </a:ln>
             <a:extLst>
               <a:ext uri="{91240B29-F687-4f45-9708-019B960494DF}">
-                <a14:hiddenLine xmlns:a14="http://schemas.microsoft.com/office/drawing/2010/main" xmlns="" w="9525">
+                <a14:hiddenLine xmlns="" xmlns:a14="http://schemas.microsoft.com/office/drawing/2010/main" w="9525">
                   <a:solidFill>
                     <a:srgbClr val="000000"/>
                   </a:solidFill>
@@ -2314,7 +2316,7 @@
             </a:ln>
             <a:extLst>
               <a:ext uri="{91240B29-F687-4f45-9708-019B960494DF}">
-                <a14:hiddenLine xmlns:a14="http://schemas.microsoft.com/office/drawing/2010/main" xmlns="" w="9525">
+                <a14:hiddenLine xmlns="" xmlns:a14="http://schemas.microsoft.com/office/drawing/2010/main" w="9525">
                   <a:solidFill>
                     <a:srgbClr val="000000"/>
                   </a:solidFill>
@@ -2348,7 +2350,7 @@
             </a:ln>
             <a:extLst>
               <a:ext uri="{91240B29-F687-4f45-9708-019B960494DF}">
-                <a14:hiddenLine xmlns:a14="http://schemas.microsoft.com/office/drawing/2010/main" xmlns="" w="9525">
+                <a14:hiddenLine xmlns="" xmlns:a14="http://schemas.microsoft.com/office/drawing/2010/main" w="9525">
                   <a:solidFill>
                     <a:srgbClr val="000000"/>
                   </a:solidFill>
@@ -2438,7 +2440,7 @@
             </a:ln>
             <a:extLst>
               <a:ext uri="{91240B29-F687-4f45-9708-019B960494DF}">
-                <a14:hiddenLine xmlns:a14="http://schemas.microsoft.com/office/drawing/2010/main" xmlns="" w="9525">
+                <a14:hiddenLine xmlns="" xmlns:a14="http://schemas.microsoft.com/office/drawing/2010/main" w="9525">
                   <a:solidFill>
                     <a:srgbClr val="000000"/>
                   </a:solidFill>
@@ -2500,7 +2502,7 @@
             </a:ln>
             <a:extLst>
               <a:ext uri="{91240B29-F687-4f45-9708-019B960494DF}">
-                <a14:hiddenLine xmlns:a14="http://schemas.microsoft.com/office/drawing/2010/main" xmlns="" w="9525">
+                <a14:hiddenLine xmlns="" xmlns:a14="http://schemas.microsoft.com/office/drawing/2010/main" w="9525">
                   <a:solidFill>
                     <a:srgbClr val="000000"/>
                   </a:solidFill>
@@ -2562,7 +2564,7 @@
             </a:ln>
             <a:extLst>
               <a:ext uri="{91240B29-F687-4f45-9708-019B960494DF}">
-                <a14:hiddenLine xmlns:a14="http://schemas.microsoft.com/office/drawing/2010/main" xmlns="" w="9525">
+                <a14:hiddenLine xmlns="" xmlns:a14="http://schemas.microsoft.com/office/drawing/2010/main" w="9525">
                   <a:solidFill>
                     <a:srgbClr val="000000"/>
                   </a:solidFill>
@@ -2652,7 +2654,7 @@
             </a:ln>
             <a:extLst>
               <a:ext uri="{91240B29-F687-4f45-9708-019B960494DF}">
-                <a14:hiddenLine xmlns:a14="http://schemas.microsoft.com/office/drawing/2010/main" xmlns="" w="9525">
+                <a14:hiddenLine xmlns="" xmlns:a14="http://schemas.microsoft.com/office/drawing/2010/main" w="9525">
                   <a:solidFill>
                     <a:srgbClr val="000000"/>
                   </a:solidFill>
@@ -2720,7 +2722,7 @@
             </a:ln>
             <a:extLst>
               <a:ext uri="{91240B29-F687-4f45-9708-019B960494DF}">
-                <a14:hiddenLine xmlns:a14="http://schemas.microsoft.com/office/drawing/2010/main" xmlns="" w="9525">
+                <a14:hiddenLine xmlns="" xmlns:a14="http://schemas.microsoft.com/office/drawing/2010/main" w="9525">
                   <a:solidFill>
                     <a:srgbClr val="000000"/>
                   </a:solidFill>
@@ -2782,7 +2784,7 @@
             </a:ln>
             <a:extLst>
               <a:ext uri="{91240B29-F687-4f45-9708-019B960494DF}">
-                <a14:hiddenLine xmlns:a14="http://schemas.microsoft.com/office/drawing/2010/main" xmlns="" w="9525">
+                <a14:hiddenLine xmlns="" xmlns:a14="http://schemas.microsoft.com/office/drawing/2010/main" w="9525">
                   <a:solidFill>
                     <a:srgbClr val="000000"/>
                   </a:solidFill>
@@ -2872,7 +2874,7 @@
             </a:ln>
             <a:extLst>
               <a:ext uri="{91240B29-F687-4f45-9708-019B960494DF}">
-                <a14:hiddenLine xmlns:a14="http://schemas.microsoft.com/office/drawing/2010/main" xmlns="" w="9525">
+                <a14:hiddenLine xmlns="" xmlns:a14="http://schemas.microsoft.com/office/drawing/2010/main" w="9525">
                   <a:solidFill>
                     <a:srgbClr val="000000"/>
                   </a:solidFill>
@@ -2934,7 +2936,7 @@
             </a:ln>
             <a:extLst>
               <a:ext uri="{91240B29-F687-4f45-9708-019B960494DF}">
-                <a14:hiddenLine xmlns:a14="http://schemas.microsoft.com/office/drawing/2010/main" xmlns="" w="9525">
+                <a14:hiddenLine xmlns="" xmlns:a14="http://schemas.microsoft.com/office/drawing/2010/main" w="9525">
                   <a:solidFill>
                     <a:srgbClr val="000000"/>
                   </a:solidFill>
@@ -3024,7 +3026,7 @@
             </a:ln>
             <a:extLst>
               <a:ext uri="{91240B29-F687-4f45-9708-019B960494DF}">
-                <a14:hiddenLine xmlns:a14="http://schemas.microsoft.com/office/drawing/2010/main" xmlns="" w="9525">
+                <a14:hiddenLine xmlns="" xmlns:a14="http://schemas.microsoft.com/office/drawing/2010/main" w="9525">
                   <a:solidFill>
                     <a:srgbClr val="000000"/>
                   </a:solidFill>
@@ -3086,7 +3088,7 @@
             </a:ln>
             <a:extLst>
               <a:ext uri="{91240B29-F687-4f45-9708-019B960494DF}">
-                <a14:hiddenLine xmlns:a14="http://schemas.microsoft.com/office/drawing/2010/main" xmlns="" w="9525">
+                <a14:hiddenLine xmlns="" xmlns:a14="http://schemas.microsoft.com/office/drawing/2010/main" w="9525">
                   <a:solidFill>
                     <a:srgbClr val="000000"/>
                   </a:solidFill>
@@ -3176,7 +3178,7 @@
             </a:ln>
             <a:extLst>
               <a:ext uri="{91240B29-F687-4f45-9708-019B960494DF}">
-                <a14:hiddenLine xmlns:a14="http://schemas.microsoft.com/office/drawing/2010/main" xmlns="" w="9525">
+                <a14:hiddenLine xmlns="" xmlns:a14="http://schemas.microsoft.com/office/drawing/2010/main" w="9525">
                   <a:solidFill>
                     <a:srgbClr val="000000"/>
                   </a:solidFill>
@@ -3210,7 +3212,7 @@
             </a:ln>
             <a:extLst>
               <a:ext uri="{91240B29-F687-4f45-9708-019B960494DF}">
-                <a14:hiddenLine xmlns:a14="http://schemas.microsoft.com/office/drawing/2010/main" xmlns="" w="9525">
+                <a14:hiddenLine xmlns="" xmlns:a14="http://schemas.microsoft.com/office/drawing/2010/main" w="9525">
                   <a:solidFill>
                     <a:srgbClr val="000000"/>
                   </a:solidFill>
@@ -3275,7 +3277,7 @@
             </a:ln>
             <a:extLst>
               <a:ext uri="{91240B29-F687-4f45-9708-019B960494DF}">
-                <a14:hiddenLine xmlns:a14="http://schemas.microsoft.com/office/drawing/2010/main" xmlns="" w="9525">
+                <a14:hiddenLine xmlns="" xmlns:a14="http://schemas.microsoft.com/office/drawing/2010/main" w="9525">
                   <a:solidFill>
                     <a:srgbClr val="000000"/>
                   </a:solidFill>
@@ -3365,7 +3367,7 @@
             </a:ln>
             <a:extLst>
               <a:ext uri="{91240B29-F687-4f45-9708-019B960494DF}">
-                <a14:hiddenLine xmlns:a14="http://schemas.microsoft.com/office/drawing/2010/main" xmlns="" w="9525">
+                <a14:hiddenLine xmlns="" xmlns:a14="http://schemas.microsoft.com/office/drawing/2010/main" w="9525">
                   <a:solidFill>
                     <a:srgbClr val="000000"/>
                   </a:solidFill>
@@ -3427,7 +3429,7 @@
             </a:ln>
             <a:extLst>
               <a:ext uri="{91240B29-F687-4f45-9708-019B960494DF}">
-                <a14:hiddenLine xmlns:a14="http://schemas.microsoft.com/office/drawing/2010/main" xmlns="" w="9525">
+                <a14:hiddenLine xmlns="" xmlns:a14="http://schemas.microsoft.com/office/drawing/2010/main" w="9525">
                   <a:solidFill>
                     <a:srgbClr val="000000"/>
                   </a:solidFill>
@@ -3517,7 +3519,7 @@
             </a:ln>
             <a:extLst>
               <a:ext uri="{91240B29-F687-4f45-9708-019B960494DF}">
-                <a14:hiddenLine xmlns:a14="http://schemas.microsoft.com/office/drawing/2010/main" xmlns="" w="9525">
+                <a14:hiddenLine xmlns="" xmlns:a14="http://schemas.microsoft.com/office/drawing/2010/main" w="9525">
                   <a:solidFill>
                     <a:srgbClr val="000000"/>
                   </a:solidFill>
@@ -3607,7 +3609,7 @@
             </a:ln>
             <a:extLst>
               <a:ext uri="{91240B29-F687-4f45-9708-019B960494DF}">
-                <a14:hiddenLine xmlns:a14="http://schemas.microsoft.com/office/drawing/2010/main" xmlns="" w="9525">
+                <a14:hiddenLine xmlns="" xmlns:a14="http://schemas.microsoft.com/office/drawing/2010/main" w="9525">
                   <a:solidFill>
                     <a:srgbClr val="000000"/>
                   </a:solidFill>
@@ -3672,7 +3674,7 @@
             </a:ln>
             <a:extLst>
               <a:ext uri="{91240B29-F687-4f45-9708-019B960494DF}">
-                <a14:hiddenLine xmlns:a14="http://schemas.microsoft.com/office/drawing/2010/main" xmlns="" w="9525">
+                <a14:hiddenLine xmlns="" xmlns:a14="http://schemas.microsoft.com/office/drawing/2010/main" w="9525">
                   <a:solidFill>
                     <a:srgbClr val="000000"/>
                   </a:solidFill>
@@ -3734,7 +3736,7 @@
             </a:ln>
             <a:extLst>
               <a:ext uri="{91240B29-F687-4f45-9708-019B960494DF}">
-                <a14:hiddenLine xmlns:a14="http://schemas.microsoft.com/office/drawing/2010/main" xmlns="" w="9525">
+                <a14:hiddenLine xmlns="" xmlns:a14="http://schemas.microsoft.com/office/drawing/2010/main" w="9525">
                   <a:solidFill>
                     <a:srgbClr val="000000"/>
                   </a:solidFill>
@@ -3824,7 +3826,7 @@
             </a:ln>
             <a:extLst>
               <a:ext uri="{91240B29-F687-4f45-9708-019B960494DF}">
-                <a14:hiddenLine xmlns:a14="http://schemas.microsoft.com/office/drawing/2010/main" xmlns="" w="9525">
+                <a14:hiddenLine xmlns="" xmlns:a14="http://schemas.microsoft.com/office/drawing/2010/main" w="9525">
                   <a:solidFill>
                     <a:srgbClr val="000000"/>
                   </a:solidFill>
@@ -3914,7 +3916,7 @@
             </a:ln>
             <a:extLst>
               <a:ext uri="{91240B29-F687-4f45-9708-019B960494DF}">
-                <a14:hiddenLine xmlns:a14="http://schemas.microsoft.com/office/drawing/2010/main" xmlns="" w="9525">
+                <a14:hiddenLine xmlns="" xmlns:a14="http://schemas.microsoft.com/office/drawing/2010/main" w="9525">
                   <a:solidFill>
                     <a:srgbClr val="000000"/>
                   </a:solidFill>
@@ -3976,7 +3978,7 @@
             </a:ln>
             <a:extLst>
               <a:ext uri="{91240B29-F687-4f45-9708-019B960494DF}">
-                <a14:hiddenLine xmlns:a14="http://schemas.microsoft.com/office/drawing/2010/main" xmlns="" w="9525">
+                <a14:hiddenLine xmlns="" xmlns:a14="http://schemas.microsoft.com/office/drawing/2010/main" w="9525">
                   <a:solidFill>
                     <a:srgbClr val="000000"/>
                   </a:solidFill>
@@ -4096,7 +4098,7 @@
             </a:ln>
             <a:extLst>
               <a:ext uri="{91240B29-F687-4f45-9708-019B960494DF}">
-                <a14:hiddenLine xmlns:a14="http://schemas.microsoft.com/office/drawing/2010/main" xmlns="" w="9525">
+                <a14:hiddenLine xmlns="" xmlns:a14="http://schemas.microsoft.com/office/drawing/2010/main" w="9525">
                   <a:solidFill>
                     <a:srgbClr val="000000"/>
                   </a:solidFill>
@@ -4164,7 +4166,7 @@
             </a:ln>
             <a:extLst>
               <a:ext uri="{91240B29-F687-4f45-9708-019B960494DF}">
-                <a14:hiddenLine xmlns:a14="http://schemas.microsoft.com/office/drawing/2010/main" xmlns="" w="9525">
+                <a14:hiddenLine xmlns="" xmlns:a14="http://schemas.microsoft.com/office/drawing/2010/main" w="9525">
                   <a:solidFill>
                     <a:srgbClr val="000000"/>
                   </a:solidFill>
@@ -4254,7 +4256,7 @@
             </a:ln>
             <a:extLst>
               <a:ext uri="{91240B29-F687-4f45-9708-019B960494DF}">
-                <a14:hiddenLine xmlns:a14="http://schemas.microsoft.com/office/drawing/2010/main" xmlns="" w="9525">
+                <a14:hiddenLine xmlns="" xmlns:a14="http://schemas.microsoft.com/office/drawing/2010/main" w="9525">
                   <a:solidFill>
                     <a:srgbClr val="000000"/>
                   </a:solidFill>
@@ -4395,7 +4397,7 @@
             <a:fld id="{B61BEF0D-F0BB-DE4B-95CE-6DB70DBA9567}" type="datetimeFigureOut">
               <a:rPr lang="en-US" smtClean="0"/>
               <a:pPr/>
-              <a:t>8/10/2014</a:t>
+              <a:t>8/11/2014</a:t>
             </a:fld>
             <a:endParaRPr lang="en-US" dirty="0"/>
           </a:p>
@@ -4664,7 +4666,7 @@
             <a:fld id="{B61BEF0D-F0BB-DE4B-95CE-6DB70DBA9567}" type="datetimeFigureOut">
               <a:rPr lang="en-US" smtClean="0"/>
               <a:pPr/>
-              <a:t>8/10/2014</a:t>
+              <a:t>8/11/2014</a:t>
             </a:fld>
             <a:endParaRPr lang="en-US" dirty="0"/>
           </a:p>
@@ -4862,7 +4864,7 @@
             <a:fld id="{B61BEF0D-F0BB-DE4B-95CE-6DB70DBA9567}" type="datetimeFigureOut">
               <a:rPr lang="en-US" smtClean="0"/>
               <a:pPr/>
-              <a:t>8/10/2014</a:t>
+              <a:t>8/11/2014</a:t>
             </a:fld>
             <a:endParaRPr lang="en-US" dirty="0"/>
           </a:p>
@@ -5127,7 +5129,7 @@
             <a:fld id="{B61BEF0D-F0BB-DE4B-95CE-6DB70DBA9567}" type="datetimeFigureOut">
               <a:rPr lang="en-US" smtClean="0"/>
               <a:pPr/>
-              <a:t>8/10/2014</a:t>
+              <a:t>8/11/2014</a:t>
             </a:fld>
             <a:endParaRPr lang="en-US" dirty="0"/>
           </a:p>
@@ -5563,7 +5565,7 @@
             <a:fld id="{B61BEF0D-F0BB-DE4B-95CE-6DB70DBA9567}" type="datetimeFigureOut">
               <a:rPr lang="en-US" smtClean="0"/>
               <a:pPr/>
-              <a:t>8/10/2014</a:t>
+              <a:t>8/11/2014</a:t>
             </a:fld>
             <a:endParaRPr lang="en-US" dirty="0"/>
           </a:p>
@@ -6111,7 +6113,7 @@
             <a:fld id="{B61BEF0D-F0BB-DE4B-95CE-6DB70DBA9567}" type="datetimeFigureOut">
               <a:rPr lang="en-US" smtClean="0"/>
               <a:pPr/>
-              <a:t>8/10/2014</a:t>
+              <a:t>8/11/2014</a:t>
             </a:fld>
             <a:endParaRPr lang="en-US" dirty="0"/>
           </a:p>
@@ -6833,7 +6835,7 @@
             <a:fld id="{B61BEF0D-F0BB-DE4B-95CE-6DB70DBA9567}" type="datetimeFigureOut">
               <a:rPr lang="en-US" smtClean="0"/>
               <a:pPr/>
-              <a:t>8/10/2014</a:t>
+              <a:t>8/11/2014</a:t>
             </a:fld>
             <a:endParaRPr lang="en-US" dirty="0"/>
           </a:p>
@@ -7005,7 +7007,7 @@
             <a:fld id="{B61BEF0D-F0BB-DE4B-95CE-6DB70DBA9567}" type="datetimeFigureOut">
               <a:rPr lang="en-US" smtClean="0"/>
               <a:pPr/>
-              <a:t>8/10/2014</a:t>
+              <a:t>8/11/2014</a:t>
             </a:fld>
             <a:endParaRPr lang="en-US" dirty="0"/>
           </a:p>
@@ -7187,7 +7189,7 @@
             <a:fld id="{B61BEF0D-F0BB-DE4B-95CE-6DB70DBA9567}" type="datetimeFigureOut">
               <a:rPr lang="en-US" smtClean="0"/>
               <a:pPr/>
-              <a:t>8/10/2014</a:t>
+              <a:t>8/11/2014</a:t>
             </a:fld>
             <a:endParaRPr lang="en-US" dirty="0"/>
           </a:p>
@@ -7359,7 +7361,7 @@
             <a:fld id="{B61BEF0D-F0BB-DE4B-95CE-6DB70DBA9567}" type="datetimeFigureOut">
               <a:rPr lang="en-US" smtClean="0"/>
               <a:pPr/>
-              <a:t>8/10/2014</a:t>
+              <a:t>8/11/2014</a:t>
             </a:fld>
             <a:endParaRPr lang="en-US" dirty="0"/>
           </a:p>
@@ -7611,7 +7613,7 @@
             <a:fld id="{B61BEF0D-F0BB-DE4B-95CE-6DB70DBA9567}" type="datetimeFigureOut">
               <a:rPr lang="en-US" smtClean="0"/>
               <a:pPr/>
-              <a:t>8/10/2014</a:t>
+              <a:t>8/11/2014</a:t>
             </a:fld>
             <a:endParaRPr lang="en-US" dirty="0"/>
           </a:p>
@@ -7845,7 +7847,7 @@
             <a:fld id="{B61BEF0D-F0BB-DE4B-95CE-6DB70DBA9567}" type="datetimeFigureOut">
               <a:rPr lang="en-US" smtClean="0"/>
               <a:pPr/>
-              <a:t>8/10/2014</a:t>
+              <a:t>8/11/2014</a:t>
             </a:fld>
             <a:endParaRPr lang="en-US" dirty="0"/>
           </a:p>
@@ -8228,7 +8230,7 @@
             <a:fld id="{B61BEF0D-F0BB-DE4B-95CE-6DB70DBA9567}" type="datetimeFigureOut">
               <a:rPr lang="en-US" smtClean="0"/>
               <a:pPr/>
-              <a:t>8/10/2014</a:t>
+              <a:t>8/11/2014</a:t>
             </a:fld>
             <a:endParaRPr lang="en-US" dirty="0"/>
           </a:p>
@@ -8348,7 +8350,7 @@
             <a:fld id="{B61BEF0D-F0BB-DE4B-95CE-6DB70DBA9567}" type="datetimeFigureOut">
               <a:rPr lang="en-US" smtClean="0"/>
               <a:pPr/>
-              <a:t>8/10/2014</a:t>
+              <a:t>8/11/2014</a:t>
             </a:fld>
             <a:endParaRPr lang="en-US" dirty="0"/>
           </a:p>
@@ -8445,7 +8447,7 @@
             <a:fld id="{B61BEF0D-F0BB-DE4B-95CE-6DB70DBA9567}" type="datetimeFigureOut">
               <a:rPr lang="en-US" smtClean="0"/>
               <a:pPr/>
-              <a:t>8/10/2014</a:t>
+              <a:t>8/11/2014</a:t>
             </a:fld>
             <a:endParaRPr lang="en-US" dirty="0"/>
           </a:p>
@@ -8696,7 +8698,7 @@
             <a:fld id="{B61BEF0D-F0BB-DE4B-95CE-6DB70DBA9567}" type="datetimeFigureOut">
               <a:rPr lang="en-US" smtClean="0"/>
               <a:pPr/>
-              <a:t>8/10/2014</a:t>
+              <a:t>8/11/2014</a:t>
             </a:fld>
             <a:endParaRPr lang="en-US" dirty="0"/>
           </a:p>
@@ -8978,7 +8980,7 @@
             <a:fld id="{B61BEF0D-F0BB-DE4B-95CE-6DB70DBA9567}" type="datetimeFigureOut">
               <a:rPr lang="en-US" smtClean="0"/>
               <a:pPr/>
-              <a:t>8/10/2014</a:t>
+              <a:t>8/11/2014</a:t>
             </a:fld>
             <a:endParaRPr lang="en-US" dirty="0"/>
           </a:p>
@@ -9095,7 +9097,7 @@
           <a:noFill/>
           <a:extLst>
             <a:ext uri="{909E8E84-426E-40dd-AFC4-6F175D3DCCD1}">
-              <a14:hiddenFill xmlns:a14="http://schemas.microsoft.com/office/drawing/2010/main" xmlns="">
+              <a14:hiddenFill xmlns="" xmlns:a14="http://schemas.microsoft.com/office/drawing/2010/main">
                 <a:solidFill>
                   <a:srgbClr val="FFFFFF"/>
                 </a:solidFill>
@@ -9169,7 +9171,7 @@
               </a:ln>
               <a:extLst>
                 <a:ext uri="{91240B29-F687-4f45-9708-019B960494DF}">
-                  <a14:hiddenLine xmlns:a14="http://schemas.microsoft.com/office/drawing/2010/main" xmlns="" w="9525">
+                  <a14:hiddenLine xmlns="" xmlns:a14="http://schemas.microsoft.com/office/drawing/2010/main" w="9525">
                     <a:solidFill>
                       <a:srgbClr val="000000"/>
                     </a:solidFill>
@@ -9259,7 +9261,7 @@
               </a:ln>
               <a:extLst>
                 <a:ext uri="{91240B29-F687-4f45-9708-019B960494DF}">
-                  <a14:hiddenLine xmlns:a14="http://schemas.microsoft.com/office/drawing/2010/main" xmlns="" w="9525">
+                  <a14:hiddenLine xmlns="" xmlns:a14="http://schemas.microsoft.com/office/drawing/2010/main" w="9525">
                     <a:solidFill>
                       <a:srgbClr val="000000"/>
                     </a:solidFill>
@@ -9349,7 +9351,7 @@
               </a:ln>
               <a:extLst>
                 <a:ext uri="{91240B29-F687-4f45-9708-019B960494DF}">
-                  <a14:hiddenLine xmlns:a14="http://schemas.microsoft.com/office/drawing/2010/main" xmlns="" w="9525">
+                  <a14:hiddenLine xmlns="" xmlns:a14="http://schemas.microsoft.com/office/drawing/2010/main" w="9525">
                     <a:solidFill>
                       <a:srgbClr val="000000"/>
                     </a:solidFill>
@@ -9411,7 +9413,7 @@
               </a:ln>
               <a:extLst>
                 <a:ext uri="{91240B29-F687-4f45-9708-019B960494DF}">
-                  <a14:hiddenLine xmlns:a14="http://schemas.microsoft.com/office/drawing/2010/main" xmlns="" w="9525">
+                  <a14:hiddenLine xmlns="" xmlns:a14="http://schemas.microsoft.com/office/drawing/2010/main" w="9525">
                     <a:solidFill>
                       <a:srgbClr val="000000"/>
                     </a:solidFill>
@@ -9501,7 +9503,7 @@
               </a:ln>
               <a:extLst>
                 <a:ext uri="{91240B29-F687-4f45-9708-019B960494DF}">
-                  <a14:hiddenLine xmlns:a14="http://schemas.microsoft.com/office/drawing/2010/main" xmlns="" w="9525">
+                  <a14:hiddenLine xmlns="" xmlns:a14="http://schemas.microsoft.com/office/drawing/2010/main" w="9525">
                     <a:solidFill>
                       <a:srgbClr val="000000"/>
                     </a:solidFill>
@@ -9563,7 +9565,7 @@
               </a:ln>
               <a:extLst>
                 <a:ext uri="{91240B29-F687-4f45-9708-019B960494DF}">
-                  <a14:hiddenLine xmlns:a14="http://schemas.microsoft.com/office/drawing/2010/main" xmlns="" w="9525">
+                  <a14:hiddenLine xmlns="" xmlns:a14="http://schemas.microsoft.com/office/drawing/2010/main" w="9525">
                     <a:solidFill>
                       <a:srgbClr val="000000"/>
                     </a:solidFill>
@@ -9625,7 +9627,7 @@
               </a:ln>
               <a:extLst>
                 <a:ext uri="{91240B29-F687-4f45-9708-019B960494DF}">
-                  <a14:hiddenLine xmlns:a14="http://schemas.microsoft.com/office/drawing/2010/main" xmlns="" w="9525">
+                  <a14:hiddenLine xmlns="" xmlns:a14="http://schemas.microsoft.com/office/drawing/2010/main" w="9525">
                     <a:solidFill>
                       <a:srgbClr val="000000"/>
                     </a:solidFill>
@@ -9715,7 +9717,7 @@
               </a:ln>
               <a:extLst>
                 <a:ext uri="{91240B29-F687-4f45-9708-019B960494DF}">
-                  <a14:hiddenLine xmlns:a14="http://schemas.microsoft.com/office/drawing/2010/main" xmlns="" w="9525">
+                  <a14:hiddenLine xmlns="" xmlns:a14="http://schemas.microsoft.com/office/drawing/2010/main" w="9525">
                     <a:solidFill>
                       <a:srgbClr val="000000"/>
                     </a:solidFill>
@@ -9805,7 +9807,7 @@
               </a:ln>
               <a:extLst>
                 <a:ext uri="{91240B29-F687-4f45-9708-019B960494DF}">
-                  <a14:hiddenLine xmlns:a14="http://schemas.microsoft.com/office/drawing/2010/main" xmlns="" w="9525">
+                  <a14:hiddenLine xmlns="" xmlns:a14="http://schemas.microsoft.com/office/drawing/2010/main" w="9525">
                     <a:solidFill>
                       <a:srgbClr val="000000"/>
                     </a:solidFill>
@@ -9867,7 +9869,7 @@
               </a:ln>
               <a:extLst>
                 <a:ext uri="{91240B29-F687-4f45-9708-019B960494DF}">
-                  <a14:hiddenLine xmlns:a14="http://schemas.microsoft.com/office/drawing/2010/main" xmlns="" w="9525">
+                  <a14:hiddenLine xmlns="" xmlns:a14="http://schemas.microsoft.com/office/drawing/2010/main" w="9525">
                     <a:solidFill>
                       <a:srgbClr val="000000"/>
                     </a:solidFill>
@@ -9977,7 +9979,7 @@
               </a:ln>
               <a:extLst>
                 <a:ext uri="{91240B29-F687-4f45-9708-019B960494DF}">
-                  <a14:hiddenLine xmlns:a14="http://schemas.microsoft.com/office/drawing/2010/main" xmlns="" w="9525">
+                  <a14:hiddenLine xmlns="" xmlns:a14="http://schemas.microsoft.com/office/drawing/2010/main" w="9525">
                     <a:solidFill>
                       <a:srgbClr val="000000"/>
                     </a:solidFill>
@@ -10061,7 +10063,7 @@
               </a:ln>
               <a:extLst>
                 <a:ext uri="{91240B29-F687-4f45-9708-019B960494DF}">
-                  <a14:hiddenLine xmlns:a14="http://schemas.microsoft.com/office/drawing/2010/main" xmlns="" w="9525">
+                  <a14:hiddenLine xmlns="" xmlns:a14="http://schemas.microsoft.com/office/drawing/2010/main" w="9525">
                     <a:solidFill>
                       <a:srgbClr val="000000"/>
                     </a:solidFill>
@@ -10123,7 +10125,7 @@
               </a:ln>
               <a:extLst>
                 <a:ext uri="{91240B29-F687-4f45-9708-019B960494DF}">
-                  <a14:hiddenLine xmlns:a14="http://schemas.microsoft.com/office/drawing/2010/main" xmlns="" w="9525">
+                  <a14:hiddenLine xmlns="" xmlns:a14="http://schemas.microsoft.com/office/drawing/2010/main" w="9525">
                     <a:solidFill>
                       <a:srgbClr val="000000"/>
                     </a:solidFill>
@@ -10185,7 +10187,7 @@
               </a:ln>
               <a:extLst>
                 <a:ext uri="{91240B29-F687-4f45-9708-019B960494DF}">
-                  <a14:hiddenLine xmlns:a14="http://schemas.microsoft.com/office/drawing/2010/main" xmlns="" w="9525">
+                  <a14:hiddenLine xmlns="" xmlns:a14="http://schemas.microsoft.com/office/drawing/2010/main" w="9525">
                     <a:solidFill>
                       <a:srgbClr val="000000"/>
                     </a:solidFill>
@@ -10275,7 +10277,7 @@
               </a:ln>
               <a:extLst>
                 <a:ext uri="{91240B29-F687-4f45-9708-019B960494DF}">
-                  <a14:hiddenLine xmlns:a14="http://schemas.microsoft.com/office/drawing/2010/main" xmlns="" w="9525">
+                  <a14:hiddenLine xmlns="" xmlns:a14="http://schemas.microsoft.com/office/drawing/2010/main" w="9525">
                     <a:solidFill>
                       <a:srgbClr val="000000"/>
                     </a:solidFill>
@@ -10309,7 +10311,7 @@
               </a:ln>
               <a:extLst>
                 <a:ext uri="{91240B29-F687-4f45-9708-019B960494DF}">
-                  <a14:hiddenLine xmlns:a14="http://schemas.microsoft.com/office/drawing/2010/main" xmlns="" w="9525">
+                  <a14:hiddenLine xmlns="" xmlns:a14="http://schemas.microsoft.com/office/drawing/2010/main" w="9525">
                     <a:solidFill>
                       <a:srgbClr val="000000"/>
                     </a:solidFill>
@@ -10374,7 +10376,7 @@
               </a:ln>
               <a:extLst>
                 <a:ext uri="{91240B29-F687-4f45-9708-019B960494DF}">
-                  <a14:hiddenLine xmlns:a14="http://schemas.microsoft.com/office/drawing/2010/main" xmlns="" w="9525">
+                  <a14:hiddenLine xmlns="" xmlns:a14="http://schemas.microsoft.com/office/drawing/2010/main" w="9525">
                     <a:solidFill>
                       <a:srgbClr val="000000"/>
                     </a:solidFill>
@@ -10464,7 +10466,7 @@
               </a:ln>
               <a:extLst>
                 <a:ext uri="{91240B29-F687-4f45-9708-019B960494DF}">
-                  <a14:hiddenLine xmlns:a14="http://schemas.microsoft.com/office/drawing/2010/main" xmlns="" w="9525">
+                  <a14:hiddenLine xmlns="" xmlns:a14="http://schemas.microsoft.com/office/drawing/2010/main" w="9525">
                     <a:solidFill>
                       <a:srgbClr val="000000"/>
                     </a:solidFill>
@@ -10526,7 +10528,7 @@
               </a:ln>
               <a:extLst>
                 <a:ext uri="{91240B29-F687-4f45-9708-019B960494DF}">
-                  <a14:hiddenLine xmlns:a14="http://schemas.microsoft.com/office/drawing/2010/main" xmlns="" w="9525">
+                  <a14:hiddenLine xmlns="" xmlns:a14="http://schemas.microsoft.com/office/drawing/2010/main" w="9525">
                     <a:solidFill>
                       <a:srgbClr val="000000"/>
                     </a:solidFill>
@@ -10616,7 +10618,7 @@
               </a:ln>
               <a:extLst>
                 <a:ext uri="{91240B29-F687-4f45-9708-019B960494DF}">
-                  <a14:hiddenLine xmlns:a14="http://schemas.microsoft.com/office/drawing/2010/main" xmlns="" w="9525">
+                  <a14:hiddenLine xmlns="" xmlns:a14="http://schemas.microsoft.com/office/drawing/2010/main" w="9525">
                     <a:solidFill>
                       <a:srgbClr val="000000"/>
                     </a:solidFill>
@@ -10681,7 +10683,7 @@
               </a:ln>
               <a:extLst>
                 <a:ext uri="{91240B29-F687-4f45-9708-019B960494DF}">
-                  <a14:hiddenLine xmlns:a14="http://schemas.microsoft.com/office/drawing/2010/main" xmlns="" w="9525">
+                  <a14:hiddenLine xmlns="" xmlns:a14="http://schemas.microsoft.com/office/drawing/2010/main" w="9525">
                     <a:solidFill>
                       <a:srgbClr val="000000"/>
                     </a:solidFill>
@@ -10743,7 +10745,7 @@
               </a:ln>
               <a:extLst>
                 <a:ext uri="{91240B29-F687-4f45-9708-019B960494DF}">
-                  <a14:hiddenLine xmlns:a14="http://schemas.microsoft.com/office/drawing/2010/main" xmlns="" w="9525">
+                  <a14:hiddenLine xmlns="" xmlns:a14="http://schemas.microsoft.com/office/drawing/2010/main" w="9525">
                     <a:solidFill>
                       <a:srgbClr val="000000"/>
                     </a:solidFill>
@@ -10833,7 +10835,7 @@
               </a:ln>
               <a:extLst>
                 <a:ext uri="{91240B29-F687-4f45-9708-019B960494DF}">
-                  <a14:hiddenLine xmlns:a14="http://schemas.microsoft.com/office/drawing/2010/main" xmlns="" w="9525">
+                  <a14:hiddenLine xmlns="" xmlns:a14="http://schemas.microsoft.com/office/drawing/2010/main" w="9525">
                     <a:solidFill>
                       <a:srgbClr val="000000"/>
                     </a:solidFill>
@@ -10923,7 +10925,7 @@
               </a:ln>
               <a:extLst>
                 <a:ext uri="{91240B29-F687-4f45-9708-019B960494DF}">
-                  <a14:hiddenLine xmlns:a14="http://schemas.microsoft.com/office/drawing/2010/main" xmlns="" w="9525">
+                  <a14:hiddenLine xmlns="" xmlns:a14="http://schemas.microsoft.com/office/drawing/2010/main" w="9525">
                     <a:solidFill>
                       <a:srgbClr val="000000"/>
                     </a:solidFill>
@@ -10988,7 +10990,7 @@
               </a:ln>
               <a:extLst>
                 <a:ext uri="{91240B29-F687-4f45-9708-019B960494DF}">
-                  <a14:hiddenLine xmlns:a14="http://schemas.microsoft.com/office/drawing/2010/main" xmlns="" w="9525">
+                  <a14:hiddenLine xmlns="" xmlns:a14="http://schemas.microsoft.com/office/drawing/2010/main" w="9525">
                     <a:solidFill>
                       <a:srgbClr val="000000"/>
                     </a:solidFill>
@@ -11108,7 +11110,7 @@
               </a:ln>
               <a:extLst>
                 <a:ext uri="{91240B29-F687-4f45-9708-019B960494DF}">
-                  <a14:hiddenLine xmlns:a14="http://schemas.microsoft.com/office/drawing/2010/main" xmlns="" w="9525">
+                  <a14:hiddenLine xmlns="" xmlns:a14="http://schemas.microsoft.com/office/drawing/2010/main" w="9525">
                     <a:solidFill>
                       <a:srgbClr val="000000"/>
                     </a:solidFill>
@@ -11206,7 +11208,7 @@
               </a:ln>
               <a:extLst>
                 <a:ext uri="{91240B29-F687-4f45-9708-019B960494DF}">
-                  <a14:hiddenLine xmlns:a14="http://schemas.microsoft.com/office/drawing/2010/main" xmlns="" w="9525">
+                  <a14:hiddenLine xmlns="" xmlns:a14="http://schemas.microsoft.com/office/drawing/2010/main" w="9525">
                     <a:solidFill>
                       <a:srgbClr val="000000"/>
                     </a:solidFill>
@@ -11321,7 +11323,7 @@
               </a:ln>
               <a:extLst>
                 <a:ext uri="{91240B29-F687-4f45-9708-019B960494DF}">
-                  <a14:hiddenLine xmlns:a14="http://schemas.microsoft.com/office/drawing/2010/main" xmlns="" w="9525">
+                  <a14:hiddenLine xmlns="" xmlns:a14="http://schemas.microsoft.com/office/drawing/2010/main" w="9525">
                     <a:solidFill>
                       <a:srgbClr val="000000"/>
                     </a:solidFill>
@@ -11411,7 +11413,7 @@
               </a:ln>
               <a:extLst>
                 <a:ext uri="{91240B29-F687-4f45-9708-019B960494DF}">
-                  <a14:hiddenLine xmlns:a14="http://schemas.microsoft.com/office/drawing/2010/main" xmlns="" w="9525">
+                  <a14:hiddenLine xmlns="" xmlns:a14="http://schemas.microsoft.com/office/drawing/2010/main" w="9525">
                     <a:solidFill>
                       <a:srgbClr val="000000"/>
                     </a:solidFill>
@@ -11476,7 +11478,7 @@
               </a:ln>
               <a:extLst>
                 <a:ext uri="{91240B29-F687-4f45-9708-019B960494DF}">
-                  <a14:hiddenLine xmlns:a14="http://schemas.microsoft.com/office/drawing/2010/main" xmlns="" w="9525">
+                  <a14:hiddenLine xmlns="" xmlns:a14="http://schemas.microsoft.com/office/drawing/2010/main" w="9525">
                     <a:solidFill>
                       <a:srgbClr val="000000"/>
                     </a:solidFill>
@@ -11566,7 +11568,7 @@
               </a:ln>
               <a:extLst>
                 <a:ext uri="{91240B29-F687-4f45-9708-019B960494DF}">
-                  <a14:hiddenLine xmlns:a14="http://schemas.microsoft.com/office/drawing/2010/main" xmlns="" w="9525">
+                  <a14:hiddenLine xmlns="" xmlns:a14="http://schemas.microsoft.com/office/drawing/2010/main" w="9525">
                     <a:solidFill>
                       <a:srgbClr val="000000"/>
                     </a:solidFill>
@@ -11634,7 +11636,7 @@
               </a:ln>
               <a:extLst>
                 <a:ext uri="{91240B29-F687-4f45-9708-019B960494DF}">
-                  <a14:hiddenLine xmlns:a14="http://schemas.microsoft.com/office/drawing/2010/main" xmlns="" w="9525">
+                  <a14:hiddenLine xmlns="" xmlns:a14="http://schemas.microsoft.com/office/drawing/2010/main" w="9525">
                     <a:solidFill>
                       <a:srgbClr val="000000"/>
                     </a:solidFill>
@@ -11724,7 +11726,7 @@
               </a:ln>
               <a:extLst>
                 <a:ext uri="{91240B29-F687-4f45-9708-019B960494DF}">
-                  <a14:hiddenLine xmlns:a14="http://schemas.microsoft.com/office/drawing/2010/main" xmlns="" w="9525">
+                  <a14:hiddenLine xmlns="" xmlns:a14="http://schemas.microsoft.com/office/drawing/2010/main" w="9525">
                     <a:solidFill>
                       <a:srgbClr val="000000"/>
                     </a:solidFill>
@@ -11792,7 +11794,7 @@
               </a:ln>
               <a:extLst>
                 <a:ext uri="{91240B29-F687-4f45-9708-019B960494DF}">
-                  <a14:hiddenLine xmlns:a14="http://schemas.microsoft.com/office/drawing/2010/main" xmlns="" w="9525">
+                  <a14:hiddenLine xmlns="" xmlns:a14="http://schemas.microsoft.com/office/drawing/2010/main" w="9525">
                     <a:solidFill>
                       <a:srgbClr val="000000"/>
                     </a:solidFill>
@@ -11882,7 +11884,7 @@
               </a:ln>
               <a:extLst>
                 <a:ext uri="{91240B29-F687-4f45-9708-019B960494DF}">
-                  <a14:hiddenLine xmlns:a14="http://schemas.microsoft.com/office/drawing/2010/main" xmlns="" w="9525">
+                  <a14:hiddenLine xmlns="" xmlns:a14="http://schemas.microsoft.com/office/drawing/2010/main" w="9525">
                     <a:solidFill>
                       <a:srgbClr val="000000"/>
                     </a:solidFill>
@@ -11916,7 +11918,7 @@
               </a:ln>
               <a:extLst>
                 <a:ext uri="{91240B29-F687-4f45-9708-019B960494DF}">
-                  <a14:hiddenLine xmlns:a14="http://schemas.microsoft.com/office/drawing/2010/main" xmlns="" w="9525">
+                  <a14:hiddenLine xmlns="" xmlns:a14="http://schemas.microsoft.com/office/drawing/2010/main" w="9525">
                     <a:solidFill>
                       <a:srgbClr val="000000"/>
                     </a:solidFill>
@@ -12057,7 +12059,7 @@
             <a:fld id="{B61BEF0D-F0BB-DE4B-95CE-6DB70DBA9567}" type="datetimeFigureOut">
               <a:rPr lang="en-US" smtClean="0"/>
               <a:pPr/>
-              <a:t>8/10/2014</a:t>
+              <a:t>8/11/2014</a:t>
             </a:fld>
             <a:endParaRPr lang="en-US" dirty="0"/>
           </a:p>
@@ -12532,17 +12534,8 @@
           <a:p>
             <a:r>
               <a:rPr lang="en-US" dirty="0" smtClean="0"/>
-              <a:t>Dmitry </a:t>
+              <a:t>Dmitry Morozov, DMITRY SEVASTIANOV</a:t>
             </a:r>
-            <a:r>
-              <a:rPr lang="en-US" dirty="0" smtClean="0"/>
-              <a:t>Morozov, </a:t>
-            </a:r>
-            <a:r>
-              <a:rPr lang="en-US" dirty="0" smtClean="0"/>
-              <a:t>DMITRY SEVASTIANOV</a:t>
-            </a:r>
-            <a:endParaRPr lang="en-US" dirty="0" smtClean="0"/>
           </a:p>
           <a:p>
             <a:r>
@@ -13787,6 +13780,172 @@
 </p:sld>
 </file>
 
+<file path=ppt/slides/slide8.xml><?xml version="1.0" encoding="utf-8"?>
+<p:sld xmlns:a="http://schemas.openxmlformats.org/drawingml/2006/main" xmlns:r="http://schemas.openxmlformats.org/officeDocument/2006/relationships" xmlns:p="http://schemas.openxmlformats.org/presentationml/2006/main">
+  <p:cSld>
+    <p:spTree>
+      <p:nvGrpSpPr>
+        <p:cNvPr id="1" name=""/>
+        <p:cNvGrpSpPr/>
+        <p:nvPr/>
+      </p:nvGrpSpPr>
+      <p:grpSpPr>
+        <a:xfrm>
+          <a:off x="0" y="0"/>
+          <a:ext cx="0" cy="0"/>
+          <a:chOff x="0" y="0"/>
+          <a:chExt cx="0" cy="0"/>
+        </a:xfrm>
+      </p:grpSpPr>
+      <p:sp>
+        <p:nvSpPr>
+          <p:cNvPr id="2" name="Title 1"/>
+          <p:cNvSpPr>
+            <a:spLocks noGrp="1"/>
+          </p:cNvSpPr>
+          <p:nvPr>
+            <p:ph type="title"/>
+          </p:nvPr>
+        </p:nvSpPr>
+        <p:spPr/>
+        <p:txBody>
+          <a:bodyPr>
+            <a:normAutofit/>
+          </a:bodyPr>
+          <a:lstStyle/>
+          <a:p>
+            <a:r>
+              <a:rPr lang="en-US" cap="none" dirty="0" err="1" smtClean="0"/>
+              <a:t>SqlProgrammabilityProvider</a:t>
+            </a:r>
+            <a:endParaRPr lang="en-US" cap="none" dirty="0"/>
+          </a:p>
+        </p:txBody>
+      </p:sp>
+      <p:sp>
+        <p:nvSpPr>
+          <p:cNvPr id="3" name="Content Placeholder 2"/>
+          <p:cNvSpPr>
+            <a:spLocks noGrp="1"/>
+          </p:cNvSpPr>
+          <p:nvPr>
+            <p:ph idx="1"/>
+          </p:nvPr>
+        </p:nvSpPr>
+        <p:spPr/>
+        <p:txBody>
+          <a:bodyPr/>
+          <a:lstStyle/>
+          <a:p>
+            <a:endParaRPr lang="en-US" dirty="0"/>
+          </a:p>
+        </p:txBody>
+      </p:sp>
+    </p:spTree>
+    <p:extLst>
+      <p:ext uri="{BB962C8B-B14F-4D97-AF65-F5344CB8AC3E}">
+        <p14:creationId xmlns:p14="http://schemas.microsoft.com/office/powerpoint/2010/main" val="1597686735"/>
+      </p:ext>
+    </p:extLst>
+  </p:cSld>
+  <p:clrMapOvr>
+    <a:masterClrMapping/>
+  </p:clrMapOvr>
+  <p:timing>
+    <p:tnLst>
+      <p:par>
+        <p:cTn id="1" dur="indefinite" restart="never" nodeType="tmRoot"/>
+      </p:par>
+    </p:tnLst>
+  </p:timing>
+</p:sld>
+</file>
+
+<file path=ppt/slides/slide9.xml><?xml version="1.0" encoding="utf-8"?>
+<p:sld xmlns:a="http://schemas.openxmlformats.org/drawingml/2006/main" xmlns:r="http://schemas.openxmlformats.org/officeDocument/2006/relationships" xmlns:p="http://schemas.openxmlformats.org/presentationml/2006/main">
+  <p:cSld>
+    <p:spTree>
+      <p:nvGrpSpPr>
+        <p:cNvPr id="1" name=""/>
+        <p:cNvGrpSpPr/>
+        <p:nvPr/>
+      </p:nvGrpSpPr>
+      <p:grpSpPr>
+        <a:xfrm>
+          <a:off x="0" y="0"/>
+          <a:ext cx="0" cy="0"/>
+          <a:chOff x="0" y="0"/>
+          <a:chExt cx="0" cy="0"/>
+        </a:xfrm>
+      </p:grpSpPr>
+      <p:sp>
+        <p:nvSpPr>
+          <p:cNvPr id="2" name="Title 1"/>
+          <p:cNvSpPr>
+            <a:spLocks noGrp="1"/>
+          </p:cNvSpPr>
+          <p:nvPr>
+            <p:ph type="title"/>
+          </p:nvPr>
+        </p:nvSpPr>
+        <p:spPr/>
+        <p:txBody>
+          <a:bodyPr>
+            <a:normAutofit/>
+          </a:bodyPr>
+          <a:lstStyle/>
+          <a:p>
+            <a:r>
+              <a:rPr lang="en-US" cap="none" dirty="0" smtClean="0"/>
+              <a:t>Bonus - </a:t>
+            </a:r>
+            <a:r>
+              <a:rPr lang="en-US" cap="none" dirty="0" err="1" smtClean="0"/>
+              <a:t>SqlEnumProvider</a:t>
+            </a:r>
+            <a:endParaRPr lang="en-US" cap="none" dirty="0"/>
+          </a:p>
+        </p:txBody>
+      </p:sp>
+      <p:sp>
+        <p:nvSpPr>
+          <p:cNvPr id="3" name="Content Placeholder 2"/>
+          <p:cNvSpPr>
+            <a:spLocks noGrp="1"/>
+          </p:cNvSpPr>
+          <p:nvPr>
+            <p:ph idx="1"/>
+          </p:nvPr>
+        </p:nvSpPr>
+        <p:spPr/>
+        <p:txBody>
+          <a:bodyPr/>
+          <a:lstStyle/>
+          <a:p>
+            <a:endParaRPr lang="en-US" dirty="0"/>
+          </a:p>
+        </p:txBody>
+      </p:sp>
+    </p:spTree>
+    <p:extLst>
+      <p:ext uri="{BB962C8B-B14F-4D97-AF65-F5344CB8AC3E}">
+        <p14:creationId xmlns:p14="http://schemas.microsoft.com/office/powerpoint/2010/main" val="3202136238"/>
+      </p:ext>
+    </p:extLst>
+  </p:cSld>
+  <p:clrMapOvr>
+    <a:masterClrMapping/>
+  </p:clrMapOvr>
+  <p:timing>
+    <p:tnLst>
+      <p:par>
+        <p:cTn id="1" dur="indefinite" restart="never" nodeType="tmRoot"/>
+      </p:par>
+    </p:tnLst>
+  </p:timing>
+</p:sld>
+</file>
+
 <file path=ppt/theme/theme1.xml><?xml version="1.0" encoding="utf-8"?>
 <a:theme xmlns:a="http://schemas.openxmlformats.org/drawingml/2006/main" name="Circuit">
   <a:themeElements>

--- a/presentations/NYC F# UG. 2014-08-26.pptx
+++ b/presentations/NYC F# UG. 2014-08-26.pptx
@@ -170,7 +170,7 @@
           <a:noFill/>
           <a:extLst>
             <a:ext uri="{909E8E84-426E-40dd-AFC4-6F175D3DCCD1}">
-              <a14:hiddenFill xmlns="" xmlns:a14="http://schemas.microsoft.com/office/drawing/2010/main">
+              <a14:hiddenFill xmlns:a14="http://schemas.microsoft.com/office/drawing/2010/main" xmlns="">
                 <a:solidFill>
                   <a:srgbClr val="FFFFFF"/>
                 </a:solidFill>
@@ -230,7 +230,7 @@
             </a:ln>
             <a:extLst>
               <a:ext uri="{91240B29-F687-4f45-9708-019B960494DF}">
-                <a14:hiddenLine xmlns="" xmlns:a14="http://schemas.microsoft.com/office/drawing/2010/main" w="9525">
+                <a14:hiddenLine xmlns:a14="http://schemas.microsoft.com/office/drawing/2010/main" xmlns="" w="9525">
                   <a:solidFill>
                     <a:srgbClr val="000000"/>
                   </a:solidFill>
@@ -320,7 +320,7 @@
             </a:ln>
             <a:extLst>
               <a:ext uri="{91240B29-F687-4f45-9708-019B960494DF}">
-                <a14:hiddenLine xmlns="" xmlns:a14="http://schemas.microsoft.com/office/drawing/2010/main" w="9525">
+                <a14:hiddenLine xmlns:a14="http://schemas.microsoft.com/office/drawing/2010/main" xmlns="" w="9525">
                   <a:solidFill>
                     <a:srgbClr val="000000"/>
                   </a:solidFill>
@@ -410,7 +410,7 @@
             </a:ln>
             <a:extLst>
               <a:ext uri="{91240B29-F687-4f45-9708-019B960494DF}">
-                <a14:hiddenLine xmlns="" xmlns:a14="http://schemas.microsoft.com/office/drawing/2010/main" w="9525">
+                <a14:hiddenLine xmlns:a14="http://schemas.microsoft.com/office/drawing/2010/main" xmlns="" w="9525">
                   <a:solidFill>
                     <a:srgbClr val="000000"/>
                   </a:solidFill>
@@ -444,7 +444,7 @@
             </a:ln>
             <a:extLst>
               <a:ext uri="{91240B29-F687-4f45-9708-019B960494DF}">
-                <a14:hiddenLine xmlns="" xmlns:a14="http://schemas.microsoft.com/office/drawing/2010/main" w="9525">
+                <a14:hiddenLine xmlns:a14="http://schemas.microsoft.com/office/drawing/2010/main" xmlns="" w="9525">
                   <a:solidFill>
                     <a:srgbClr val="000000"/>
                   </a:solidFill>
@@ -534,7 +534,7 @@
             </a:ln>
             <a:extLst>
               <a:ext uri="{91240B29-F687-4f45-9708-019B960494DF}">
-                <a14:hiddenLine xmlns="" xmlns:a14="http://schemas.microsoft.com/office/drawing/2010/main" w="9525">
+                <a14:hiddenLine xmlns:a14="http://schemas.microsoft.com/office/drawing/2010/main" xmlns="" w="9525">
                   <a:solidFill>
                     <a:srgbClr val="000000"/>
                   </a:solidFill>
@@ -596,7 +596,7 @@
             </a:ln>
             <a:extLst>
               <a:ext uri="{91240B29-F687-4f45-9708-019B960494DF}">
-                <a14:hiddenLine xmlns="" xmlns:a14="http://schemas.microsoft.com/office/drawing/2010/main" w="9525">
+                <a14:hiddenLine xmlns:a14="http://schemas.microsoft.com/office/drawing/2010/main" xmlns="" w="9525">
                   <a:solidFill>
                     <a:srgbClr val="000000"/>
                   </a:solidFill>
@@ -658,7 +658,7 @@
             </a:ln>
             <a:extLst>
               <a:ext uri="{91240B29-F687-4f45-9708-019B960494DF}">
-                <a14:hiddenLine xmlns="" xmlns:a14="http://schemas.microsoft.com/office/drawing/2010/main" w="9525">
+                <a14:hiddenLine xmlns:a14="http://schemas.microsoft.com/office/drawing/2010/main" xmlns="" w="9525">
                   <a:solidFill>
                     <a:srgbClr val="000000"/>
                   </a:solidFill>
@@ -748,7 +748,7 @@
             </a:ln>
             <a:extLst>
               <a:ext uri="{91240B29-F687-4f45-9708-019B960494DF}">
-                <a14:hiddenLine xmlns="" xmlns:a14="http://schemas.microsoft.com/office/drawing/2010/main" w="9525">
+                <a14:hiddenLine xmlns:a14="http://schemas.microsoft.com/office/drawing/2010/main" xmlns="" w="9525">
                   <a:solidFill>
                     <a:srgbClr val="000000"/>
                   </a:solidFill>
@@ -810,7 +810,7 @@
             </a:ln>
             <a:extLst>
               <a:ext uri="{91240B29-F687-4f45-9708-019B960494DF}">
-                <a14:hiddenLine xmlns="" xmlns:a14="http://schemas.microsoft.com/office/drawing/2010/main" w="9525">
+                <a14:hiddenLine xmlns:a14="http://schemas.microsoft.com/office/drawing/2010/main" xmlns="" w="9525">
                   <a:solidFill>
                     <a:srgbClr val="000000"/>
                   </a:solidFill>
@@ -872,7 +872,7 @@
             </a:ln>
             <a:extLst>
               <a:ext uri="{91240B29-F687-4f45-9708-019B960494DF}">
-                <a14:hiddenLine xmlns="" xmlns:a14="http://schemas.microsoft.com/office/drawing/2010/main" w="9525">
+                <a14:hiddenLine xmlns:a14="http://schemas.microsoft.com/office/drawing/2010/main" xmlns="" w="9525">
                   <a:solidFill>
                     <a:srgbClr val="000000"/>
                   </a:solidFill>
@@ -962,7 +962,7 @@
             </a:ln>
             <a:extLst>
               <a:ext uri="{91240B29-F687-4f45-9708-019B960494DF}">
-                <a14:hiddenLine xmlns="" xmlns:a14="http://schemas.microsoft.com/office/drawing/2010/main" w="9525">
+                <a14:hiddenLine xmlns:a14="http://schemas.microsoft.com/office/drawing/2010/main" xmlns="" w="9525">
                   <a:solidFill>
                     <a:srgbClr val="000000"/>
                   </a:solidFill>
@@ -1052,7 +1052,7 @@
             </a:ln>
             <a:extLst>
               <a:ext uri="{91240B29-F687-4f45-9708-019B960494DF}">
-                <a14:hiddenLine xmlns="" xmlns:a14="http://schemas.microsoft.com/office/drawing/2010/main" w="9525">
+                <a14:hiddenLine xmlns:a14="http://schemas.microsoft.com/office/drawing/2010/main" xmlns="" w="9525">
                   <a:solidFill>
                     <a:srgbClr val="000000"/>
                   </a:solidFill>
@@ -1114,7 +1114,7 @@
             </a:ln>
             <a:extLst>
               <a:ext uri="{91240B29-F687-4f45-9708-019B960494DF}">
-                <a14:hiddenLine xmlns="" xmlns:a14="http://schemas.microsoft.com/office/drawing/2010/main" w="9525">
+                <a14:hiddenLine xmlns:a14="http://schemas.microsoft.com/office/drawing/2010/main" xmlns="" w="9525">
                   <a:solidFill>
                     <a:srgbClr val="000000"/>
                   </a:solidFill>
@@ -1224,7 +1224,7 @@
             </a:ln>
             <a:extLst>
               <a:ext uri="{91240B29-F687-4f45-9708-019B960494DF}">
-                <a14:hiddenLine xmlns="" xmlns:a14="http://schemas.microsoft.com/office/drawing/2010/main" w="9525">
+                <a14:hiddenLine xmlns:a14="http://schemas.microsoft.com/office/drawing/2010/main" xmlns="" w="9525">
                   <a:solidFill>
                     <a:srgbClr val="000000"/>
                   </a:solidFill>
@@ -1286,7 +1286,7 @@
             </a:ln>
             <a:extLst>
               <a:ext uri="{91240B29-F687-4f45-9708-019B960494DF}">
-                <a14:hiddenLine xmlns="" xmlns:a14="http://schemas.microsoft.com/office/drawing/2010/main" w="9525">
+                <a14:hiddenLine xmlns:a14="http://schemas.microsoft.com/office/drawing/2010/main" xmlns="" w="9525">
                   <a:solidFill>
                     <a:srgbClr val="000000"/>
                   </a:solidFill>
@@ -1376,7 +1376,7 @@
             </a:ln>
             <a:extLst>
               <a:ext uri="{91240B29-F687-4f45-9708-019B960494DF}">
-                <a14:hiddenLine xmlns="" xmlns:a14="http://schemas.microsoft.com/office/drawing/2010/main" w="9525">
+                <a14:hiddenLine xmlns:a14="http://schemas.microsoft.com/office/drawing/2010/main" xmlns="" w="9525">
                   <a:solidFill>
                     <a:srgbClr val="000000"/>
                   </a:solidFill>
@@ -1466,7 +1466,7 @@
             </a:ln>
             <a:extLst>
               <a:ext uri="{91240B29-F687-4f45-9708-019B960494DF}">
-                <a14:hiddenLine xmlns="" xmlns:a14="http://schemas.microsoft.com/office/drawing/2010/main" w="9525">
+                <a14:hiddenLine xmlns:a14="http://schemas.microsoft.com/office/drawing/2010/main" xmlns="" w="9525">
                   <a:solidFill>
                     <a:srgbClr val="000000"/>
                   </a:solidFill>
@@ -1528,7 +1528,7 @@
             </a:ln>
             <a:extLst>
               <a:ext uri="{91240B29-F687-4f45-9708-019B960494DF}">
-                <a14:hiddenLine xmlns="" xmlns:a14="http://schemas.microsoft.com/office/drawing/2010/main" w="9525">
+                <a14:hiddenLine xmlns:a14="http://schemas.microsoft.com/office/drawing/2010/main" xmlns="" w="9525">
                   <a:solidFill>
                     <a:srgbClr val="000000"/>
                   </a:solidFill>
@@ -1618,7 +1618,7 @@
             </a:ln>
             <a:extLst>
               <a:ext uri="{91240B29-F687-4f45-9708-019B960494DF}">
-                <a14:hiddenLine xmlns="" xmlns:a14="http://schemas.microsoft.com/office/drawing/2010/main" w="9525">
+                <a14:hiddenLine xmlns:a14="http://schemas.microsoft.com/office/drawing/2010/main" xmlns="" w="9525">
                   <a:solidFill>
                     <a:srgbClr val="000000"/>
                   </a:solidFill>
@@ -1708,7 +1708,7 @@
             </a:ln>
             <a:extLst>
               <a:ext uri="{91240B29-F687-4f45-9708-019B960494DF}">
-                <a14:hiddenLine xmlns="" xmlns:a14="http://schemas.microsoft.com/office/drawing/2010/main" w="9525">
+                <a14:hiddenLine xmlns:a14="http://schemas.microsoft.com/office/drawing/2010/main" xmlns="" w="9525">
                   <a:solidFill>
                     <a:srgbClr val="000000"/>
                   </a:solidFill>
@@ -1764,7 +1764,7 @@
             </a:ln>
             <a:extLst>
               <a:ext uri="{91240B29-F687-4f45-9708-019B960494DF}">
-                <a14:hiddenLine xmlns="" xmlns:a14="http://schemas.microsoft.com/office/drawing/2010/main" w="9525">
+                <a14:hiddenLine xmlns:a14="http://schemas.microsoft.com/office/drawing/2010/main" xmlns="" w="9525">
                   <a:solidFill>
                     <a:srgbClr val="000000"/>
                   </a:solidFill>
@@ -1854,7 +1854,7 @@
             </a:ln>
             <a:extLst>
               <a:ext uri="{91240B29-F687-4f45-9708-019B960494DF}">
-                <a14:hiddenLine xmlns="" xmlns:a14="http://schemas.microsoft.com/office/drawing/2010/main" w="9525">
+                <a14:hiddenLine xmlns:a14="http://schemas.microsoft.com/office/drawing/2010/main" xmlns="" w="9525">
                   <a:solidFill>
                     <a:srgbClr val="000000"/>
                   </a:solidFill>
@@ -1910,7 +1910,7 @@
             </a:ln>
             <a:extLst>
               <a:ext uri="{91240B29-F687-4f45-9708-019B960494DF}">
-                <a14:hiddenLine xmlns="" xmlns:a14="http://schemas.microsoft.com/office/drawing/2010/main" w="9525">
+                <a14:hiddenLine xmlns:a14="http://schemas.microsoft.com/office/drawing/2010/main" xmlns="" w="9525">
                   <a:solidFill>
                     <a:srgbClr val="000000"/>
                   </a:solidFill>
@@ -2000,7 +2000,7 @@
             </a:ln>
             <a:extLst>
               <a:ext uri="{91240B29-F687-4f45-9708-019B960494DF}">
-                <a14:hiddenLine xmlns="" xmlns:a14="http://schemas.microsoft.com/office/drawing/2010/main" w="9525">
+                <a14:hiddenLine xmlns:a14="http://schemas.microsoft.com/office/drawing/2010/main" xmlns="" w="9525">
                   <a:solidFill>
                     <a:srgbClr val="000000"/>
                   </a:solidFill>
@@ -2068,7 +2068,7 @@
             </a:ln>
             <a:extLst>
               <a:ext uri="{91240B29-F687-4f45-9708-019B960494DF}">
-                <a14:hiddenLine xmlns="" xmlns:a14="http://schemas.microsoft.com/office/drawing/2010/main" w="9525">
+                <a14:hiddenLine xmlns:a14="http://schemas.microsoft.com/office/drawing/2010/main" xmlns="" w="9525">
                   <a:solidFill>
                     <a:srgbClr val="000000"/>
                   </a:solidFill>
@@ -2158,7 +2158,7 @@
             </a:ln>
             <a:extLst>
               <a:ext uri="{91240B29-F687-4f45-9708-019B960494DF}">
-                <a14:hiddenLine xmlns="" xmlns:a14="http://schemas.microsoft.com/office/drawing/2010/main" w="9525">
+                <a14:hiddenLine xmlns:a14="http://schemas.microsoft.com/office/drawing/2010/main" xmlns="" w="9525">
                   <a:solidFill>
                     <a:srgbClr val="000000"/>
                   </a:solidFill>
@@ -2226,7 +2226,7 @@
             </a:ln>
             <a:extLst>
               <a:ext uri="{91240B29-F687-4f45-9708-019B960494DF}">
-                <a14:hiddenLine xmlns="" xmlns:a14="http://schemas.microsoft.com/office/drawing/2010/main" w="9525">
+                <a14:hiddenLine xmlns:a14="http://schemas.microsoft.com/office/drawing/2010/main" xmlns="" w="9525">
                   <a:solidFill>
                     <a:srgbClr val="000000"/>
                   </a:solidFill>
@@ -2316,7 +2316,7 @@
             </a:ln>
             <a:extLst>
               <a:ext uri="{91240B29-F687-4f45-9708-019B960494DF}">
-                <a14:hiddenLine xmlns="" xmlns:a14="http://schemas.microsoft.com/office/drawing/2010/main" w="9525">
+                <a14:hiddenLine xmlns:a14="http://schemas.microsoft.com/office/drawing/2010/main" xmlns="" w="9525">
                   <a:solidFill>
                     <a:srgbClr val="000000"/>
                   </a:solidFill>
@@ -2350,7 +2350,7 @@
             </a:ln>
             <a:extLst>
               <a:ext uri="{91240B29-F687-4f45-9708-019B960494DF}">
-                <a14:hiddenLine xmlns="" xmlns:a14="http://schemas.microsoft.com/office/drawing/2010/main" w="9525">
+                <a14:hiddenLine xmlns:a14="http://schemas.microsoft.com/office/drawing/2010/main" xmlns="" w="9525">
                   <a:solidFill>
                     <a:srgbClr val="000000"/>
                   </a:solidFill>
@@ -2440,7 +2440,7 @@
             </a:ln>
             <a:extLst>
               <a:ext uri="{91240B29-F687-4f45-9708-019B960494DF}">
-                <a14:hiddenLine xmlns="" xmlns:a14="http://schemas.microsoft.com/office/drawing/2010/main" w="9525">
+                <a14:hiddenLine xmlns:a14="http://schemas.microsoft.com/office/drawing/2010/main" xmlns="" w="9525">
                   <a:solidFill>
                     <a:srgbClr val="000000"/>
                   </a:solidFill>
@@ -2502,7 +2502,7 @@
             </a:ln>
             <a:extLst>
               <a:ext uri="{91240B29-F687-4f45-9708-019B960494DF}">
-                <a14:hiddenLine xmlns="" xmlns:a14="http://schemas.microsoft.com/office/drawing/2010/main" w="9525">
+                <a14:hiddenLine xmlns:a14="http://schemas.microsoft.com/office/drawing/2010/main" xmlns="" w="9525">
                   <a:solidFill>
                     <a:srgbClr val="000000"/>
                   </a:solidFill>
@@ -2564,7 +2564,7 @@
             </a:ln>
             <a:extLst>
               <a:ext uri="{91240B29-F687-4f45-9708-019B960494DF}">
-                <a14:hiddenLine xmlns="" xmlns:a14="http://schemas.microsoft.com/office/drawing/2010/main" w="9525">
+                <a14:hiddenLine xmlns:a14="http://schemas.microsoft.com/office/drawing/2010/main" xmlns="" w="9525">
                   <a:solidFill>
                     <a:srgbClr val="000000"/>
                   </a:solidFill>
@@ -2654,7 +2654,7 @@
             </a:ln>
             <a:extLst>
               <a:ext uri="{91240B29-F687-4f45-9708-019B960494DF}">
-                <a14:hiddenLine xmlns="" xmlns:a14="http://schemas.microsoft.com/office/drawing/2010/main" w="9525">
+                <a14:hiddenLine xmlns:a14="http://schemas.microsoft.com/office/drawing/2010/main" xmlns="" w="9525">
                   <a:solidFill>
                     <a:srgbClr val="000000"/>
                   </a:solidFill>
@@ -2722,7 +2722,7 @@
             </a:ln>
             <a:extLst>
               <a:ext uri="{91240B29-F687-4f45-9708-019B960494DF}">
-                <a14:hiddenLine xmlns="" xmlns:a14="http://schemas.microsoft.com/office/drawing/2010/main" w="9525">
+                <a14:hiddenLine xmlns:a14="http://schemas.microsoft.com/office/drawing/2010/main" xmlns="" w="9525">
                   <a:solidFill>
                     <a:srgbClr val="000000"/>
                   </a:solidFill>
@@ -2784,7 +2784,7 @@
             </a:ln>
             <a:extLst>
               <a:ext uri="{91240B29-F687-4f45-9708-019B960494DF}">
-                <a14:hiddenLine xmlns="" xmlns:a14="http://schemas.microsoft.com/office/drawing/2010/main" w="9525">
+                <a14:hiddenLine xmlns:a14="http://schemas.microsoft.com/office/drawing/2010/main" xmlns="" w="9525">
                   <a:solidFill>
                     <a:srgbClr val="000000"/>
                   </a:solidFill>
@@ -2874,7 +2874,7 @@
             </a:ln>
             <a:extLst>
               <a:ext uri="{91240B29-F687-4f45-9708-019B960494DF}">
-                <a14:hiddenLine xmlns="" xmlns:a14="http://schemas.microsoft.com/office/drawing/2010/main" w="9525">
+                <a14:hiddenLine xmlns:a14="http://schemas.microsoft.com/office/drawing/2010/main" xmlns="" w="9525">
                   <a:solidFill>
                     <a:srgbClr val="000000"/>
                   </a:solidFill>
@@ -2936,7 +2936,7 @@
             </a:ln>
             <a:extLst>
               <a:ext uri="{91240B29-F687-4f45-9708-019B960494DF}">
-                <a14:hiddenLine xmlns="" xmlns:a14="http://schemas.microsoft.com/office/drawing/2010/main" w="9525">
+                <a14:hiddenLine xmlns:a14="http://schemas.microsoft.com/office/drawing/2010/main" xmlns="" w="9525">
                   <a:solidFill>
                     <a:srgbClr val="000000"/>
                   </a:solidFill>
@@ -3026,7 +3026,7 @@
             </a:ln>
             <a:extLst>
               <a:ext uri="{91240B29-F687-4f45-9708-019B960494DF}">
-                <a14:hiddenLine xmlns="" xmlns:a14="http://schemas.microsoft.com/office/drawing/2010/main" w="9525">
+                <a14:hiddenLine xmlns:a14="http://schemas.microsoft.com/office/drawing/2010/main" xmlns="" w="9525">
                   <a:solidFill>
                     <a:srgbClr val="000000"/>
                   </a:solidFill>
@@ -3088,7 +3088,7 @@
             </a:ln>
             <a:extLst>
               <a:ext uri="{91240B29-F687-4f45-9708-019B960494DF}">
-                <a14:hiddenLine xmlns="" xmlns:a14="http://schemas.microsoft.com/office/drawing/2010/main" w="9525">
+                <a14:hiddenLine xmlns:a14="http://schemas.microsoft.com/office/drawing/2010/main" xmlns="" w="9525">
                   <a:solidFill>
                     <a:srgbClr val="000000"/>
                   </a:solidFill>
@@ -3178,7 +3178,7 @@
             </a:ln>
             <a:extLst>
               <a:ext uri="{91240B29-F687-4f45-9708-019B960494DF}">
-                <a14:hiddenLine xmlns="" xmlns:a14="http://schemas.microsoft.com/office/drawing/2010/main" w="9525">
+                <a14:hiddenLine xmlns:a14="http://schemas.microsoft.com/office/drawing/2010/main" xmlns="" w="9525">
                   <a:solidFill>
                     <a:srgbClr val="000000"/>
                   </a:solidFill>
@@ -3212,7 +3212,7 @@
             </a:ln>
             <a:extLst>
               <a:ext uri="{91240B29-F687-4f45-9708-019B960494DF}">
-                <a14:hiddenLine xmlns="" xmlns:a14="http://schemas.microsoft.com/office/drawing/2010/main" w="9525">
+                <a14:hiddenLine xmlns:a14="http://schemas.microsoft.com/office/drawing/2010/main" xmlns="" w="9525">
                   <a:solidFill>
                     <a:srgbClr val="000000"/>
                   </a:solidFill>
@@ -3277,7 +3277,7 @@
             </a:ln>
             <a:extLst>
               <a:ext uri="{91240B29-F687-4f45-9708-019B960494DF}">
-                <a14:hiddenLine xmlns="" xmlns:a14="http://schemas.microsoft.com/office/drawing/2010/main" w="9525">
+                <a14:hiddenLine xmlns:a14="http://schemas.microsoft.com/office/drawing/2010/main" xmlns="" w="9525">
                   <a:solidFill>
                     <a:srgbClr val="000000"/>
                   </a:solidFill>
@@ -3367,7 +3367,7 @@
             </a:ln>
             <a:extLst>
               <a:ext uri="{91240B29-F687-4f45-9708-019B960494DF}">
-                <a14:hiddenLine xmlns="" xmlns:a14="http://schemas.microsoft.com/office/drawing/2010/main" w="9525">
+                <a14:hiddenLine xmlns:a14="http://schemas.microsoft.com/office/drawing/2010/main" xmlns="" w="9525">
                   <a:solidFill>
                     <a:srgbClr val="000000"/>
                   </a:solidFill>
@@ -3429,7 +3429,7 @@
             </a:ln>
             <a:extLst>
               <a:ext uri="{91240B29-F687-4f45-9708-019B960494DF}">
-                <a14:hiddenLine xmlns="" xmlns:a14="http://schemas.microsoft.com/office/drawing/2010/main" w="9525">
+                <a14:hiddenLine xmlns:a14="http://schemas.microsoft.com/office/drawing/2010/main" xmlns="" w="9525">
                   <a:solidFill>
                     <a:srgbClr val="000000"/>
                   </a:solidFill>
@@ -3519,7 +3519,7 @@
             </a:ln>
             <a:extLst>
               <a:ext uri="{91240B29-F687-4f45-9708-019B960494DF}">
-                <a14:hiddenLine xmlns="" xmlns:a14="http://schemas.microsoft.com/office/drawing/2010/main" w="9525">
+                <a14:hiddenLine xmlns:a14="http://schemas.microsoft.com/office/drawing/2010/main" xmlns="" w="9525">
                   <a:solidFill>
                     <a:srgbClr val="000000"/>
                   </a:solidFill>
@@ -3609,7 +3609,7 @@
             </a:ln>
             <a:extLst>
               <a:ext uri="{91240B29-F687-4f45-9708-019B960494DF}">
-                <a14:hiddenLine xmlns="" xmlns:a14="http://schemas.microsoft.com/office/drawing/2010/main" w="9525">
+                <a14:hiddenLine xmlns:a14="http://schemas.microsoft.com/office/drawing/2010/main" xmlns="" w="9525">
                   <a:solidFill>
                     <a:srgbClr val="000000"/>
                   </a:solidFill>
@@ -3674,7 +3674,7 @@
             </a:ln>
             <a:extLst>
               <a:ext uri="{91240B29-F687-4f45-9708-019B960494DF}">
-                <a14:hiddenLine xmlns="" xmlns:a14="http://schemas.microsoft.com/office/drawing/2010/main" w="9525">
+                <a14:hiddenLine xmlns:a14="http://schemas.microsoft.com/office/drawing/2010/main" xmlns="" w="9525">
                   <a:solidFill>
                     <a:srgbClr val="000000"/>
                   </a:solidFill>
@@ -3736,7 +3736,7 @@
             </a:ln>
             <a:extLst>
               <a:ext uri="{91240B29-F687-4f45-9708-019B960494DF}">
-                <a14:hiddenLine xmlns="" xmlns:a14="http://schemas.microsoft.com/office/drawing/2010/main" w="9525">
+                <a14:hiddenLine xmlns:a14="http://schemas.microsoft.com/office/drawing/2010/main" xmlns="" w="9525">
                   <a:solidFill>
                     <a:srgbClr val="000000"/>
                   </a:solidFill>
@@ -3826,7 +3826,7 @@
             </a:ln>
             <a:extLst>
               <a:ext uri="{91240B29-F687-4f45-9708-019B960494DF}">
-                <a14:hiddenLine xmlns="" xmlns:a14="http://schemas.microsoft.com/office/drawing/2010/main" w="9525">
+                <a14:hiddenLine xmlns:a14="http://schemas.microsoft.com/office/drawing/2010/main" xmlns="" w="9525">
                   <a:solidFill>
                     <a:srgbClr val="000000"/>
                   </a:solidFill>
@@ -3916,7 +3916,7 @@
             </a:ln>
             <a:extLst>
               <a:ext uri="{91240B29-F687-4f45-9708-019B960494DF}">
-                <a14:hiddenLine xmlns="" xmlns:a14="http://schemas.microsoft.com/office/drawing/2010/main" w="9525">
+                <a14:hiddenLine xmlns:a14="http://schemas.microsoft.com/office/drawing/2010/main" xmlns="" w="9525">
                   <a:solidFill>
                     <a:srgbClr val="000000"/>
                   </a:solidFill>
@@ -3978,7 +3978,7 @@
             </a:ln>
             <a:extLst>
               <a:ext uri="{91240B29-F687-4f45-9708-019B960494DF}">
-                <a14:hiddenLine xmlns="" xmlns:a14="http://schemas.microsoft.com/office/drawing/2010/main" w="9525">
+                <a14:hiddenLine xmlns:a14="http://schemas.microsoft.com/office/drawing/2010/main" xmlns="" w="9525">
                   <a:solidFill>
                     <a:srgbClr val="000000"/>
                   </a:solidFill>
@@ -4098,7 +4098,7 @@
             </a:ln>
             <a:extLst>
               <a:ext uri="{91240B29-F687-4f45-9708-019B960494DF}">
-                <a14:hiddenLine xmlns="" xmlns:a14="http://schemas.microsoft.com/office/drawing/2010/main" w="9525">
+                <a14:hiddenLine xmlns:a14="http://schemas.microsoft.com/office/drawing/2010/main" xmlns="" w="9525">
                   <a:solidFill>
                     <a:srgbClr val="000000"/>
                   </a:solidFill>
@@ -4166,7 +4166,7 @@
             </a:ln>
             <a:extLst>
               <a:ext uri="{91240B29-F687-4f45-9708-019B960494DF}">
-                <a14:hiddenLine xmlns="" xmlns:a14="http://schemas.microsoft.com/office/drawing/2010/main" w="9525">
+                <a14:hiddenLine xmlns:a14="http://schemas.microsoft.com/office/drawing/2010/main" xmlns="" w="9525">
                   <a:solidFill>
                     <a:srgbClr val="000000"/>
                   </a:solidFill>
@@ -4256,7 +4256,7 @@
             </a:ln>
             <a:extLst>
               <a:ext uri="{91240B29-F687-4f45-9708-019B960494DF}">
-                <a14:hiddenLine xmlns="" xmlns:a14="http://schemas.microsoft.com/office/drawing/2010/main" w="9525">
+                <a14:hiddenLine xmlns:a14="http://schemas.microsoft.com/office/drawing/2010/main" xmlns="" w="9525">
                   <a:solidFill>
                     <a:srgbClr val="000000"/>
                   </a:solidFill>
@@ -4397,7 +4397,7 @@
             <a:fld id="{B61BEF0D-F0BB-DE4B-95CE-6DB70DBA9567}" type="datetimeFigureOut">
               <a:rPr lang="en-US" smtClean="0"/>
               <a:pPr/>
-              <a:t>8/11/2014</a:t>
+              <a:t>8/12/2014</a:t>
             </a:fld>
             <a:endParaRPr lang="en-US" dirty="0"/>
           </a:p>
@@ -4666,7 +4666,7 @@
             <a:fld id="{B61BEF0D-F0BB-DE4B-95CE-6DB70DBA9567}" type="datetimeFigureOut">
               <a:rPr lang="en-US" smtClean="0"/>
               <a:pPr/>
-              <a:t>8/11/2014</a:t>
+              <a:t>8/12/2014</a:t>
             </a:fld>
             <a:endParaRPr lang="en-US" dirty="0"/>
           </a:p>
@@ -4864,7 +4864,7 @@
             <a:fld id="{B61BEF0D-F0BB-DE4B-95CE-6DB70DBA9567}" type="datetimeFigureOut">
               <a:rPr lang="en-US" smtClean="0"/>
               <a:pPr/>
-              <a:t>8/11/2014</a:t>
+              <a:t>8/12/2014</a:t>
             </a:fld>
             <a:endParaRPr lang="en-US" dirty="0"/>
           </a:p>
@@ -5129,7 +5129,7 @@
             <a:fld id="{B61BEF0D-F0BB-DE4B-95CE-6DB70DBA9567}" type="datetimeFigureOut">
               <a:rPr lang="en-US" smtClean="0"/>
               <a:pPr/>
-              <a:t>8/11/2014</a:t>
+              <a:t>8/12/2014</a:t>
             </a:fld>
             <a:endParaRPr lang="en-US" dirty="0"/>
           </a:p>
@@ -5565,7 +5565,7 @@
             <a:fld id="{B61BEF0D-F0BB-DE4B-95CE-6DB70DBA9567}" type="datetimeFigureOut">
               <a:rPr lang="en-US" smtClean="0"/>
               <a:pPr/>
-              <a:t>8/11/2014</a:t>
+              <a:t>8/12/2014</a:t>
             </a:fld>
             <a:endParaRPr lang="en-US" dirty="0"/>
           </a:p>
@@ -6113,7 +6113,7 @@
             <a:fld id="{B61BEF0D-F0BB-DE4B-95CE-6DB70DBA9567}" type="datetimeFigureOut">
               <a:rPr lang="en-US" smtClean="0"/>
               <a:pPr/>
-              <a:t>8/11/2014</a:t>
+              <a:t>8/12/2014</a:t>
             </a:fld>
             <a:endParaRPr lang="en-US" dirty="0"/>
           </a:p>
@@ -6835,7 +6835,7 @@
             <a:fld id="{B61BEF0D-F0BB-DE4B-95CE-6DB70DBA9567}" type="datetimeFigureOut">
               <a:rPr lang="en-US" smtClean="0"/>
               <a:pPr/>
-              <a:t>8/11/2014</a:t>
+              <a:t>8/12/2014</a:t>
             </a:fld>
             <a:endParaRPr lang="en-US" dirty="0"/>
           </a:p>
@@ -7007,7 +7007,7 @@
             <a:fld id="{B61BEF0D-F0BB-DE4B-95CE-6DB70DBA9567}" type="datetimeFigureOut">
               <a:rPr lang="en-US" smtClean="0"/>
               <a:pPr/>
-              <a:t>8/11/2014</a:t>
+              <a:t>8/12/2014</a:t>
             </a:fld>
             <a:endParaRPr lang="en-US" dirty="0"/>
           </a:p>
@@ -7189,7 +7189,7 @@
             <a:fld id="{B61BEF0D-F0BB-DE4B-95CE-6DB70DBA9567}" type="datetimeFigureOut">
               <a:rPr lang="en-US" smtClean="0"/>
               <a:pPr/>
-              <a:t>8/11/2014</a:t>
+              <a:t>8/12/2014</a:t>
             </a:fld>
             <a:endParaRPr lang="en-US" dirty="0"/>
           </a:p>
@@ -7361,7 +7361,7 @@
             <a:fld id="{B61BEF0D-F0BB-DE4B-95CE-6DB70DBA9567}" type="datetimeFigureOut">
               <a:rPr lang="en-US" smtClean="0"/>
               <a:pPr/>
-              <a:t>8/11/2014</a:t>
+              <a:t>8/12/2014</a:t>
             </a:fld>
             <a:endParaRPr lang="en-US" dirty="0"/>
           </a:p>
@@ -7613,7 +7613,7 @@
             <a:fld id="{B61BEF0D-F0BB-DE4B-95CE-6DB70DBA9567}" type="datetimeFigureOut">
               <a:rPr lang="en-US" smtClean="0"/>
               <a:pPr/>
-              <a:t>8/11/2014</a:t>
+              <a:t>8/12/2014</a:t>
             </a:fld>
             <a:endParaRPr lang="en-US" dirty="0"/>
           </a:p>
@@ -7847,7 +7847,7 @@
             <a:fld id="{B61BEF0D-F0BB-DE4B-95CE-6DB70DBA9567}" type="datetimeFigureOut">
               <a:rPr lang="en-US" smtClean="0"/>
               <a:pPr/>
-              <a:t>8/11/2014</a:t>
+              <a:t>8/12/2014</a:t>
             </a:fld>
             <a:endParaRPr lang="en-US" dirty="0"/>
           </a:p>
@@ -8230,7 +8230,7 @@
             <a:fld id="{B61BEF0D-F0BB-DE4B-95CE-6DB70DBA9567}" type="datetimeFigureOut">
               <a:rPr lang="en-US" smtClean="0"/>
               <a:pPr/>
-              <a:t>8/11/2014</a:t>
+              <a:t>8/12/2014</a:t>
             </a:fld>
             <a:endParaRPr lang="en-US" dirty="0"/>
           </a:p>
@@ -8350,7 +8350,7 @@
             <a:fld id="{B61BEF0D-F0BB-DE4B-95CE-6DB70DBA9567}" type="datetimeFigureOut">
               <a:rPr lang="en-US" smtClean="0"/>
               <a:pPr/>
-              <a:t>8/11/2014</a:t>
+              <a:t>8/12/2014</a:t>
             </a:fld>
             <a:endParaRPr lang="en-US" dirty="0"/>
           </a:p>
@@ -8447,7 +8447,7 @@
             <a:fld id="{B61BEF0D-F0BB-DE4B-95CE-6DB70DBA9567}" type="datetimeFigureOut">
               <a:rPr lang="en-US" smtClean="0"/>
               <a:pPr/>
-              <a:t>8/11/2014</a:t>
+              <a:t>8/12/2014</a:t>
             </a:fld>
             <a:endParaRPr lang="en-US" dirty="0"/>
           </a:p>
@@ -8698,7 +8698,7 @@
             <a:fld id="{B61BEF0D-F0BB-DE4B-95CE-6DB70DBA9567}" type="datetimeFigureOut">
               <a:rPr lang="en-US" smtClean="0"/>
               <a:pPr/>
-              <a:t>8/11/2014</a:t>
+              <a:t>8/12/2014</a:t>
             </a:fld>
             <a:endParaRPr lang="en-US" dirty="0"/>
           </a:p>
@@ -8980,7 +8980,7 @@
             <a:fld id="{B61BEF0D-F0BB-DE4B-95CE-6DB70DBA9567}" type="datetimeFigureOut">
               <a:rPr lang="en-US" smtClean="0"/>
               <a:pPr/>
-              <a:t>8/11/2014</a:t>
+              <a:t>8/12/2014</a:t>
             </a:fld>
             <a:endParaRPr lang="en-US" dirty="0"/>
           </a:p>
@@ -9097,7 +9097,7 @@
           <a:noFill/>
           <a:extLst>
             <a:ext uri="{909E8E84-426E-40dd-AFC4-6F175D3DCCD1}">
-              <a14:hiddenFill xmlns="" xmlns:a14="http://schemas.microsoft.com/office/drawing/2010/main">
+              <a14:hiddenFill xmlns:a14="http://schemas.microsoft.com/office/drawing/2010/main" xmlns="">
                 <a:solidFill>
                   <a:srgbClr val="FFFFFF"/>
                 </a:solidFill>
@@ -9171,7 +9171,7 @@
               </a:ln>
               <a:extLst>
                 <a:ext uri="{91240B29-F687-4f45-9708-019B960494DF}">
-                  <a14:hiddenLine xmlns="" xmlns:a14="http://schemas.microsoft.com/office/drawing/2010/main" w="9525">
+                  <a14:hiddenLine xmlns:a14="http://schemas.microsoft.com/office/drawing/2010/main" xmlns="" w="9525">
                     <a:solidFill>
                       <a:srgbClr val="000000"/>
                     </a:solidFill>
@@ -9261,7 +9261,7 @@
               </a:ln>
               <a:extLst>
                 <a:ext uri="{91240B29-F687-4f45-9708-019B960494DF}">
-                  <a14:hiddenLine xmlns="" xmlns:a14="http://schemas.microsoft.com/office/drawing/2010/main" w="9525">
+                  <a14:hiddenLine xmlns:a14="http://schemas.microsoft.com/office/drawing/2010/main" xmlns="" w="9525">
                     <a:solidFill>
                       <a:srgbClr val="000000"/>
                     </a:solidFill>
@@ -9351,7 +9351,7 @@
               </a:ln>
               <a:extLst>
                 <a:ext uri="{91240B29-F687-4f45-9708-019B960494DF}">
-                  <a14:hiddenLine xmlns="" xmlns:a14="http://schemas.microsoft.com/office/drawing/2010/main" w="9525">
+                  <a14:hiddenLine xmlns:a14="http://schemas.microsoft.com/office/drawing/2010/main" xmlns="" w="9525">
                     <a:solidFill>
                       <a:srgbClr val="000000"/>
                     </a:solidFill>
@@ -9413,7 +9413,7 @@
               </a:ln>
               <a:extLst>
                 <a:ext uri="{91240B29-F687-4f45-9708-019B960494DF}">
-                  <a14:hiddenLine xmlns="" xmlns:a14="http://schemas.microsoft.com/office/drawing/2010/main" w="9525">
+                  <a14:hiddenLine xmlns:a14="http://schemas.microsoft.com/office/drawing/2010/main" xmlns="" w="9525">
                     <a:solidFill>
                       <a:srgbClr val="000000"/>
                     </a:solidFill>
@@ -9503,7 +9503,7 @@
               </a:ln>
               <a:extLst>
                 <a:ext uri="{91240B29-F687-4f45-9708-019B960494DF}">
-                  <a14:hiddenLine xmlns="" xmlns:a14="http://schemas.microsoft.com/office/drawing/2010/main" w="9525">
+                  <a14:hiddenLine xmlns:a14="http://schemas.microsoft.com/office/drawing/2010/main" xmlns="" w="9525">
                     <a:solidFill>
                       <a:srgbClr val="000000"/>
                     </a:solidFill>
@@ -9565,7 +9565,7 @@
               </a:ln>
               <a:extLst>
                 <a:ext uri="{91240B29-F687-4f45-9708-019B960494DF}">
-                  <a14:hiddenLine xmlns="" xmlns:a14="http://schemas.microsoft.com/office/drawing/2010/main" w="9525">
+                  <a14:hiddenLine xmlns:a14="http://schemas.microsoft.com/office/drawing/2010/main" xmlns="" w="9525">
                     <a:solidFill>
                       <a:srgbClr val="000000"/>
                     </a:solidFill>
@@ -9627,7 +9627,7 @@
               </a:ln>
               <a:extLst>
                 <a:ext uri="{91240B29-F687-4f45-9708-019B960494DF}">
-                  <a14:hiddenLine xmlns="" xmlns:a14="http://schemas.microsoft.com/office/drawing/2010/main" w="9525">
+                  <a14:hiddenLine xmlns:a14="http://schemas.microsoft.com/office/drawing/2010/main" xmlns="" w="9525">
                     <a:solidFill>
                       <a:srgbClr val="000000"/>
                     </a:solidFill>
@@ -9717,7 +9717,7 @@
               </a:ln>
               <a:extLst>
                 <a:ext uri="{91240B29-F687-4f45-9708-019B960494DF}">
-                  <a14:hiddenLine xmlns="" xmlns:a14="http://schemas.microsoft.com/office/drawing/2010/main" w="9525">
+                  <a14:hiddenLine xmlns:a14="http://schemas.microsoft.com/office/drawing/2010/main" xmlns="" w="9525">
                     <a:solidFill>
                       <a:srgbClr val="000000"/>
                     </a:solidFill>
@@ -9807,7 +9807,7 @@
               </a:ln>
               <a:extLst>
                 <a:ext uri="{91240B29-F687-4f45-9708-019B960494DF}">
-                  <a14:hiddenLine xmlns="" xmlns:a14="http://schemas.microsoft.com/office/drawing/2010/main" w="9525">
+                  <a14:hiddenLine xmlns:a14="http://schemas.microsoft.com/office/drawing/2010/main" xmlns="" w="9525">
                     <a:solidFill>
                       <a:srgbClr val="000000"/>
                     </a:solidFill>
@@ -9869,7 +9869,7 @@
               </a:ln>
               <a:extLst>
                 <a:ext uri="{91240B29-F687-4f45-9708-019B960494DF}">
-                  <a14:hiddenLine xmlns="" xmlns:a14="http://schemas.microsoft.com/office/drawing/2010/main" w="9525">
+                  <a14:hiddenLine xmlns:a14="http://schemas.microsoft.com/office/drawing/2010/main" xmlns="" w="9525">
                     <a:solidFill>
                       <a:srgbClr val="000000"/>
                     </a:solidFill>
@@ -9979,7 +9979,7 @@
               </a:ln>
               <a:extLst>
                 <a:ext uri="{91240B29-F687-4f45-9708-019B960494DF}">
-                  <a14:hiddenLine xmlns="" xmlns:a14="http://schemas.microsoft.com/office/drawing/2010/main" w="9525">
+                  <a14:hiddenLine xmlns:a14="http://schemas.microsoft.com/office/drawing/2010/main" xmlns="" w="9525">
                     <a:solidFill>
                       <a:srgbClr val="000000"/>
                     </a:solidFill>
@@ -10063,7 +10063,7 @@
               </a:ln>
               <a:extLst>
                 <a:ext uri="{91240B29-F687-4f45-9708-019B960494DF}">
-                  <a14:hiddenLine xmlns="" xmlns:a14="http://schemas.microsoft.com/office/drawing/2010/main" w="9525">
+                  <a14:hiddenLine xmlns:a14="http://schemas.microsoft.com/office/drawing/2010/main" xmlns="" w="9525">
                     <a:solidFill>
                       <a:srgbClr val="000000"/>
                     </a:solidFill>
@@ -10125,7 +10125,7 @@
               </a:ln>
               <a:extLst>
                 <a:ext uri="{91240B29-F687-4f45-9708-019B960494DF}">
-                  <a14:hiddenLine xmlns="" xmlns:a14="http://schemas.microsoft.com/office/drawing/2010/main" w="9525">
+                  <a14:hiddenLine xmlns:a14="http://schemas.microsoft.com/office/drawing/2010/main" xmlns="" w="9525">
                     <a:solidFill>
                       <a:srgbClr val="000000"/>
                     </a:solidFill>
@@ -10187,7 +10187,7 @@
               </a:ln>
               <a:extLst>
                 <a:ext uri="{91240B29-F687-4f45-9708-019B960494DF}">
-                  <a14:hiddenLine xmlns="" xmlns:a14="http://schemas.microsoft.com/office/drawing/2010/main" w="9525">
+                  <a14:hiddenLine xmlns:a14="http://schemas.microsoft.com/office/drawing/2010/main" xmlns="" w="9525">
                     <a:solidFill>
                       <a:srgbClr val="000000"/>
                     </a:solidFill>
@@ -10277,7 +10277,7 @@
               </a:ln>
               <a:extLst>
                 <a:ext uri="{91240B29-F687-4f45-9708-019B960494DF}">
-                  <a14:hiddenLine xmlns="" xmlns:a14="http://schemas.microsoft.com/office/drawing/2010/main" w="9525">
+                  <a14:hiddenLine xmlns:a14="http://schemas.microsoft.com/office/drawing/2010/main" xmlns="" w="9525">
                     <a:solidFill>
                       <a:srgbClr val="000000"/>
                     </a:solidFill>
@@ -10311,7 +10311,7 @@
               </a:ln>
               <a:extLst>
                 <a:ext uri="{91240B29-F687-4f45-9708-019B960494DF}">
-                  <a14:hiddenLine xmlns="" xmlns:a14="http://schemas.microsoft.com/office/drawing/2010/main" w="9525">
+                  <a14:hiddenLine xmlns:a14="http://schemas.microsoft.com/office/drawing/2010/main" xmlns="" w="9525">
                     <a:solidFill>
                       <a:srgbClr val="000000"/>
                     </a:solidFill>
@@ -10376,7 +10376,7 @@
               </a:ln>
               <a:extLst>
                 <a:ext uri="{91240B29-F687-4f45-9708-019B960494DF}">
-                  <a14:hiddenLine xmlns="" xmlns:a14="http://schemas.microsoft.com/office/drawing/2010/main" w="9525">
+                  <a14:hiddenLine xmlns:a14="http://schemas.microsoft.com/office/drawing/2010/main" xmlns="" w="9525">
                     <a:solidFill>
                       <a:srgbClr val="000000"/>
                     </a:solidFill>
@@ -10466,7 +10466,7 @@
               </a:ln>
               <a:extLst>
                 <a:ext uri="{91240B29-F687-4f45-9708-019B960494DF}">
-                  <a14:hiddenLine xmlns="" xmlns:a14="http://schemas.microsoft.com/office/drawing/2010/main" w="9525">
+                  <a14:hiddenLine xmlns:a14="http://schemas.microsoft.com/office/drawing/2010/main" xmlns="" w="9525">
                     <a:solidFill>
                       <a:srgbClr val="000000"/>
                     </a:solidFill>
@@ -10528,7 +10528,7 @@
               </a:ln>
               <a:extLst>
                 <a:ext uri="{91240B29-F687-4f45-9708-019B960494DF}">
-                  <a14:hiddenLine xmlns="" xmlns:a14="http://schemas.microsoft.com/office/drawing/2010/main" w="9525">
+                  <a14:hiddenLine xmlns:a14="http://schemas.microsoft.com/office/drawing/2010/main" xmlns="" w="9525">
                     <a:solidFill>
                       <a:srgbClr val="000000"/>
                     </a:solidFill>
@@ -10618,7 +10618,7 @@
               </a:ln>
               <a:extLst>
                 <a:ext uri="{91240B29-F687-4f45-9708-019B960494DF}">
-                  <a14:hiddenLine xmlns="" xmlns:a14="http://schemas.microsoft.com/office/drawing/2010/main" w="9525">
+                  <a14:hiddenLine xmlns:a14="http://schemas.microsoft.com/office/drawing/2010/main" xmlns="" w="9525">
                     <a:solidFill>
                       <a:srgbClr val="000000"/>
                     </a:solidFill>
@@ -10683,7 +10683,7 @@
               </a:ln>
               <a:extLst>
                 <a:ext uri="{91240B29-F687-4f45-9708-019B960494DF}">
-                  <a14:hiddenLine xmlns="" xmlns:a14="http://schemas.microsoft.com/office/drawing/2010/main" w="9525">
+                  <a14:hiddenLine xmlns:a14="http://schemas.microsoft.com/office/drawing/2010/main" xmlns="" w="9525">
                     <a:solidFill>
                       <a:srgbClr val="000000"/>
                     </a:solidFill>
@@ -10745,7 +10745,7 @@
               </a:ln>
               <a:extLst>
                 <a:ext uri="{91240B29-F687-4f45-9708-019B960494DF}">
-                  <a14:hiddenLine xmlns="" xmlns:a14="http://schemas.microsoft.com/office/drawing/2010/main" w="9525">
+                  <a14:hiddenLine xmlns:a14="http://schemas.microsoft.com/office/drawing/2010/main" xmlns="" w="9525">
                     <a:solidFill>
                       <a:srgbClr val="000000"/>
                     </a:solidFill>
@@ -10835,7 +10835,7 @@
               </a:ln>
               <a:extLst>
                 <a:ext uri="{91240B29-F687-4f45-9708-019B960494DF}">
-                  <a14:hiddenLine xmlns="" xmlns:a14="http://schemas.microsoft.com/office/drawing/2010/main" w="9525">
+                  <a14:hiddenLine xmlns:a14="http://schemas.microsoft.com/office/drawing/2010/main" xmlns="" w="9525">
                     <a:solidFill>
                       <a:srgbClr val="000000"/>
                     </a:solidFill>
@@ -10925,7 +10925,7 @@
               </a:ln>
               <a:extLst>
                 <a:ext uri="{91240B29-F687-4f45-9708-019B960494DF}">
-                  <a14:hiddenLine xmlns="" xmlns:a14="http://schemas.microsoft.com/office/drawing/2010/main" w="9525">
+                  <a14:hiddenLine xmlns:a14="http://schemas.microsoft.com/office/drawing/2010/main" xmlns="" w="9525">
                     <a:solidFill>
                       <a:srgbClr val="000000"/>
                     </a:solidFill>
@@ -10990,7 +10990,7 @@
               </a:ln>
               <a:extLst>
                 <a:ext uri="{91240B29-F687-4f45-9708-019B960494DF}">
-                  <a14:hiddenLine xmlns="" xmlns:a14="http://schemas.microsoft.com/office/drawing/2010/main" w="9525">
+                  <a14:hiddenLine xmlns:a14="http://schemas.microsoft.com/office/drawing/2010/main" xmlns="" w="9525">
                     <a:solidFill>
                       <a:srgbClr val="000000"/>
                     </a:solidFill>
@@ -11110,7 +11110,7 @@
               </a:ln>
               <a:extLst>
                 <a:ext uri="{91240B29-F687-4f45-9708-019B960494DF}">
-                  <a14:hiddenLine xmlns="" xmlns:a14="http://schemas.microsoft.com/office/drawing/2010/main" w="9525">
+                  <a14:hiddenLine xmlns:a14="http://schemas.microsoft.com/office/drawing/2010/main" xmlns="" w="9525">
                     <a:solidFill>
                       <a:srgbClr val="000000"/>
                     </a:solidFill>
@@ -11208,7 +11208,7 @@
               </a:ln>
               <a:extLst>
                 <a:ext uri="{91240B29-F687-4f45-9708-019B960494DF}">
-                  <a14:hiddenLine xmlns="" xmlns:a14="http://schemas.microsoft.com/office/drawing/2010/main" w="9525">
+                  <a14:hiddenLine xmlns:a14="http://schemas.microsoft.com/office/drawing/2010/main" xmlns="" w="9525">
                     <a:solidFill>
                       <a:srgbClr val="000000"/>
                     </a:solidFill>
@@ -11323,7 +11323,7 @@
               </a:ln>
               <a:extLst>
                 <a:ext uri="{91240B29-F687-4f45-9708-019B960494DF}">
-                  <a14:hiddenLine xmlns="" xmlns:a14="http://schemas.microsoft.com/office/drawing/2010/main" w="9525">
+                  <a14:hiddenLine xmlns:a14="http://schemas.microsoft.com/office/drawing/2010/main" xmlns="" w="9525">
                     <a:solidFill>
                       <a:srgbClr val="000000"/>
                     </a:solidFill>
@@ -11413,7 +11413,7 @@
               </a:ln>
               <a:extLst>
                 <a:ext uri="{91240B29-F687-4f45-9708-019B960494DF}">
-                  <a14:hiddenLine xmlns="" xmlns:a14="http://schemas.microsoft.com/office/drawing/2010/main" w="9525">
+                  <a14:hiddenLine xmlns:a14="http://schemas.microsoft.com/office/drawing/2010/main" xmlns="" w="9525">
                     <a:solidFill>
                       <a:srgbClr val="000000"/>
                     </a:solidFill>
@@ -11478,7 +11478,7 @@
               </a:ln>
               <a:extLst>
                 <a:ext uri="{91240B29-F687-4f45-9708-019B960494DF}">
-                  <a14:hiddenLine xmlns="" xmlns:a14="http://schemas.microsoft.com/office/drawing/2010/main" w="9525">
+                  <a14:hiddenLine xmlns:a14="http://schemas.microsoft.com/office/drawing/2010/main" xmlns="" w="9525">
                     <a:solidFill>
                       <a:srgbClr val="000000"/>
                     </a:solidFill>
@@ -11568,7 +11568,7 @@
               </a:ln>
               <a:extLst>
                 <a:ext uri="{91240B29-F687-4f45-9708-019B960494DF}">
-                  <a14:hiddenLine xmlns="" xmlns:a14="http://schemas.microsoft.com/office/drawing/2010/main" w="9525">
+                  <a14:hiddenLine xmlns:a14="http://schemas.microsoft.com/office/drawing/2010/main" xmlns="" w="9525">
                     <a:solidFill>
                       <a:srgbClr val="000000"/>
                     </a:solidFill>
@@ -11636,7 +11636,7 @@
               </a:ln>
               <a:extLst>
                 <a:ext uri="{91240B29-F687-4f45-9708-019B960494DF}">
-                  <a14:hiddenLine xmlns="" xmlns:a14="http://schemas.microsoft.com/office/drawing/2010/main" w="9525">
+                  <a14:hiddenLine xmlns:a14="http://schemas.microsoft.com/office/drawing/2010/main" xmlns="" w="9525">
                     <a:solidFill>
                       <a:srgbClr val="000000"/>
                     </a:solidFill>
@@ -11726,7 +11726,7 @@
               </a:ln>
               <a:extLst>
                 <a:ext uri="{91240B29-F687-4f45-9708-019B960494DF}">
-                  <a14:hiddenLine xmlns="" xmlns:a14="http://schemas.microsoft.com/office/drawing/2010/main" w="9525">
+                  <a14:hiddenLine xmlns:a14="http://schemas.microsoft.com/office/drawing/2010/main" xmlns="" w="9525">
                     <a:solidFill>
                       <a:srgbClr val="000000"/>
                     </a:solidFill>
@@ -11794,7 +11794,7 @@
               </a:ln>
               <a:extLst>
                 <a:ext uri="{91240B29-F687-4f45-9708-019B960494DF}">
-                  <a14:hiddenLine xmlns="" xmlns:a14="http://schemas.microsoft.com/office/drawing/2010/main" w="9525">
+                  <a14:hiddenLine xmlns:a14="http://schemas.microsoft.com/office/drawing/2010/main" xmlns="" w="9525">
                     <a:solidFill>
                       <a:srgbClr val="000000"/>
                     </a:solidFill>
@@ -11884,7 +11884,7 @@
               </a:ln>
               <a:extLst>
                 <a:ext uri="{91240B29-F687-4f45-9708-019B960494DF}">
-                  <a14:hiddenLine xmlns="" xmlns:a14="http://schemas.microsoft.com/office/drawing/2010/main" w="9525">
+                  <a14:hiddenLine xmlns:a14="http://schemas.microsoft.com/office/drawing/2010/main" xmlns="" w="9525">
                     <a:solidFill>
                       <a:srgbClr val="000000"/>
                     </a:solidFill>
@@ -11918,7 +11918,7 @@
               </a:ln>
               <a:extLst>
                 <a:ext uri="{91240B29-F687-4f45-9708-019B960494DF}">
-                  <a14:hiddenLine xmlns="" xmlns:a14="http://schemas.microsoft.com/office/drawing/2010/main" w="9525">
+                  <a14:hiddenLine xmlns:a14="http://schemas.microsoft.com/office/drawing/2010/main" xmlns="" w="9525">
                     <a:solidFill>
                       <a:srgbClr val="000000"/>
                     </a:solidFill>
@@ -12059,7 +12059,7 @@
             <a:fld id="{B61BEF0D-F0BB-DE4B-95CE-6DB70DBA9567}" type="datetimeFigureOut">
               <a:rPr lang="en-US" smtClean="0"/>
               <a:pPr/>
-              <a:t>8/11/2014</a:t>
+              <a:t>8/12/2014</a:t>
             </a:fld>
             <a:endParaRPr lang="en-US" dirty="0"/>
           </a:p>
@@ -13008,29 +13008,6 @@
           </a:p>
         </p:txBody>
       </p:sp>
-      <p:pic>
-        <p:nvPicPr>
-          <p:cNvPr id="8" name="Picture Placeholder 7"/>
-          <p:cNvPicPr>
-            <a:picLocks noGrp="1" noChangeAspect="1"/>
-          </p:cNvPicPr>
-          <p:nvPr>
-            <p:ph type="pic" idx="1"/>
-          </p:nvPr>
-        </p:nvPicPr>
-        <p:blipFill>
-          <a:blip r:embed="rId2"/>
-          <a:srcRect l="5767" r="5767"/>
-          <a:stretch>
-            <a:fillRect/>
-          </a:stretch>
-        </p:blipFill>
-        <p:spPr>
-          <a:prstGeom prst="rect">
-            <a:avLst/>
-          </a:prstGeom>
-        </p:spPr>
-      </p:pic>
       <p:sp>
         <p:nvSpPr>
           <p:cNvPr id="7" name="Text Placeholder 6"/>
@@ -13049,6 +13026,18 @@
             <a:endParaRPr lang="en-US"/>
           </a:p>
         </p:txBody>
+      </p:sp>
+      <p:sp>
+        <p:nvSpPr>
+          <p:cNvPr id="2" name="Picture Placeholder 1"/>
+          <p:cNvSpPr>
+            <a:spLocks noGrp="1"/>
+          </p:cNvSpPr>
+          <p:nvPr>
+            <p:ph type="pic" idx="1"/>
+          </p:nvPr>
+        </p:nvSpPr>
+        <p:spPr/>
       </p:sp>
     </p:spTree>
     <p:extLst>

--- a/presentations/NYC F# UG. 2014-08-26.pptx
+++ b/presentations/NYC F# UG. 2014-08-26.pptx
@@ -13,7 +13,9 @@
     <p:sldId id="294" r:id="rId7"/>
     <p:sldId id="295" r:id="rId8"/>
     <p:sldId id="296" r:id="rId9"/>
-    <p:sldId id="297" r:id="rId10"/>
+    <p:sldId id="298" r:id="rId10"/>
+    <p:sldId id="299" r:id="rId11"/>
+    <p:sldId id="297" r:id="rId12"/>
   </p:sldIdLst>
   <p:sldSz cx="12192000" cy="6858000"/>
   <p:notesSz cx="6858000" cy="9144000"/>
@@ -170,7 +172,7 @@
           <a:noFill/>
           <a:extLst>
             <a:ext uri="{909E8E84-426E-40dd-AFC4-6F175D3DCCD1}">
-              <a14:hiddenFill xmlns:a14="http://schemas.microsoft.com/office/drawing/2010/main" xmlns="">
+              <a14:hiddenFill xmlns="" xmlns:a14="http://schemas.microsoft.com/office/drawing/2010/main">
                 <a:solidFill>
                   <a:srgbClr val="FFFFFF"/>
                 </a:solidFill>
@@ -230,7 +232,7 @@
             </a:ln>
             <a:extLst>
               <a:ext uri="{91240B29-F687-4f45-9708-019B960494DF}">
-                <a14:hiddenLine xmlns:a14="http://schemas.microsoft.com/office/drawing/2010/main" xmlns="" w="9525">
+                <a14:hiddenLine xmlns="" xmlns:a14="http://schemas.microsoft.com/office/drawing/2010/main" w="9525">
                   <a:solidFill>
                     <a:srgbClr val="000000"/>
                   </a:solidFill>
@@ -320,7 +322,7 @@
             </a:ln>
             <a:extLst>
               <a:ext uri="{91240B29-F687-4f45-9708-019B960494DF}">
-                <a14:hiddenLine xmlns:a14="http://schemas.microsoft.com/office/drawing/2010/main" xmlns="" w="9525">
+                <a14:hiddenLine xmlns="" xmlns:a14="http://schemas.microsoft.com/office/drawing/2010/main" w="9525">
                   <a:solidFill>
                     <a:srgbClr val="000000"/>
                   </a:solidFill>
@@ -410,7 +412,7 @@
             </a:ln>
             <a:extLst>
               <a:ext uri="{91240B29-F687-4f45-9708-019B960494DF}">
-                <a14:hiddenLine xmlns:a14="http://schemas.microsoft.com/office/drawing/2010/main" xmlns="" w="9525">
+                <a14:hiddenLine xmlns="" xmlns:a14="http://schemas.microsoft.com/office/drawing/2010/main" w="9525">
                   <a:solidFill>
                     <a:srgbClr val="000000"/>
                   </a:solidFill>
@@ -444,7 +446,7 @@
             </a:ln>
             <a:extLst>
               <a:ext uri="{91240B29-F687-4f45-9708-019B960494DF}">
-                <a14:hiddenLine xmlns:a14="http://schemas.microsoft.com/office/drawing/2010/main" xmlns="" w="9525">
+                <a14:hiddenLine xmlns="" xmlns:a14="http://schemas.microsoft.com/office/drawing/2010/main" w="9525">
                   <a:solidFill>
                     <a:srgbClr val="000000"/>
                   </a:solidFill>
@@ -534,7 +536,7 @@
             </a:ln>
             <a:extLst>
               <a:ext uri="{91240B29-F687-4f45-9708-019B960494DF}">
-                <a14:hiddenLine xmlns:a14="http://schemas.microsoft.com/office/drawing/2010/main" xmlns="" w="9525">
+                <a14:hiddenLine xmlns="" xmlns:a14="http://schemas.microsoft.com/office/drawing/2010/main" w="9525">
                   <a:solidFill>
                     <a:srgbClr val="000000"/>
                   </a:solidFill>
@@ -596,7 +598,7 @@
             </a:ln>
             <a:extLst>
               <a:ext uri="{91240B29-F687-4f45-9708-019B960494DF}">
-                <a14:hiddenLine xmlns:a14="http://schemas.microsoft.com/office/drawing/2010/main" xmlns="" w="9525">
+                <a14:hiddenLine xmlns="" xmlns:a14="http://schemas.microsoft.com/office/drawing/2010/main" w="9525">
                   <a:solidFill>
                     <a:srgbClr val="000000"/>
                   </a:solidFill>
@@ -658,7 +660,7 @@
             </a:ln>
             <a:extLst>
               <a:ext uri="{91240B29-F687-4f45-9708-019B960494DF}">
-                <a14:hiddenLine xmlns:a14="http://schemas.microsoft.com/office/drawing/2010/main" xmlns="" w="9525">
+                <a14:hiddenLine xmlns="" xmlns:a14="http://schemas.microsoft.com/office/drawing/2010/main" w="9525">
                   <a:solidFill>
                     <a:srgbClr val="000000"/>
                   </a:solidFill>
@@ -748,7 +750,7 @@
             </a:ln>
             <a:extLst>
               <a:ext uri="{91240B29-F687-4f45-9708-019B960494DF}">
-                <a14:hiddenLine xmlns:a14="http://schemas.microsoft.com/office/drawing/2010/main" xmlns="" w="9525">
+                <a14:hiddenLine xmlns="" xmlns:a14="http://schemas.microsoft.com/office/drawing/2010/main" w="9525">
                   <a:solidFill>
                     <a:srgbClr val="000000"/>
                   </a:solidFill>
@@ -810,7 +812,7 @@
             </a:ln>
             <a:extLst>
               <a:ext uri="{91240B29-F687-4f45-9708-019B960494DF}">
-                <a14:hiddenLine xmlns:a14="http://schemas.microsoft.com/office/drawing/2010/main" xmlns="" w="9525">
+                <a14:hiddenLine xmlns="" xmlns:a14="http://schemas.microsoft.com/office/drawing/2010/main" w="9525">
                   <a:solidFill>
                     <a:srgbClr val="000000"/>
                   </a:solidFill>
@@ -872,7 +874,7 @@
             </a:ln>
             <a:extLst>
               <a:ext uri="{91240B29-F687-4f45-9708-019B960494DF}">
-                <a14:hiddenLine xmlns:a14="http://schemas.microsoft.com/office/drawing/2010/main" xmlns="" w="9525">
+                <a14:hiddenLine xmlns="" xmlns:a14="http://schemas.microsoft.com/office/drawing/2010/main" w="9525">
                   <a:solidFill>
                     <a:srgbClr val="000000"/>
                   </a:solidFill>
@@ -962,7 +964,7 @@
             </a:ln>
             <a:extLst>
               <a:ext uri="{91240B29-F687-4f45-9708-019B960494DF}">
-                <a14:hiddenLine xmlns:a14="http://schemas.microsoft.com/office/drawing/2010/main" xmlns="" w="9525">
+                <a14:hiddenLine xmlns="" xmlns:a14="http://schemas.microsoft.com/office/drawing/2010/main" w="9525">
                   <a:solidFill>
                     <a:srgbClr val="000000"/>
                   </a:solidFill>
@@ -1052,7 +1054,7 @@
             </a:ln>
             <a:extLst>
               <a:ext uri="{91240B29-F687-4f45-9708-019B960494DF}">
-                <a14:hiddenLine xmlns:a14="http://schemas.microsoft.com/office/drawing/2010/main" xmlns="" w="9525">
+                <a14:hiddenLine xmlns="" xmlns:a14="http://schemas.microsoft.com/office/drawing/2010/main" w="9525">
                   <a:solidFill>
                     <a:srgbClr val="000000"/>
                   </a:solidFill>
@@ -1114,7 +1116,7 @@
             </a:ln>
             <a:extLst>
               <a:ext uri="{91240B29-F687-4f45-9708-019B960494DF}">
-                <a14:hiddenLine xmlns:a14="http://schemas.microsoft.com/office/drawing/2010/main" xmlns="" w="9525">
+                <a14:hiddenLine xmlns="" xmlns:a14="http://schemas.microsoft.com/office/drawing/2010/main" w="9525">
                   <a:solidFill>
                     <a:srgbClr val="000000"/>
                   </a:solidFill>
@@ -1224,7 +1226,7 @@
             </a:ln>
             <a:extLst>
               <a:ext uri="{91240B29-F687-4f45-9708-019B960494DF}">
-                <a14:hiddenLine xmlns:a14="http://schemas.microsoft.com/office/drawing/2010/main" xmlns="" w="9525">
+                <a14:hiddenLine xmlns="" xmlns:a14="http://schemas.microsoft.com/office/drawing/2010/main" w="9525">
                   <a:solidFill>
                     <a:srgbClr val="000000"/>
                   </a:solidFill>
@@ -1286,7 +1288,7 @@
             </a:ln>
             <a:extLst>
               <a:ext uri="{91240B29-F687-4f45-9708-019B960494DF}">
-                <a14:hiddenLine xmlns:a14="http://schemas.microsoft.com/office/drawing/2010/main" xmlns="" w="9525">
+                <a14:hiddenLine xmlns="" xmlns:a14="http://schemas.microsoft.com/office/drawing/2010/main" w="9525">
                   <a:solidFill>
                     <a:srgbClr val="000000"/>
                   </a:solidFill>
@@ -1376,7 +1378,7 @@
             </a:ln>
             <a:extLst>
               <a:ext uri="{91240B29-F687-4f45-9708-019B960494DF}">
-                <a14:hiddenLine xmlns:a14="http://schemas.microsoft.com/office/drawing/2010/main" xmlns="" w="9525">
+                <a14:hiddenLine xmlns="" xmlns:a14="http://schemas.microsoft.com/office/drawing/2010/main" w="9525">
                   <a:solidFill>
                     <a:srgbClr val="000000"/>
                   </a:solidFill>
@@ -1466,7 +1468,7 @@
             </a:ln>
             <a:extLst>
               <a:ext uri="{91240B29-F687-4f45-9708-019B960494DF}">
-                <a14:hiddenLine xmlns:a14="http://schemas.microsoft.com/office/drawing/2010/main" xmlns="" w="9525">
+                <a14:hiddenLine xmlns="" xmlns:a14="http://schemas.microsoft.com/office/drawing/2010/main" w="9525">
                   <a:solidFill>
                     <a:srgbClr val="000000"/>
                   </a:solidFill>
@@ -1528,7 +1530,7 @@
             </a:ln>
             <a:extLst>
               <a:ext uri="{91240B29-F687-4f45-9708-019B960494DF}">
-                <a14:hiddenLine xmlns:a14="http://schemas.microsoft.com/office/drawing/2010/main" xmlns="" w="9525">
+                <a14:hiddenLine xmlns="" xmlns:a14="http://schemas.microsoft.com/office/drawing/2010/main" w="9525">
                   <a:solidFill>
                     <a:srgbClr val="000000"/>
                   </a:solidFill>
@@ -1618,7 +1620,7 @@
             </a:ln>
             <a:extLst>
               <a:ext uri="{91240B29-F687-4f45-9708-019B960494DF}">
-                <a14:hiddenLine xmlns:a14="http://schemas.microsoft.com/office/drawing/2010/main" xmlns="" w="9525">
+                <a14:hiddenLine xmlns="" xmlns:a14="http://schemas.microsoft.com/office/drawing/2010/main" w="9525">
                   <a:solidFill>
                     <a:srgbClr val="000000"/>
                   </a:solidFill>
@@ -1708,7 +1710,7 @@
             </a:ln>
             <a:extLst>
               <a:ext uri="{91240B29-F687-4f45-9708-019B960494DF}">
-                <a14:hiddenLine xmlns:a14="http://schemas.microsoft.com/office/drawing/2010/main" xmlns="" w="9525">
+                <a14:hiddenLine xmlns="" xmlns:a14="http://schemas.microsoft.com/office/drawing/2010/main" w="9525">
                   <a:solidFill>
                     <a:srgbClr val="000000"/>
                   </a:solidFill>
@@ -1764,7 +1766,7 @@
             </a:ln>
             <a:extLst>
               <a:ext uri="{91240B29-F687-4f45-9708-019B960494DF}">
-                <a14:hiddenLine xmlns:a14="http://schemas.microsoft.com/office/drawing/2010/main" xmlns="" w="9525">
+                <a14:hiddenLine xmlns="" xmlns:a14="http://schemas.microsoft.com/office/drawing/2010/main" w="9525">
                   <a:solidFill>
                     <a:srgbClr val="000000"/>
                   </a:solidFill>
@@ -1854,7 +1856,7 @@
             </a:ln>
             <a:extLst>
               <a:ext uri="{91240B29-F687-4f45-9708-019B960494DF}">
-                <a14:hiddenLine xmlns:a14="http://schemas.microsoft.com/office/drawing/2010/main" xmlns="" w="9525">
+                <a14:hiddenLine xmlns="" xmlns:a14="http://schemas.microsoft.com/office/drawing/2010/main" w="9525">
                   <a:solidFill>
                     <a:srgbClr val="000000"/>
                   </a:solidFill>
@@ -1910,7 +1912,7 @@
             </a:ln>
             <a:extLst>
               <a:ext uri="{91240B29-F687-4f45-9708-019B960494DF}">
-                <a14:hiddenLine xmlns:a14="http://schemas.microsoft.com/office/drawing/2010/main" xmlns="" w="9525">
+                <a14:hiddenLine xmlns="" xmlns:a14="http://schemas.microsoft.com/office/drawing/2010/main" w="9525">
                   <a:solidFill>
                     <a:srgbClr val="000000"/>
                   </a:solidFill>
@@ -2000,7 +2002,7 @@
             </a:ln>
             <a:extLst>
               <a:ext uri="{91240B29-F687-4f45-9708-019B960494DF}">
-                <a14:hiddenLine xmlns:a14="http://schemas.microsoft.com/office/drawing/2010/main" xmlns="" w="9525">
+                <a14:hiddenLine xmlns="" xmlns:a14="http://schemas.microsoft.com/office/drawing/2010/main" w="9525">
                   <a:solidFill>
                     <a:srgbClr val="000000"/>
                   </a:solidFill>
@@ -2068,7 +2070,7 @@
             </a:ln>
             <a:extLst>
               <a:ext uri="{91240B29-F687-4f45-9708-019B960494DF}">
-                <a14:hiddenLine xmlns:a14="http://schemas.microsoft.com/office/drawing/2010/main" xmlns="" w="9525">
+                <a14:hiddenLine xmlns="" xmlns:a14="http://schemas.microsoft.com/office/drawing/2010/main" w="9525">
                   <a:solidFill>
                     <a:srgbClr val="000000"/>
                   </a:solidFill>
@@ -2158,7 +2160,7 @@
             </a:ln>
             <a:extLst>
               <a:ext uri="{91240B29-F687-4f45-9708-019B960494DF}">
-                <a14:hiddenLine xmlns:a14="http://schemas.microsoft.com/office/drawing/2010/main" xmlns="" w="9525">
+                <a14:hiddenLine xmlns="" xmlns:a14="http://schemas.microsoft.com/office/drawing/2010/main" w="9525">
                   <a:solidFill>
                     <a:srgbClr val="000000"/>
                   </a:solidFill>
@@ -2226,7 +2228,7 @@
             </a:ln>
             <a:extLst>
               <a:ext uri="{91240B29-F687-4f45-9708-019B960494DF}">
-                <a14:hiddenLine xmlns:a14="http://schemas.microsoft.com/office/drawing/2010/main" xmlns="" w="9525">
+                <a14:hiddenLine xmlns="" xmlns:a14="http://schemas.microsoft.com/office/drawing/2010/main" w="9525">
                   <a:solidFill>
                     <a:srgbClr val="000000"/>
                   </a:solidFill>
@@ -2316,7 +2318,7 @@
             </a:ln>
             <a:extLst>
               <a:ext uri="{91240B29-F687-4f45-9708-019B960494DF}">
-                <a14:hiddenLine xmlns:a14="http://schemas.microsoft.com/office/drawing/2010/main" xmlns="" w="9525">
+                <a14:hiddenLine xmlns="" xmlns:a14="http://schemas.microsoft.com/office/drawing/2010/main" w="9525">
                   <a:solidFill>
                     <a:srgbClr val="000000"/>
                   </a:solidFill>
@@ -2350,7 +2352,7 @@
             </a:ln>
             <a:extLst>
               <a:ext uri="{91240B29-F687-4f45-9708-019B960494DF}">
-                <a14:hiddenLine xmlns:a14="http://schemas.microsoft.com/office/drawing/2010/main" xmlns="" w="9525">
+                <a14:hiddenLine xmlns="" xmlns:a14="http://schemas.microsoft.com/office/drawing/2010/main" w="9525">
                   <a:solidFill>
                     <a:srgbClr val="000000"/>
                   </a:solidFill>
@@ -2440,7 +2442,7 @@
             </a:ln>
             <a:extLst>
               <a:ext uri="{91240B29-F687-4f45-9708-019B960494DF}">
-                <a14:hiddenLine xmlns:a14="http://schemas.microsoft.com/office/drawing/2010/main" xmlns="" w="9525">
+                <a14:hiddenLine xmlns="" xmlns:a14="http://schemas.microsoft.com/office/drawing/2010/main" w="9525">
                   <a:solidFill>
                     <a:srgbClr val="000000"/>
                   </a:solidFill>
@@ -2502,7 +2504,7 @@
             </a:ln>
             <a:extLst>
               <a:ext uri="{91240B29-F687-4f45-9708-019B960494DF}">
-                <a14:hiddenLine xmlns:a14="http://schemas.microsoft.com/office/drawing/2010/main" xmlns="" w="9525">
+                <a14:hiddenLine xmlns="" xmlns:a14="http://schemas.microsoft.com/office/drawing/2010/main" w="9525">
                   <a:solidFill>
                     <a:srgbClr val="000000"/>
                   </a:solidFill>
@@ -2564,7 +2566,7 @@
             </a:ln>
             <a:extLst>
               <a:ext uri="{91240B29-F687-4f45-9708-019B960494DF}">
-                <a14:hiddenLine xmlns:a14="http://schemas.microsoft.com/office/drawing/2010/main" xmlns="" w="9525">
+                <a14:hiddenLine xmlns="" xmlns:a14="http://schemas.microsoft.com/office/drawing/2010/main" w="9525">
                   <a:solidFill>
                     <a:srgbClr val="000000"/>
                   </a:solidFill>
@@ -2654,7 +2656,7 @@
             </a:ln>
             <a:extLst>
               <a:ext uri="{91240B29-F687-4f45-9708-019B960494DF}">
-                <a14:hiddenLine xmlns:a14="http://schemas.microsoft.com/office/drawing/2010/main" xmlns="" w="9525">
+                <a14:hiddenLine xmlns="" xmlns:a14="http://schemas.microsoft.com/office/drawing/2010/main" w="9525">
                   <a:solidFill>
                     <a:srgbClr val="000000"/>
                   </a:solidFill>
@@ -2722,7 +2724,7 @@
             </a:ln>
             <a:extLst>
               <a:ext uri="{91240B29-F687-4f45-9708-019B960494DF}">
-                <a14:hiddenLine xmlns:a14="http://schemas.microsoft.com/office/drawing/2010/main" xmlns="" w="9525">
+                <a14:hiddenLine xmlns="" xmlns:a14="http://schemas.microsoft.com/office/drawing/2010/main" w="9525">
                   <a:solidFill>
                     <a:srgbClr val="000000"/>
                   </a:solidFill>
@@ -2784,7 +2786,7 @@
             </a:ln>
             <a:extLst>
               <a:ext uri="{91240B29-F687-4f45-9708-019B960494DF}">
-                <a14:hiddenLine xmlns:a14="http://schemas.microsoft.com/office/drawing/2010/main" xmlns="" w="9525">
+                <a14:hiddenLine xmlns="" xmlns:a14="http://schemas.microsoft.com/office/drawing/2010/main" w="9525">
                   <a:solidFill>
                     <a:srgbClr val="000000"/>
                   </a:solidFill>
@@ -2874,7 +2876,7 @@
             </a:ln>
             <a:extLst>
               <a:ext uri="{91240B29-F687-4f45-9708-019B960494DF}">
-                <a14:hiddenLine xmlns:a14="http://schemas.microsoft.com/office/drawing/2010/main" xmlns="" w="9525">
+                <a14:hiddenLine xmlns="" xmlns:a14="http://schemas.microsoft.com/office/drawing/2010/main" w="9525">
                   <a:solidFill>
                     <a:srgbClr val="000000"/>
                   </a:solidFill>
@@ -2936,7 +2938,7 @@
             </a:ln>
             <a:extLst>
               <a:ext uri="{91240B29-F687-4f45-9708-019B960494DF}">
-                <a14:hiddenLine xmlns:a14="http://schemas.microsoft.com/office/drawing/2010/main" xmlns="" w="9525">
+                <a14:hiddenLine xmlns="" xmlns:a14="http://schemas.microsoft.com/office/drawing/2010/main" w="9525">
                   <a:solidFill>
                     <a:srgbClr val="000000"/>
                   </a:solidFill>
@@ -3026,7 +3028,7 @@
             </a:ln>
             <a:extLst>
               <a:ext uri="{91240B29-F687-4f45-9708-019B960494DF}">
-                <a14:hiddenLine xmlns:a14="http://schemas.microsoft.com/office/drawing/2010/main" xmlns="" w="9525">
+                <a14:hiddenLine xmlns="" xmlns:a14="http://schemas.microsoft.com/office/drawing/2010/main" w="9525">
                   <a:solidFill>
                     <a:srgbClr val="000000"/>
                   </a:solidFill>
@@ -3088,7 +3090,7 @@
             </a:ln>
             <a:extLst>
               <a:ext uri="{91240B29-F687-4f45-9708-019B960494DF}">
-                <a14:hiddenLine xmlns:a14="http://schemas.microsoft.com/office/drawing/2010/main" xmlns="" w="9525">
+                <a14:hiddenLine xmlns="" xmlns:a14="http://schemas.microsoft.com/office/drawing/2010/main" w="9525">
                   <a:solidFill>
                     <a:srgbClr val="000000"/>
                   </a:solidFill>
@@ -3178,7 +3180,7 @@
             </a:ln>
             <a:extLst>
               <a:ext uri="{91240B29-F687-4f45-9708-019B960494DF}">
-                <a14:hiddenLine xmlns:a14="http://schemas.microsoft.com/office/drawing/2010/main" xmlns="" w="9525">
+                <a14:hiddenLine xmlns="" xmlns:a14="http://schemas.microsoft.com/office/drawing/2010/main" w="9525">
                   <a:solidFill>
                     <a:srgbClr val="000000"/>
                   </a:solidFill>
@@ -3212,7 +3214,7 @@
             </a:ln>
             <a:extLst>
               <a:ext uri="{91240B29-F687-4f45-9708-019B960494DF}">
-                <a14:hiddenLine xmlns:a14="http://schemas.microsoft.com/office/drawing/2010/main" xmlns="" w="9525">
+                <a14:hiddenLine xmlns="" xmlns:a14="http://schemas.microsoft.com/office/drawing/2010/main" w="9525">
                   <a:solidFill>
                     <a:srgbClr val="000000"/>
                   </a:solidFill>
@@ -3277,7 +3279,7 @@
             </a:ln>
             <a:extLst>
               <a:ext uri="{91240B29-F687-4f45-9708-019B960494DF}">
-                <a14:hiddenLine xmlns:a14="http://schemas.microsoft.com/office/drawing/2010/main" xmlns="" w="9525">
+                <a14:hiddenLine xmlns="" xmlns:a14="http://schemas.microsoft.com/office/drawing/2010/main" w="9525">
                   <a:solidFill>
                     <a:srgbClr val="000000"/>
                   </a:solidFill>
@@ -3367,7 +3369,7 @@
             </a:ln>
             <a:extLst>
               <a:ext uri="{91240B29-F687-4f45-9708-019B960494DF}">
-                <a14:hiddenLine xmlns:a14="http://schemas.microsoft.com/office/drawing/2010/main" xmlns="" w="9525">
+                <a14:hiddenLine xmlns="" xmlns:a14="http://schemas.microsoft.com/office/drawing/2010/main" w="9525">
                   <a:solidFill>
                     <a:srgbClr val="000000"/>
                   </a:solidFill>
@@ -3429,7 +3431,7 @@
             </a:ln>
             <a:extLst>
               <a:ext uri="{91240B29-F687-4f45-9708-019B960494DF}">
-                <a14:hiddenLine xmlns:a14="http://schemas.microsoft.com/office/drawing/2010/main" xmlns="" w="9525">
+                <a14:hiddenLine xmlns="" xmlns:a14="http://schemas.microsoft.com/office/drawing/2010/main" w="9525">
                   <a:solidFill>
                     <a:srgbClr val="000000"/>
                   </a:solidFill>
@@ -3519,7 +3521,7 @@
             </a:ln>
             <a:extLst>
               <a:ext uri="{91240B29-F687-4f45-9708-019B960494DF}">
-                <a14:hiddenLine xmlns:a14="http://schemas.microsoft.com/office/drawing/2010/main" xmlns="" w="9525">
+                <a14:hiddenLine xmlns="" xmlns:a14="http://schemas.microsoft.com/office/drawing/2010/main" w="9525">
                   <a:solidFill>
                     <a:srgbClr val="000000"/>
                   </a:solidFill>
@@ -3609,7 +3611,7 @@
             </a:ln>
             <a:extLst>
               <a:ext uri="{91240B29-F687-4f45-9708-019B960494DF}">
-                <a14:hiddenLine xmlns:a14="http://schemas.microsoft.com/office/drawing/2010/main" xmlns="" w="9525">
+                <a14:hiddenLine xmlns="" xmlns:a14="http://schemas.microsoft.com/office/drawing/2010/main" w="9525">
                   <a:solidFill>
                     <a:srgbClr val="000000"/>
                   </a:solidFill>
@@ -3674,7 +3676,7 @@
             </a:ln>
             <a:extLst>
               <a:ext uri="{91240B29-F687-4f45-9708-019B960494DF}">
-                <a14:hiddenLine xmlns:a14="http://schemas.microsoft.com/office/drawing/2010/main" xmlns="" w="9525">
+                <a14:hiddenLine xmlns="" xmlns:a14="http://schemas.microsoft.com/office/drawing/2010/main" w="9525">
                   <a:solidFill>
                     <a:srgbClr val="000000"/>
                   </a:solidFill>
@@ -3736,7 +3738,7 @@
             </a:ln>
             <a:extLst>
               <a:ext uri="{91240B29-F687-4f45-9708-019B960494DF}">
-                <a14:hiddenLine xmlns:a14="http://schemas.microsoft.com/office/drawing/2010/main" xmlns="" w="9525">
+                <a14:hiddenLine xmlns="" xmlns:a14="http://schemas.microsoft.com/office/drawing/2010/main" w="9525">
                   <a:solidFill>
                     <a:srgbClr val="000000"/>
                   </a:solidFill>
@@ -3826,7 +3828,7 @@
             </a:ln>
             <a:extLst>
               <a:ext uri="{91240B29-F687-4f45-9708-019B960494DF}">
-                <a14:hiddenLine xmlns:a14="http://schemas.microsoft.com/office/drawing/2010/main" xmlns="" w="9525">
+                <a14:hiddenLine xmlns="" xmlns:a14="http://schemas.microsoft.com/office/drawing/2010/main" w="9525">
                   <a:solidFill>
                     <a:srgbClr val="000000"/>
                   </a:solidFill>
@@ -3916,7 +3918,7 @@
             </a:ln>
             <a:extLst>
               <a:ext uri="{91240B29-F687-4f45-9708-019B960494DF}">
-                <a14:hiddenLine xmlns:a14="http://schemas.microsoft.com/office/drawing/2010/main" xmlns="" w="9525">
+                <a14:hiddenLine xmlns="" xmlns:a14="http://schemas.microsoft.com/office/drawing/2010/main" w="9525">
                   <a:solidFill>
                     <a:srgbClr val="000000"/>
                   </a:solidFill>
@@ -3978,7 +3980,7 @@
             </a:ln>
             <a:extLst>
               <a:ext uri="{91240B29-F687-4f45-9708-019B960494DF}">
-                <a14:hiddenLine xmlns:a14="http://schemas.microsoft.com/office/drawing/2010/main" xmlns="" w="9525">
+                <a14:hiddenLine xmlns="" xmlns:a14="http://schemas.microsoft.com/office/drawing/2010/main" w="9525">
                   <a:solidFill>
                     <a:srgbClr val="000000"/>
                   </a:solidFill>
@@ -4098,7 +4100,7 @@
             </a:ln>
             <a:extLst>
               <a:ext uri="{91240B29-F687-4f45-9708-019B960494DF}">
-                <a14:hiddenLine xmlns:a14="http://schemas.microsoft.com/office/drawing/2010/main" xmlns="" w="9525">
+                <a14:hiddenLine xmlns="" xmlns:a14="http://schemas.microsoft.com/office/drawing/2010/main" w="9525">
                   <a:solidFill>
                     <a:srgbClr val="000000"/>
                   </a:solidFill>
@@ -4166,7 +4168,7 @@
             </a:ln>
             <a:extLst>
               <a:ext uri="{91240B29-F687-4f45-9708-019B960494DF}">
-                <a14:hiddenLine xmlns:a14="http://schemas.microsoft.com/office/drawing/2010/main" xmlns="" w="9525">
+                <a14:hiddenLine xmlns="" xmlns:a14="http://schemas.microsoft.com/office/drawing/2010/main" w="9525">
                   <a:solidFill>
                     <a:srgbClr val="000000"/>
                   </a:solidFill>
@@ -4256,7 +4258,7 @@
             </a:ln>
             <a:extLst>
               <a:ext uri="{91240B29-F687-4f45-9708-019B960494DF}">
-                <a14:hiddenLine xmlns:a14="http://schemas.microsoft.com/office/drawing/2010/main" xmlns="" w="9525">
+                <a14:hiddenLine xmlns="" xmlns:a14="http://schemas.microsoft.com/office/drawing/2010/main" w="9525">
                   <a:solidFill>
                     <a:srgbClr val="000000"/>
                   </a:solidFill>
@@ -4397,7 +4399,7 @@
             <a:fld id="{B61BEF0D-F0BB-DE4B-95CE-6DB70DBA9567}" type="datetimeFigureOut">
               <a:rPr lang="en-US" smtClean="0"/>
               <a:pPr/>
-              <a:t>8/12/2014</a:t>
+              <a:t>8/20/2014</a:t>
             </a:fld>
             <a:endParaRPr lang="en-US" dirty="0"/>
           </a:p>
@@ -4666,7 +4668,7 @@
             <a:fld id="{B61BEF0D-F0BB-DE4B-95CE-6DB70DBA9567}" type="datetimeFigureOut">
               <a:rPr lang="en-US" smtClean="0"/>
               <a:pPr/>
-              <a:t>8/12/2014</a:t>
+              <a:t>8/20/2014</a:t>
             </a:fld>
             <a:endParaRPr lang="en-US" dirty="0"/>
           </a:p>
@@ -4864,7 +4866,7 @@
             <a:fld id="{B61BEF0D-F0BB-DE4B-95CE-6DB70DBA9567}" type="datetimeFigureOut">
               <a:rPr lang="en-US" smtClean="0"/>
               <a:pPr/>
-              <a:t>8/12/2014</a:t>
+              <a:t>8/20/2014</a:t>
             </a:fld>
             <a:endParaRPr lang="en-US" dirty="0"/>
           </a:p>
@@ -5129,7 +5131,7 @@
             <a:fld id="{B61BEF0D-F0BB-DE4B-95CE-6DB70DBA9567}" type="datetimeFigureOut">
               <a:rPr lang="en-US" smtClean="0"/>
               <a:pPr/>
-              <a:t>8/12/2014</a:t>
+              <a:t>8/20/2014</a:t>
             </a:fld>
             <a:endParaRPr lang="en-US" dirty="0"/>
           </a:p>
@@ -5565,7 +5567,7 @@
             <a:fld id="{B61BEF0D-F0BB-DE4B-95CE-6DB70DBA9567}" type="datetimeFigureOut">
               <a:rPr lang="en-US" smtClean="0"/>
               <a:pPr/>
-              <a:t>8/12/2014</a:t>
+              <a:t>8/20/2014</a:t>
             </a:fld>
             <a:endParaRPr lang="en-US" dirty="0"/>
           </a:p>
@@ -6113,7 +6115,7 @@
             <a:fld id="{B61BEF0D-F0BB-DE4B-95CE-6DB70DBA9567}" type="datetimeFigureOut">
               <a:rPr lang="en-US" smtClean="0"/>
               <a:pPr/>
-              <a:t>8/12/2014</a:t>
+              <a:t>8/20/2014</a:t>
             </a:fld>
             <a:endParaRPr lang="en-US" dirty="0"/>
           </a:p>
@@ -6835,7 +6837,7 @@
             <a:fld id="{B61BEF0D-F0BB-DE4B-95CE-6DB70DBA9567}" type="datetimeFigureOut">
               <a:rPr lang="en-US" smtClean="0"/>
               <a:pPr/>
-              <a:t>8/12/2014</a:t>
+              <a:t>8/20/2014</a:t>
             </a:fld>
             <a:endParaRPr lang="en-US" dirty="0"/>
           </a:p>
@@ -7007,7 +7009,7 @@
             <a:fld id="{B61BEF0D-F0BB-DE4B-95CE-6DB70DBA9567}" type="datetimeFigureOut">
               <a:rPr lang="en-US" smtClean="0"/>
               <a:pPr/>
-              <a:t>8/12/2014</a:t>
+              <a:t>8/20/2014</a:t>
             </a:fld>
             <a:endParaRPr lang="en-US" dirty="0"/>
           </a:p>
@@ -7189,7 +7191,7 @@
             <a:fld id="{B61BEF0D-F0BB-DE4B-95CE-6DB70DBA9567}" type="datetimeFigureOut">
               <a:rPr lang="en-US" smtClean="0"/>
               <a:pPr/>
-              <a:t>8/12/2014</a:t>
+              <a:t>8/20/2014</a:t>
             </a:fld>
             <a:endParaRPr lang="en-US" dirty="0"/>
           </a:p>
@@ -7361,7 +7363,7 @@
             <a:fld id="{B61BEF0D-F0BB-DE4B-95CE-6DB70DBA9567}" type="datetimeFigureOut">
               <a:rPr lang="en-US" smtClean="0"/>
               <a:pPr/>
-              <a:t>8/12/2014</a:t>
+              <a:t>8/20/2014</a:t>
             </a:fld>
             <a:endParaRPr lang="en-US" dirty="0"/>
           </a:p>
@@ -7613,7 +7615,7 @@
             <a:fld id="{B61BEF0D-F0BB-DE4B-95CE-6DB70DBA9567}" type="datetimeFigureOut">
               <a:rPr lang="en-US" smtClean="0"/>
               <a:pPr/>
-              <a:t>8/12/2014</a:t>
+              <a:t>8/20/2014</a:t>
             </a:fld>
             <a:endParaRPr lang="en-US" dirty="0"/>
           </a:p>
@@ -7847,7 +7849,7 @@
             <a:fld id="{B61BEF0D-F0BB-DE4B-95CE-6DB70DBA9567}" type="datetimeFigureOut">
               <a:rPr lang="en-US" smtClean="0"/>
               <a:pPr/>
-              <a:t>8/12/2014</a:t>
+              <a:t>8/20/2014</a:t>
             </a:fld>
             <a:endParaRPr lang="en-US" dirty="0"/>
           </a:p>
@@ -8230,7 +8232,7 @@
             <a:fld id="{B61BEF0D-F0BB-DE4B-95CE-6DB70DBA9567}" type="datetimeFigureOut">
               <a:rPr lang="en-US" smtClean="0"/>
               <a:pPr/>
-              <a:t>8/12/2014</a:t>
+              <a:t>8/20/2014</a:t>
             </a:fld>
             <a:endParaRPr lang="en-US" dirty="0"/>
           </a:p>
@@ -8350,7 +8352,7 @@
             <a:fld id="{B61BEF0D-F0BB-DE4B-95CE-6DB70DBA9567}" type="datetimeFigureOut">
               <a:rPr lang="en-US" smtClean="0"/>
               <a:pPr/>
-              <a:t>8/12/2014</a:t>
+              <a:t>8/20/2014</a:t>
             </a:fld>
             <a:endParaRPr lang="en-US" dirty="0"/>
           </a:p>
@@ -8447,7 +8449,7 @@
             <a:fld id="{B61BEF0D-F0BB-DE4B-95CE-6DB70DBA9567}" type="datetimeFigureOut">
               <a:rPr lang="en-US" smtClean="0"/>
               <a:pPr/>
-              <a:t>8/12/2014</a:t>
+              <a:t>8/20/2014</a:t>
             </a:fld>
             <a:endParaRPr lang="en-US" dirty="0"/>
           </a:p>
@@ -8698,7 +8700,7 @@
             <a:fld id="{B61BEF0D-F0BB-DE4B-95CE-6DB70DBA9567}" type="datetimeFigureOut">
               <a:rPr lang="en-US" smtClean="0"/>
               <a:pPr/>
-              <a:t>8/12/2014</a:t>
+              <a:t>8/20/2014</a:t>
             </a:fld>
             <a:endParaRPr lang="en-US" dirty="0"/>
           </a:p>
@@ -8980,7 +8982,7 @@
             <a:fld id="{B61BEF0D-F0BB-DE4B-95CE-6DB70DBA9567}" type="datetimeFigureOut">
               <a:rPr lang="en-US" smtClean="0"/>
               <a:pPr/>
-              <a:t>8/12/2014</a:t>
+              <a:t>8/20/2014</a:t>
             </a:fld>
             <a:endParaRPr lang="en-US" dirty="0"/>
           </a:p>
@@ -9097,7 +9099,7 @@
           <a:noFill/>
           <a:extLst>
             <a:ext uri="{909E8E84-426E-40dd-AFC4-6F175D3DCCD1}">
-              <a14:hiddenFill xmlns:a14="http://schemas.microsoft.com/office/drawing/2010/main" xmlns="">
+              <a14:hiddenFill xmlns="" xmlns:a14="http://schemas.microsoft.com/office/drawing/2010/main">
                 <a:solidFill>
                   <a:srgbClr val="FFFFFF"/>
                 </a:solidFill>
@@ -9171,7 +9173,7 @@
               </a:ln>
               <a:extLst>
                 <a:ext uri="{91240B29-F687-4f45-9708-019B960494DF}">
-                  <a14:hiddenLine xmlns:a14="http://schemas.microsoft.com/office/drawing/2010/main" xmlns="" w="9525">
+                  <a14:hiddenLine xmlns="" xmlns:a14="http://schemas.microsoft.com/office/drawing/2010/main" w="9525">
                     <a:solidFill>
                       <a:srgbClr val="000000"/>
                     </a:solidFill>
@@ -9261,7 +9263,7 @@
               </a:ln>
               <a:extLst>
                 <a:ext uri="{91240B29-F687-4f45-9708-019B960494DF}">
-                  <a14:hiddenLine xmlns:a14="http://schemas.microsoft.com/office/drawing/2010/main" xmlns="" w="9525">
+                  <a14:hiddenLine xmlns="" xmlns:a14="http://schemas.microsoft.com/office/drawing/2010/main" w="9525">
                     <a:solidFill>
                       <a:srgbClr val="000000"/>
                     </a:solidFill>
@@ -9351,7 +9353,7 @@
               </a:ln>
               <a:extLst>
                 <a:ext uri="{91240B29-F687-4f45-9708-019B960494DF}">
-                  <a14:hiddenLine xmlns:a14="http://schemas.microsoft.com/office/drawing/2010/main" xmlns="" w="9525">
+                  <a14:hiddenLine xmlns="" xmlns:a14="http://schemas.microsoft.com/office/drawing/2010/main" w="9525">
                     <a:solidFill>
                       <a:srgbClr val="000000"/>
                     </a:solidFill>
@@ -9413,7 +9415,7 @@
               </a:ln>
               <a:extLst>
                 <a:ext uri="{91240B29-F687-4f45-9708-019B960494DF}">
-                  <a14:hiddenLine xmlns:a14="http://schemas.microsoft.com/office/drawing/2010/main" xmlns="" w="9525">
+                  <a14:hiddenLine xmlns="" xmlns:a14="http://schemas.microsoft.com/office/drawing/2010/main" w="9525">
                     <a:solidFill>
                       <a:srgbClr val="000000"/>
                     </a:solidFill>
@@ -9503,7 +9505,7 @@
               </a:ln>
               <a:extLst>
                 <a:ext uri="{91240B29-F687-4f45-9708-019B960494DF}">
-                  <a14:hiddenLine xmlns:a14="http://schemas.microsoft.com/office/drawing/2010/main" xmlns="" w="9525">
+                  <a14:hiddenLine xmlns="" xmlns:a14="http://schemas.microsoft.com/office/drawing/2010/main" w="9525">
                     <a:solidFill>
                       <a:srgbClr val="000000"/>
                     </a:solidFill>
@@ -9565,7 +9567,7 @@
               </a:ln>
               <a:extLst>
                 <a:ext uri="{91240B29-F687-4f45-9708-019B960494DF}">
-                  <a14:hiddenLine xmlns:a14="http://schemas.microsoft.com/office/drawing/2010/main" xmlns="" w="9525">
+                  <a14:hiddenLine xmlns="" xmlns:a14="http://schemas.microsoft.com/office/drawing/2010/main" w="9525">
                     <a:solidFill>
                       <a:srgbClr val="000000"/>
                     </a:solidFill>
@@ -9627,7 +9629,7 @@
               </a:ln>
               <a:extLst>
                 <a:ext uri="{91240B29-F687-4f45-9708-019B960494DF}">
-                  <a14:hiddenLine xmlns:a14="http://schemas.microsoft.com/office/drawing/2010/main" xmlns="" w="9525">
+                  <a14:hiddenLine xmlns="" xmlns:a14="http://schemas.microsoft.com/office/drawing/2010/main" w="9525">
                     <a:solidFill>
                       <a:srgbClr val="000000"/>
                     </a:solidFill>
@@ -9717,7 +9719,7 @@
               </a:ln>
               <a:extLst>
                 <a:ext uri="{91240B29-F687-4f45-9708-019B960494DF}">
-                  <a14:hiddenLine xmlns:a14="http://schemas.microsoft.com/office/drawing/2010/main" xmlns="" w="9525">
+                  <a14:hiddenLine xmlns="" xmlns:a14="http://schemas.microsoft.com/office/drawing/2010/main" w="9525">
                     <a:solidFill>
                       <a:srgbClr val="000000"/>
                     </a:solidFill>
@@ -9807,7 +9809,7 @@
               </a:ln>
               <a:extLst>
                 <a:ext uri="{91240B29-F687-4f45-9708-019B960494DF}">
-                  <a14:hiddenLine xmlns:a14="http://schemas.microsoft.com/office/drawing/2010/main" xmlns="" w="9525">
+                  <a14:hiddenLine xmlns="" xmlns:a14="http://schemas.microsoft.com/office/drawing/2010/main" w="9525">
                     <a:solidFill>
                       <a:srgbClr val="000000"/>
                     </a:solidFill>
@@ -9869,7 +9871,7 @@
               </a:ln>
               <a:extLst>
                 <a:ext uri="{91240B29-F687-4f45-9708-019B960494DF}">
-                  <a14:hiddenLine xmlns:a14="http://schemas.microsoft.com/office/drawing/2010/main" xmlns="" w="9525">
+                  <a14:hiddenLine xmlns="" xmlns:a14="http://schemas.microsoft.com/office/drawing/2010/main" w="9525">
                     <a:solidFill>
                       <a:srgbClr val="000000"/>
                     </a:solidFill>
@@ -9979,7 +9981,7 @@
               </a:ln>
               <a:extLst>
                 <a:ext uri="{91240B29-F687-4f45-9708-019B960494DF}">
-                  <a14:hiddenLine xmlns:a14="http://schemas.microsoft.com/office/drawing/2010/main" xmlns="" w="9525">
+                  <a14:hiddenLine xmlns="" xmlns:a14="http://schemas.microsoft.com/office/drawing/2010/main" w="9525">
                     <a:solidFill>
                       <a:srgbClr val="000000"/>
                     </a:solidFill>
@@ -10063,7 +10065,7 @@
               </a:ln>
               <a:extLst>
                 <a:ext uri="{91240B29-F687-4f45-9708-019B960494DF}">
-                  <a14:hiddenLine xmlns:a14="http://schemas.microsoft.com/office/drawing/2010/main" xmlns="" w="9525">
+                  <a14:hiddenLine xmlns="" xmlns:a14="http://schemas.microsoft.com/office/drawing/2010/main" w="9525">
                     <a:solidFill>
                       <a:srgbClr val="000000"/>
                     </a:solidFill>
@@ -10125,7 +10127,7 @@
               </a:ln>
               <a:extLst>
                 <a:ext uri="{91240B29-F687-4f45-9708-019B960494DF}">
-                  <a14:hiddenLine xmlns:a14="http://schemas.microsoft.com/office/drawing/2010/main" xmlns="" w="9525">
+                  <a14:hiddenLine xmlns="" xmlns:a14="http://schemas.microsoft.com/office/drawing/2010/main" w="9525">
                     <a:solidFill>
                       <a:srgbClr val="000000"/>
                     </a:solidFill>
@@ -10187,7 +10189,7 @@
               </a:ln>
               <a:extLst>
                 <a:ext uri="{91240B29-F687-4f45-9708-019B960494DF}">
-                  <a14:hiddenLine xmlns:a14="http://schemas.microsoft.com/office/drawing/2010/main" xmlns="" w="9525">
+                  <a14:hiddenLine xmlns="" xmlns:a14="http://schemas.microsoft.com/office/drawing/2010/main" w="9525">
                     <a:solidFill>
                       <a:srgbClr val="000000"/>
                     </a:solidFill>
@@ -10277,7 +10279,7 @@
               </a:ln>
               <a:extLst>
                 <a:ext uri="{91240B29-F687-4f45-9708-019B960494DF}">
-                  <a14:hiddenLine xmlns:a14="http://schemas.microsoft.com/office/drawing/2010/main" xmlns="" w="9525">
+                  <a14:hiddenLine xmlns="" xmlns:a14="http://schemas.microsoft.com/office/drawing/2010/main" w="9525">
                     <a:solidFill>
                       <a:srgbClr val="000000"/>
                     </a:solidFill>
@@ -10311,7 +10313,7 @@
               </a:ln>
               <a:extLst>
                 <a:ext uri="{91240B29-F687-4f45-9708-019B960494DF}">
-                  <a14:hiddenLine xmlns:a14="http://schemas.microsoft.com/office/drawing/2010/main" xmlns="" w="9525">
+                  <a14:hiddenLine xmlns="" xmlns:a14="http://schemas.microsoft.com/office/drawing/2010/main" w="9525">
                     <a:solidFill>
                       <a:srgbClr val="000000"/>
                     </a:solidFill>
@@ -10376,7 +10378,7 @@
               </a:ln>
               <a:extLst>
                 <a:ext uri="{91240B29-F687-4f45-9708-019B960494DF}">
-                  <a14:hiddenLine xmlns:a14="http://schemas.microsoft.com/office/drawing/2010/main" xmlns="" w="9525">
+                  <a14:hiddenLine xmlns="" xmlns:a14="http://schemas.microsoft.com/office/drawing/2010/main" w="9525">
                     <a:solidFill>
                       <a:srgbClr val="000000"/>
                     </a:solidFill>
@@ -10466,7 +10468,7 @@
               </a:ln>
               <a:extLst>
                 <a:ext uri="{91240B29-F687-4f45-9708-019B960494DF}">
-                  <a14:hiddenLine xmlns:a14="http://schemas.microsoft.com/office/drawing/2010/main" xmlns="" w="9525">
+                  <a14:hiddenLine xmlns="" xmlns:a14="http://schemas.microsoft.com/office/drawing/2010/main" w="9525">
                     <a:solidFill>
                       <a:srgbClr val="000000"/>
                     </a:solidFill>
@@ -10528,7 +10530,7 @@
               </a:ln>
               <a:extLst>
                 <a:ext uri="{91240B29-F687-4f45-9708-019B960494DF}">
-                  <a14:hiddenLine xmlns:a14="http://schemas.microsoft.com/office/drawing/2010/main" xmlns="" w="9525">
+                  <a14:hiddenLine xmlns="" xmlns:a14="http://schemas.microsoft.com/office/drawing/2010/main" w="9525">
                     <a:solidFill>
                       <a:srgbClr val="000000"/>
                     </a:solidFill>
@@ -10618,7 +10620,7 @@
               </a:ln>
               <a:extLst>
                 <a:ext uri="{91240B29-F687-4f45-9708-019B960494DF}">
-                  <a14:hiddenLine xmlns:a14="http://schemas.microsoft.com/office/drawing/2010/main" xmlns="" w="9525">
+                  <a14:hiddenLine xmlns="" xmlns:a14="http://schemas.microsoft.com/office/drawing/2010/main" w="9525">
                     <a:solidFill>
                       <a:srgbClr val="000000"/>
                     </a:solidFill>
@@ -10683,7 +10685,7 @@
               </a:ln>
               <a:extLst>
                 <a:ext uri="{91240B29-F687-4f45-9708-019B960494DF}">
-                  <a14:hiddenLine xmlns:a14="http://schemas.microsoft.com/office/drawing/2010/main" xmlns="" w="9525">
+                  <a14:hiddenLine xmlns="" xmlns:a14="http://schemas.microsoft.com/office/drawing/2010/main" w="9525">
                     <a:solidFill>
                       <a:srgbClr val="000000"/>
                     </a:solidFill>
@@ -10745,7 +10747,7 @@
               </a:ln>
               <a:extLst>
                 <a:ext uri="{91240B29-F687-4f45-9708-019B960494DF}">
-                  <a14:hiddenLine xmlns:a14="http://schemas.microsoft.com/office/drawing/2010/main" xmlns="" w="9525">
+                  <a14:hiddenLine xmlns="" xmlns:a14="http://schemas.microsoft.com/office/drawing/2010/main" w="9525">
                     <a:solidFill>
                       <a:srgbClr val="000000"/>
                     </a:solidFill>
@@ -10835,7 +10837,7 @@
               </a:ln>
               <a:extLst>
                 <a:ext uri="{91240B29-F687-4f45-9708-019B960494DF}">
-                  <a14:hiddenLine xmlns:a14="http://schemas.microsoft.com/office/drawing/2010/main" xmlns="" w="9525">
+                  <a14:hiddenLine xmlns="" xmlns:a14="http://schemas.microsoft.com/office/drawing/2010/main" w="9525">
                     <a:solidFill>
                       <a:srgbClr val="000000"/>
                     </a:solidFill>
@@ -10925,7 +10927,7 @@
               </a:ln>
               <a:extLst>
                 <a:ext uri="{91240B29-F687-4f45-9708-019B960494DF}">
-                  <a14:hiddenLine xmlns:a14="http://schemas.microsoft.com/office/drawing/2010/main" xmlns="" w="9525">
+                  <a14:hiddenLine xmlns="" xmlns:a14="http://schemas.microsoft.com/office/drawing/2010/main" w="9525">
                     <a:solidFill>
                       <a:srgbClr val="000000"/>
                     </a:solidFill>
@@ -10990,7 +10992,7 @@
               </a:ln>
               <a:extLst>
                 <a:ext uri="{91240B29-F687-4f45-9708-019B960494DF}">
-                  <a14:hiddenLine xmlns:a14="http://schemas.microsoft.com/office/drawing/2010/main" xmlns="" w="9525">
+                  <a14:hiddenLine xmlns="" xmlns:a14="http://schemas.microsoft.com/office/drawing/2010/main" w="9525">
                     <a:solidFill>
                       <a:srgbClr val="000000"/>
                     </a:solidFill>
@@ -11110,7 +11112,7 @@
               </a:ln>
               <a:extLst>
                 <a:ext uri="{91240B29-F687-4f45-9708-019B960494DF}">
-                  <a14:hiddenLine xmlns:a14="http://schemas.microsoft.com/office/drawing/2010/main" xmlns="" w="9525">
+                  <a14:hiddenLine xmlns="" xmlns:a14="http://schemas.microsoft.com/office/drawing/2010/main" w="9525">
                     <a:solidFill>
                       <a:srgbClr val="000000"/>
                     </a:solidFill>
@@ -11208,7 +11210,7 @@
               </a:ln>
               <a:extLst>
                 <a:ext uri="{91240B29-F687-4f45-9708-019B960494DF}">
-                  <a14:hiddenLine xmlns:a14="http://schemas.microsoft.com/office/drawing/2010/main" xmlns="" w="9525">
+                  <a14:hiddenLine xmlns="" xmlns:a14="http://schemas.microsoft.com/office/drawing/2010/main" w="9525">
                     <a:solidFill>
                       <a:srgbClr val="000000"/>
                     </a:solidFill>
@@ -11323,7 +11325,7 @@
               </a:ln>
               <a:extLst>
                 <a:ext uri="{91240B29-F687-4f45-9708-019B960494DF}">
-                  <a14:hiddenLine xmlns:a14="http://schemas.microsoft.com/office/drawing/2010/main" xmlns="" w="9525">
+                  <a14:hiddenLine xmlns="" xmlns:a14="http://schemas.microsoft.com/office/drawing/2010/main" w="9525">
                     <a:solidFill>
                       <a:srgbClr val="000000"/>
                     </a:solidFill>
@@ -11413,7 +11415,7 @@
               </a:ln>
               <a:extLst>
                 <a:ext uri="{91240B29-F687-4f45-9708-019B960494DF}">
-                  <a14:hiddenLine xmlns:a14="http://schemas.microsoft.com/office/drawing/2010/main" xmlns="" w="9525">
+                  <a14:hiddenLine xmlns="" xmlns:a14="http://schemas.microsoft.com/office/drawing/2010/main" w="9525">
                     <a:solidFill>
                       <a:srgbClr val="000000"/>
                     </a:solidFill>
@@ -11478,7 +11480,7 @@
               </a:ln>
               <a:extLst>
                 <a:ext uri="{91240B29-F687-4f45-9708-019B960494DF}">
-                  <a14:hiddenLine xmlns:a14="http://schemas.microsoft.com/office/drawing/2010/main" xmlns="" w="9525">
+                  <a14:hiddenLine xmlns="" xmlns:a14="http://schemas.microsoft.com/office/drawing/2010/main" w="9525">
                     <a:solidFill>
                       <a:srgbClr val="000000"/>
                     </a:solidFill>
@@ -11568,7 +11570,7 @@
               </a:ln>
               <a:extLst>
                 <a:ext uri="{91240B29-F687-4f45-9708-019B960494DF}">
-                  <a14:hiddenLine xmlns:a14="http://schemas.microsoft.com/office/drawing/2010/main" xmlns="" w="9525">
+                  <a14:hiddenLine xmlns="" xmlns:a14="http://schemas.microsoft.com/office/drawing/2010/main" w="9525">
                     <a:solidFill>
                       <a:srgbClr val="000000"/>
                     </a:solidFill>
@@ -11636,7 +11638,7 @@
               </a:ln>
               <a:extLst>
                 <a:ext uri="{91240B29-F687-4f45-9708-019B960494DF}">
-                  <a14:hiddenLine xmlns:a14="http://schemas.microsoft.com/office/drawing/2010/main" xmlns="" w="9525">
+                  <a14:hiddenLine xmlns="" xmlns:a14="http://schemas.microsoft.com/office/drawing/2010/main" w="9525">
                     <a:solidFill>
                       <a:srgbClr val="000000"/>
                     </a:solidFill>
@@ -11726,7 +11728,7 @@
               </a:ln>
               <a:extLst>
                 <a:ext uri="{91240B29-F687-4f45-9708-019B960494DF}">
-                  <a14:hiddenLine xmlns:a14="http://schemas.microsoft.com/office/drawing/2010/main" xmlns="" w="9525">
+                  <a14:hiddenLine xmlns="" xmlns:a14="http://schemas.microsoft.com/office/drawing/2010/main" w="9525">
                     <a:solidFill>
                       <a:srgbClr val="000000"/>
                     </a:solidFill>
@@ -11794,7 +11796,7 @@
               </a:ln>
               <a:extLst>
                 <a:ext uri="{91240B29-F687-4f45-9708-019B960494DF}">
-                  <a14:hiddenLine xmlns:a14="http://schemas.microsoft.com/office/drawing/2010/main" xmlns="" w="9525">
+                  <a14:hiddenLine xmlns="" xmlns:a14="http://schemas.microsoft.com/office/drawing/2010/main" w="9525">
                     <a:solidFill>
                       <a:srgbClr val="000000"/>
                     </a:solidFill>
@@ -11884,7 +11886,7 @@
               </a:ln>
               <a:extLst>
                 <a:ext uri="{91240B29-F687-4f45-9708-019B960494DF}">
-                  <a14:hiddenLine xmlns:a14="http://schemas.microsoft.com/office/drawing/2010/main" xmlns="" w="9525">
+                  <a14:hiddenLine xmlns="" xmlns:a14="http://schemas.microsoft.com/office/drawing/2010/main" w="9525">
                     <a:solidFill>
                       <a:srgbClr val="000000"/>
                     </a:solidFill>
@@ -11918,7 +11920,7 @@
               </a:ln>
               <a:extLst>
                 <a:ext uri="{91240B29-F687-4f45-9708-019B960494DF}">
-                  <a14:hiddenLine xmlns:a14="http://schemas.microsoft.com/office/drawing/2010/main" xmlns="" w="9525">
+                  <a14:hiddenLine xmlns="" xmlns:a14="http://schemas.microsoft.com/office/drawing/2010/main" w="9525">
                     <a:solidFill>
                       <a:srgbClr val="000000"/>
                     </a:solidFill>
@@ -12059,7 +12061,7 @@
             <a:fld id="{B61BEF0D-F0BB-DE4B-95CE-6DB70DBA9567}" type="datetimeFigureOut">
               <a:rPr lang="en-US" smtClean="0"/>
               <a:pPr/>
-              <a:t>8/12/2014</a:t>
+              <a:t>8/20/2014</a:t>
             </a:fld>
             <a:endParaRPr lang="en-US" dirty="0"/>
           </a:p>
@@ -12568,6 +12570,216 @@
 </p:sld>
 </file>
 
+<file path=ppt/slides/slide10.xml><?xml version="1.0" encoding="utf-8"?>
+<p:sld xmlns:a="http://schemas.openxmlformats.org/drawingml/2006/main" xmlns:r="http://schemas.openxmlformats.org/officeDocument/2006/relationships" xmlns:p="http://schemas.openxmlformats.org/presentationml/2006/main">
+  <p:cSld>
+    <p:spTree>
+      <p:nvGrpSpPr>
+        <p:cNvPr id="1" name=""/>
+        <p:cNvGrpSpPr/>
+        <p:nvPr/>
+      </p:nvGrpSpPr>
+      <p:grpSpPr>
+        <a:xfrm>
+          <a:off x="0" y="0"/>
+          <a:ext cx="0" cy="0"/>
+          <a:chOff x="0" y="0"/>
+          <a:chExt cx="0" cy="0"/>
+        </a:xfrm>
+      </p:grpSpPr>
+      <p:sp>
+        <p:nvSpPr>
+          <p:cNvPr id="2" name="Title 1"/>
+          <p:cNvSpPr>
+            <a:spLocks noGrp="1"/>
+          </p:cNvSpPr>
+          <p:nvPr>
+            <p:ph type="title"/>
+          </p:nvPr>
+        </p:nvSpPr>
+        <p:spPr/>
+        <p:txBody>
+          <a:bodyPr>
+            <a:normAutofit/>
+          </a:bodyPr>
+          <a:lstStyle/>
+          <a:p>
+            <a:r>
+              <a:rPr lang="en-US" cap="none" dirty="0" err="1" smtClean="0"/>
+              <a:t>SqlProgrammabilityProvider</a:t>
+            </a:r>
+            <a:endParaRPr lang="en-US" cap="none" dirty="0"/>
+          </a:p>
+        </p:txBody>
+      </p:sp>
+      <p:sp>
+        <p:nvSpPr>
+          <p:cNvPr id="3" name="Content Placeholder 2"/>
+          <p:cNvSpPr>
+            <a:spLocks noGrp="1"/>
+          </p:cNvSpPr>
+          <p:nvPr>
+            <p:ph idx="1"/>
+          </p:nvPr>
+        </p:nvSpPr>
+        <p:spPr/>
+        <p:txBody>
+          <a:bodyPr/>
+          <a:lstStyle/>
+          <a:p>
+            <a:r>
+              <a:rPr lang="en-US" dirty="0" smtClean="0"/>
+              <a:t>Features at glance:</a:t>
+            </a:r>
+          </a:p>
+          <a:p>
+            <a:pPr lvl="1"/>
+            <a:r>
+              <a:rPr lang="en-US" dirty="0" smtClean="0"/>
+              <a:t>Connection string retrieval similar to </a:t>
+            </a:r>
+            <a:r>
+              <a:rPr lang="en-US" dirty="0" err="1" smtClean="0"/>
+              <a:t>SqlCommandProvider</a:t>
+            </a:r>
+            <a:endParaRPr lang="en-US" dirty="0" smtClean="0"/>
+          </a:p>
+          <a:p>
+            <a:pPr lvl="1"/>
+            <a:r>
+              <a:rPr lang="en-US" dirty="0" smtClean="0"/>
+              <a:t>Support for default parameters in Stored Procedures</a:t>
+            </a:r>
+          </a:p>
+          <a:p>
+            <a:pPr lvl="1"/>
+            <a:r>
+              <a:rPr lang="en-US" dirty="0" smtClean="0"/>
+              <a:t>Support for output parameters and </a:t>
+            </a:r>
+            <a:r>
+              <a:rPr lang="en-US" dirty="0" err="1" smtClean="0"/>
+              <a:t>ReturnValue</a:t>
+            </a:r>
+            <a:r>
+              <a:rPr lang="en-US" dirty="0" smtClean="0"/>
+              <a:t> in Stored Procedures</a:t>
+            </a:r>
+          </a:p>
+          <a:p>
+            <a:pPr lvl="1"/>
+            <a:r>
+              <a:rPr lang="en-US" dirty="0" smtClean="0"/>
+              <a:t>Support for User-Defined Table Types – both for Stored Procedures and Table-valued UDFs</a:t>
+            </a:r>
+          </a:p>
+        </p:txBody>
+      </p:sp>
+    </p:spTree>
+    <p:extLst>
+      <p:ext uri="{BB962C8B-B14F-4D97-AF65-F5344CB8AC3E}">
+        <p14:creationId xmlns:p14="http://schemas.microsoft.com/office/powerpoint/2010/main" val="1573265196"/>
+      </p:ext>
+    </p:extLst>
+  </p:cSld>
+  <p:clrMapOvr>
+    <a:masterClrMapping/>
+  </p:clrMapOvr>
+  <p:timing>
+    <p:tnLst>
+      <p:par>
+        <p:cTn id="1" dur="indefinite" restart="never" nodeType="tmRoot"/>
+      </p:par>
+    </p:tnLst>
+  </p:timing>
+</p:sld>
+</file>
+
+<file path=ppt/slides/slide11.xml><?xml version="1.0" encoding="utf-8"?>
+<p:sld xmlns:a="http://schemas.openxmlformats.org/drawingml/2006/main" xmlns:r="http://schemas.openxmlformats.org/officeDocument/2006/relationships" xmlns:p="http://schemas.openxmlformats.org/presentationml/2006/main">
+  <p:cSld>
+    <p:spTree>
+      <p:nvGrpSpPr>
+        <p:cNvPr id="1" name=""/>
+        <p:cNvGrpSpPr/>
+        <p:nvPr/>
+      </p:nvGrpSpPr>
+      <p:grpSpPr>
+        <a:xfrm>
+          <a:off x="0" y="0"/>
+          <a:ext cx="0" cy="0"/>
+          <a:chOff x="0" y="0"/>
+          <a:chExt cx="0" cy="0"/>
+        </a:xfrm>
+      </p:grpSpPr>
+      <p:sp>
+        <p:nvSpPr>
+          <p:cNvPr id="2" name="Title 1"/>
+          <p:cNvSpPr>
+            <a:spLocks noGrp="1"/>
+          </p:cNvSpPr>
+          <p:nvPr>
+            <p:ph type="title"/>
+          </p:nvPr>
+        </p:nvSpPr>
+        <p:spPr/>
+        <p:txBody>
+          <a:bodyPr>
+            <a:normAutofit/>
+          </a:bodyPr>
+          <a:lstStyle/>
+          <a:p>
+            <a:r>
+              <a:rPr lang="en-US" cap="none" dirty="0" smtClean="0"/>
+              <a:t>Bonus - </a:t>
+            </a:r>
+            <a:r>
+              <a:rPr lang="en-US" cap="none" dirty="0" err="1" smtClean="0"/>
+              <a:t>SqlEnumProvider</a:t>
+            </a:r>
+            <a:endParaRPr lang="en-US" cap="none" dirty="0"/>
+          </a:p>
+        </p:txBody>
+      </p:sp>
+      <p:sp>
+        <p:nvSpPr>
+          <p:cNvPr id="3" name="Content Placeholder 2"/>
+          <p:cNvSpPr>
+            <a:spLocks noGrp="1"/>
+          </p:cNvSpPr>
+          <p:nvPr>
+            <p:ph idx="1"/>
+          </p:nvPr>
+        </p:nvSpPr>
+        <p:spPr/>
+        <p:txBody>
+          <a:bodyPr/>
+          <a:lstStyle/>
+          <a:p>
+            <a:endParaRPr lang="en-US" dirty="0"/>
+          </a:p>
+        </p:txBody>
+      </p:sp>
+    </p:spTree>
+    <p:extLst>
+      <p:ext uri="{BB962C8B-B14F-4D97-AF65-F5344CB8AC3E}">
+        <p14:creationId xmlns:p14="http://schemas.microsoft.com/office/powerpoint/2010/main" val="3202136238"/>
+      </p:ext>
+    </p:extLst>
+  </p:cSld>
+  <p:clrMapOvr>
+    <a:masterClrMapping/>
+  </p:clrMapOvr>
+  <p:timing>
+    <p:tnLst>
+      <p:par>
+        <p:cTn id="1" dur="indefinite" restart="never" nodeType="tmRoot"/>
+      </p:par>
+    </p:tnLst>
+  </p:timing>
+</p:sld>
+</file>
+
 <file path=ppt/slides/slide2.xml><?xml version="1.0" encoding="utf-8"?>
 <p:sld xmlns:a="http://schemas.openxmlformats.org/drawingml/2006/main" xmlns:r="http://schemas.openxmlformats.org/officeDocument/2006/relationships" xmlns:p="http://schemas.openxmlformats.org/presentationml/2006/main">
   <p:cSld>
@@ -13002,7 +13214,15 @@
           <a:p>
             <a:r>
               <a:rPr lang="en-US" dirty="0" smtClean="0"/>
-              <a:t>A less scared version</a:t>
+              <a:t>A less </a:t>
+            </a:r>
+            <a:r>
+              <a:rPr lang="en-US" dirty="0" smtClean="0"/>
+              <a:t>scary </a:t>
+            </a:r>
+            <a:r>
+              <a:rPr lang="en-US" dirty="0" smtClean="0"/>
+              <a:t>version</a:t>
             </a:r>
             <a:endParaRPr lang="en-US" dirty="0"/>
           </a:p>
@@ -13811,25 +14031,35 @@
           </a:p>
         </p:txBody>
       </p:sp>
-      <p:sp>
-        <p:nvSpPr>
-          <p:cNvPr id="3" name="Content Placeholder 2"/>
-          <p:cNvSpPr>
-            <a:spLocks noGrp="1"/>
-          </p:cNvSpPr>
+      <p:pic>
+        <p:nvPicPr>
+          <p:cNvPr id="9" name="Content Placeholder 8"/>
+          <p:cNvPicPr>
+            <a:picLocks noGrp="1" noChangeAspect="1"/>
+          </p:cNvPicPr>
           <p:nvPr>
             <p:ph idx="1"/>
           </p:nvPr>
-        </p:nvSpPr>
-        <p:spPr/>
-        <p:txBody>
-          <a:bodyPr/>
-          <a:lstStyle/>
-          <a:p>
-            <a:endParaRPr lang="en-US" dirty="0"/>
-          </a:p>
-        </p:txBody>
-      </p:sp>
+        </p:nvPicPr>
+        <p:blipFill>
+          <a:blip r:embed="rId2">
+            <a:extLst>
+              <a:ext uri="{28A0092B-C50C-407E-A947-70E740481C1C}">
+                <a14:useLocalDpi xmlns:a14="http://schemas.microsoft.com/office/drawing/2010/main" val="0"/>
+              </a:ext>
+            </a:extLst>
+          </a:blip>
+          <a:stretch>
+            <a:fillRect/>
+          </a:stretch>
+        </p:blipFill>
+        <p:spPr>
+          <a:xfrm>
+            <a:off x="1529523" y="2427276"/>
+            <a:ext cx="9129779" cy="3186136"/>
+          </a:xfrm>
+        </p:spPr>
+      </p:pic>
     </p:spTree>
     <p:extLst>
       <p:ext uri="{BB962C8B-B14F-4D97-AF65-F5344CB8AC3E}">
@@ -13885,12 +14115,8 @@
           <a:lstStyle/>
           <a:p>
             <a:r>
-              <a:rPr lang="en-US" cap="none" dirty="0" smtClean="0"/>
-              <a:t>Bonus - </a:t>
-            </a:r>
-            <a:r>
               <a:rPr lang="en-US" cap="none" dirty="0" err="1" smtClean="0"/>
-              <a:t>SqlEnumProvider</a:t>
+              <a:t>SqlProgrammabilityProvider</a:t>
             </a:r>
             <a:endParaRPr lang="en-US" cap="none" dirty="0"/>
           </a:p>
@@ -13911,14 +14137,66 @@
           <a:bodyPr/>
           <a:lstStyle/>
           <a:p>
-            <a:endParaRPr lang="en-US" dirty="0"/>
+            <a:r>
+              <a:rPr lang="en-US" dirty="0" smtClean="0"/>
+              <a:t>Brining SMSS Object explorer into Visual Studio </a:t>
+            </a:r>
+            <a:r>
+              <a:rPr lang="en-US" dirty="0" err="1" smtClean="0"/>
+              <a:t>Intellisense</a:t>
+            </a:r>
+            <a:endParaRPr lang="en-US" dirty="0" smtClean="0"/>
+          </a:p>
+          <a:p>
+            <a:r>
+              <a:rPr lang="en-US" dirty="0" smtClean="0"/>
+              <a:t>Stored procedures, table-valued user-defined functions, user-defined table types</a:t>
+            </a:r>
+          </a:p>
+          <a:p>
+            <a:r>
+              <a:rPr lang="en-US" dirty="0" smtClean="0"/>
+              <a:t>Support for </a:t>
+            </a:r>
+            <a:r>
+              <a:rPr lang="en-US" dirty="0" err="1" smtClean="0"/>
+              <a:t>Microsoft.SqlServer.Types</a:t>
+            </a:r>
+            <a:r>
+              <a:rPr lang="en-US" dirty="0" smtClean="0"/>
+              <a:t>:</a:t>
+            </a:r>
+          </a:p>
+          <a:p>
+            <a:pPr lvl="1"/>
+            <a:r>
+              <a:rPr lang="en-US" dirty="0" err="1" smtClean="0"/>
+              <a:t>SqlHierarchyId</a:t>
+            </a:r>
+            <a:endParaRPr lang="en-US" dirty="0" smtClean="0"/>
+          </a:p>
+          <a:p>
+            <a:pPr lvl="1"/>
+            <a:r>
+              <a:rPr lang="en-US" dirty="0" err="1" smtClean="0"/>
+              <a:t>SqlGeography</a:t>
+            </a:r>
+            <a:endParaRPr lang="en-US" dirty="0" smtClean="0"/>
+          </a:p>
+          <a:p>
+            <a:pPr lvl="1"/>
+            <a:r>
+              <a:rPr lang="en-US" dirty="0" err="1" smtClean="0"/>
+              <a:t>SqlGeometry</a:t>
+            </a:r>
+            <a:endParaRPr lang="en-US" dirty="0" smtClean="0"/>
           </a:p>
         </p:txBody>
       </p:sp>
     </p:spTree>
     <p:extLst>
       <p:ext uri="{BB962C8B-B14F-4D97-AF65-F5344CB8AC3E}">
-        <p14:creationId xmlns:p14="http://schemas.microsoft.com/office/powerpoint/2010/main" val="3202136238"/>
+        <p14:creationId xmlns:p14="http://schemas.microsoft.com/office/powerpoint/2010/main" val="1606980947"/>
       </p:ext>
     </p:extLst>
   </p:cSld>

--- a/presentations/NYC F# UG. 2014-08-26.pptx
+++ b/presentations/NYC F# UG. 2014-08-26.pptx
@@ -12,10 +12,11 @@
     <p:sldId id="292" r:id="rId6"/>
     <p:sldId id="294" r:id="rId7"/>
     <p:sldId id="295" r:id="rId8"/>
-    <p:sldId id="296" r:id="rId9"/>
-    <p:sldId id="298" r:id="rId10"/>
-    <p:sldId id="299" r:id="rId11"/>
-    <p:sldId id="297" r:id="rId12"/>
+    <p:sldId id="301" r:id="rId9"/>
+    <p:sldId id="300" r:id="rId10"/>
+    <p:sldId id="298" r:id="rId11"/>
+    <p:sldId id="299" r:id="rId12"/>
+    <p:sldId id="297" r:id="rId13"/>
   </p:sldIdLst>
   <p:sldSz cx="12192000" cy="6858000"/>
   <p:notesSz cx="6858000" cy="9144000"/>
@@ -172,7 +173,7 @@
           <a:noFill/>
           <a:extLst>
             <a:ext uri="{909E8E84-426E-40dd-AFC4-6F175D3DCCD1}">
-              <a14:hiddenFill xmlns="" xmlns:a14="http://schemas.microsoft.com/office/drawing/2010/main">
+              <a14:hiddenFill xmlns:a14="http://schemas.microsoft.com/office/drawing/2010/main" xmlns="">
                 <a:solidFill>
                   <a:srgbClr val="FFFFFF"/>
                 </a:solidFill>
@@ -232,7 +233,7 @@
             </a:ln>
             <a:extLst>
               <a:ext uri="{91240B29-F687-4f45-9708-019B960494DF}">
-                <a14:hiddenLine xmlns="" xmlns:a14="http://schemas.microsoft.com/office/drawing/2010/main" w="9525">
+                <a14:hiddenLine xmlns:a14="http://schemas.microsoft.com/office/drawing/2010/main" xmlns="" w="9525">
                   <a:solidFill>
                     <a:srgbClr val="000000"/>
                   </a:solidFill>
@@ -322,7 +323,7 @@
             </a:ln>
             <a:extLst>
               <a:ext uri="{91240B29-F687-4f45-9708-019B960494DF}">
-                <a14:hiddenLine xmlns="" xmlns:a14="http://schemas.microsoft.com/office/drawing/2010/main" w="9525">
+                <a14:hiddenLine xmlns:a14="http://schemas.microsoft.com/office/drawing/2010/main" xmlns="" w="9525">
                   <a:solidFill>
                     <a:srgbClr val="000000"/>
                   </a:solidFill>
@@ -412,7 +413,7 @@
             </a:ln>
             <a:extLst>
               <a:ext uri="{91240B29-F687-4f45-9708-019B960494DF}">
-                <a14:hiddenLine xmlns="" xmlns:a14="http://schemas.microsoft.com/office/drawing/2010/main" w="9525">
+                <a14:hiddenLine xmlns:a14="http://schemas.microsoft.com/office/drawing/2010/main" xmlns="" w="9525">
                   <a:solidFill>
                     <a:srgbClr val="000000"/>
                   </a:solidFill>
@@ -446,7 +447,7 @@
             </a:ln>
             <a:extLst>
               <a:ext uri="{91240B29-F687-4f45-9708-019B960494DF}">
-                <a14:hiddenLine xmlns="" xmlns:a14="http://schemas.microsoft.com/office/drawing/2010/main" w="9525">
+                <a14:hiddenLine xmlns:a14="http://schemas.microsoft.com/office/drawing/2010/main" xmlns="" w="9525">
                   <a:solidFill>
                     <a:srgbClr val="000000"/>
                   </a:solidFill>
@@ -536,7 +537,7 @@
             </a:ln>
             <a:extLst>
               <a:ext uri="{91240B29-F687-4f45-9708-019B960494DF}">
-                <a14:hiddenLine xmlns="" xmlns:a14="http://schemas.microsoft.com/office/drawing/2010/main" w="9525">
+                <a14:hiddenLine xmlns:a14="http://schemas.microsoft.com/office/drawing/2010/main" xmlns="" w="9525">
                   <a:solidFill>
                     <a:srgbClr val="000000"/>
                   </a:solidFill>
@@ -598,7 +599,7 @@
             </a:ln>
             <a:extLst>
               <a:ext uri="{91240B29-F687-4f45-9708-019B960494DF}">
-                <a14:hiddenLine xmlns="" xmlns:a14="http://schemas.microsoft.com/office/drawing/2010/main" w="9525">
+                <a14:hiddenLine xmlns:a14="http://schemas.microsoft.com/office/drawing/2010/main" xmlns="" w="9525">
                   <a:solidFill>
                     <a:srgbClr val="000000"/>
                   </a:solidFill>
@@ -660,7 +661,7 @@
             </a:ln>
             <a:extLst>
               <a:ext uri="{91240B29-F687-4f45-9708-019B960494DF}">
-                <a14:hiddenLine xmlns="" xmlns:a14="http://schemas.microsoft.com/office/drawing/2010/main" w="9525">
+                <a14:hiddenLine xmlns:a14="http://schemas.microsoft.com/office/drawing/2010/main" xmlns="" w="9525">
                   <a:solidFill>
                     <a:srgbClr val="000000"/>
                   </a:solidFill>
@@ -750,7 +751,7 @@
             </a:ln>
             <a:extLst>
               <a:ext uri="{91240B29-F687-4f45-9708-019B960494DF}">
-                <a14:hiddenLine xmlns="" xmlns:a14="http://schemas.microsoft.com/office/drawing/2010/main" w="9525">
+                <a14:hiddenLine xmlns:a14="http://schemas.microsoft.com/office/drawing/2010/main" xmlns="" w="9525">
                   <a:solidFill>
                     <a:srgbClr val="000000"/>
                   </a:solidFill>
@@ -812,7 +813,7 @@
             </a:ln>
             <a:extLst>
               <a:ext uri="{91240B29-F687-4f45-9708-019B960494DF}">
-                <a14:hiddenLine xmlns="" xmlns:a14="http://schemas.microsoft.com/office/drawing/2010/main" w="9525">
+                <a14:hiddenLine xmlns:a14="http://schemas.microsoft.com/office/drawing/2010/main" xmlns="" w="9525">
                   <a:solidFill>
                     <a:srgbClr val="000000"/>
                   </a:solidFill>
@@ -874,7 +875,7 @@
             </a:ln>
             <a:extLst>
               <a:ext uri="{91240B29-F687-4f45-9708-019B960494DF}">
-                <a14:hiddenLine xmlns="" xmlns:a14="http://schemas.microsoft.com/office/drawing/2010/main" w="9525">
+                <a14:hiddenLine xmlns:a14="http://schemas.microsoft.com/office/drawing/2010/main" xmlns="" w="9525">
                   <a:solidFill>
                     <a:srgbClr val="000000"/>
                   </a:solidFill>
@@ -964,7 +965,7 @@
             </a:ln>
             <a:extLst>
               <a:ext uri="{91240B29-F687-4f45-9708-019B960494DF}">
-                <a14:hiddenLine xmlns="" xmlns:a14="http://schemas.microsoft.com/office/drawing/2010/main" w="9525">
+                <a14:hiddenLine xmlns:a14="http://schemas.microsoft.com/office/drawing/2010/main" xmlns="" w="9525">
                   <a:solidFill>
                     <a:srgbClr val="000000"/>
                   </a:solidFill>
@@ -1054,7 +1055,7 @@
             </a:ln>
             <a:extLst>
               <a:ext uri="{91240B29-F687-4f45-9708-019B960494DF}">
-                <a14:hiddenLine xmlns="" xmlns:a14="http://schemas.microsoft.com/office/drawing/2010/main" w="9525">
+                <a14:hiddenLine xmlns:a14="http://schemas.microsoft.com/office/drawing/2010/main" xmlns="" w="9525">
                   <a:solidFill>
                     <a:srgbClr val="000000"/>
                   </a:solidFill>
@@ -1116,7 +1117,7 @@
             </a:ln>
             <a:extLst>
               <a:ext uri="{91240B29-F687-4f45-9708-019B960494DF}">
-                <a14:hiddenLine xmlns="" xmlns:a14="http://schemas.microsoft.com/office/drawing/2010/main" w="9525">
+                <a14:hiddenLine xmlns:a14="http://schemas.microsoft.com/office/drawing/2010/main" xmlns="" w="9525">
                   <a:solidFill>
                     <a:srgbClr val="000000"/>
                   </a:solidFill>
@@ -1226,7 +1227,7 @@
             </a:ln>
             <a:extLst>
               <a:ext uri="{91240B29-F687-4f45-9708-019B960494DF}">
-                <a14:hiddenLine xmlns="" xmlns:a14="http://schemas.microsoft.com/office/drawing/2010/main" w="9525">
+                <a14:hiddenLine xmlns:a14="http://schemas.microsoft.com/office/drawing/2010/main" xmlns="" w="9525">
                   <a:solidFill>
                     <a:srgbClr val="000000"/>
                   </a:solidFill>
@@ -1288,7 +1289,7 @@
             </a:ln>
             <a:extLst>
               <a:ext uri="{91240B29-F687-4f45-9708-019B960494DF}">
-                <a14:hiddenLine xmlns="" xmlns:a14="http://schemas.microsoft.com/office/drawing/2010/main" w="9525">
+                <a14:hiddenLine xmlns:a14="http://schemas.microsoft.com/office/drawing/2010/main" xmlns="" w="9525">
                   <a:solidFill>
                     <a:srgbClr val="000000"/>
                   </a:solidFill>
@@ -1378,7 +1379,7 @@
             </a:ln>
             <a:extLst>
               <a:ext uri="{91240B29-F687-4f45-9708-019B960494DF}">
-                <a14:hiddenLine xmlns="" xmlns:a14="http://schemas.microsoft.com/office/drawing/2010/main" w="9525">
+                <a14:hiddenLine xmlns:a14="http://schemas.microsoft.com/office/drawing/2010/main" xmlns="" w="9525">
                   <a:solidFill>
                     <a:srgbClr val="000000"/>
                   </a:solidFill>
@@ -1468,7 +1469,7 @@
             </a:ln>
             <a:extLst>
               <a:ext uri="{91240B29-F687-4f45-9708-019B960494DF}">
-                <a14:hiddenLine xmlns="" xmlns:a14="http://schemas.microsoft.com/office/drawing/2010/main" w="9525">
+                <a14:hiddenLine xmlns:a14="http://schemas.microsoft.com/office/drawing/2010/main" xmlns="" w="9525">
                   <a:solidFill>
                     <a:srgbClr val="000000"/>
                   </a:solidFill>
@@ -1530,7 +1531,7 @@
             </a:ln>
             <a:extLst>
               <a:ext uri="{91240B29-F687-4f45-9708-019B960494DF}">
-                <a14:hiddenLine xmlns="" xmlns:a14="http://schemas.microsoft.com/office/drawing/2010/main" w="9525">
+                <a14:hiddenLine xmlns:a14="http://schemas.microsoft.com/office/drawing/2010/main" xmlns="" w="9525">
                   <a:solidFill>
                     <a:srgbClr val="000000"/>
                   </a:solidFill>
@@ -1620,7 +1621,7 @@
             </a:ln>
             <a:extLst>
               <a:ext uri="{91240B29-F687-4f45-9708-019B960494DF}">
-                <a14:hiddenLine xmlns="" xmlns:a14="http://schemas.microsoft.com/office/drawing/2010/main" w="9525">
+                <a14:hiddenLine xmlns:a14="http://schemas.microsoft.com/office/drawing/2010/main" xmlns="" w="9525">
                   <a:solidFill>
                     <a:srgbClr val="000000"/>
                   </a:solidFill>
@@ -1710,7 +1711,7 @@
             </a:ln>
             <a:extLst>
               <a:ext uri="{91240B29-F687-4f45-9708-019B960494DF}">
-                <a14:hiddenLine xmlns="" xmlns:a14="http://schemas.microsoft.com/office/drawing/2010/main" w="9525">
+                <a14:hiddenLine xmlns:a14="http://schemas.microsoft.com/office/drawing/2010/main" xmlns="" w="9525">
                   <a:solidFill>
                     <a:srgbClr val="000000"/>
                   </a:solidFill>
@@ -1766,7 +1767,7 @@
             </a:ln>
             <a:extLst>
               <a:ext uri="{91240B29-F687-4f45-9708-019B960494DF}">
-                <a14:hiddenLine xmlns="" xmlns:a14="http://schemas.microsoft.com/office/drawing/2010/main" w="9525">
+                <a14:hiddenLine xmlns:a14="http://schemas.microsoft.com/office/drawing/2010/main" xmlns="" w="9525">
                   <a:solidFill>
                     <a:srgbClr val="000000"/>
                   </a:solidFill>
@@ -1856,7 +1857,7 @@
             </a:ln>
             <a:extLst>
               <a:ext uri="{91240B29-F687-4f45-9708-019B960494DF}">
-                <a14:hiddenLine xmlns="" xmlns:a14="http://schemas.microsoft.com/office/drawing/2010/main" w="9525">
+                <a14:hiddenLine xmlns:a14="http://schemas.microsoft.com/office/drawing/2010/main" xmlns="" w="9525">
                   <a:solidFill>
                     <a:srgbClr val="000000"/>
                   </a:solidFill>
@@ -1912,7 +1913,7 @@
             </a:ln>
             <a:extLst>
               <a:ext uri="{91240B29-F687-4f45-9708-019B960494DF}">
-                <a14:hiddenLine xmlns="" xmlns:a14="http://schemas.microsoft.com/office/drawing/2010/main" w="9525">
+                <a14:hiddenLine xmlns:a14="http://schemas.microsoft.com/office/drawing/2010/main" xmlns="" w="9525">
                   <a:solidFill>
                     <a:srgbClr val="000000"/>
                   </a:solidFill>
@@ -2002,7 +2003,7 @@
             </a:ln>
             <a:extLst>
               <a:ext uri="{91240B29-F687-4f45-9708-019B960494DF}">
-                <a14:hiddenLine xmlns="" xmlns:a14="http://schemas.microsoft.com/office/drawing/2010/main" w="9525">
+                <a14:hiddenLine xmlns:a14="http://schemas.microsoft.com/office/drawing/2010/main" xmlns="" w="9525">
                   <a:solidFill>
                     <a:srgbClr val="000000"/>
                   </a:solidFill>
@@ -2070,7 +2071,7 @@
             </a:ln>
             <a:extLst>
               <a:ext uri="{91240B29-F687-4f45-9708-019B960494DF}">
-                <a14:hiddenLine xmlns="" xmlns:a14="http://schemas.microsoft.com/office/drawing/2010/main" w="9525">
+                <a14:hiddenLine xmlns:a14="http://schemas.microsoft.com/office/drawing/2010/main" xmlns="" w="9525">
                   <a:solidFill>
                     <a:srgbClr val="000000"/>
                   </a:solidFill>
@@ -2160,7 +2161,7 @@
             </a:ln>
             <a:extLst>
               <a:ext uri="{91240B29-F687-4f45-9708-019B960494DF}">
-                <a14:hiddenLine xmlns="" xmlns:a14="http://schemas.microsoft.com/office/drawing/2010/main" w="9525">
+                <a14:hiddenLine xmlns:a14="http://schemas.microsoft.com/office/drawing/2010/main" xmlns="" w="9525">
                   <a:solidFill>
                     <a:srgbClr val="000000"/>
                   </a:solidFill>
@@ -2228,7 +2229,7 @@
             </a:ln>
             <a:extLst>
               <a:ext uri="{91240B29-F687-4f45-9708-019B960494DF}">
-                <a14:hiddenLine xmlns="" xmlns:a14="http://schemas.microsoft.com/office/drawing/2010/main" w="9525">
+                <a14:hiddenLine xmlns:a14="http://schemas.microsoft.com/office/drawing/2010/main" xmlns="" w="9525">
                   <a:solidFill>
                     <a:srgbClr val="000000"/>
                   </a:solidFill>
@@ -2318,7 +2319,7 @@
             </a:ln>
             <a:extLst>
               <a:ext uri="{91240B29-F687-4f45-9708-019B960494DF}">
-                <a14:hiddenLine xmlns="" xmlns:a14="http://schemas.microsoft.com/office/drawing/2010/main" w="9525">
+                <a14:hiddenLine xmlns:a14="http://schemas.microsoft.com/office/drawing/2010/main" xmlns="" w="9525">
                   <a:solidFill>
                     <a:srgbClr val="000000"/>
                   </a:solidFill>
@@ -2352,7 +2353,7 @@
             </a:ln>
             <a:extLst>
               <a:ext uri="{91240B29-F687-4f45-9708-019B960494DF}">
-                <a14:hiddenLine xmlns="" xmlns:a14="http://schemas.microsoft.com/office/drawing/2010/main" w="9525">
+                <a14:hiddenLine xmlns:a14="http://schemas.microsoft.com/office/drawing/2010/main" xmlns="" w="9525">
                   <a:solidFill>
                     <a:srgbClr val="000000"/>
                   </a:solidFill>
@@ -2442,7 +2443,7 @@
             </a:ln>
             <a:extLst>
               <a:ext uri="{91240B29-F687-4f45-9708-019B960494DF}">
-                <a14:hiddenLine xmlns="" xmlns:a14="http://schemas.microsoft.com/office/drawing/2010/main" w="9525">
+                <a14:hiddenLine xmlns:a14="http://schemas.microsoft.com/office/drawing/2010/main" xmlns="" w="9525">
                   <a:solidFill>
                     <a:srgbClr val="000000"/>
                   </a:solidFill>
@@ -2504,7 +2505,7 @@
             </a:ln>
             <a:extLst>
               <a:ext uri="{91240B29-F687-4f45-9708-019B960494DF}">
-                <a14:hiddenLine xmlns="" xmlns:a14="http://schemas.microsoft.com/office/drawing/2010/main" w="9525">
+                <a14:hiddenLine xmlns:a14="http://schemas.microsoft.com/office/drawing/2010/main" xmlns="" w="9525">
                   <a:solidFill>
                     <a:srgbClr val="000000"/>
                   </a:solidFill>
@@ -2566,7 +2567,7 @@
             </a:ln>
             <a:extLst>
               <a:ext uri="{91240B29-F687-4f45-9708-019B960494DF}">
-                <a14:hiddenLine xmlns="" xmlns:a14="http://schemas.microsoft.com/office/drawing/2010/main" w="9525">
+                <a14:hiddenLine xmlns:a14="http://schemas.microsoft.com/office/drawing/2010/main" xmlns="" w="9525">
                   <a:solidFill>
                     <a:srgbClr val="000000"/>
                   </a:solidFill>
@@ -2656,7 +2657,7 @@
             </a:ln>
             <a:extLst>
               <a:ext uri="{91240B29-F687-4f45-9708-019B960494DF}">
-                <a14:hiddenLine xmlns="" xmlns:a14="http://schemas.microsoft.com/office/drawing/2010/main" w="9525">
+                <a14:hiddenLine xmlns:a14="http://schemas.microsoft.com/office/drawing/2010/main" xmlns="" w="9525">
                   <a:solidFill>
                     <a:srgbClr val="000000"/>
                   </a:solidFill>
@@ -2724,7 +2725,7 @@
             </a:ln>
             <a:extLst>
               <a:ext uri="{91240B29-F687-4f45-9708-019B960494DF}">
-                <a14:hiddenLine xmlns="" xmlns:a14="http://schemas.microsoft.com/office/drawing/2010/main" w="9525">
+                <a14:hiddenLine xmlns:a14="http://schemas.microsoft.com/office/drawing/2010/main" xmlns="" w="9525">
                   <a:solidFill>
                     <a:srgbClr val="000000"/>
                   </a:solidFill>
@@ -2786,7 +2787,7 @@
             </a:ln>
             <a:extLst>
               <a:ext uri="{91240B29-F687-4f45-9708-019B960494DF}">
-                <a14:hiddenLine xmlns="" xmlns:a14="http://schemas.microsoft.com/office/drawing/2010/main" w="9525">
+                <a14:hiddenLine xmlns:a14="http://schemas.microsoft.com/office/drawing/2010/main" xmlns="" w="9525">
                   <a:solidFill>
                     <a:srgbClr val="000000"/>
                   </a:solidFill>
@@ -2876,7 +2877,7 @@
             </a:ln>
             <a:extLst>
               <a:ext uri="{91240B29-F687-4f45-9708-019B960494DF}">
-                <a14:hiddenLine xmlns="" xmlns:a14="http://schemas.microsoft.com/office/drawing/2010/main" w="9525">
+                <a14:hiddenLine xmlns:a14="http://schemas.microsoft.com/office/drawing/2010/main" xmlns="" w="9525">
                   <a:solidFill>
                     <a:srgbClr val="000000"/>
                   </a:solidFill>
@@ -2938,7 +2939,7 @@
             </a:ln>
             <a:extLst>
               <a:ext uri="{91240B29-F687-4f45-9708-019B960494DF}">
-                <a14:hiddenLine xmlns="" xmlns:a14="http://schemas.microsoft.com/office/drawing/2010/main" w="9525">
+                <a14:hiddenLine xmlns:a14="http://schemas.microsoft.com/office/drawing/2010/main" xmlns="" w="9525">
                   <a:solidFill>
                     <a:srgbClr val="000000"/>
                   </a:solidFill>
@@ -3028,7 +3029,7 @@
             </a:ln>
             <a:extLst>
               <a:ext uri="{91240B29-F687-4f45-9708-019B960494DF}">
-                <a14:hiddenLine xmlns="" xmlns:a14="http://schemas.microsoft.com/office/drawing/2010/main" w="9525">
+                <a14:hiddenLine xmlns:a14="http://schemas.microsoft.com/office/drawing/2010/main" xmlns="" w="9525">
                   <a:solidFill>
                     <a:srgbClr val="000000"/>
                   </a:solidFill>
@@ -3090,7 +3091,7 @@
             </a:ln>
             <a:extLst>
               <a:ext uri="{91240B29-F687-4f45-9708-019B960494DF}">
-                <a14:hiddenLine xmlns="" xmlns:a14="http://schemas.microsoft.com/office/drawing/2010/main" w="9525">
+                <a14:hiddenLine xmlns:a14="http://schemas.microsoft.com/office/drawing/2010/main" xmlns="" w="9525">
                   <a:solidFill>
                     <a:srgbClr val="000000"/>
                   </a:solidFill>
@@ -3180,7 +3181,7 @@
             </a:ln>
             <a:extLst>
               <a:ext uri="{91240B29-F687-4f45-9708-019B960494DF}">
-                <a14:hiddenLine xmlns="" xmlns:a14="http://schemas.microsoft.com/office/drawing/2010/main" w="9525">
+                <a14:hiddenLine xmlns:a14="http://schemas.microsoft.com/office/drawing/2010/main" xmlns="" w="9525">
                   <a:solidFill>
                     <a:srgbClr val="000000"/>
                   </a:solidFill>
@@ -3214,7 +3215,7 @@
             </a:ln>
             <a:extLst>
               <a:ext uri="{91240B29-F687-4f45-9708-019B960494DF}">
-                <a14:hiddenLine xmlns="" xmlns:a14="http://schemas.microsoft.com/office/drawing/2010/main" w="9525">
+                <a14:hiddenLine xmlns:a14="http://schemas.microsoft.com/office/drawing/2010/main" xmlns="" w="9525">
                   <a:solidFill>
                     <a:srgbClr val="000000"/>
                   </a:solidFill>
@@ -3279,7 +3280,7 @@
             </a:ln>
             <a:extLst>
               <a:ext uri="{91240B29-F687-4f45-9708-019B960494DF}">
-                <a14:hiddenLine xmlns="" xmlns:a14="http://schemas.microsoft.com/office/drawing/2010/main" w="9525">
+                <a14:hiddenLine xmlns:a14="http://schemas.microsoft.com/office/drawing/2010/main" xmlns="" w="9525">
                   <a:solidFill>
                     <a:srgbClr val="000000"/>
                   </a:solidFill>
@@ -3369,7 +3370,7 @@
             </a:ln>
             <a:extLst>
               <a:ext uri="{91240B29-F687-4f45-9708-019B960494DF}">
-                <a14:hiddenLine xmlns="" xmlns:a14="http://schemas.microsoft.com/office/drawing/2010/main" w="9525">
+                <a14:hiddenLine xmlns:a14="http://schemas.microsoft.com/office/drawing/2010/main" xmlns="" w="9525">
                   <a:solidFill>
                     <a:srgbClr val="000000"/>
                   </a:solidFill>
@@ -3431,7 +3432,7 @@
             </a:ln>
             <a:extLst>
               <a:ext uri="{91240B29-F687-4f45-9708-019B960494DF}">
-                <a14:hiddenLine xmlns="" xmlns:a14="http://schemas.microsoft.com/office/drawing/2010/main" w="9525">
+                <a14:hiddenLine xmlns:a14="http://schemas.microsoft.com/office/drawing/2010/main" xmlns="" w="9525">
                   <a:solidFill>
                     <a:srgbClr val="000000"/>
                   </a:solidFill>
@@ -3521,7 +3522,7 @@
             </a:ln>
             <a:extLst>
               <a:ext uri="{91240B29-F687-4f45-9708-019B960494DF}">
-                <a14:hiddenLine xmlns="" xmlns:a14="http://schemas.microsoft.com/office/drawing/2010/main" w="9525">
+                <a14:hiddenLine xmlns:a14="http://schemas.microsoft.com/office/drawing/2010/main" xmlns="" w="9525">
                   <a:solidFill>
                     <a:srgbClr val="000000"/>
                   </a:solidFill>
@@ -3611,7 +3612,7 @@
             </a:ln>
             <a:extLst>
               <a:ext uri="{91240B29-F687-4f45-9708-019B960494DF}">
-                <a14:hiddenLine xmlns="" xmlns:a14="http://schemas.microsoft.com/office/drawing/2010/main" w="9525">
+                <a14:hiddenLine xmlns:a14="http://schemas.microsoft.com/office/drawing/2010/main" xmlns="" w="9525">
                   <a:solidFill>
                     <a:srgbClr val="000000"/>
                   </a:solidFill>
@@ -3676,7 +3677,7 @@
             </a:ln>
             <a:extLst>
               <a:ext uri="{91240B29-F687-4f45-9708-019B960494DF}">
-                <a14:hiddenLine xmlns="" xmlns:a14="http://schemas.microsoft.com/office/drawing/2010/main" w="9525">
+                <a14:hiddenLine xmlns:a14="http://schemas.microsoft.com/office/drawing/2010/main" xmlns="" w="9525">
                   <a:solidFill>
                     <a:srgbClr val="000000"/>
                   </a:solidFill>
@@ -3738,7 +3739,7 @@
             </a:ln>
             <a:extLst>
               <a:ext uri="{91240B29-F687-4f45-9708-019B960494DF}">
-                <a14:hiddenLine xmlns="" xmlns:a14="http://schemas.microsoft.com/office/drawing/2010/main" w="9525">
+                <a14:hiddenLine xmlns:a14="http://schemas.microsoft.com/office/drawing/2010/main" xmlns="" w="9525">
                   <a:solidFill>
                     <a:srgbClr val="000000"/>
                   </a:solidFill>
@@ -3828,7 +3829,7 @@
             </a:ln>
             <a:extLst>
               <a:ext uri="{91240B29-F687-4f45-9708-019B960494DF}">
-                <a14:hiddenLine xmlns="" xmlns:a14="http://schemas.microsoft.com/office/drawing/2010/main" w="9525">
+                <a14:hiddenLine xmlns:a14="http://schemas.microsoft.com/office/drawing/2010/main" xmlns="" w="9525">
                   <a:solidFill>
                     <a:srgbClr val="000000"/>
                   </a:solidFill>
@@ -3918,7 +3919,7 @@
             </a:ln>
             <a:extLst>
               <a:ext uri="{91240B29-F687-4f45-9708-019B960494DF}">
-                <a14:hiddenLine xmlns="" xmlns:a14="http://schemas.microsoft.com/office/drawing/2010/main" w="9525">
+                <a14:hiddenLine xmlns:a14="http://schemas.microsoft.com/office/drawing/2010/main" xmlns="" w="9525">
                   <a:solidFill>
                     <a:srgbClr val="000000"/>
                   </a:solidFill>
@@ -3980,7 +3981,7 @@
             </a:ln>
             <a:extLst>
               <a:ext uri="{91240B29-F687-4f45-9708-019B960494DF}">
-                <a14:hiddenLine xmlns="" xmlns:a14="http://schemas.microsoft.com/office/drawing/2010/main" w="9525">
+                <a14:hiddenLine xmlns:a14="http://schemas.microsoft.com/office/drawing/2010/main" xmlns="" w="9525">
                   <a:solidFill>
                     <a:srgbClr val="000000"/>
                   </a:solidFill>
@@ -4100,7 +4101,7 @@
             </a:ln>
             <a:extLst>
               <a:ext uri="{91240B29-F687-4f45-9708-019B960494DF}">
-                <a14:hiddenLine xmlns="" xmlns:a14="http://schemas.microsoft.com/office/drawing/2010/main" w="9525">
+                <a14:hiddenLine xmlns:a14="http://schemas.microsoft.com/office/drawing/2010/main" xmlns="" w="9525">
                   <a:solidFill>
                     <a:srgbClr val="000000"/>
                   </a:solidFill>
@@ -4168,7 +4169,7 @@
             </a:ln>
             <a:extLst>
               <a:ext uri="{91240B29-F687-4f45-9708-019B960494DF}">
-                <a14:hiddenLine xmlns="" xmlns:a14="http://schemas.microsoft.com/office/drawing/2010/main" w="9525">
+                <a14:hiddenLine xmlns:a14="http://schemas.microsoft.com/office/drawing/2010/main" xmlns="" w="9525">
                   <a:solidFill>
                     <a:srgbClr val="000000"/>
                   </a:solidFill>
@@ -4258,7 +4259,7 @@
             </a:ln>
             <a:extLst>
               <a:ext uri="{91240B29-F687-4f45-9708-019B960494DF}">
-                <a14:hiddenLine xmlns="" xmlns:a14="http://schemas.microsoft.com/office/drawing/2010/main" w="9525">
+                <a14:hiddenLine xmlns:a14="http://schemas.microsoft.com/office/drawing/2010/main" xmlns="" w="9525">
                   <a:solidFill>
                     <a:srgbClr val="000000"/>
                   </a:solidFill>
@@ -4399,7 +4400,7 @@
             <a:fld id="{B61BEF0D-F0BB-DE4B-95CE-6DB70DBA9567}" type="datetimeFigureOut">
               <a:rPr lang="en-US" smtClean="0"/>
               <a:pPr/>
-              <a:t>8/20/2014</a:t>
+              <a:t>8/24/2014</a:t>
             </a:fld>
             <a:endParaRPr lang="en-US" dirty="0"/>
           </a:p>
@@ -4668,7 +4669,7 @@
             <a:fld id="{B61BEF0D-F0BB-DE4B-95CE-6DB70DBA9567}" type="datetimeFigureOut">
               <a:rPr lang="en-US" smtClean="0"/>
               <a:pPr/>
-              <a:t>8/20/2014</a:t>
+              <a:t>8/24/2014</a:t>
             </a:fld>
             <a:endParaRPr lang="en-US" dirty="0"/>
           </a:p>
@@ -4866,7 +4867,7 @@
             <a:fld id="{B61BEF0D-F0BB-DE4B-95CE-6DB70DBA9567}" type="datetimeFigureOut">
               <a:rPr lang="en-US" smtClean="0"/>
               <a:pPr/>
-              <a:t>8/20/2014</a:t>
+              <a:t>8/24/2014</a:t>
             </a:fld>
             <a:endParaRPr lang="en-US" dirty="0"/>
           </a:p>
@@ -5131,7 +5132,7 @@
             <a:fld id="{B61BEF0D-F0BB-DE4B-95CE-6DB70DBA9567}" type="datetimeFigureOut">
               <a:rPr lang="en-US" smtClean="0"/>
               <a:pPr/>
-              <a:t>8/20/2014</a:t>
+              <a:t>8/24/2014</a:t>
             </a:fld>
             <a:endParaRPr lang="en-US" dirty="0"/>
           </a:p>
@@ -5567,7 +5568,7 @@
             <a:fld id="{B61BEF0D-F0BB-DE4B-95CE-6DB70DBA9567}" type="datetimeFigureOut">
               <a:rPr lang="en-US" smtClean="0"/>
               <a:pPr/>
-              <a:t>8/20/2014</a:t>
+              <a:t>8/24/2014</a:t>
             </a:fld>
             <a:endParaRPr lang="en-US" dirty="0"/>
           </a:p>
@@ -6115,7 +6116,7 @@
             <a:fld id="{B61BEF0D-F0BB-DE4B-95CE-6DB70DBA9567}" type="datetimeFigureOut">
               <a:rPr lang="en-US" smtClean="0"/>
               <a:pPr/>
-              <a:t>8/20/2014</a:t>
+              <a:t>8/24/2014</a:t>
             </a:fld>
             <a:endParaRPr lang="en-US" dirty="0"/>
           </a:p>
@@ -6837,7 +6838,7 @@
             <a:fld id="{B61BEF0D-F0BB-DE4B-95CE-6DB70DBA9567}" type="datetimeFigureOut">
               <a:rPr lang="en-US" smtClean="0"/>
               <a:pPr/>
-              <a:t>8/20/2014</a:t>
+              <a:t>8/24/2014</a:t>
             </a:fld>
             <a:endParaRPr lang="en-US" dirty="0"/>
           </a:p>
@@ -7009,7 +7010,7 @@
             <a:fld id="{B61BEF0D-F0BB-DE4B-95CE-6DB70DBA9567}" type="datetimeFigureOut">
               <a:rPr lang="en-US" smtClean="0"/>
               <a:pPr/>
-              <a:t>8/20/2014</a:t>
+              <a:t>8/24/2014</a:t>
             </a:fld>
             <a:endParaRPr lang="en-US" dirty="0"/>
           </a:p>
@@ -7191,7 +7192,7 @@
             <a:fld id="{B61BEF0D-F0BB-DE4B-95CE-6DB70DBA9567}" type="datetimeFigureOut">
               <a:rPr lang="en-US" smtClean="0"/>
               <a:pPr/>
-              <a:t>8/20/2014</a:t>
+              <a:t>8/24/2014</a:t>
             </a:fld>
             <a:endParaRPr lang="en-US" dirty="0"/>
           </a:p>
@@ -7363,7 +7364,7 @@
             <a:fld id="{B61BEF0D-F0BB-DE4B-95CE-6DB70DBA9567}" type="datetimeFigureOut">
               <a:rPr lang="en-US" smtClean="0"/>
               <a:pPr/>
-              <a:t>8/20/2014</a:t>
+              <a:t>8/24/2014</a:t>
             </a:fld>
             <a:endParaRPr lang="en-US" dirty="0"/>
           </a:p>
@@ -7615,7 +7616,7 @@
             <a:fld id="{B61BEF0D-F0BB-DE4B-95CE-6DB70DBA9567}" type="datetimeFigureOut">
               <a:rPr lang="en-US" smtClean="0"/>
               <a:pPr/>
-              <a:t>8/20/2014</a:t>
+              <a:t>8/24/2014</a:t>
             </a:fld>
             <a:endParaRPr lang="en-US" dirty="0"/>
           </a:p>
@@ -7849,7 +7850,7 @@
             <a:fld id="{B61BEF0D-F0BB-DE4B-95CE-6DB70DBA9567}" type="datetimeFigureOut">
               <a:rPr lang="en-US" smtClean="0"/>
               <a:pPr/>
-              <a:t>8/20/2014</a:t>
+              <a:t>8/24/2014</a:t>
             </a:fld>
             <a:endParaRPr lang="en-US" dirty="0"/>
           </a:p>
@@ -8232,7 +8233,7 @@
             <a:fld id="{B61BEF0D-F0BB-DE4B-95CE-6DB70DBA9567}" type="datetimeFigureOut">
               <a:rPr lang="en-US" smtClean="0"/>
               <a:pPr/>
-              <a:t>8/20/2014</a:t>
+              <a:t>8/24/2014</a:t>
             </a:fld>
             <a:endParaRPr lang="en-US" dirty="0"/>
           </a:p>
@@ -8352,7 +8353,7 @@
             <a:fld id="{B61BEF0D-F0BB-DE4B-95CE-6DB70DBA9567}" type="datetimeFigureOut">
               <a:rPr lang="en-US" smtClean="0"/>
               <a:pPr/>
-              <a:t>8/20/2014</a:t>
+              <a:t>8/24/2014</a:t>
             </a:fld>
             <a:endParaRPr lang="en-US" dirty="0"/>
           </a:p>
@@ -8449,7 +8450,7 @@
             <a:fld id="{B61BEF0D-F0BB-DE4B-95CE-6DB70DBA9567}" type="datetimeFigureOut">
               <a:rPr lang="en-US" smtClean="0"/>
               <a:pPr/>
-              <a:t>8/20/2014</a:t>
+              <a:t>8/24/2014</a:t>
             </a:fld>
             <a:endParaRPr lang="en-US" dirty="0"/>
           </a:p>
@@ -8700,7 +8701,7 @@
             <a:fld id="{B61BEF0D-F0BB-DE4B-95CE-6DB70DBA9567}" type="datetimeFigureOut">
               <a:rPr lang="en-US" smtClean="0"/>
               <a:pPr/>
-              <a:t>8/20/2014</a:t>
+              <a:t>8/24/2014</a:t>
             </a:fld>
             <a:endParaRPr lang="en-US" dirty="0"/>
           </a:p>
@@ -8982,7 +8983,7 @@
             <a:fld id="{B61BEF0D-F0BB-DE4B-95CE-6DB70DBA9567}" type="datetimeFigureOut">
               <a:rPr lang="en-US" smtClean="0"/>
               <a:pPr/>
-              <a:t>8/20/2014</a:t>
+              <a:t>8/24/2014</a:t>
             </a:fld>
             <a:endParaRPr lang="en-US" dirty="0"/>
           </a:p>
@@ -9099,7 +9100,7 @@
           <a:noFill/>
           <a:extLst>
             <a:ext uri="{909E8E84-426E-40dd-AFC4-6F175D3DCCD1}">
-              <a14:hiddenFill xmlns="" xmlns:a14="http://schemas.microsoft.com/office/drawing/2010/main">
+              <a14:hiddenFill xmlns:a14="http://schemas.microsoft.com/office/drawing/2010/main" xmlns="">
                 <a:solidFill>
                   <a:srgbClr val="FFFFFF"/>
                 </a:solidFill>
@@ -9173,7 +9174,7 @@
               </a:ln>
               <a:extLst>
                 <a:ext uri="{91240B29-F687-4f45-9708-019B960494DF}">
-                  <a14:hiddenLine xmlns="" xmlns:a14="http://schemas.microsoft.com/office/drawing/2010/main" w="9525">
+                  <a14:hiddenLine xmlns:a14="http://schemas.microsoft.com/office/drawing/2010/main" xmlns="" w="9525">
                     <a:solidFill>
                       <a:srgbClr val="000000"/>
                     </a:solidFill>
@@ -9263,7 +9264,7 @@
               </a:ln>
               <a:extLst>
                 <a:ext uri="{91240B29-F687-4f45-9708-019B960494DF}">
-                  <a14:hiddenLine xmlns="" xmlns:a14="http://schemas.microsoft.com/office/drawing/2010/main" w="9525">
+                  <a14:hiddenLine xmlns:a14="http://schemas.microsoft.com/office/drawing/2010/main" xmlns="" w="9525">
                     <a:solidFill>
                       <a:srgbClr val="000000"/>
                     </a:solidFill>
@@ -9353,7 +9354,7 @@
               </a:ln>
               <a:extLst>
                 <a:ext uri="{91240B29-F687-4f45-9708-019B960494DF}">
-                  <a14:hiddenLine xmlns="" xmlns:a14="http://schemas.microsoft.com/office/drawing/2010/main" w="9525">
+                  <a14:hiddenLine xmlns:a14="http://schemas.microsoft.com/office/drawing/2010/main" xmlns="" w="9525">
                     <a:solidFill>
                       <a:srgbClr val="000000"/>
                     </a:solidFill>
@@ -9415,7 +9416,7 @@
               </a:ln>
               <a:extLst>
                 <a:ext uri="{91240B29-F687-4f45-9708-019B960494DF}">
-                  <a14:hiddenLine xmlns="" xmlns:a14="http://schemas.microsoft.com/office/drawing/2010/main" w="9525">
+                  <a14:hiddenLine xmlns:a14="http://schemas.microsoft.com/office/drawing/2010/main" xmlns="" w="9525">
                     <a:solidFill>
                       <a:srgbClr val="000000"/>
                     </a:solidFill>
@@ -9505,7 +9506,7 @@
               </a:ln>
               <a:extLst>
                 <a:ext uri="{91240B29-F687-4f45-9708-019B960494DF}">
-                  <a14:hiddenLine xmlns="" xmlns:a14="http://schemas.microsoft.com/office/drawing/2010/main" w="9525">
+                  <a14:hiddenLine xmlns:a14="http://schemas.microsoft.com/office/drawing/2010/main" xmlns="" w="9525">
                     <a:solidFill>
                       <a:srgbClr val="000000"/>
                     </a:solidFill>
@@ -9567,7 +9568,7 @@
               </a:ln>
               <a:extLst>
                 <a:ext uri="{91240B29-F687-4f45-9708-019B960494DF}">
-                  <a14:hiddenLine xmlns="" xmlns:a14="http://schemas.microsoft.com/office/drawing/2010/main" w="9525">
+                  <a14:hiddenLine xmlns:a14="http://schemas.microsoft.com/office/drawing/2010/main" xmlns="" w="9525">
                     <a:solidFill>
                       <a:srgbClr val="000000"/>
                     </a:solidFill>
@@ -9629,7 +9630,7 @@
               </a:ln>
               <a:extLst>
                 <a:ext uri="{91240B29-F687-4f45-9708-019B960494DF}">
-                  <a14:hiddenLine xmlns="" xmlns:a14="http://schemas.microsoft.com/office/drawing/2010/main" w="9525">
+                  <a14:hiddenLine xmlns:a14="http://schemas.microsoft.com/office/drawing/2010/main" xmlns="" w="9525">
                     <a:solidFill>
                       <a:srgbClr val="000000"/>
                     </a:solidFill>
@@ -9719,7 +9720,7 @@
               </a:ln>
               <a:extLst>
                 <a:ext uri="{91240B29-F687-4f45-9708-019B960494DF}">
-                  <a14:hiddenLine xmlns="" xmlns:a14="http://schemas.microsoft.com/office/drawing/2010/main" w="9525">
+                  <a14:hiddenLine xmlns:a14="http://schemas.microsoft.com/office/drawing/2010/main" xmlns="" w="9525">
                     <a:solidFill>
                       <a:srgbClr val="000000"/>
                     </a:solidFill>
@@ -9809,7 +9810,7 @@
               </a:ln>
               <a:extLst>
                 <a:ext uri="{91240B29-F687-4f45-9708-019B960494DF}">
-                  <a14:hiddenLine xmlns="" xmlns:a14="http://schemas.microsoft.com/office/drawing/2010/main" w="9525">
+                  <a14:hiddenLine xmlns:a14="http://schemas.microsoft.com/office/drawing/2010/main" xmlns="" w="9525">
                     <a:solidFill>
                       <a:srgbClr val="000000"/>
                     </a:solidFill>
@@ -9871,7 +9872,7 @@
               </a:ln>
               <a:extLst>
                 <a:ext uri="{91240B29-F687-4f45-9708-019B960494DF}">
-                  <a14:hiddenLine xmlns="" xmlns:a14="http://schemas.microsoft.com/office/drawing/2010/main" w="9525">
+                  <a14:hiddenLine xmlns:a14="http://schemas.microsoft.com/office/drawing/2010/main" xmlns="" w="9525">
                     <a:solidFill>
                       <a:srgbClr val="000000"/>
                     </a:solidFill>
@@ -9981,7 +9982,7 @@
               </a:ln>
               <a:extLst>
                 <a:ext uri="{91240B29-F687-4f45-9708-019B960494DF}">
-                  <a14:hiddenLine xmlns="" xmlns:a14="http://schemas.microsoft.com/office/drawing/2010/main" w="9525">
+                  <a14:hiddenLine xmlns:a14="http://schemas.microsoft.com/office/drawing/2010/main" xmlns="" w="9525">
                     <a:solidFill>
                       <a:srgbClr val="000000"/>
                     </a:solidFill>
@@ -10065,7 +10066,7 @@
               </a:ln>
               <a:extLst>
                 <a:ext uri="{91240B29-F687-4f45-9708-019B960494DF}">
-                  <a14:hiddenLine xmlns="" xmlns:a14="http://schemas.microsoft.com/office/drawing/2010/main" w="9525">
+                  <a14:hiddenLine xmlns:a14="http://schemas.microsoft.com/office/drawing/2010/main" xmlns="" w="9525">
                     <a:solidFill>
                       <a:srgbClr val="000000"/>
                     </a:solidFill>
@@ -10127,7 +10128,7 @@
               </a:ln>
               <a:extLst>
                 <a:ext uri="{91240B29-F687-4f45-9708-019B960494DF}">
-                  <a14:hiddenLine xmlns="" xmlns:a14="http://schemas.microsoft.com/office/drawing/2010/main" w="9525">
+                  <a14:hiddenLine xmlns:a14="http://schemas.microsoft.com/office/drawing/2010/main" xmlns="" w="9525">
                     <a:solidFill>
                       <a:srgbClr val="000000"/>
                     </a:solidFill>
@@ -10189,7 +10190,7 @@
               </a:ln>
               <a:extLst>
                 <a:ext uri="{91240B29-F687-4f45-9708-019B960494DF}">
-                  <a14:hiddenLine xmlns="" xmlns:a14="http://schemas.microsoft.com/office/drawing/2010/main" w="9525">
+                  <a14:hiddenLine xmlns:a14="http://schemas.microsoft.com/office/drawing/2010/main" xmlns="" w="9525">
                     <a:solidFill>
                       <a:srgbClr val="000000"/>
                     </a:solidFill>
@@ -10279,7 +10280,7 @@
               </a:ln>
               <a:extLst>
                 <a:ext uri="{91240B29-F687-4f45-9708-019B960494DF}">
-                  <a14:hiddenLine xmlns="" xmlns:a14="http://schemas.microsoft.com/office/drawing/2010/main" w="9525">
+                  <a14:hiddenLine xmlns:a14="http://schemas.microsoft.com/office/drawing/2010/main" xmlns="" w="9525">
                     <a:solidFill>
                       <a:srgbClr val="000000"/>
                     </a:solidFill>
@@ -10313,7 +10314,7 @@
               </a:ln>
               <a:extLst>
                 <a:ext uri="{91240B29-F687-4f45-9708-019B960494DF}">
-                  <a14:hiddenLine xmlns="" xmlns:a14="http://schemas.microsoft.com/office/drawing/2010/main" w="9525">
+                  <a14:hiddenLine xmlns:a14="http://schemas.microsoft.com/office/drawing/2010/main" xmlns="" w="9525">
                     <a:solidFill>
                       <a:srgbClr val="000000"/>
                     </a:solidFill>
@@ -10378,7 +10379,7 @@
               </a:ln>
               <a:extLst>
                 <a:ext uri="{91240B29-F687-4f45-9708-019B960494DF}">
-                  <a14:hiddenLine xmlns="" xmlns:a14="http://schemas.microsoft.com/office/drawing/2010/main" w="9525">
+                  <a14:hiddenLine xmlns:a14="http://schemas.microsoft.com/office/drawing/2010/main" xmlns="" w="9525">
                     <a:solidFill>
                       <a:srgbClr val="000000"/>
                     </a:solidFill>
@@ -10468,7 +10469,7 @@
               </a:ln>
               <a:extLst>
                 <a:ext uri="{91240B29-F687-4f45-9708-019B960494DF}">
-                  <a14:hiddenLine xmlns="" xmlns:a14="http://schemas.microsoft.com/office/drawing/2010/main" w="9525">
+                  <a14:hiddenLine xmlns:a14="http://schemas.microsoft.com/office/drawing/2010/main" xmlns="" w="9525">
                     <a:solidFill>
                       <a:srgbClr val="000000"/>
                     </a:solidFill>
@@ -10530,7 +10531,7 @@
               </a:ln>
               <a:extLst>
                 <a:ext uri="{91240B29-F687-4f45-9708-019B960494DF}">
-                  <a14:hiddenLine xmlns="" xmlns:a14="http://schemas.microsoft.com/office/drawing/2010/main" w="9525">
+                  <a14:hiddenLine xmlns:a14="http://schemas.microsoft.com/office/drawing/2010/main" xmlns="" w="9525">
                     <a:solidFill>
                       <a:srgbClr val="000000"/>
                     </a:solidFill>
@@ -10620,7 +10621,7 @@
               </a:ln>
               <a:extLst>
                 <a:ext uri="{91240B29-F687-4f45-9708-019B960494DF}">
-                  <a14:hiddenLine xmlns="" xmlns:a14="http://schemas.microsoft.com/office/drawing/2010/main" w="9525">
+                  <a14:hiddenLine xmlns:a14="http://schemas.microsoft.com/office/drawing/2010/main" xmlns="" w="9525">
                     <a:solidFill>
                       <a:srgbClr val="000000"/>
                     </a:solidFill>
@@ -10685,7 +10686,7 @@
               </a:ln>
               <a:extLst>
                 <a:ext uri="{91240B29-F687-4f45-9708-019B960494DF}">
-                  <a14:hiddenLine xmlns="" xmlns:a14="http://schemas.microsoft.com/office/drawing/2010/main" w="9525">
+                  <a14:hiddenLine xmlns:a14="http://schemas.microsoft.com/office/drawing/2010/main" xmlns="" w="9525">
                     <a:solidFill>
                       <a:srgbClr val="000000"/>
                     </a:solidFill>
@@ -10747,7 +10748,7 @@
               </a:ln>
               <a:extLst>
                 <a:ext uri="{91240B29-F687-4f45-9708-019B960494DF}">
-                  <a14:hiddenLine xmlns="" xmlns:a14="http://schemas.microsoft.com/office/drawing/2010/main" w="9525">
+                  <a14:hiddenLine xmlns:a14="http://schemas.microsoft.com/office/drawing/2010/main" xmlns="" w="9525">
                     <a:solidFill>
                       <a:srgbClr val="000000"/>
                     </a:solidFill>
@@ -10837,7 +10838,7 @@
               </a:ln>
               <a:extLst>
                 <a:ext uri="{91240B29-F687-4f45-9708-019B960494DF}">
-                  <a14:hiddenLine xmlns="" xmlns:a14="http://schemas.microsoft.com/office/drawing/2010/main" w="9525">
+                  <a14:hiddenLine xmlns:a14="http://schemas.microsoft.com/office/drawing/2010/main" xmlns="" w="9525">
                     <a:solidFill>
                       <a:srgbClr val="000000"/>
                     </a:solidFill>
@@ -10927,7 +10928,7 @@
               </a:ln>
               <a:extLst>
                 <a:ext uri="{91240B29-F687-4f45-9708-019B960494DF}">
-                  <a14:hiddenLine xmlns="" xmlns:a14="http://schemas.microsoft.com/office/drawing/2010/main" w="9525">
+                  <a14:hiddenLine xmlns:a14="http://schemas.microsoft.com/office/drawing/2010/main" xmlns="" w="9525">
                     <a:solidFill>
                       <a:srgbClr val="000000"/>
                     </a:solidFill>
@@ -10992,7 +10993,7 @@
               </a:ln>
               <a:extLst>
                 <a:ext uri="{91240B29-F687-4f45-9708-019B960494DF}">
-                  <a14:hiddenLine xmlns="" xmlns:a14="http://schemas.microsoft.com/office/drawing/2010/main" w="9525">
+                  <a14:hiddenLine xmlns:a14="http://schemas.microsoft.com/office/drawing/2010/main" xmlns="" w="9525">
                     <a:solidFill>
                       <a:srgbClr val="000000"/>
                     </a:solidFill>
@@ -11112,7 +11113,7 @@
               </a:ln>
               <a:extLst>
                 <a:ext uri="{91240B29-F687-4f45-9708-019B960494DF}">
-                  <a14:hiddenLine xmlns="" xmlns:a14="http://schemas.microsoft.com/office/drawing/2010/main" w="9525">
+                  <a14:hiddenLine xmlns:a14="http://schemas.microsoft.com/office/drawing/2010/main" xmlns="" w="9525">
                     <a:solidFill>
                       <a:srgbClr val="000000"/>
                     </a:solidFill>
@@ -11210,7 +11211,7 @@
               </a:ln>
               <a:extLst>
                 <a:ext uri="{91240B29-F687-4f45-9708-019B960494DF}">
-                  <a14:hiddenLine xmlns="" xmlns:a14="http://schemas.microsoft.com/office/drawing/2010/main" w="9525">
+                  <a14:hiddenLine xmlns:a14="http://schemas.microsoft.com/office/drawing/2010/main" xmlns="" w="9525">
                     <a:solidFill>
                       <a:srgbClr val="000000"/>
                     </a:solidFill>
@@ -11325,7 +11326,7 @@
               </a:ln>
               <a:extLst>
                 <a:ext uri="{91240B29-F687-4f45-9708-019B960494DF}">
-                  <a14:hiddenLine xmlns="" xmlns:a14="http://schemas.microsoft.com/office/drawing/2010/main" w="9525">
+                  <a14:hiddenLine xmlns:a14="http://schemas.microsoft.com/office/drawing/2010/main" xmlns="" w="9525">
                     <a:solidFill>
                       <a:srgbClr val="000000"/>
                     </a:solidFill>
@@ -11415,7 +11416,7 @@
               </a:ln>
               <a:extLst>
                 <a:ext uri="{91240B29-F687-4f45-9708-019B960494DF}">
-                  <a14:hiddenLine xmlns="" xmlns:a14="http://schemas.microsoft.com/office/drawing/2010/main" w="9525">
+                  <a14:hiddenLine xmlns:a14="http://schemas.microsoft.com/office/drawing/2010/main" xmlns="" w="9525">
                     <a:solidFill>
                       <a:srgbClr val="000000"/>
                     </a:solidFill>
@@ -11480,7 +11481,7 @@
               </a:ln>
               <a:extLst>
                 <a:ext uri="{91240B29-F687-4f45-9708-019B960494DF}">
-                  <a14:hiddenLine xmlns="" xmlns:a14="http://schemas.microsoft.com/office/drawing/2010/main" w="9525">
+                  <a14:hiddenLine xmlns:a14="http://schemas.microsoft.com/office/drawing/2010/main" xmlns="" w="9525">
                     <a:solidFill>
                       <a:srgbClr val="000000"/>
                     </a:solidFill>
@@ -11570,7 +11571,7 @@
               </a:ln>
               <a:extLst>
                 <a:ext uri="{91240B29-F687-4f45-9708-019B960494DF}">
-                  <a14:hiddenLine xmlns="" xmlns:a14="http://schemas.microsoft.com/office/drawing/2010/main" w="9525">
+                  <a14:hiddenLine xmlns:a14="http://schemas.microsoft.com/office/drawing/2010/main" xmlns="" w="9525">
                     <a:solidFill>
                       <a:srgbClr val="000000"/>
                     </a:solidFill>
@@ -11638,7 +11639,7 @@
               </a:ln>
               <a:extLst>
                 <a:ext uri="{91240B29-F687-4f45-9708-019B960494DF}">
-                  <a14:hiddenLine xmlns="" xmlns:a14="http://schemas.microsoft.com/office/drawing/2010/main" w="9525">
+                  <a14:hiddenLine xmlns:a14="http://schemas.microsoft.com/office/drawing/2010/main" xmlns="" w="9525">
                     <a:solidFill>
                       <a:srgbClr val="000000"/>
                     </a:solidFill>
@@ -11728,7 +11729,7 @@
               </a:ln>
               <a:extLst>
                 <a:ext uri="{91240B29-F687-4f45-9708-019B960494DF}">
-                  <a14:hiddenLine xmlns="" xmlns:a14="http://schemas.microsoft.com/office/drawing/2010/main" w="9525">
+                  <a14:hiddenLine xmlns:a14="http://schemas.microsoft.com/office/drawing/2010/main" xmlns="" w="9525">
                     <a:solidFill>
                       <a:srgbClr val="000000"/>
                     </a:solidFill>
@@ -11796,7 +11797,7 @@
               </a:ln>
               <a:extLst>
                 <a:ext uri="{91240B29-F687-4f45-9708-019B960494DF}">
-                  <a14:hiddenLine xmlns="" xmlns:a14="http://schemas.microsoft.com/office/drawing/2010/main" w="9525">
+                  <a14:hiddenLine xmlns:a14="http://schemas.microsoft.com/office/drawing/2010/main" xmlns="" w="9525">
                     <a:solidFill>
                       <a:srgbClr val="000000"/>
                     </a:solidFill>
@@ -11886,7 +11887,7 @@
               </a:ln>
               <a:extLst>
                 <a:ext uri="{91240B29-F687-4f45-9708-019B960494DF}">
-                  <a14:hiddenLine xmlns="" xmlns:a14="http://schemas.microsoft.com/office/drawing/2010/main" w="9525">
+                  <a14:hiddenLine xmlns:a14="http://schemas.microsoft.com/office/drawing/2010/main" xmlns="" w="9525">
                     <a:solidFill>
                       <a:srgbClr val="000000"/>
                     </a:solidFill>
@@ -11920,7 +11921,7 @@
               </a:ln>
               <a:extLst>
                 <a:ext uri="{91240B29-F687-4f45-9708-019B960494DF}">
-                  <a14:hiddenLine xmlns="" xmlns:a14="http://schemas.microsoft.com/office/drawing/2010/main" w="9525">
+                  <a14:hiddenLine xmlns:a14="http://schemas.microsoft.com/office/drawing/2010/main" xmlns="" w="9525">
                     <a:solidFill>
                       <a:srgbClr val="000000"/>
                     </a:solidFill>
@@ -12061,7 +12062,7 @@
             <a:fld id="{B61BEF0D-F0BB-DE4B-95CE-6DB70DBA9567}" type="datetimeFigureOut">
               <a:rPr lang="en-US" smtClean="0"/>
               <a:pPr/>
-              <a:t>8/20/2014</a:t>
+              <a:t>8/24/2014</a:t>
             </a:fld>
             <a:endParaRPr lang="en-US" dirty="0"/>
           </a:p>
@@ -12608,6 +12609,17 @@
               <a:rPr lang="en-US" cap="none" dirty="0" err="1" smtClean="0"/>
               <a:t>SqlProgrammabilityProvider</a:t>
             </a:r>
+            <a:r>
+              <a:rPr lang="en-US" cap="none" dirty="0" smtClean="0"/>
+              <a:t> </a:t>
+            </a:r>
+            <a:br>
+              <a:rPr lang="en-US" cap="none" dirty="0" smtClean="0"/>
+            </a:br>
+            <a:r>
+              <a:rPr lang="en-US" cap="none" dirty="0" smtClean="0"/>
+              <a:t>Features at glance</a:t>
+            </a:r>
             <a:endParaRPr lang="en-US" cap="none" dirty="0"/>
           </a:p>
         </p:txBody>
@@ -12629,14 +12641,163 @@
           <a:p>
             <a:r>
               <a:rPr lang="en-US" dirty="0" smtClean="0"/>
-              <a:t>Features at glance:</a:t>
+              <a:t>SSMS </a:t>
+            </a:r>
+            <a:r>
+              <a:rPr lang="en-US" dirty="0" smtClean="0"/>
+              <a:t>Object explorer </a:t>
+            </a:r>
+            <a:r>
+              <a:rPr lang="en-US" dirty="0" smtClean="0"/>
+              <a:t>in Visual </a:t>
+            </a:r>
+            <a:r>
+              <a:rPr lang="en-US" dirty="0" smtClean="0"/>
+              <a:t>Studio </a:t>
+            </a:r>
+            <a:r>
+              <a:rPr lang="en-US" dirty="0" smtClean="0"/>
+              <a:t>IntelliSense</a:t>
+            </a:r>
+            <a:endParaRPr lang="en-US" dirty="0" smtClean="0"/>
+          </a:p>
+          <a:p>
+            <a:r>
+              <a:rPr lang="en-US" dirty="0" smtClean="0"/>
+              <a:t>Stored procedures, table-valued user-defined functions, user-defined table types</a:t>
+            </a:r>
+          </a:p>
+          <a:p>
+            <a:r>
+              <a:rPr lang="en-US" dirty="0" err="1" smtClean="0"/>
+              <a:t>Microsoft.SqlServer.Types</a:t>
+            </a:r>
+            <a:r>
+              <a:rPr lang="en-US" dirty="0" smtClean="0"/>
+              <a:t>:</a:t>
             </a:r>
           </a:p>
           <a:p>
             <a:pPr lvl="1"/>
             <a:r>
+              <a:rPr lang="en-US" dirty="0" err="1" smtClean="0"/>
+              <a:t>SqlHierarchyId</a:t>
+            </a:r>
+            <a:endParaRPr lang="en-US" dirty="0" smtClean="0"/>
+          </a:p>
+          <a:p>
+            <a:pPr lvl="1"/>
+            <a:r>
+              <a:rPr lang="en-US" dirty="0" err="1" smtClean="0"/>
+              <a:t>SqlGeography</a:t>
+            </a:r>
+            <a:endParaRPr lang="en-US" dirty="0" smtClean="0"/>
+          </a:p>
+          <a:p>
+            <a:pPr lvl="1"/>
+            <a:r>
+              <a:rPr lang="en-US" dirty="0" err="1" smtClean="0"/>
+              <a:t>SqlGeometry</a:t>
+            </a:r>
+            <a:endParaRPr lang="en-US" dirty="0" smtClean="0"/>
+          </a:p>
+        </p:txBody>
+      </p:sp>
+    </p:spTree>
+    <p:extLst>
+      <p:ext uri="{BB962C8B-B14F-4D97-AF65-F5344CB8AC3E}">
+        <p14:creationId xmlns:p14="http://schemas.microsoft.com/office/powerpoint/2010/main" val="1606980947"/>
+      </p:ext>
+    </p:extLst>
+  </p:cSld>
+  <p:clrMapOvr>
+    <a:masterClrMapping/>
+  </p:clrMapOvr>
+  <p:timing>
+    <p:tnLst>
+      <p:par>
+        <p:cTn id="1" dur="indefinite" restart="never" nodeType="tmRoot"/>
+      </p:par>
+    </p:tnLst>
+  </p:timing>
+</p:sld>
+</file>
+
+<file path=ppt/slides/slide11.xml><?xml version="1.0" encoding="utf-8"?>
+<p:sld xmlns:a="http://schemas.openxmlformats.org/drawingml/2006/main" xmlns:r="http://schemas.openxmlformats.org/officeDocument/2006/relationships" xmlns:p="http://schemas.openxmlformats.org/presentationml/2006/main">
+  <p:cSld>
+    <p:spTree>
+      <p:nvGrpSpPr>
+        <p:cNvPr id="1" name=""/>
+        <p:cNvGrpSpPr/>
+        <p:nvPr/>
+      </p:nvGrpSpPr>
+      <p:grpSpPr>
+        <a:xfrm>
+          <a:off x="0" y="0"/>
+          <a:ext cx="0" cy="0"/>
+          <a:chOff x="0" y="0"/>
+          <a:chExt cx="0" cy="0"/>
+        </a:xfrm>
+      </p:grpSpPr>
+      <p:sp>
+        <p:nvSpPr>
+          <p:cNvPr id="2" name="Title 1"/>
+          <p:cNvSpPr>
+            <a:spLocks noGrp="1"/>
+          </p:cNvSpPr>
+          <p:nvPr>
+            <p:ph type="title"/>
+          </p:nvPr>
+        </p:nvSpPr>
+        <p:spPr/>
+        <p:txBody>
+          <a:bodyPr>
+            <a:normAutofit/>
+          </a:bodyPr>
+          <a:lstStyle/>
+          <a:p>
+            <a:r>
+              <a:rPr lang="en-US" cap="none" dirty="0" err="1" smtClean="0"/>
+              <a:t>SqlProgrammabilityProvider</a:t>
+            </a:r>
+            <a:r>
+              <a:rPr lang="en-US" cap="none" dirty="0" smtClean="0"/>
+              <a:t/>
+            </a:r>
+            <a:br>
+              <a:rPr lang="en-US" cap="none" dirty="0" smtClean="0"/>
+            </a:br>
+            <a:r>
+              <a:rPr lang="en-US" cap="none" dirty="0" smtClean="0"/>
+              <a:t>Summary</a:t>
+            </a:r>
+            <a:endParaRPr lang="en-US" cap="none" dirty="0"/>
+          </a:p>
+        </p:txBody>
+      </p:sp>
+      <p:sp>
+        <p:nvSpPr>
+          <p:cNvPr id="3" name="Content Placeholder 2"/>
+          <p:cNvSpPr>
+            <a:spLocks noGrp="1"/>
+          </p:cNvSpPr>
+          <p:nvPr>
+            <p:ph idx="1"/>
+          </p:nvPr>
+        </p:nvSpPr>
+        <p:spPr/>
+        <p:txBody>
+          <a:bodyPr/>
+          <a:lstStyle/>
+          <a:p>
+            <a:r>
               <a:rPr lang="en-US" dirty="0" smtClean="0"/>
-              <a:t>Connection string retrieval similar to </a:t>
+              <a:t>Connection </a:t>
+            </a:r>
+            <a:r>
+              <a:rPr lang="en-US" dirty="0" smtClean="0"/>
+              <a:t>string retrieval similar to </a:t>
             </a:r>
             <a:r>
               <a:rPr lang="en-US" dirty="0" err="1" smtClean="0"/>
@@ -12645,14 +12806,12 @@
             <a:endParaRPr lang="en-US" dirty="0" smtClean="0"/>
           </a:p>
           <a:p>
-            <a:pPr lvl="1"/>
             <a:r>
               <a:rPr lang="en-US" dirty="0" smtClean="0"/>
               <a:t>Support for default parameters in Stored Procedures</a:t>
             </a:r>
           </a:p>
           <a:p>
-            <a:pPr lvl="1"/>
             <a:r>
               <a:rPr lang="en-US" dirty="0" smtClean="0"/>
               <a:t>Support for output parameters and </a:t>
@@ -12667,7 +12826,6 @@
             </a:r>
           </a:p>
           <a:p>
-            <a:pPr lvl="1"/>
             <a:r>
               <a:rPr lang="en-US" dirty="0" smtClean="0"/>
               <a:t>Support for User-Defined Table Types – both for Stored Procedures and Table-valued UDFs</a:t>
@@ -12695,7 +12853,7 @@
 </p:sld>
 </file>
 
-<file path=ppt/slides/slide11.xml><?xml version="1.0" encoding="utf-8"?>
+<file path=ppt/slides/slide12.xml><?xml version="1.0" encoding="utf-8"?>
 <p:sld xmlns:a="http://schemas.openxmlformats.org/drawingml/2006/main" xmlns:r="http://schemas.openxmlformats.org/officeDocument/2006/relationships" xmlns:p="http://schemas.openxmlformats.org/presentationml/2006/main">
   <p:cSld>
     <p:spTree>
@@ -13214,15 +13372,7 @@
           <a:p>
             <a:r>
               <a:rPr lang="en-US" dirty="0" smtClean="0"/>
-              <a:t>A less </a:t>
-            </a:r>
-            <a:r>
-              <a:rPr lang="en-US" dirty="0" smtClean="0"/>
-              <a:t>scary </a:t>
-            </a:r>
-            <a:r>
-              <a:rPr lang="en-US" dirty="0" smtClean="0"/>
-              <a:t>version</a:t>
+              <a:t>A less scary version</a:t>
             </a:r>
             <a:endParaRPr lang="en-US" dirty="0"/>
           </a:p>
@@ -14027,13 +14177,24 @@
               <a:rPr lang="en-US" cap="none" dirty="0" err="1" smtClean="0"/>
               <a:t>SqlProgrammabilityProvider</a:t>
             </a:r>
+            <a:r>
+              <a:rPr lang="en-US" cap="none" dirty="0" smtClean="0"/>
+              <a:t/>
+            </a:r>
+            <a:br>
+              <a:rPr lang="en-US" cap="none" dirty="0" smtClean="0"/>
+            </a:br>
+            <a:r>
+              <a:rPr lang="en-US" cap="none" dirty="0" smtClean="0"/>
+              <a:t>Enterprise development with SQL</a:t>
+            </a:r>
             <a:endParaRPr lang="en-US" cap="none" dirty="0"/>
           </a:p>
         </p:txBody>
       </p:sp>
       <p:pic>
         <p:nvPicPr>
-          <p:cNvPr id="9" name="Content Placeholder 8"/>
+          <p:cNvPr id="4" name="Content Placeholder 3"/>
           <p:cNvPicPr>
             <a:picLocks noGrp="1" noChangeAspect="1"/>
           </p:cNvPicPr>
@@ -14055,15 +14216,15 @@
         </p:blipFill>
         <p:spPr>
           <a:xfrm>
-            <a:off x="1529523" y="2427276"/>
-            <a:ext cx="9129779" cy="3186136"/>
+            <a:off x="1366667" y="2014928"/>
+            <a:ext cx="9190030" cy="4353501"/>
           </a:xfrm>
         </p:spPr>
       </p:pic>
     </p:spTree>
     <p:extLst>
       <p:ext uri="{BB962C8B-B14F-4D97-AF65-F5344CB8AC3E}">
-        <p14:creationId xmlns:p14="http://schemas.microsoft.com/office/powerpoint/2010/main" val="1597686735"/>
+        <p14:creationId xmlns:p14="http://schemas.microsoft.com/office/powerpoint/2010/main" val="2627604622"/>
       </p:ext>
     </p:extLst>
   </p:cSld>
@@ -14118,85 +14279,54 @@
               <a:rPr lang="en-US" cap="none" dirty="0" err="1" smtClean="0"/>
               <a:t>SqlProgrammabilityProvider</a:t>
             </a:r>
+            <a:r>
+              <a:rPr lang="en-US" cap="none" dirty="0" smtClean="0"/>
+              <a:t/>
+            </a:r>
+            <a:br>
+              <a:rPr lang="en-US" cap="none" dirty="0" smtClean="0"/>
+            </a:br>
+            <a:r>
+              <a:rPr lang="en-US" cap="none" dirty="0" smtClean="0"/>
+              <a:t>SSMS Object Explorer with IntelliSense</a:t>
+            </a:r>
             <a:endParaRPr lang="en-US" cap="none" dirty="0"/>
           </a:p>
         </p:txBody>
       </p:sp>
-      <p:sp>
-        <p:nvSpPr>
-          <p:cNvPr id="3" name="Content Placeholder 2"/>
-          <p:cNvSpPr>
-            <a:spLocks noGrp="1"/>
-          </p:cNvSpPr>
+      <p:pic>
+        <p:nvPicPr>
+          <p:cNvPr id="9" name="Content Placeholder 8"/>
+          <p:cNvPicPr>
+            <a:picLocks noGrp="1" noChangeAspect="1"/>
+          </p:cNvPicPr>
           <p:nvPr>
             <p:ph idx="1"/>
           </p:nvPr>
-        </p:nvSpPr>
-        <p:spPr/>
-        <p:txBody>
-          <a:bodyPr/>
-          <a:lstStyle/>
-          <a:p>
-            <a:r>
-              <a:rPr lang="en-US" dirty="0" smtClean="0"/>
-              <a:t>Brining SMSS Object explorer into Visual Studio </a:t>
-            </a:r>
-            <a:r>
-              <a:rPr lang="en-US" dirty="0" err="1" smtClean="0"/>
-              <a:t>Intellisense</a:t>
-            </a:r>
-            <a:endParaRPr lang="en-US" dirty="0" smtClean="0"/>
-          </a:p>
-          <a:p>
-            <a:r>
-              <a:rPr lang="en-US" dirty="0" smtClean="0"/>
-              <a:t>Stored procedures, table-valued user-defined functions, user-defined table types</a:t>
-            </a:r>
-          </a:p>
-          <a:p>
-            <a:r>
-              <a:rPr lang="en-US" dirty="0" smtClean="0"/>
-              <a:t>Support for </a:t>
-            </a:r>
-            <a:r>
-              <a:rPr lang="en-US" dirty="0" err="1" smtClean="0"/>
-              <a:t>Microsoft.SqlServer.Types</a:t>
-            </a:r>
-            <a:r>
-              <a:rPr lang="en-US" dirty="0" smtClean="0"/>
-              <a:t>:</a:t>
-            </a:r>
-          </a:p>
-          <a:p>
-            <a:pPr lvl="1"/>
-            <a:r>
-              <a:rPr lang="en-US" dirty="0" err="1" smtClean="0"/>
-              <a:t>SqlHierarchyId</a:t>
-            </a:r>
-            <a:endParaRPr lang="en-US" dirty="0" smtClean="0"/>
-          </a:p>
-          <a:p>
-            <a:pPr lvl="1"/>
-            <a:r>
-              <a:rPr lang="en-US" dirty="0" err="1" smtClean="0"/>
-              <a:t>SqlGeography</a:t>
-            </a:r>
-            <a:endParaRPr lang="en-US" dirty="0" smtClean="0"/>
-          </a:p>
-          <a:p>
-            <a:pPr lvl="1"/>
-            <a:r>
-              <a:rPr lang="en-US" dirty="0" err="1" smtClean="0"/>
-              <a:t>SqlGeometry</a:t>
-            </a:r>
-            <a:endParaRPr lang="en-US" dirty="0" smtClean="0"/>
-          </a:p>
-        </p:txBody>
-      </p:sp>
+        </p:nvPicPr>
+        <p:blipFill>
+          <a:blip r:embed="rId2">
+            <a:extLst>
+              <a:ext uri="{28A0092B-C50C-407E-A947-70E740481C1C}">
+                <a14:useLocalDpi xmlns:a14="http://schemas.microsoft.com/office/drawing/2010/main" val="0"/>
+              </a:ext>
+            </a:extLst>
+          </a:blip>
+          <a:stretch>
+            <a:fillRect/>
+          </a:stretch>
+        </p:blipFill>
+        <p:spPr>
+          <a:xfrm>
+            <a:off x="1236710" y="2237203"/>
+            <a:ext cx="10193688" cy="3557422"/>
+          </a:xfrm>
+        </p:spPr>
+      </p:pic>
     </p:spTree>
     <p:extLst>
       <p:ext uri="{BB962C8B-B14F-4D97-AF65-F5344CB8AC3E}">
-        <p14:creationId xmlns:p14="http://schemas.microsoft.com/office/powerpoint/2010/main" val="1606980947"/>
+        <p14:creationId xmlns:p14="http://schemas.microsoft.com/office/powerpoint/2010/main" val="3749182905"/>
       </p:ext>
     </p:extLst>
   </p:cSld>

--- a/presentations/NYC F# UG. 2014-08-26.pptx
+++ b/presentations/NYC F# UG. 2014-08-26.pptx
@@ -9,14 +9,14 @@
     <p:sldId id="288" r:id="rId3"/>
     <p:sldId id="289" r:id="rId4"/>
     <p:sldId id="291" r:id="rId5"/>
-    <p:sldId id="292" r:id="rId6"/>
-    <p:sldId id="294" r:id="rId7"/>
-    <p:sldId id="295" r:id="rId8"/>
-    <p:sldId id="301" r:id="rId9"/>
-    <p:sldId id="300" r:id="rId10"/>
-    <p:sldId id="298" r:id="rId11"/>
-    <p:sldId id="299" r:id="rId12"/>
-    <p:sldId id="297" r:id="rId13"/>
+    <p:sldId id="302" r:id="rId6"/>
+    <p:sldId id="295" r:id="rId7"/>
+    <p:sldId id="301" r:id="rId8"/>
+    <p:sldId id="300" r:id="rId9"/>
+    <p:sldId id="298" r:id="rId10"/>
+    <p:sldId id="299" r:id="rId11"/>
+    <p:sldId id="297" r:id="rId12"/>
+    <p:sldId id="303" r:id="rId13"/>
   </p:sldIdLst>
   <p:sldSz cx="12192000" cy="6858000"/>
   <p:notesSz cx="6858000" cy="9144000"/>
@@ -173,7 +173,7 @@
           <a:noFill/>
           <a:extLst>
             <a:ext uri="{909E8E84-426E-40dd-AFC4-6F175D3DCCD1}">
-              <a14:hiddenFill xmlns:a14="http://schemas.microsoft.com/office/drawing/2010/main" xmlns="">
+              <a14:hiddenFill xmlns="" xmlns:a14="http://schemas.microsoft.com/office/drawing/2010/main">
                 <a:solidFill>
                   <a:srgbClr val="FFFFFF"/>
                 </a:solidFill>
@@ -233,7 +233,7 @@
             </a:ln>
             <a:extLst>
               <a:ext uri="{91240B29-F687-4f45-9708-019B960494DF}">
-                <a14:hiddenLine xmlns:a14="http://schemas.microsoft.com/office/drawing/2010/main" xmlns="" w="9525">
+                <a14:hiddenLine xmlns="" xmlns:a14="http://schemas.microsoft.com/office/drawing/2010/main" w="9525">
                   <a:solidFill>
                     <a:srgbClr val="000000"/>
                   </a:solidFill>
@@ -323,7 +323,7 @@
             </a:ln>
             <a:extLst>
               <a:ext uri="{91240B29-F687-4f45-9708-019B960494DF}">
-                <a14:hiddenLine xmlns:a14="http://schemas.microsoft.com/office/drawing/2010/main" xmlns="" w="9525">
+                <a14:hiddenLine xmlns="" xmlns:a14="http://schemas.microsoft.com/office/drawing/2010/main" w="9525">
                   <a:solidFill>
                     <a:srgbClr val="000000"/>
                   </a:solidFill>
@@ -413,7 +413,7 @@
             </a:ln>
             <a:extLst>
               <a:ext uri="{91240B29-F687-4f45-9708-019B960494DF}">
-                <a14:hiddenLine xmlns:a14="http://schemas.microsoft.com/office/drawing/2010/main" xmlns="" w="9525">
+                <a14:hiddenLine xmlns="" xmlns:a14="http://schemas.microsoft.com/office/drawing/2010/main" w="9525">
                   <a:solidFill>
                     <a:srgbClr val="000000"/>
                   </a:solidFill>
@@ -447,7 +447,7 @@
             </a:ln>
             <a:extLst>
               <a:ext uri="{91240B29-F687-4f45-9708-019B960494DF}">
-                <a14:hiddenLine xmlns:a14="http://schemas.microsoft.com/office/drawing/2010/main" xmlns="" w="9525">
+                <a14:hiddenLine xmlns="" xmlns:a14="http://schemas.microsoft.com/office/drawing/2010/main" w="9525">
                   <a:solidFill>
                     <a:srgbClr val="000000"/>
                   </a:solidFill>
@@ -537,7 +537,7 @@
             </a:ln>
             <a:extLst>
               <a:ext uri="{91240B29-F687-4f45-9708-019B960494DF}">
-                <a14:hiddenLine xmlns:a14="http://schemas.microsoft.com/office/drawing/2010/main" xmlns="" w="9525">
+                <a14:hiddenLine xmlns="" xmlns:a14="http://schemas.microsoft.com/office/drawing/2010/main" w="9525">
                   <a:solidFill>
                     <a:srgbClr val="000000"/>
                   </a:solidFill>
@@ -599,7 +599,7 @@
             </a:ln>
             <a:extLst>
               <a:ext uri="{91240B29-F687-4f45-9708-019B960494DF}">
-                <a14:hiddenLine xmlns:a14="http://schemas.microsoft.com/office/drawing/2010/main" xmlns="" w="9525">
+                <a14:hiddenLine xmlns="" xmlns:a14="http://schemas.microsoft.com/office/drawing/2010/main" w="9525">
                   <a:solidFill>
                     <a:srgbClr val="000000"/>
                   </a:solidFill>
@@ -661,7 +661,7 @@
             </a:ln>
             <a:extLst>
               <a:ext uri="{91240B29-F687-4f45-9708-019B960494DF}">
-                <a14:hiddenLine xmlns:a14="http://schemas.microsoft.com/office/drawing/2010/main" xmlns="" w="9525">
+                <a14:hiddenLine xmlns="" xmlns:a14="http://schemas.microsoft.com/office/drawing/2010/main" w="9525">
                   <a:solidFill>
                     <a:srgbClr val="000000"/>
                   </a:solidFill>
@@ -751,7 +751,7 @@
             </a:ln>
             <a:extLst>
               <a:ext uri="{91240B29-F687-4f45-9708-019B960494DF}">
-                <a14:hiddenLine xmlns:a14="http://schemas.microsoft.com/office/drawing/2010/main" xmlns="" w="9525">
+                <a14:hiddenLine xmlns="" xmlns:a14="http://schemas.microsoft.com/office/drawing/2010/main" w="9525">
                   <a:solidFill>
                     <a:srgbClr val="000000"/>
                   </a:solidFill>
@@ -813,7 +813,7 @@
             </a:ln>
             <a:extLst>
               <a:ext uri="{91240B29-F687-4f45-9708-019B960494DF}">
-                <a14:hiddenLine xmlns:a14="http://schemas.microsoft.com/office/drawing/2010/main" xmlns="" w="9525">
+                <a14:hiddenLine xmlns="" xmlns:a14="http://schemas.microsoft.com/office/drawing/2010/main" w="9525">
                   <a:solidFill>
                     <a:srgbClr val="000000"/>
                   </a:solidFill>
@@ -875,7 +875,7 @@
             </a:ln>
             <a:extLst>
               <a:ext uri="{91240B29-F687-4f45-9708-019B960494DF}">
-                <a14:hiddenLine xmlns:a14="http://schemas.microsoft.com/office/drawing/2010/main" xmlns="" w="9525">
+                <a14:hiddenLine xmlns="" xmlns:a14="http://schemas.microsoft.com/office/drawing/2010/main" w="9525">
                   <a:solidFill>
                     <a:srgbClr val="000000"/>
                   </a:solidFill>
@@ -965,7 +965,7 @@
             </a:ln>
             <a:extLst>
               <a:ext uri="{91240B29-F687-4f45-9708-019B960494DF}">
-                <a14:hiddenLine xmlns:a14="http://schemas.microsoft.com/office/drawing/2010/main" xmlns="" w="9525">
+                <a14:hiddenLine xmlns="" xmlns:a14="http://schemas.microsoft.com/office/drawing/2010/main" w="9525">
                   <a:solidFill>
                     <a:srgbClr val="000000"/>
                   </a:solidFill>
@@ -1055,7 +1055,7 @@
             </a:ln>
             <a:extLst>
               <a:ext uri="{91240B29-F687-4f45-9708-019B960494DF}">
-                <a14:hiddenLine xmlns:a14="http://schemas.microsoft.com/office/drawing/2010/main" xmlns="" w="9525">
+                <a14:hiddenLine xmlns="" xmlns:a14="http://schemas.microsoft.com/office/drawing/2010/main" w="9525">
                   <a:solidFill>
                     <a:srgbClr val="000000"/>
                   </a:solidFill>
@@ -1117,7 +1117,7 @@
             </a:ln>
             <a:extLst>
               <a:ext uri="{91240B29-F687-4f45-9708-019B960494DF}">
-                <a14:hiddenLine xmlns:a14="http://schemas.microsoft.com/office/drawing/2010/main" xmlns="" w="9525">
+                <a14:hiddenLine xmlns="" xmlns:a14="http://schemas.microsoft.com/office/drawing/2010/main" w="9525">
                   <a:solidFill>
                     <a:srgbClr val="000000"/>
                   </a:solidFill>
@@ -1227,7 +1227,7 @@
             </a:ln>
             <a:extLst>
               <a:ext uri="{91240B29-F687-4f45-9708-019B960494DF}">
-                <a14:hiddenLine xmlns:a14="http://schemas.microsoft.com/office/drawing/2010/main" xmlns="" w="9525">
+                <a14:hiddenLine xmlns="" xmlns:a14="http://schemas.microsoft.com/office/drawing/2010/main" w="9525">
                   <a:solidFill>
                     <a:srgbClr val="000000"/>
                   </a:solidFill>
@@ -1289,7 +1289,7 @@
             </a:ln>
             <a:extLst>
               <a:ext uri="{91240B29-F687-4f45-9708-019B960494DF}">
-                <a14:hiddenLine xmlns:a14="http://schemas.microsoft.com/office/drawing/2010/main" xmlns="" w="9525">
+                <a14:hiddenLine xmlns="" xmlns:a14="http://schemas.microsoft.com/office/drawing/2010/main" w="9525">
                   <a:solidFill>
                     <a:srgbClr val="000000"/>
                   </a:solidFill>
@@ -1379,7 +1379,7 @@
             </a:ln>
             <a:extLst>
               <a:ext uri="{91240B29-F687-4f45-9708-019B960494DF}">
-                <a14:hiddenLine xmlns:a14="http://schemas.microsoft.com/office/drawing/2010/main" xmlns="" w="9525">
+                <a14:hiddenLine xmlns="" xmlns:a14="http://schemas.microsoft.com/office/drawing/2010/main" w="9525">
                   <a:solidFill>
                     <a:srgbClr val="000000"/>
                   </a:solidFill>
@@ -1469,7 +1469,7 @@
             </a:ln>
             <a:extLst>
               <a:ext uri="{91240B29-F687-4f45-9708-019B960494DF}">
-                <a14:hiddenLine xmlns:a14="http://schemas.microsoft.com/office/drawing/2010/main" xmlns="" w="9525">
+                <a14:hiddenLine xmlns="" xmlns:a14="http://schemas.microsoft.com/office/drawing/2010/main" w="9525">
                   <a:solidFill>
                     <a:srgbClr val="000000"/>
                   </a:solidFill>
@@ -1531,7 +1531,7 @@
             </a:ln>
             <a:extLst>
               <a:ext uri="{91240B29-F687-4f45-9708-019B960494DF}">
-                <a14:hiddenLine xmlns:a14="http://schemas.microsoft.com/office/drawing/2010/main" xmlns="" w="9525">
+                <a14:hiddenLine xmlns="" xmlns:a14="http://schemas.microsoft.com/office/drawing/2010/main" w="9525">
                   <a:solidFill>
                     <a:srgbClr val="000000"/>
                   </a:solidFill>
@@ -1621,7 +1621,7 @@
             </a:ln>
             <a:extLst>
               <a:ext uri="{91240B29-F687-4f45-9708-019B960494DF}">
-                <a14:hiddenLine xmlns:a14="http://schemas.microsoft.com/office/drawing/2010/main" xmlns="" w="9525">
+                <a14:hiddenLine xmlns="" xmlns:a14="http://schemas.microsoft.com/office/drawing/2010/main" w="9525">
                   <a:solidFill>
                     <a:srgbClr val="000000"/>
                   </a:solidFill>
@@ -1711,7 +1711,7 @@
             </a:ln>
             <a:extLst>
               <a:ext uri="{91240B29-F687-4f45-9708-019B960494DF}">
-                <a14:hiddenLine xmlns:a14="http://schemas.microsoft.com/office/drawing/2010/main" xmlns="" w="9525">
+                <a14:hiddenLine xmlns="" xmlns:a14="http://schemas.microsoft.com/office/drawing/2010/main" w="9525">
                   <a:solidFill>
                     <a:srgbClr val="000000"/>
                   </a:solidFill>
@@ -1767,7 +1767,7 @@
             </a:ln>
             <a:extLst>
               <a:ext uri="{91240B29-F687-4f45-9708-019B960494DF}">
-                <a14:hiddenLine xmlns:a14="http://schemas.microsoft.com/office/drawing/2010/main" xmlns="" w="9525">
+                <a14:hiddenLine xmlns="" xmlns:a14="http://schemas.microsoft.com/office/drawing/2010/main" w="9525">
                   <a:solidFill>
                     <a:srgbClr val="000000"/>
                   </a:solidFill>
@@ -1857,7 +1857,7 @@
             </a:ln>
             <a:extLst>
               <a:ext uri="{91240B29-F687-4f45-9708-019B960494DF}">
-                <a14:hiddenLine xmlns:a14="http://schemas.microsoft.com/office/drawing/2010/main" xmlns="" w="9525">
+                <a14:hiddenLine xmlns="" xmlns:a14="http://schemas.microsoft.com/office/drawing/2010/main" w="9525">
                   <a:solidFill>
                     <a:srgbClr val="000000"/>
                   </a:solidFill>
@@ -1913,7 +1913,7 @@
             </a:ln>
             <a:extLst>
               <a:ext uri="{91240B29-F687-4f45-9708-019B960494DF}">
-                <a14:hiddenLine xmlns:a14="http://schemas.microsoft.com/office/drawing/2010/main" xmlns="" w="9525">
+                <a14:hiddenLine xmlns="" xmlns:a14="http://schemas.microsoft.com/office/drawing/2010/main" w="9525">
                   <a:solidFill>
                     <a:srgbClr val="000000"/>
                   </a:solidFill>
@@ -2003,7 +2003,7 @@
             </a:ln>
             <a:extLst>
               <a:ext uri="{91240B29-F687-4f45-9708-019B960494DF}">
-                <a14:hiddenLine xmlns:a14="http://schemas.microsoft.com/office/drawing/2010/main" xmlns="" w="9525">
+                <a14:hiddenLine xmlns="" xmlns:a14="http://schemas.microsoft.com/office/drawing/2010/main" w="9525">
                   <a:solidFill>
                     <a:srgbClr val="000000"/>
                   </a:solidFill>
@@ -2071,7 +2071,7 @@
             </a:ln>
             <a:extLst>
               <a:ext uri="{91240B29-F687-4f45-9708-019B960494DF}">
-                <a14:hiddenLine xmlns:a14="http://schemas.microsoft.com/office/drawing/2010/main" xmlns="" w="9525">
+                <a14:hiddenLine xmlns="" xmlns:a14="http://schemas.microsoft.com/office/drawing/2010/main" w="9525">
                   <a:solidFill>
                     <a:srgbClr val="000000"/>
                   </a:solidFill>
@@ -2161,7 +2161,7 @@
             </a:ln>
             <a:extLst>
               <a:ext uri="{91240B29-F687-4f45-9708-019B960494DF}">
-                <a14:hiddenLine xmlns:a14="http://schemas.microsoft.com/office/drawing/2010/main" xmlns="" w="9525">
+                <a14:hiddenLine xmlns="" xmlns:a14="http://schemas.microsoft.com/office/drawing/2010/main" w="9525">
                   <a:solidFill>
                     <a:srgbClr val="000000"/>
                   </a:solidFill>
@@ -2229,7 +2229,7 @@
             </a:ln>
             <a:extLst>
               <a:ext uri="{91240B29-F687-4f45-9708-019B960494DF}">
-                <a14:hiddenLine xmlns:a14="http://schemas.microsoft.com/office/drawing/2010/main" xmlns="" w="9525">
+                <a14:hiddenLine xmlns="" xmlns:a14="http://schemas.microsoft.com/office/drawing/2010/main" w="9525">
                   <a:solidFill>
                     <a:srgbClr val="000000"/>
                   </a:solidFill>
@@ -2319,7 +2319,7 @@
             </a:ln>
             <a:extLst>
               <a:ext uri="{91240B29-F687-4f45-9708-019B960494DF}">
-                <a14:hiddenLine xmlns:a14="http://schemas.microsoft.com/office/drawing/2010/main" xmlns="" w="9525">
+                <a14:hiddenLine xmlns="" xmlns:a14="http://schemas.microsoft.com/office/drawing/2010/main" w="9525">
                   <a:solidFill>
                     <a:srgbClr val="000000"/>
                   </a:solidFill>
@@ -2353,7 +2353,7 @@
             </a:ln>
             <a:extLst>
               <a:ext uri="{91240B29-F687-4f45-9708-019B960494DF}">
-                <a14:hiddenLine xmlns:a14="http://schemas.microsoft.com/office/drawing/2010/main" xmlns="" w="9525">
+                <a14:hiddenLine xmlns="" xmlns:a14="http://schemas.microsoft.com/office/drawing/2010/main" w="9525">
                   <a:solidFill>
                     <a:srgbClr val="000000"/>
                   </a:solidFill>
@@ -2443,7 +2443,7 @@
             </a:ln>
             <a:extLst>
               <a:ext uri="{91240B29-F687-4f45-9708-019B960494DF}">
-                <a14:hiddenLine xmlns:a14="http://schemas.microsoft.com/office/drawing/2010/main" xmlns="" w="9525">
+                <a14:hiddenLine xmlns="" xmlns:a14="http://schemas.microsoft.com/office/drawing/2010/main" w="9525">
                   <a:solidFill>
                     <a:srgbClr val="000000"/>
                   </a:solidFill>
@@ -2505,7 +2505,7 @@
             </a:ln>
             <a:extLst>
               <a:ext uri="{91240B29-F687-4f45-9708-019B960494DF}">
-                <a14:hiddenLine xmlns:a14="http://schemas.microsoft.com/office/drawing/2010/main" xmlns="" w="9525">
+                <a14:hiddenLine xmlns="" xmlns:a14="http://schemas.microsoft.com/office/drawing/2010/main" w="9525">
                   <a:solidFill>
                     <a:srgbClr val="000000"/>
                   </a:solidFill>
@@ -2567,7 +2567,7 @@
             </a:ln>
             <a:extLst>
               <a:ext uri="{91240B29-F687-4f45-9708-019B960494DF}">
-                <a14:hiddenLine xmlns:a14="http://schemas.microsoft.com/office/drawing/2010/main" xmlns="" w="9525">
+                <a14:hiddenLine xmlns="" xmlns:a14="http://schemas.microsoft.com/office/drawing/2010/main" w="9525">
                   <a:solidFill>
                     <a:srgbClr val="000000"/>
                   </a:solidFill>
@@ -2657,7 +2657,7 @@
             </a:ln>
             <a:extLst>
               <a:ext uri="{91240B29-F687-4f45-9708-019B960494DF}">
-                <a14:hiddenLine xmlns:a14="http://schemas.microsoft.com/office/drawing/2010/main" xmlns="" w="9525">
+                <a14:hiddenLine xmlns="" xmlns:a14="http://schemas.microsoft.com/office/drawing/2010/main" w="9525">
                   <a:solidFill>
                     <a:srgbClr val="000000"/>
                   </a:solidFill>
@@ -2725,7 +2725,7 @@
             </a:ln>
             <a:extLst>
               <a:ext uri="{91240B29-F687-4f45-9708-019B960494DF}">
-                <a14:hiddenLine xmlns:a14="http://schemas.microsoft.com/office/drawing/2010/main" xmlns="" w="9525">
+                <a14:hiddenLine xmlns="" xmlns:a14="http://schemas.microsoft.com/office/drawing/2010/main" w="9525">
                   <a:solidFill>
                     <a:srgbClr val="000000"/>
                   </a:solidFill>
@@ -2787,7 +2787,7 @@
             </a:ln>
             <a:extLst>
               <a:ext uri="{91240B29-F687-4f45-9708-019B960494DF}">
-                <a14:hiddenLine xmlns:a14="http://schemas.microsoft.com/office/drawing/2010/main" xmlns="" w="9525">
+                <a14:hiddenLine xmlns="" xmlns:a14="http://schemas.microsoft.com/office/drawing/2010/main" w="9525">
                   <a:solidFill>
                     <a:srgbClr val="000000"/>
                   </a:solidFill>
@@ -2877,7 +2877,7 @@
             </a:ln>
             <a:extLst>
               <a:ext uri="{91240B29-F687-4f45-9708-019B960494DF}">
-                <a14:hiddenLine xmlns:a14="http://schemas.microsoft.com/office/drawing/2010/main" xmlns="" w="9525">
+                <a14:hiddenLine xmlns="" xmlns:a14="http://schemas.microsoft.com/office/drawing/2010/main" w="9525">
                   <a:solidFill>
                     <a:srgbClr val="000000"/>
                   </a:solidFill>
@@ -2939,7 +2939,7 @@
             </a:ln>
             <a:extLst>
               <a:ext uri="{91240B29-F687-4f45-9708-019B960494DF}">
-                <a14:hiddenLine xmlns:a14="http://schemas.microsoft.com/office/drawing/2010/main" xmlns="" w="9525">
+                <a14:hiddenLine xmlns="" xmlns:a14="http://schemas.microsoft.com/office/drawing/2010/main" w="9525">
                   <a:solidFill>
                     <a:srgbClr val="000000"/>
                   </a:solidFill>
@@ -3029,7 +3029,7 @@
             </a:ln>
             <a:extLst>
               <a:ext uri="{91240B29-F687-4f45-9708-019B960494DF}">
-                <a14:hiddenLine xmlns:a14="http://schemas.microsoft.com/office/drawing/2010/main" xmlns="" w="9525">
+                <a14:hiddenLine xmlns="" xmlns:a14="http://schemas.microsoft.com/office/drawing/2010/main" w="9525">
                   <a:solidFill>
                     <a:srgbClr val="000000"/>
                   </a:solidFill>
@@ -3091,7 +3091,7 @@
             </a:ln>
             <a:extLst>
               <a:ext uri="{91240B29-F687-4f45-9708-019B960494DF}">
-                <a14:hiddenLine xmlns:a14="http://schemas.microsoft.com/office/drawing/2010/main" xmlns="" w="9525">
+                <a14:hiddenLine xmlns="" xmlns:a14="http://schemas.microsoft.com/office/drawing/2010/main" w="9525">
                   <a:solidFill>
                     <a:srgbClr val="000000"/>
                   </a:solidFill>
@@ -3181,7 +3181,7 @@
             </a:ln>
             <a:extLst>
               <a:ext uri="{91240B29-F687-4f45-9708-019B960494DF}">
-                <a14:hiddenLine xmlns:a14="http://schemas.microsoft.com/office/drawing/2010/main" xmlns="" w="9525">
+                <a14:hiddenLine xmlns="" xmlns:a14="http://schemas.microsoft.com/office/drawing/2010/main" w="9525">
                   <a:solidFill>
                     <a:srgbClr val="000000"/>
                   </a:solidFill>
@@ -3215,7 +3215,7 @@
             </a:ln>
             <a:extLst>
               <a:ext uri="{91240B29-F687-4f45-9708-019B960494DF}">
-                <a14:hiddenLine xmlns:a14="http://schemas.microsoft.com/office/drawing/2010/main" xmlns="" w="9525">
+                <a14:hiddenLine xmlns="" xmlns:a14="http://schemas.microsoft.com/office/drawing/2010/main" w="9525">
                   <a:solidFill>
                     <a:srgbClr val="000000"/>
                   </a:solidFill>
@@ -3280,7 +3280,7 @@
             </a:ln>
             <a:extLst>
               <a:ext uri="{91240B29-F687-4f45-9708-019B960494DF}">
-                <a14:hiddenLine xmlns:a14="http://schemas.microsoft.com/office/drawing/2010/main" xmlns="" w="9525">
+                <a14:hiddenLine xmlns="" xmlns:a14="http://schemas.microsoft.com/office/drawing/2010/main" w="9525">
                   <a:solidFill>
                     <a:srgbClr val="000000"/>
                   </a:solidFill>
@@ -3370,7 +3370,7 @@
             </a:ln>
             <a:extLst>
               <a:ext uri="{91240B29-F687-4f45-9708-019B960494DF}">
-                <a14:hiddenLine xmlns:a14="http://schemas.microsoft.com/office/drawing/2010/main" xmlns="" w="9525">
+                <a14:hiddenLine xmlns="" xmlns:a14="http://schemas.microsoft.com/office/drawing/2010/main" w="9525">
                   <a:solidFill>
                     <a:srgbClr val="000000"/>
                   </a:solidFill>
@@ -3432,7 +3432,7 @@
             </a:ln>
             <a:extLst>
               <a:ext uri="{91240B29-F687-4f45-9708-019B960494DF}">
-                <a14:hiddenLine xmlns:a14="http://schemas.microsoft.com/office/drawing/2010/main" xmlns="" w="9525">
+                <a14:hiddenLine xmlns="" xmlns:a14="http://schemas.microsoft.com/office/drawing/2010/main" w="9525">
                   <a:solidFill>
                     <a:srgbClr val="000000"/>
                   </a:solidFill>
@@ -3522,7 +3522,7 @@
             </a:ln>
             <a:extLst>
               <a:ext uri="{91240B29-F687-4f45-9708-019B960494DF}">
-                <a14:hiddenLine xmlns:a14="http://schemas.microsoft.com/office/drawing/2010/main" xmlns="" w="9525">
+                <a14:hiddenLine xmlns="" xmlns:a14="http://schemas.microsoft.com/office/drawing/2010/main" w="9525">
                   <a:solidFill>
                     <a:srgbClr val="000000"/>
                   </a:solidFill>
@@ -3612,7 +3612,7 @@
             </a:ln>
             <a:extLst>
               <a:ext uri="{91240B29-F687-4f45-9708-019B960494DF}">
-                <a14:hiddenLine xmlns:a14="http://schemas.microsoft.com/office/drawing/2010/main" xmlns="" w="9525">
+                <a14:hiddenLine xmlns="" xmlns:a14="http://schemas.microsoft.com/office/drawing/2010/main" w="9525">
                   <a:solidFill>
                     <a:srgbClr val="000000"/>
                   </a:solidFill>
@@ -3677,7 +3677,7 @@
             </a:ln>
             <a:extLst>
               <a:ext uri="{91240B29-F687-4f45-9708-019B960494DF}">
-                <a14:hiddenLine xmlns:a14="http://schemas.microsoft.com/office/drawing/2010/main" xmlns="" w="9525">
+                <a14:hiddenLine xmlns="" xmlns:a14="http://schemas.microsoft.com/office/drawing/2010/main" w="9525">
                   <a:solidFill>
                     <a:srgbClr val="000000"/>
                   </a:solidFill>
@@ -3739,7 +3739,7 @@
             </a:ln>
             <a:extLst>
               <a:ext uri="{91240B29-F687-4f45-9708-019B960494DF}">
-                <a14:hiddenLine xmlns:a14="http://schemas.microsoft.com/office/drawing/2010/main" xmlns="" w="9525">
+                <a14:hiddenLine xmlns="" xmlns:a14="http://schemas.microsoft.com/office/drawing/2010/main" w="9525">
                   <a:solidFill>
                     <a:srgbClr val="000000"/>
                   </a:solidFill>
@@ -3829,7 +3829,7 @@
             </a:ln>
             <a:extLst>
               <a:ext uri="{91240B29-F687-4f45-9708-019B960494DF}">
-                <a14:hiddenLine xmlns:a14="http://schemas.microsoft.com/office/drawing/2010/main" xmlns="" w="9525">
+                <a14:hiddenLine xmlns="" xmlns:a14="http://schemas.microsoft.com/office/drawing/2010/main" w="9525">
                   <a:solidFill>
                     <a:srgbClr val="000000"/>
                   </a:solidFill>
@@ -3919,7 +3919,7 @@
             </a:ln>
             <a:extLst>
               <a:ext uri="{91240B29-F687-4f45-9708-019B960494DF}">
-                <a14:hiddenLine xmlns:a14="http://schemas.microsoft.com/office/drawing/2010/main" xmlns="" w="9525">
+                <a14:hiddenLine xmlns="" xmlns:a14="http://schemas.microsoft.com/office/drawing/2010/main" w="9525">
                   <a:solidFill>
                     <a:srgbClr val="000000"/>
                   </a:solidFill>
@@ -3981,7 +3981,7 @@
             </a:ln>
             <a:extLst>
               <a:ext uri="{91240B29-F687-4f45-9708-019B960494DF}">
-                <a14:hiddenLine xmlns:a14="http://schemas.microsoft.com/office/drawing/2010/main" xmlns="" w="9525">
+                <a14:hiddenLine xmlns="" xmlns:a14="http://schemas.microsoft.com/office/drawing/2010/main" w="9525">
                   <a:solidFill>
                     <a:srgbClr val="000000"/>
                   </a:solidFill>
@@ -4101,7 +4101,7 @@
             </a:ln>
             <a:extLst>
               <a:ext uri="{91240B29-F687-4f45-9708-019B960494DF}">
-                <a14:hiddenLine xmlns:a14="http://schemas.microsoft.com/office/drawing/2010/main" xmlns="" w="9525">
+                <a14:hiddenLine xmlns="" xmlns:a14="http://schemas.microsoft.com/office/drawing/2010/main" w="9525">
                   <a:solidFill>
                     <a:srgbClr val="000000"/>
                   </a:solidFill>
@@ -4169,7 +4169,7 @@
             </a:ln>
             <a:extLst>
               <a:ext uri="{91240B29-F687-4f45-9708-019B960494DF}">
-                <a14:hiddenLine xmlns:a14="http://schemas.microsoft.com/office/drawing/2010/main" xmlns="" w="9525">
+                <a14:hiddenLine xmlns="" xmlns:a14="http://schemas.microsoft.com/office/drawing/2010/main" w="9525">
                   <a:solidFill>
                     <a:srgbClr val="000000"/>
                   </a:solidFill>
@@ -4259,7 +4259,7 @@
             </a:ln>
             <a:extLst>
               <a:ext uri="{91240B29-F687-4f45-9708-019B960494DF}">
-                <a14:hiddenLine xmlns:a14="http://schemas.microsoft.com/office/drawing/2010/main" xmlns="" w="9525">
+                <a14:hiddenLine xmlns="" xmlns:a14="http://schemas.microsoft.com/office/drawing/2010/main" w="9525">
                   <a:solidFill>
                     <a:srgbClr val="000000"/>
                   </a:solidFill>
@@ -4400,7 +4400,7 @@
             <a:fld id="{B61BEF0D-F0BB-DE4B-95CE-6DB70DBA9567}" type="datetimeFigureOut">
               <a:rPr lang="en-US" smtClean="0"/>
               <a:pPr/>
-              <a:t>8/24/2014</a:t>
+              <a:t>8/25/2014</a:t>
             </a:fld>
             <a:endParaRPr lang="en-US" dirty="0"/>
           </a:p>
@@ -4669,7 +4669,7 @@
             <a:fld id="{B61BEF0D-F0BB-DE4B-95CE-6DB70DBA9567}" type="datetimeFigureOut">
               <a:rPr lang="en-US" smtClean="0"/>
               <a:pPr/>
-              <a:t>8/24/2014</a:t>
+              <a:t>8/25/2014</a:t>
             </a:fld>
             <a:endParaRPr lang="en-US" dirty="0"/>
           </a:p>
@@ -4867,7 +4867,7 @@
             <a:fld id="{B61BEF0D-F0BB-DE4B-95CE-6DB70DBA9567}" type="datetimeFigureOut">
               <a:rPr lang="en-US" smtClean="0"/>
               <a:pPr/>
-              <a:t>8/24/2014</a:t>
+              <a:t>8/25/2014</a:t>
             </a:fld>
             <a:endParaRPr lang="en-US" dirty="0"/>
           </a:p>
@@ -5132,7 +5132,7 @@
             <a:fld id="{B61BEF0D-F0BB-DE4B-95CE-6DB70DBA9567}" type="datetimeFigureOut">
               <a:rPr lang="en-US" smtClean="0"/>
               <a:pPr/>
-              <a:t>8/24/2014</a:t>
+              <a:t>8/25/2014</a:t>
             </a:fld>
             <a:endParaRPr lang="en-US" dirty="0"/>
           </a:p>
@@ -5568,7 +5568,7 @@
             <a:fld id="{B61BEF0D-F0BB-DE4B-95CE-6DB70DBA9567}" type="datetimeFigureOut">
               <a:rPr lang="en-US" smtClean="0"/>
               <a:pPr/>
-              <a:t>8/24/2014</a:t>
+              <a:t>8/25/2014</a:t>
             </a:fld>
             <a:endParaRPr lang="en-US" dirty="0"/>
           </a:p>
@@ -6116,7 +6116,7 @@
             <a:fld id="{B61BEF0D-F0BB-DE4B-95CE-6DB70DBA9567}" type="datetimeFigureOut">
               <a:rPr lang="en-US" smtClean="0"/>
               <a:pPr/>
-              <a:t>8/24/2014</a:t>
+              <a:t>8/25/2014</a:t>
             </a:fld>
             <a:endParaRPr lang="en-US" dirty="0"/>
           </a:p>
@@ -6838,7 +6838,7 @@
             <a:fld id="{B61BEF0D-F0BB-DE4B-95CE-6DB70DBA9567}" type="datetimeFigureOut">
               <a:rPr lang="en-US" smtClean="0"/>
               <a:pPr/>
-              <a:t>8/24/2014</a:t>
+              <a:t>8/25/2014</a:t>
             </a:fld>
             <a:endParaRPr lang="en-US" dirty="0"/>
           </a:p>
@@ -7010,7 +7010,7 @@
             <a:fld id="{B61BEF0D-F0BB-DE4B-95CE-6DB70DBA9567}" type="datetimeFigureOut">
               <a:rPr lang="en-US" smtClean="0"/>
               <a:pPr/>
-              <a:t>8/24/2014</a:t>
+              <a:t>8/25/2014</a:t>
             </a:fld>
             <a:endParaRPr lang="en-US" dirty="0"/>
           </a:p>
@@ -7192,7 +7192,7 @@
             <a:fld id="{B61BEF0D-F0BB-DE4B-95CE-6DB70DBA9567}" type="datetimeFigureOut">
               <a:rPr lang="en-US" smtClean="0"/>
               <a:pPr/>
-              <a:t>8/24/2014</a:t>
+              <a:t>8/25/2014</a:t>
             </a:fld>
             <a:endParaRPr lang="en-US" dirty="0"/>
           </a:p>
@@ -7364,7 +7364,7 @@
             <a:fld id="{B61BEF0D-F0BB-DE4B-95CE-6DB70DBA9567}" type="datetimeFigureOut">
               <a:rPr lang="en-US" smtClean="0"/>
               <a:pPr/>
-              <a:t>8/24/2014</a:t>
+              <a:t>8/25/2014</a:t>
             </a:fld>
             <a:endParaRPr lang="en-US" dirty="0"/>
           </a:p>
@@ -7616,7 +7616,7 @@
             <a:fld id="{B61BEF0D-F0BB-DE4B-95CE-6DB70DBA9567}" type="datetimeFigureOut">
               <a:rPr lang="en-US" smtClean="0"/>
               <a:pPr/>
-              <a:t>8/24/2014</a:t>
+              <a:t>8/25/2014</a:t>
             </a:fld>
             <a:endParaRPr lang="en-US" dirty="0"/>
           </a:p>
@@ -7850,7 +7850,7 @@
             <a:fld id="{B61BEF0D-F0BB-DE4B-95CE-6DB70DBA9567}" type="datetimeFigureOut">
               <a:rPr lang="en-US" smtClean="0"/>
               <a:pPr/>
-              <a:t>8/24/2014</a:t>
+              <a:t>8/25/2014</a:t>
             </a:fld>
             <a:endParaRPr lang="en-US" dirty="0"/>
           </a:p>
@@ -8233,7 +8233,7 @@
             <a:fld id="{B61BEF0D-F0BB-DE4B-95CE-6DB70DBA9567}" type="datetimeFigureOut">
               <a:rPr lang="en-US" smtClean="0"/>
               <a:pPr/>
-              <a:t>8/24/2014</a:t>
+              <a:t>8/25/2014</a:t>
             </a:fld>
             <a:endParaRPr lang="en-US" dirty="0"/>
           </a:p>
@@ -8353,7 +8353,7 @@
             <a:fld id="{B61BEF0D-F0BB-DE4B-95CE-6DB70DBA9567}" type="datetimeFigureOut">
               <a:rPr lang="en-US" smtClean="0"/>
               <a:pPr/>
-              <a:t>8/24/2014</a:t>
+              <a:t>8/25/2014</a:t>
             </a:fld>
             <a:endParaRPr lang="en-US" dirty="0"/>
           </a:p>
@@ -8450,7 +8450,7 @@
             <a:fld id="{B61BEF0D-F0BB-DE4B-95CE-6DB70DBA9567}" type="datetimeFigureOut">
               <a:rPr lang="en-US" smtClean="0"/>
               <a:pPr/>
-              <a:t>8/24/2014</a:t>
+              <a:t>8/25/2014</a:t>
             </a:fld>
             <a:endParaRPr lang="en-US" dirty="0"/>
           </a:p>
@@ -8701,7 +8701,7 @@
             <a:fld id="{B61BEF0D-F0BB-DE4B-95CE-6DB70DBA9567}" type="datetimeFigureOut">
               <a:rPr lang="en-US" smtClean="0"/>
               <a:pPr/>
-              <a:t>8/24/2014</a:t>
+              <a:t>8/25/2014</a:t>
             </a:fld>
             <a:endParaRPr lang="en-US" dirty="0"/>
           </a:p>
@@ -8983,7 +8983,7 @@
             <a:fld id="{B61BEF0D-F0BB-DE4B-95CE-6DB70DBA9567}" type="datetimeFigureOut">
               <a:rPr lang="en-US" smtClean="0"/>
               <a:pPr/>
-              <a:t>8/24/2014</a:t>
+              <a:t>8/25/2014</a:t>
             </a:fld>
             <a:endParaRPr lang="en-US" dirty="0"/>
           </a:p>
@@ -9100,7 +9100,7 @@
           <a:noFill/>
           <a:extLst>
             <a:ext uri="{909E8E84-426E-40dd-AFC4-6F175D3DCCD1}">
-              <a14:hiddenFill xmlns:a14="http://schemas.microsoft.com/office/drawing/2010/main" xmlns="">
+              <a14:hiddenFill xmlns="" xmlns:a14="http://schemas.microsoft.com/office/drawing/2010/main">
                 <a:solidFill>
                   <a:srgbClr val="FFFFFF"/>
                 </a:solidFill>
@@ -9174,7 +9174,7 @@
               </a:ln>
               <a:extLst>
                 <a:ext uri="{91240B29-F687-4f45-9708-019B960494DF}">
-                  <a14:hiddenLine xmlns:a14="http://schemas.microsoft.com/office/drawing/2010/main" xmlns="" w="9525">
+                  <a14:hiddenLine xmlns="" xmlns:a14="http://schemas.microsoft.com/office/drawing/2010/main" w="9525">
                     <a:solidFill>
                       <a:srgbClr val="000000"/>
                     </a:solidFill>
@@ -9264,7 +9264,7 @@
               </a:ln>
               <a:extLst>
                 <a:ext uri="{91240B29-F687-4f45-9708-019B960494DF}">
-                  <a14:hiddenLine xmlns:a14="http://schemas.microsoft.com/office/drawing/2010/main" xmlns="" w="9525">
+                  <a14:hiddenLine xmlns="" xmlns:a14="http://schemas.microsoft.com/office/drawing/2010/main" w="9525">
                     <a:solidFill>
                       <a:srgbClr val="000000"/>
                     </a:solidFill>
@@ -9354,7 +9354,7 @@
               </a:ln>
               <a:extLst>
                 <a:ext uri="{91240B29-F687-4f45-9708-019B960494DF}">
-                  <a14:hiddenLine xmlns:a14="http://schemas.microsoft.com/office/drawing/2010/main" xmlns="" w="9525">
+                  <a14:hiddenLine xmlns="" xmlns:a14="http://schemas.microsoft.com/office/drawing/2010/main" w="9525">
                     <a:solidFill>
                       <a:srgbClr val="000000"/>
                     </a:solidFill>
@@ -9416,7 +9416,7 @@
               </a:ln>
               <a:extLst>
                 <a:ext uri="{91240B29-F687-4f45-9708-019B960494DF}">
-                  <a14:hiddenLine xmlns:a14="http://schemas.microsoft.com/office/drawing/2010/main" xmlns="" w="9525">
+                  <a14:hiddenLine xmlns="" xmlns:a14="http://schemas.microsoft.com/office/drawing/2010/main" w="9525">
                     <a:solidFill>
                       <a:srgbClr val="000000"/>
                     </a:solidFill>
@@ -9506,7 +9506,7 @@
               </a:ln>
               <a:extLst>
                 <a:ext uri="{91240B29-F687-4f45-9708-019B960494DF}">
-                  <a14:hiddenLine xmlns:a14="http://schemas.microsoft.com/office/drawing/2010/main" xmlns="" w="9525">
+                  <a14:hiddenLine xmlns="" xmlns:a14="http://schemas.microsoft.com/office/drawing/2010/main" w="9525">
                     <a:solidFill>
                       <a:srgbClr val="000000"/>
                     </a:solidFill>
@@ -9568,7 +9568,7 @@
               </a:ln>
               <a:extLst>
                 <a:ext uri="{91240B29-F687-4f45-9708-019B960494DF}">
-                  <a14:hiddenLine xmlns:a14="http://schemas.microsoft.com/office/drawing/2010/main" xmlns="" w="9525">
+                  <a14:hiddenLine xmlns="" xmlns:a14="http://schemas.microsoft.com/office/drawing/2010/main" w="9525">
                     <a:solidFill>
                       <a:srgbClr val="000000"/>
                     </a:solidFill>
@@ -9630,7 +9630,7 @@
               </a:ln>
               <a:extLst>
                 <a:ext uri="{91240B29-F687-4f45-9708-019B960494DF}">
-                  <a14:hiddenLine xmlns:a14="http://schemas.microsoft.com/office/drawing/2010/main" xmlns="" w="9525">
+                  <a14:hiddenLine xmlns="" xmlns:a14="http://schemas.microsoft.com/office/drawing/2010/main" w="9525">
                     <a:solidFill>
                       <a:srgbClr val="000000"/>
                     </a:solidFill>
@@ -9720,7 +9720,7 @@
               </a:ln>
               <a:extLst>
                 <a:ext uri="{91240B29-F687-4f45-9708-019B960494DF}">
-                  <a14:hiddenLine xmlns:a14="http://schemas.microsoft.com/office/drawing/2010/main" xmlns="" w="9525">
+                  <a14:hiddenLine xmlns="" xmlns:a14="http://schemas.microsoft.com/office/drawing/2010/main" w="9525">
                     <a:solidFill>
                       <a:srgbClr val="000000"/>
                     </a:solidFill>
@@ -9810,7 +9810,7 @@
               </a:ln>
               <a:extLst>
                 <a:ext uri="{91240B29-F687-4f45-9708-019B960494DF}">
-                  <a14:hiddenLine xmlns:a14="http://schemas.microsoft.com/office/drawing/2010/main" xmlns="" w="9525">
+                  <a14:hiddenLine xmlns="" xmlns:a14="http://schemas.microsoft.com/office/drawing/2010/main" w="9525">
                     <a:solidFill>
                       <a:srgbClr val="000000"/>
                     </a:solidFill>
@@ -9872,7 +9872,7 @@
               </a:ln>
               <a:extLst>
                 <a:ext uri="{91240B29-F687-4f45-9708-019B960494DF}">
-                  <a14:hiddenLine xmlns:a14="http://schemas.microsoft.com/office/drawing/2010/main" xmlns="" w="9525">
+                  <a14:hiddenLine xmlns="" xmlns:a14="http://schemas.microsoft.com/office/drawing/2010/main" w="9525">
                     <a:solidFill>
                       <a:srgbClr val="000000"/>
                     </a:solidFill>
@@ -9982,7 +9982,7 @@
               </a:ln>
               <a:extLst>
                 <a:ext uri="{91240B29-F687-4f45-9708-019B960494DF}">
-                  <a14:hiddenLine xmlns:a14="http://schemas.microsoft.com/office/drawing/2010/main" xmlns="" w="9525">
+                  <a14:hiddenLine xmlns="" xmlns:a14="http://schemas.microsoft.com/office/drawing/2010/main" w="9525">
                     <a:solidFill>
                       <a:srgbClr val="000000"/>
                     </a:solidFill>
@@ -10066,7 +10066,7 @@
               </a:ln>
               <a:extLst>
                 <a:ext uri="{91240B29-F687-4f45-9708-019B960494DF}">
-                  <a14:hiddenLine xmlns:a14="http://schemas.microsoft.com/office/drawing/2010/main" xmlns="" w="9525">
+                  <a14:hiddenLine xmlns="" xmlns:a14="http://schemas.microsoft.com/office/drawing/2010/main" w="9525">
                     <a:solidFill>
                       <a:srgbClr val="000000"/>
                     </a:solidFill>
@@ -10128,7 +10128,7 @@
               </a:ln>
               <a:extLst>
                 <a:ext uri="{91240B29-F687-4f45-9708-019B960494DF}">
-                  <a14:hiddenLine xmlns:a14="http://schemas.microsoft.com/office/drawing/2010/main" xmlns="" w="9525">
+                  <a14:hiddenLine xmlns="" xmlns:a14="http://schemas.microsoft.com/office/drawing/2010/main" w="9525">
                     <a:solidFill>
                       <a:srgbClr val="000000"/>
                     </a:solidFill>
@@ -10190,7 +10190,7 @@
               </a:ln>
               <a:extLst>
                 <a:ext uri="{91240B29-F687-4f45-9708-019B960494DF}">
-                  <a14:hiddenLine xmlns:a14="http://schemas.microsoft.com/office/drawing/2010/main" xmlns="" w="9525">
+                  <a14:hiddenLine xmlns="" xmlns:a14="http://schemas.microsoft.com/office/drawing/2010/main" w="9525">
                     <a:solidFill>
                       <a:srgbClr val="000000"/>
                     </a:solidFill>
@@ -10280,7 +10280,7 @@
               </a:ln>
               <a:extLst>
                 <a:ext uri="{91240B29-F687-4f45-9708-019B960494DF}">
-                  <a14:hiddenLine xmlns:a14="http://schemas.microsoft.com/office/drawing/2010/main" xmlns="" w="9525">
+                  <a14:hiddenLine xmlns="" xmlns:a14="http://schemas.microsoft.com/office/drawing/2010/main" w="9525">
                     <a:solidFill>
                       <a:srgbClr val="000000"/>
                     </a:solidFill>
@@ -10314,7 +10314,7 @@
               </a:ln>
               <a:extLst>
                 <a:ext uri="{91240B29-F687-4f45-9708-019B960494DF}">
-                  <a14:hiddenLine xmlns:a14="http://schemas.microsoft.com/office/drawing/2010/main" xmlns="" w="9525">
+                  <a14:hiddenLine xmlns="" xmlns:a14="http://schemas.microsoft.com/office/drawing/2010/main" w="9525">
                     <a:solidFill>
                       <a:srgbClr val="000000"/>
                     </a:solidFill>
@@ -10379,7 +10379,7 @@
               </a:ln>
               <a:extLst>
                 <a:ext uri="{91240B29-F687-4f45-9708-019B960494DF}">
-                  <a14:hiddenLine xmlns:a14="http://schemas.microsoft.com/office/drawing/2010/main" xmlns="" w="9525">
+                  <a14:hiddenLine xmlns="" xmlns:a14="http://schemas.microsoft.com/office/drawing/2010/main" w="9525">
                     <a:solidFill>
                       <a:srgbClr val="000000"/>
                     </a:solidFill>
@@ -10469,7 +10469,7 @@
               </a:ln>
               <a:extLst>
                 <a:ext uri="{91240B29-F687-4f45-9708-019B960494DF}">
-                  <a14:hiddenLine xmlns:a14="http://schemas.microsoft.com/office/drawing/2010/main" xmlns="" w="9525">
+                  <a14:hiddenLine xmlns="" xmlns:a14="http://schemas.microsoft.com/office/drawing/2010/main" w="9525">
                     <a:solidFill>
                       <a:srgbClr val="000000"/>
                     </a:solidFill>
@@ -10531,7 +10531,7 @@
               </a:ln>
               <a:extLst>
                 <a:ext uri="{91240B29-F687-4f45-9708-019B960494DF}">
-                  <a14:hiddenLine xmlns:a14="http://schemas.microsoft.com/office/drawing/2010/main" xmlns="" w="9525">
+                  <a14:hiddenLine xmlns="" xmlns:a14="http://schemas.microsoft.com/office/drawing/2010/main" w="9525">
                     <a:solidFill>
                       <a:srgbClr val="000000"/>
                     </a:solidFill>
@@ -10621,7 +10621,7 @@
               </a:ln>
               <a:extLst>
                 <a:ext uri="{91240B29-F687-4f45-9708-019B960494DF}">
-                  <a14:hiddenLine xmlns:a14="http://schemas.microsoft.com/office/drawing/2010/main" xmlns="" w="9525">
+                  <a14:hiddenLine xmlns="" xmlns:a14="http://schemas.microsoft.com/office/drawing/2010/main" w="9525">
                     <a:solidFill>
                       <a:srgbClr val="000000"/>
                     </a:solidFill>
@@ -10686,7 +10686,7 @@
               </a:ln>
               <a:extLst>
                 <a:ext uri="{91240B29-F687-4f45-9708-019B960494DF}">
-                  <a14:hiddenLine xmlns:a14="http://schemas.microsoft.com/office/drawing/2010/main" xmlns="" w="9525">
+                  <a14:hiddenLine xmlns="" xmlns:a14="http://schemas.microsoft.com/office/drawing/2010/main" w="9525">
                     <a:solidFill>
                       <a:srgbClr val="000000"/>
                     </a:solidFill>
@@ -10748,7 +10748,7 @@
               </a:ln>
               <a:extLst>
                 <a:ext uri="{91240B29-F687-4f45-9708-019B960494DF}">
-                  <a14:hiddenLine xmlns:a14="http://schemas.microsoft.com/office/drawing/2010/main" xmlns="" w="9525">
+                  <a14:hiddenLine xmlns="" xmlns:a14="http://schemas.microsoft.com/office/drawing/2010/main" w="9525">
                     <a:solidFill>
                       <a:srgbClr val="000000"/>
                     </a:solidFill>
@@ -10838,7 +10838,7 @@
               </a:ln>
               <a:extLst>
                 <a:ext uri="{91240B29-F687-4f45-9708-019B960494DF}">
-                  <a14:hiddenLine xmlns:a14="http://schemas.microsoft.com/office/drawing/2010/main" xmlns="" w="9525">
+                  <a14:hiddenLine xmlns="" xmlns:a14="http://schemas.microsoft.com/office/drawing/2010/main" w="9525">
                     <a:solidFill>
                       <a:srgbClr val="000000"/>
                     </a:solidFill>
@@ -10928,7 +10928,7 @@
               </a:ln>
               <a:extLst>
                 <a:ext uri="{91240B29-F687-4f45-9708-019B960494DF}">
-                  <a14:hiddenLine xmlns:a14="http://schemas.microsoft.com/office/drawing/2010/main" xmlns="" w="9525">
+                  <a14:hiddenLine xmlns="" xmlns:a14="http://schemas.microsoft.com/office/drawing/2010/main" w="9525">
                     <a:solidFill>
                       <a:srgbClr val="000000"/>
                     </a:solidFill>
@@ -10993,7 +10993,7 @@
               </a:ln>
               <a:extLst>
                 <a:ext uri="{91240B29-F687-4f45-9708-019B960494DF}">
-                  <a14:hiddenLine xmlns:a14="http://schemas.microsoft.com/office/drawing/2010/main" xmlns="" w="9525">
+                  <a14:hiddenLine xmlns="" xmlns:a14="http://schemas.microsoft.com/office/drawing/2010/main" w="9525">
                     <a:solidFill>
                       <a:srgbClr val="000000"/>
                     </a:solidFill>
@@ -11113,7 +11113,7 @@
               </a:ln>
               <a:extLst>
                 <a:ext uri="{91240B29-F687-4f45-9708-019B960494DF}">
-                  <a14:hiddenLine xmlns:a14="http://schemas.microsoft.com/office/drawing/2010/main" xmlns="" w="9525">
+                  <a14:hiddenLine xmlns="" xmlns:a14="http://schemas.microsoft.com/office/drawing/2010/main" w="9525">
                     <a:solidFill>
                       <a:srgbClr val="000000"/>
                     </a:solidFill>
@@ -11211,7 +11211,7 @@
               </a:ln>
               <a:extLst>
                 <a:ext uri="{91240B29-F687-4f45-9708-019B960494DF}">
-                  <a14:hiddenLine xmlns:a14="http://schemas.microsoft.com/office/drawing/2010/main" xmlns="" w="9525">
+                  <a14:hiddenLine xmlns="" xmlns:a14="http://schemas.microsoft.com/office/drawing/2010/main" w="9525">
                     <a:solidFill>
                       <a:srgbClr val="000000"/>
                     </a:solidFill>
@@ -11326,7 +11326,7 @@
               </a:ln>
               <a:extLst>
                 <a:ext uri="{91240B29-F687-4f45-9708-019B960494DF}">
-                  <a14:hiddenLine xmlns:a14="http://schemas.microsoft.com/office/drawing/2010/main" xmlns="" w="9525">
+                  <a14:hiddenLine xmlns="" xmlns:a14="http://schemas.microsoft.com/office/drawing/2010/main" w="9525">
                     <a:solidFill>
                       <a:srgbClr val="000000"/>
                     </a:solidFill>
@@ -11416,7 +11416,7 @@
               </a:ln>
               <a:extLst>
                 <a:ext uri="{91240B29-F687-4f45-9708-019B960494DF}">
-                  <a14:hiddenLine xmlns:a14="http://schemas.microsoft.com/office/drawing/2010/main" xmlns="" w="9525">
+                  <a14:hiddenLine xmlns="" xmlns:a14="http://schemas.microsoft.com/office/drawing/2010/main" w="9525">
                     <a:solidFill>
                       <a:srgbClr val="000000"/>
                     </a:solidFill>
@@ -11481,7 +11481,7 @@
               </a:ln>
               <a:extLst>
                 <a:ext uri="{91240B29-F687-4f45-9708-019B960494DF}">
-                  <a14:hiddenLine xmlns:a14="http://schemas.microsoft.com/office/drawing/2010/main" xmlns="" w="9525">
+                  <a14:hiddenLine xmlns="" xmlns:a14="http://schemas.microsoft.com/office/drawing/2010/main" w="9525">
                     <a:solidFill>
                       <a:srgbClr val="000000"/>
                     </a:solidFill>
@@ -11571,7 +11571,7 @@
               </a:ln>
               <a:extLst>
                 <a:ext uri="{91240B29-F687-4f45-9708-019B960494DF}">
-                  <a14:hiddenLine xmlns:a14="http://schemas.microsoft.com/office/drawing/2010/main" xmlns="" w="9525">
+                  <a14:hiddenLine xmlns="" xmlns:a14="http://schemas.microsoft.com/office/drawing/2010/main" w="9525">
                     <a:solidFill>
                       <a:srgbClr val="000000"/>
                     </a:solidFill>
@@ -11639,7 +11639,7 @@
               </a:ln>
               <a:extLst>
                 <a:ext uri="{91240B29-F687-4f45-9708-019B960494DF}">
-                  <a14:hiddenLine xmlns:a14="http://schemas.microsoft.com/office/drawing/2010/main" xmlns="" w="9525">
+                  <a14:hiddenLine xmlns="" xmlns:a14="http://schemas.microsoft.com/office/drawing/2010/main" w="9525">
                     <a:solidFill>
                       <a:srgbClr val="000000"/>
                     </a:solidFill>
@@ -11729,7 +11729,7 @@
               </a:ln>
               <a:extLst>
                 <a:ext uri="{91240B29-F687-4f45-9708-019B960494DF}">
-                  <a14:hiddenLine xmlns:a14="http://schemas.microsoft.com/office/drawing/2010/main" xmlns="" w="9525">
+                  <a14:hiddenLine xmlns="" xmlns:a14="http://schemas.microsoft.com/office/drawing/2010/main" w="9525">
                     <a:solidFill>
                       <a:srgbClr val="000000"/>
                     </a:solidFill>
@@ -11797,7 +11797,7 @@
               </a:ln>
               <a:extLst>
                 <a:ext uri="{91240B29-F687-4f45-9708-019B960494DF}">
-                  <a14:hiddenLine xmlns:a14="http://schemas.microsoft.com/office/drawing/2010/main" xmlns="" w="9525">
+                  <a14:hiddenLine xmlns="" xmlns:a14="http://schemas.microsoft.com/office/drawing/2010/main" w="9525">
                     <a:solidFill>
                       <a:srgbClr val="000000"/>
                     </a:solidFill>
@@ -11887,7 +11887,7 @@
               </a:ln>
               <a:extLst>
                 <a:ext uri="{91240B29-F687-4f45-9708-019B960494DF}">
-                  <a14:hiddenLine xmlns:a14="http://schemas.microsoft.com/office/drawing/2010/main" xmlns="" w="9525">
+                  <a14:hiddenLine xmlns="" xmlns:a14="http://schemas.microsoft.com/office/drawing/2010/main" w="9525">
                     <a:solidFill>
                       <a:srgbClr val="000000"/>
                     </a:solidFill>
@@ -11921,7 +11921,7 @@
               </a:ln>
               <a:extLst>
                 <a:ext uri="{91240B29-F687-4f45-9708-019B960494DF}">
-                  <a14:hiddenLine xmlns:a14="http://schemas.microsoft.com/office/drawing/2010/main" xmlns="" w="9525">
+                  <a14:hiddenLine xmlns="" xmlns:a14="http://schemas.microsoft.com/office/drawing/2010/main" w="9525">
                     <a:solidFill>
                       <a:srgbClr val="000000"/>
                     </a:solidFill>
@@ -12062,7 +12062,7 @@
             <a:fld id="{B61BEF0D-F0BB-DE4B-95CE-6DB70DBA9567}" type="datetimeFigureOut">
               <a:rPr lang="en-US" smtClean="0"/>
               <a:pPr/>
-              <a:t>8/24/2014</a:t>
+              <a:t>8/25/2014</a:t>
             </a:fld>
             <a:endParaRPr lang="en-US" dirty="0"/>
           </a:p>
@@ -12611,14 +12611,14 @@
             </a:r>
             <a:r>
               <a:rPr lang="en-US" cap="none" dirty="0" smtClean="0"/>
-              <a:t> </a:t>
+              <a:t/>
             </a:r>
             <a:br>
               <a:rPr lang="en-US" cap="none" dirty="0" smtClean="0"/>
             </a:br>
             <a:r>
               <a:rPr lang="en-US" cap="none" dirty="0" smtClean="0"/>
-              <a:t>Features at glance</a:t>
+              <a:t>Summary</a:t>
             </a:r>
             <a:endParaRPr lang="en-US" cap="none" dirty="0"/>
           </a:p>
@@ -12641,72 +12641,46 @@
           <a:p>
             <a:r>
               <a:rPr lang="en-US" dirty="0" smtClean="0"/>
-              <a:t>SSMS </a:t>
-            </a:r>
+              <a:t>Connection string retrieval similar to </a:t>
+            </a:r>
+            <a:r>
+              <a:rPr lang="en-US" dirty="0" err="1" smtClean="0"/>
+              <a:t>SqlCommandProvider</a:t>
+            </a:r>
+            <a:endParaRPr lang="en-US" dirty="0" smtClean="0"/>
+          </a:p>
+          <a:p>
             <a:r>
               <a:rPr lang="en-US" dirty="0" smtClean="0"/>
-              <a:t>Object explorer </a:t>
-            </a:r>
+              <a:t>Support for default parameters in Stored Procedures</a:t>
+            </a:r>
+          </a:p>
+          <a:p>
             <a:r>
               <a:rPr lang="en-US" dirty="0" smtClean="0"/>
-              <a:t>in Visual </a:t>
+              <a:t>Support for output parameters and </a:t>
+            </a:r>
+            <a:r>
+              <a:rPr lang="en-US" dirty="0" err="1" smtClean="0"/>
+              <a:t>ReturnValue</a:t>
             </a:r>
             <a:r>
               <a:rPr lang="en-US" dirty="0" smtClean="0"/>
-              <a:t>Studio </a:t>
-            </a:r>
+              <a:t> in Stored Procedures</a:t>
+            </a:r>
+          </a:p>
+          <a:p>
             <a:r>
               <a:rPr lang="en-US" dirty="0" smtClean="0"/>
-              <a:t>IntelliSense</a:t>
-            </a:r>
-            <a:endParaRPr lang="en-US" dirty="0" smtClean="0"/>
-          </a:p>
-          <a:p>
-            <a:r>
-              <a:rPr lang="en-US" dirty="0" smtClean="0"/>
-              <a:t>Stored procedures, table-valued user-defined functions, user-defined table types</a:t>
-            </a:r>
-          </a:p>
-          <a:p>
-            <a:r>
-              <a:rPr lang="en-US" dirty="0" err="1" smtClean="0"/>
-              <a:t>Microsoft.SqlServer.Types</a:t>
-            </a:r>
-            <a:r>
-              <a:rPr lang="en-US" dirty="0" smtClean="0"/>
-              <a:t>:</a:t>
-            </a:r>
-          </a:p>
-          <a:p>
-            <a:pPr lvl="1"/>
-            <a:r>
-              <a:rPr lang="en-US" dirty="0" err="1" smtClean="0"/>
-              <a:t>SqlHierarchyId</a:t>
-            </a:r>
-            <a:endParaRPr lang="en-US" dirty="0" smtClean="0"/>
-          </a:p>
-          <a:p>
-            <a:pPr lvl="1"/>
-            <a:r>
-              <a:rPr lang="en-US" dirty="0" err="1" smtClean="0"/>
-              <a:t>SqlGeography</a:t>
-            </a:r>
-            <a:endParaRPr lang="en-US" dirty="0" smtClean="0"/>
-          </a:p>
-          <a:p>
-            <a:pPr lvl="1"/>
-            <a:r>
-              <a:rPr lang="en-US" dirty="0" err="1" smtClean="0"/>
-              <a:t>SqlGeometry</a:t>
-            </a:r>
-            <a:endParaRPr lang="en-US" dirty="0" smtClean="0"/>
+              <a:t>Support for User-Defined Table Types – both for Stored Procedures and Table-valued UDFs</a:t>
+            </a:r>
           </a:p>
         </p:txBody>
       </p:sp>
     </p:spTree>
     <p:extLst>
       <p:ext uri="{BB962C8B-B14F-4D97-AF65-F5344CB8AC3E}">
-        <p14:creationId xmlns:p14="http://schemas.microsoft.com/office/powerpoint/2010/main" val="1606980947"/>
+        <p14:creationId xmlns:p14="http://schemas.microsoft.com/office/powerpoint/2010/main" val="1573265196"/>
       </p:ext>
     </p:extLst>
   </p:cSld>
@@ -12758,19 +12732,12 @@
           <a:lstStyle/>
           <a:p>
             <a:r>
+              <a:rPr lang="en-US" cap="none" dirty="0" smtClean="0"/>
+              <a:t>Bonus - </a:t>
+            </a:r>
+            <a:r>
               <a:rPr lang="en-US" cap="none" dirty="0" err="1" smtClean="0"/>
-              <a:t>SqlProgrammabilityProvider</a:t>
-            </a:r>
-            <a:r>
-              <a:rPr lang="en-US" cap="none" dirty="0" smtClean="0"/>
-              <a:t/>
-            </a:r>
-            <a:br>
-              <a:rPr lang="en-US" cap="none" dirty="0" smtClean="0"/>
-            </a:br>
-            <a:r>
-              <a:rPr lang="en-US" cap="none" dirty="0" smtClean="0"/>
-              <a:t>Summary</a:t>
+              <a:t>SqlEnumProvider</a:t>
             </a:r>
             <a:endParaRPr lang="en-US" cap="none" dirty="0"/>
           </a:p>
@@ -12791,52 +12758,14 @@
           <a:bodyPr/>
           <a:lstStyle/>
           <a:p>
-            <a:r>
-              <a:rPr lang="en-US" dirty="0" smtClean="0"/>
-              <a:t>Connection </a:t>
-            </a:r>
-            <a:r>
-              <a:rPr lang="en-US" dirty="0" smtClean="0"/>
-              <a:t>string retrieval similar to </a:t>
-            </a:r>
-            <a:r>
-              <a:rPr lang="en-US" dirty="0" err="1" smtClean="0"/>
-              <a:t>SqlCommandProvider</a:t>
-            </a:r>
-            <a:endParaRPr lang="en-US" dirty="0" smtClean="0"/>
-          </a:p>
-          <a:p>
-            <a:r>
-              <a:rPr lang="en-US" dirty="0" smtClean="0"/>
-              <a:t>Support for default parameters in Stored Procedures</a:t>
-            </a:r>
-          </a:p>
-          <a:p>
-            <a:r>
-              <a:rPr lang="en-US" dirty="0" smtClean="0"/>
-              <a:t>Support for output parameters and </a:t>
-            </a:r>
-            <a:r>
-              <a:rPr lang="en-US" dirty="0" err="1" smtClean="0"/>
-              <a:t>ReturnValue</a:t>
-            </a:r>
-            <a:r>
-              <a:rPr lang="en-US" dirty="0" smtClean="0"/>
-              <a:t> in Stored Procedures</a:t>
-            </a:r>
-          </a:p>
-          <a:p>
-            <a:r>
-              <a:rPr lang="en-US" dirty="0" smtClean="0"/>
-              <a:t>Support for User-Defined Table Types – both for Stored Procedures and Table-valued UDFs</a:t>
-            </a:r>
+            <a:endParaRPr lang="en-US" dirty="0"/>
           </a:p>
         </p:txBody>
       </p:sp>
     </p:spTree>
     <p:extLst>
       <p:ext uri="{BB962C8B-B14F-4D97-AF65-F5344CB8AC3E}">
-        <p14:creationId xmlns:p14="http://schemas.microsoft.com/office/powerpoint/2010/main" val="1573265196"/>
+        <p14:creationId xmlns:p14="http://schemas.microsoft.com/office/powerpoint/2010/main" val="3202136238"/>
       </p:ext>
     </p:extLst>
   </p:cSld>
@@ -12882,20 +12811,14 @@
         </p:nvSpPr>
         <p:spPr/>
         <p:txBody>
-          <a:bodyPr>
-            <a:normAutofit/>
-          </a:bodyPr>
+          <a:bodyPr/>
           <a:lstStyle/>
           <a:p>
             <a:r>
-              <a:rPr lang="en-US" cap="none" dirty="0" smtClean="0"/>
-              <a:t>Bonus - </a:t>
-            </a:r>
-            <a:r>
-              <a:rPr lang="en-US" cap="none" dirty="0" err="1" smtClean="0"/>
-              <a:t>SqlEnumProvider</a:t>
-            </a:r>
-            <a:endParaRPr lang="en-US" cap="none" dirty="0"/>
+              <a:rPr lang="en-US" dirty="0" smtClean="0"/>
+              <a:t>Future developments</a:t>
+            </a:r>
+            <a:endParaRPr lang="en-US" dirty="0"/>
           </a:p>
         </p:txBody>
       </p:sp>
@@ -12914,6 +12837,24 @@
           <a:bodyPr/>
           <a:lstStyle/>
           <a:p>
+            <a:r>
+              <a:rPr lang="en-US" dirty="0" smtClean="0"/>
+              <a:t>More responsive IDE experience</a:t>
+            </a:r>
+          </a:p>
+          <a:p>
+            <a:r>
+              <a:rPr lang="en-US" dirty="0" smtClean="0"/>
+              <a:t>New Type Providers syntax</a:t>
+            </a:r>
+          </a:p>
+          <a:p>
+            <a:r>
+              <a:rPr lang="en-US" dirty="0" smtClean="0"/>
+              <a:t>Even better docs and examples</a:t>
+            </a:r>
+          </a:p>
+          <a:p>
             <a:endParaRPr lang="en-US" dirty="0"/>
           </a:p>
         </p:txBody>
@@ -12921,20 +12862,13 @@
     </p:spTree>
     <p:extLst>
       <p:ext uri="{BB962C8B-B14F-4D97-AF65-F5344CB8AC3E}">
-        <p14:creationId xmlns:p14="http://schemas.microsoft.com/office/powerpoint/2010/main" val="3202136238"/>
+        <p14:creationId xmlns:p14="http://schemas.microsoft.com/office/powerpoint/2010/main" val="3258193515"/>
       </p:ext>
     </p:extLst>
   </p:cSld>
   <p:clrMapOvr>
     <a:masterClrMapping/>
   </p:clrMapOvr>
-  <p:timing>
-    <p:tnLst>
-      <p:par>
-        <p:cTn id="1" dur="indefinite" restart="never" nodeType="tmRoot"/>
-      </p:par>
-    </p:tnLst>
-  </p:timing>
 </p:sld>
 </file>
 
@@ -13357,7 +13291,7 @@
       </p:grpSpPr>
       <p:sp>
         <p:nvSpPr>
-          <p:cNvPr id="5" name="Title 4"/>
+          <p:cNvPr id="2" name="Title 1"/>
           <p:cNvSpPr>
             <a:spLocks noGrp="1"/>
           </p:cNvSpPr>
@@ -13372,47 +13306,529 @@
           <a:p>
             <a:r>
               <a:rPr lang="en-US" dirty="0" smtClean="0"/>
-              <a:t>A less scary version</a:t>
-            </a:r>
-            <a:endParaRPr lang="en-US" dirty="0"/>
+              <a:t>T-SQL DATA </a:t>
+            </a:r>
+            <a:r>
+              <a:rPr lang="en-US" dirty="0"/>
+              <a:t>ACCESS OPTIONS for F# developers</a:t>
+            </a:r>
           </a:p>
         </p:txBody>
       </p:sp>
-      <p:sp>
-        <p:nvSpPr>
-          <p:cNvPr id="7" name="Text Placeholder 6"/>
-          <p:cNvSpPr>
-            <a:spLocks noGrp="1"/>
-          </p:cNvSpPr>
+      <p:graphicFrame>
+        <p:nvGraphicFramePr>
+          <p:cNvPr id="5" name="Content Placeholder 4"/>
+          <p:cNvGraphicFramePr>
+            <a:graphicFrameLocks noGrp="1"/>
+          </p:cNvGraphicFramePr>
           <p:nvPr>
-            <p:ph type="body" sz="half" idx="2"/>
+            <p:ph idx="1"/>
+            <p:extLst>
+              <p:ext uri="{D42A27DB-BD31-4B8C-83A1-F6EECF244321}">
+                <p14:modId xmlns:p14="http://schemas.microsoft.com/office/powerpoint/2010/main" val="1853754379"/>
+              </p:ext>
+            </p:extLst>
           </p:nvPr>
-        </p:nvSpPr>
-        <p:spPr/>
-        <p:txBody>
-          <a:bodyPr/>
-          <a:lstStyle/>
-          <a:p>
-            <a:endParaRPr lang="en-US"/>
-          </a:p>
-        </p:txBody>
-      </p:sp>
-      <p:sp>
-        <p:nvSpPr>
-          <p:cNvPr id="2" name="Picture Placeholder 1"/>
-          <p:cNvSpPr>
-            <a:spLocks noGrp="1"/>
-          </p:cNvSpPr>
-          <p:nvPr>
-            <p:ph type="pic" idx="1"/>
-          </p:nvPr>
-        </p:nvSpPr>
-        <p:spPr/>
-      </p:sp>
+        </p:nvGraphicFramePr>
+        <p:xfrm>
+          <a:off x="1141413" y="2249488"/>
+          <a:ext cx="9906000" cy="3205480"/>
+        </p:xfrm>
+        <a:graphic>
+          <a:graphicData uri="http://schemas.openxmlformats.org/drawingml/2006/table">
+            <a:tbl>
+              <a:tblPr firstRow="1" bandRow="1">
+                <a:tableStyleId>{5C22544A-7EE6-4342-B048-85BDC9FD1C3A}</a:tableStyleId>
+              </a:tblPr>
+              <a:tblGrid>
+                <a:gridCol w="3302000"/>
+                <a:gridCol w="3302000"/>
+                <a:gridCol w="3302000"/>
+              </a:tblGrid>
+              <a:tr h="370840">
+                <a:tc>
+                  <a:txBody>
+                    <a:bodyPr/>
+                    <a:lstStyle/>
+                    <a:p>
+                      <a:endParaRPr lang="en-US" dirty="0"/>
+                    </a:p>
+                  </a:txBody>
+                  <a:tcPr/>
+                </a:tc>
+                <a:tc>
+                  <a:txBody>
+                    <a:bodyPr/>
+                    <a:lstStyle/>
+                    <a:p>
+                      <a:pPr algn="ctr"/>
+                      <a:r>
+                        <a:rPr lang="en-US" dirty="0" smtClean="0"/>
+                        <a:t>Pros</a:t>
+                      </a:r>
+                      <a:endParaRPr lang="en-US" dirty="0"/>
+                    </a:p>
+                  </a:txBody>
+                  <a:tcPr/>
+                </a:tc>
+                <a:tc>
+                  <a:txBody>
+                    <a:bodyPr/>
+                    <a:lstStyle/>
+                    <a:p>
+                      <a:pPr algn="ctr"/>
+                      <a:r>
+                        <a:rPr lang="en-US" dirty="0" smtClean="0"/>
+                        <a:t>Cons</a:t>
+                      </a:r>
+                      <a:endParaRPr lang="en-US" dirty="0"/>
+                    </a:p>
+                  </a:txBody>
+                  <a:tcPr/>
+                </a:tc>
+              </a:tr>
+              <a:tr h="370840">
+                <a:tc>
+                  <a:txBody>
+                    <a:bodyPr/>
+                    <a:lstStyle/>
+                    <a:p>
+                      <a:r>
+                        <a:rPr lang="en-US" dirty="0" smtClean="0"/>
+                        <a:t>ADO.NET</a:t>
+                      </a:r>
+                      <a:endParaRPr lang="en-US" dirty="0"/>
+                    </a:p>
+                  </a:txBody>
+                  <a:tcPr/>
+                </a:tc>
+                <a:tc>
+                  <a:txBody>
+                    <a:bodyPr/>
+                    <a:lstStyle/>
+                    <a:p>
+                      <a:pPr marL="285750" indent="-285750" algn="l">
+                        <a:buFont typeface="Arial" panose="020B0604020202020204" pitchFamily="34" charset="0"/>
+                        <a:buChar char="•"/>
+                      </a:pPr>
+                      <a:r>
+                        <a:rPr lang="en-US" dirty="0" smtClean="0"/>
+                        <a:t>Performance</a:t>
+                      </a:r>
+                    </a:p>
+                    <a:p>
+                      <a:pPr marL="285750" indent="-285750" algn="l">
+                        <a:buFont typeface="Arial" panose="020B0604020202020204" pitchFamily="34" charset="0"/>
+                        <a:buChar char="•"/>
+                      </a:pPr>
+                      <a:r>
+                        <a:rPr lang="en-US" dirty="0" smtClean="0"/>
+                        <a:t>Control</a:t>
+                      </a:r>
+                      <a:endParaRPr lang="en-US" dirty="0"/>
+                    </a:p>
+                  </a:txBody>
+                  <a:tcPr/>
+                </a:tc>
+                <a:tc>
+                  <a:txBody>
+                    <a:bodyPr/>
+                    <a:lstStyle/>
+                    <a:p>
+                      <a:pPr marL="285750" indent="-285750" algn="l">
+                        <a:buFont typeface="Arial" panose="020B0604020202020204" pitchFamily="34" charset="0"/>
+                        <a:buChar char="•"/>
+                      </a:pPr>
+                      <a:r>
+                        <a:rPr lang="en-US" dirty="0" smtClean="0"/>
+                        <a:t>No</a:t>
+                      </a:r>
+                      <a:r>
+                        <a:rPr lang="en-US" baseline="0" dirty="0" smtClean="0"/>
+                        <a:t> Static Types</a:t>
+                      </a:r>
+                    </a:p>
+                    <a:p>
+                      <a:pPr marL="285750" indent="-285750" algn="l">
+                        <a:buFont typeface="Arial" panose="020B0604020202020204" pitchFamily="34" charset="0"/>
+                        <a:buChar char="•"/>
+                      </a:pPr>
+                      <a:r>
+                        <a:rPr lang="en-US" baseline="0" dirty="0" smtClean="0"/>
+                        <a:t>Weak Abstraction</a:t>
+                      </a:r>
+                      <a:endParaRPr lang="en-US" dirty="0"/>
+                    </a:p>
+                  </a:txBody>
+                  <a:tcPr/>
+                </a:tc>
+              </a:tr>
+              <a:tr h="370840">
+                <a:tc>
+                  <a:txBody>
+                    <a:bodyPr/>
+                    <a:lstStyle/>
+                    <a:p>
+                      <a:r>
+                        <a:rPr lang="en-US" dirty="0" smtClean="0"/>
+                        <a:t>ORM - EF</a:t>
+                      </a:r>
+                      <a:endParaRPr lang="en-US" dirty="0"/>
+                    </a:p>
+                  </a:txBody>
+                  <a:tcPr/>
+                </a:tc>
+                <a:tc>
+                  <a:txBody>
+                    <a:bodyPr/>
+                    <a:lstStyle/>
+                    <a:p>
+                      <a:pPr marL="285750" indent="-285750" algn="l">
+                        <a:buFont typeface="Arial" panose="020B0604020202020204" pitchFamily="34" charset="0"/>
+                        <a:buChar char="•"/>
+                      </a:pPr>
+                      <a:r>
+                        <a:rPr lang="en-US" dirty="0" smtClean="0"/>
+                        <a:t>Easy to start</a:t>
+                      </a:r>
+                    </a:p>
+                    <a:p>
+                      <a:pPr marL="285750" indent="-285750" algn="l">
+                        <a:buFont typeface="Arial" panose="020B0604020202020204" pitchFamily="34" charset="0"/>
+                        <a:buChar char="•"/>
+                      </a:pPr>
+                      <a:r>
+                        <a:rPr lang="en-US" dirty="0" smtClean="0"/>
+                        <a:t>Productivity</a:t>
+                      </a:r>
+                    </a:p>
+                    <a:p>
+                      <a:pPr marL="285750" indent="-285750" algn="l">
+                        <a:buFont typeface="Arial" panose="020B0604020202020204" pitchFamily="34" charset="0"/>
+                        <a:buChar char="•"/>
+                      </a:pPr>
+                      <a:r>
+                        <a:rPr lang="en-US" dirty="0" smtClean="0"/>
+                        <a:t>Static Types</a:t>
+                      </a:r>
+                      <a:endParaRPr lang="en-US" dirty="0"/>
+                    </a:p>
+                  </a:txBody>
+                  <a:tcPr/>
+                </a:tc>
+                <a:tc>
+                  <a:txBody>
+                    <a:bodyPr/>
+                    <a:lstStyle/>
+                    <a:p>
+                      <a:pPr marL="285750" indent="-285750" algn="l">
+                        <a:buFont typeface="Arial" panose="020B0604020202020204" pitchFamily="34" charset="0"/>
+                        <a:buChar char="•"/>
+                      </a:pPr>
+                      <a:r>
+                        <a:rPr lang="en-US" dirty="0" smtClean="0"/>
+                        <a:t>Leaky Abstraction</a:t>
+                      </a:r>
+                    </a:p>
+                    <a:p>
+                      <a:pPr marL="285750" indent="-285750" algn="l">
+                        <a:buFont typeface="Arial" panose="020B0604020202020204" pitchFamily="34" charset="0"/>
+                        <a:buChar char="•"/>
+                      </a:pPr>
+                      <a:r>
+                        <a:rPr lang="en-US" dirty="0" smtClean="0"/>
+                        <a:t>No</a:t>
+                      </a:r>
+                      <a:r>
+                        <a:rPr lang="en-US" baseline="0" dirty="0" smtClean="0"/>
+                        <a:t> Control (slow, weird T-SQL)</a:t>
+                      </a:r>
+                    </a:p>
+                    <a:p>
+                      <a:pPr marL="285750" indent="-285750" algn="l">
+                        <a:buFont typeface="Arial" panose="020B0604020202020204" pitchFamily="34" charset="0"/>
+                        <a:buChar char="•"/>
+                      </a:pPr>
+                      <a:r>
+                        <a:rPr lang="en-US" baseline="0" dirty="0" smtClean="0"/>
+                        <a:t>Manual Types Re-generation</a:t>
+                      </a:r>
+                      <a:endParaRPr lang="en-US" dirty="0"/>
+                    </a:p>
+                  </a:txBody>
+                  <a:tcPr/>
+                </a:tc>
+              </a:tr>
+              <a:tr h="370840">
+                <a:tc>
+                  <a:txBody>
+                    <a:bodyPr/>
+                    <a:lstStyle/>
+                    <a:p>
+                      <a:pPr marL="0" marR="0" indent="0" algn="l" defTabSz="914400" rtl="0" eaLnBrk="1" fontAlgn="auto" latinLnBrk="0" hangingPunct="1">
+                        <a:lnSpc>
+                          <a:spcPct val="100000"/>
+                        </a:lnSpc>
+                        <a:spcBef>
+                          <a:spcPts val="0"/>
+                        </a:spcBef>
+                        <a:spcAft>
+                          <a:spcPts val="0"/>
+                        </a:spcAft>
+                        <a:buClrTx/>
+                        <a:buSzTx/>
+                        <a:buFontTx/>
+                        <a:buNone/>
+                        <a:tabLst/>
+                        <a:defRPr/>
+                      </a:pPr>
+                      <a:r>
+                        <a:rPr lang="en-US" dirty="0" smtClean="0"/>
+                        <a:t>Light ORM - Dapper</a:t>
+                      </a:r>
+                    </a:p>
+                  </a:txBody>
+                  <a:tcPr/>
+                </a:tc>
+                <a:tc>
+                  <a:txBody>
+                    <a:bodyPr/>
+                    <a:lstStyle/>
+                    <a:p>
+                      <a:pPr marL="285750" marR="0" indent="-285750" algn="l" defTabSz="914400" rtl="0" eaLnBrk="1" fontAlgn="auto" latinLnBrk="0" hangingPunct="1">
+                        <a:lnSpc>
+                          <a:spcPct val="100000"/>
+                        </a:lnSpc>
+                        <a:spcBef>
+                          <a:spcPts val="0"/>
+                        </a:spcBef>
+                        <a:spcAft>
+                          <a:spcPts val="0"/>
+                        </a:spcAft>
+                        <a:buClrTx/>
+                        <a:buSzTx/>
+                        <a:buFont typeface="Arial" panose="020B0604020202020204" pitchFamily="34" charset="0"/>
+                        <a:buChar char="•"/>
+                        <a:tabLst/>
+                        <a:defRPr/>
+                      </a:pPr>
+                      <a:r>
+                        <a:rPr lang="en-US" dirty="0" smtClean="0"/>
+                        <a:t>Performance</a:t>
+                      </a:r>
+                    </a:p>
+                    <a:p>
+                      <a:pPr marL="285750" marR="0" indent="-285750" algn="l" defTabSz="914400" rtl="0" eaLnBrk="1" fontAlgn="auto" latinLnBrk="0" hangingPunct="1">
+                        <a:lnSpc>
+                          <a:spcPct val="100000"/>
+                        </a:lnSpc>
+                        <a:spcBef>
+                          <a:spcPts val="0"/>
+                        </a:spcBef>
+                        <a:spcAft>
+                          <a:spcPts val="0"/>
+                        </a:spcAft>
+                        <a:buClrTx/>
+                        <a:buSzTx/>
+                        <a:buFont typeface="Arial" panose="020B0604020202020204" pitchFamily="34" charset="0"/>
+                        <a:buChar char="•"/>
+                        <a:tabLst/>
+                        <a:defRPr/>
+                      </a:pPr>
+                      <a:r>
+                        <a:rPr lang="en-US" dirty="0" smtClean="0"/>
+                        <a:t>Static Types ???</a:t>
+                      </a:r>
+                    </a:p>
+                  </a:txBody>
+                  <a:tcPr/>
+                </a:tc>
+                <a:tc>
+                  <a:txBody>
+                    <a:bodyPr/>
+                    <a:lstStyle/>
+                    <a:p>
+                      <a:pPr marL="285750" marR="0" indent="-285750" algn="l" defTabSz="914400" rtl="0" eaLnBrk="1" fontAlgn="auto" latinLnBrk="0" hangingPunct="1">
+                        <a:lnSpc>
+                          <a:spcPct val="100000"/>
+                        </a:lnSpc>
+                        <a:spcBef>
+                          <a:spcPts val="0"/>
+                        </a:spcBef>
+                        <a:spcAft>
+                          <a:spcPts val="0"/>
+                        </a:spcAft>
+                        <a:buClrTx/>
+                        <a:buSzTx/>
+                        <a:buFont typeface="Arial" panose="020B0604020202020204" pitchFamily="34" charset="0"/>
+                        <a:buChar char="•"/>
+                        <a:tabLst/>
+                        <a:defRPr/>
+                      </a:pPr>
+                      <a:r>
+                        <a:rPr lang="en-US" baseline="0" dirty="0" smtClean="0"/>
+                        <a:t>Hand-Written Types</a:t>
+                      </a:r>
+                    </a:p>
+                    <a:p>
+                      <a:pPr marL="285750" marR="0" indent="-285750" algn="l" defTabSz="914400" rtl="0" eaLnBrk="1" fontAlgn="auto" latinLnBrk="0" hangingPunct="1">
+                        <a:lnSpc>
+                          <a:spcPct val="100000"/>
+                        </a:lnSpc>
+                        <a:spcBef>
+                          <a:spcPts val="0"/>
+                        </a:spcBef>
+                        <a:spcAft>
+                          <a:spcPts val="0"/>
+                        </a:spcAft>
+                        <a:buClrTx/>
+                        <a:buSzTx/>
+                        <a:buFont typeface="Arial" panose="020B0604020202020204" pitchFamily="34" charset="0"/>
+                        <a:buChar char="•"/>
+                        <a:tabLst/>
+                        <a:defRPr/>
+                      </a:pPr>
+                      <a:r>
+                        <a:rPr lang="en-US" baseline="0" dirty="0" smtClean="0"/>
+                        <a:t>Weak Abstraction</a:t>
+                      </a:r>
+                      <a:endParaRPr lang="en-US" dirty="0"/>
+                    </a:p>
+                  </a:txBody>
+                  <a:tcPr/>
+                </a:tc>
+              </a:tr>
+              <a:tr h="370840">
+                <a:tc>
+                  <a:txBody>
+                    <a:bodyPr/>
+                    <a:lstStyle/>
+                    <a:p>
+                      <a:pPr marL="0" marR="0" indent="0" algn="l" defTabSz="914400" rtl="0" eaLnBrk="1" fontAlgn="auto" latinLnBrk="0" hangingPunct="1">
+                        <a:lnSpc>
+                          <a:spcPct val="100000"/>
+                        </a:lnSpc>
+                        <a:spcBef>
+                          <a:spcPts val="0"/>
+                        </a:spcBef>
+                        <a:spcAft>
+                          <a:spcPts val="0"/>
+                        </a:spcAft>
+                        <a:buClrTx/>
+                        <a:buSzTx/>
+                        <a:buFontTx/>
+                        <a:buNone/>
+                        <a:tabLst/>
+                        <a:defRPr/>
+                      </a:pPr>
+                      <a:r>
+                        <a:rPr lang="en-US" baseline="0" dirty="0" smtClean="0"/>
+                        <a:t>Classic Type Provider + Query Builder – </a:t>
+                      </a:r>
+                      <a:r>
+                        <a:rPr lang="en-US" baseline="0" dirty="0" err="1" smtClean="0"/>
+                        <a:t>SQLProvider</a:t>
+                      </a:r>
+                      <a:endParaRPr lang="en-US" dirty="0" smtClean="0"/>
+                    </a:p>
+                  </a:txBody>
+                  <a:tcPr/>
+                </a:tc>
+                <a:tc>
+                  <a:txBody>
+                    <a:bodyPr/>
+                    <a:lstStyle/>
+                    <a:p>
+                      <a:pPr marL="285750" marR="0" indent="-285750" algn="l" defTabSz="914400" rtl="0" eaLnBrk="1" fontAlgn="auto" latinLnBrk="0" hangingPunct="1">
+                        <a:lnSpc>
+                          <a:spcPct val="100000"/>
+                        </a:lnSpc>
+                        <a:spcBef>
+                          <a:spcPts val="0"/>
+                        </a:spcBef>
+                        <a:spcAft>
+                          <a:spcPts val="0"/>
+                        </a:spcAft>
+                        <a:buClrTx/>
+                        <a:buSzTx/>
+                        <a:buFont typeface="Arial" panose="020B0604020202020204" pitchFamily="34" charset="0"/>
+                        <a:buChar char="•"/>
+                        <a:tabLst/>
+                        <a:defRPr/>
+                      </a:pPr>
+                      <a:r>
+                        <a:rPr lang="en-US" dirty="0" smtClean="0"/>
+                        <a:t>Productivity</a:t>
+                      </a:r>
+                    </a:p>
+                    <a:p>
+                      <a:pPr marL="285750" indent="-285750" algn="l">
+                        <a:buFont typeface="Arial" panose="020B0604020202020204" pitchFamily="34" charset="0"/>
+                        <a:buChar char="•"/>
+                      </a:pPr>
+                      <a:r>
+                        <a:rPr lang="en-US" dirty="0" smtClean="0"/>
+                        <a:t>Static Types</a:t>
+                      </a:r>
+                      <a:endParaRPr lang="en-US" dirty="0"/>
+                    </a:p>
+                  </a:txBody>
+                  <a:tcPr/>
+                </a:tc>
+                <a:tc>
+                  <a:txBody>
+                    <a:bodyPr/>
+                    <a:lstStyle/>
+                    <a:p>
+                      <a:pPr marL="285750" marR="0" indent="-285750" algn="l" defTabSz="914400" rtl="0" eaLnBrk="1" fontAlgn="auto" latinLnBrk="0" hangingPunct="1">
+                        <a:lnSpc>
+                          <a:spcPct val="100000"/>
+                        </a:lnSpc>
+                        <a:spcBef>
+                          <a:spcPts val="0"/>
+                        </a:spcBef>
+                        <a:spcAft>
+                          <a:spcPts val="0"/>
+                        </a:spcAft>
+                        <a:buClrTx/>
+                        <a:buSzTx/>
+                        <a:buFont typeface="Arial" panose="020B0604020202020204" pitchFamily="34" charset="0"/>
+                        <a:buChar char="•"/>
+                        <a:tabLst/>
+                        <a:defRPr/>
+                      </a:pPr>
+                      <a:r>
+                        <a:rPr lang="en-US" dirty="0" smtClean="0"/>
+                        <a:t>No</a:t>
+                      </a:r>
+                      <a:r>
+                        <a:rPr lang="en-US" baseline="0" dirty="0" smtClean="0"/>
+                        <a:t> Control (slow, weird T-SQL)</a:t>
+                      </a:r>
+                    </a:p>
+                    <a:p>
+                      <a:pPr marL="285750" indent="-285750" algn="l">
+                        <a:buFont typeface="Arial" panose="020B0604020202020204" pitchFamily="34" charset="0"/>
+                        <a:buChar char="•"/>
+                      </a:pPr>
+                      <a:r>
+                        <a:rPr lang="en-US" dirty="0" smtClean="0"/>
+                        <a:t>Unsupported mappings</a:t>
+                      </a:r>
+                      <a:endParaRPr lang="en-US" dirty="0"/>
+                    </a:p>
+                  </a:txBody>
+                  <a:tcPr/>
+                </a:tc>
+              </a:tr>
+            </a:tbl>
+          </a:graphicData>
+        </a:graphic>
+      </p:graphicFrame>
     </p:spTree>
     <p:extLst>
       <p:ext uri="{BB962C8B-B14F-4D97-AF65-F5344CB8AC3E}">
-        <p14:creationId xmlns:p14="http://schemas.microsoft.com/office/powerpoint/2010/main" val="962552359"/>
+        <p14:creationId xmlns:p14="http://schemas.microsoft.com/office/powerpoint/2010/main" val="2090840247"/>
       </p:ext>
     </p:extLst>
   </p:cSld>
@@ -13458,617 +13874,6 @@
         </p:nvSpPr>
         <p:spPr/>
         <p:txBody>
-          <a:bodyPr/>
-          <a:lstStyle/>
-          <a:p>
-            <a:r>
-              <a:rPr lang="en-US" dirty="0" smtClean="0"/>
-              <a:t>T-SQL DATA </a:t>
-            </a:r>
-            <a:r>
-              <a:rPr lang="en-US" dirty="0"/>
-              <a:t>ACCESS OPTIONS for F# developers</a:t>
-            </a:r>
-          </a:p>
-        </p:txBody>
-      </p:sp>
-      <p:graphicFrame>
-        <p:nvGraphicFramePr>
-          <p:cNvPr id="4" name="Content Placeholder 3"/>
-          <p:cNvGraphicFramePr>
-            <a:graphicFrameLocks noGrp="1"/>
-          </p:cNvGraphicFramePr>
-          <p:nvPr>
-            <p:ph idx="1"/>
-            <p:extLst>
-              <p:ext uri="{D42A27DB-BD31-4B8C-83A1-F6EECF244321}">
-                <p14:modId xmlns:p14="http://schemas.microsoft.com/office/powerpoint/2010/main" val="3693123476"/>
-              </p:ext>
-            </p:extLst>
-          </p:nvPr>
-        </p:nvGraphicFramePr>
-        <p:xfrm>
-          <a:off x="822960" y="2306638"/>
-          <a:ext cx="10521633" cy="1854200"/>
-        </p:xfrm>
-        <a:graphic>
-          <a:graphicData uri="http://schemas.openxmlformats.org/drawingml/2006/table">
-            <a:tbl>
-              <a:tblPr firstRow="1" bandRow="1">
-                <a:tableStyleId>{5C22544A-7EE6-4342-B048-85BDC9FD1C3A}</a:tableStyleId>
-              </a:tblPr>
-              <a:tblGrid>
-                <a:gridCol w="2266633"/>
-                <a:gridCol w="1651000"/>
-                <a:gridCol w="1651000"/>
-                <a:gridCol w="1651000"/>
-                <a:gridCol w="1651000"/>
-                <a:gridCol w="1651000"/>
-              </a:tblGrid>
-              <a:tr h="370840">
-                <a:tc>
-                  <a:txBody>
-                    <a:bodyPr/>
-                    <a:lstStyle/>
-                    <a:p>
-                      <a:endParaRPr lang="en-US" dirty="0"/>
-                    </a:p>
-                  </a:txBody>
-                  <a:tcPr/>
-                </a:tc>
-                <a:tc>
-                  <a:txBody>
-                    <a:bodyPr/>
-                    <a:lstStyle/>
-                    <a:p>
-                      <a:pPr marL="0" marR="0" indent="0" algn="l" defTabSz="914400" rtl="0" eaLnBrk="1" fontAlgn="auto" latinLnBrk="0" hangingPunct="1">
-                        <a:lnSpc>
-                          <a:spcPct val="100000"/>
-                        </a:lnSpc>
-                        <a:spcBef>
-                          <a:spcPts val="0"/>
-                        </a:spcBef>
-                        <a:spcAft>
-                          <a:spcPts val="0"/>
-                        </a:spcAft>
-                        <a:buClrTx/>
-                        <a:buSzTx/>
-                        <a:buFontTx/>
-                        <a:buNone/>
-                        <a:tabLst/>
-                        <a:defRPr/>
-                      </a:pPr>
-                      <a:r>
-                        <a:rPr lang="en-US" dirty="0" smtClean="0"/>
-                        <a:t>Productivity</a:t>
-                      </a:r>
-                    </a:p>
-                  </a:txBody>
-                  <a:tcPr/>
-                </a:tc>
-                <a:tc>
-                  <a:txBody>
-                    <a:bodyPr/>
-                    <a:lstStyle/>
-                    <a:p>
-                      <a:pPr marL="0" marR="0" indent="0" algn="l" defTabSz="914400" rtl="0" eaLnBrk="1" fontAlgn="auto" latinLnBrk="0" hangingPunct="1">
-                        <a:lnSpc>
-                          <a:spcPct val="100000"/>
-                        </a:lnSpc>
-                        <a:spcBef>
-                          <a:spcPts val="0"/>
-                        </a:spcBef>
-                        <a:spcAft>
-                          <a:spcPts val="0"/>
-                        </a:spcAft>
-                        <a:buClrTx/>
-                        <a:buSzTx/>
-                        <a:buFontTx/>
-                        <a:buNone/>
-                        <a:tabLst/>
-                        <a:defRPr/>
-                      </a:pPr>
-                      <a:r>
-                        <a:rPr lang="en-US" dirty="0" smtClean="0"/>
-                        <a:t>Type</a:t>
-                      </a:r>
-                      <a:r>
-                        <a:rPr lang="en-US" baseline="0" dirty="0" smtClean="0"/>
-                        <a:t>s/IDE</a:t>
-                      </a:r>
-                      <a:endParaRPr lang="en-US" dirty="0" smtClean="0"/>
-                    </a:p>
-                  </a:txBody>
-                  <a:tcPr/>
-                </a:tc>
-                <a:tc>
-                  <a:txBody>
-                    <a:bodyPr/>
-                    <a:lstStyle/>
-                    <a:p>
-                      <a:r>
-                        <a:rPr lang="en-US" dirty="0" smtClean="0"/>
-                        <a:t>Abstraction</a:t>
-                      </a:r>
-                      <a:endParaRPr lang="en-US" dirty="0"/>
-                    </a:p>
-                  </a:txBody>
-                  <a:tcPr/>
-                </a:tc>
-                <a:tc>
-                  <a:txBody>
-                    <a:bodyPr/>
-                    <a:lstStyle/>
-                    <a:p>
-                      <a:pPr marL="0" marR="0" indent="0" algn="l" defTabSz="914400" rtl="0" eaLnBrk="1" fontAlgn="auto" latinLnBrk="0" hangingPunct="1">
-                        <a:lnSpc>
-                          <a:spcPct val="100000"/>
-                        </a:lnSpc>
-                        <a:spcBef>
-                          <a:spcPts val="0"/>
-                        </a:spcBef>
-                        <a:spcAft>
-                          <a:spcPts val="0"/>
-                        </a:spcAft>
-                        <a:buClrTx/>
-                        <a:buSzTx/>
-                        <a:buFontTx/>
-                        <a:buNone/>
-                        <a:tabLst/>
-                        <a:defRPr/>
-                      </a:pPr>
-                      <a:r>
-                        <a:rPr lang="en-US" dirty="0" smtClean="0"/>
-                        <a:t>Performance</a:t>
-                      </a:r>
-                    </a:p>
-                  </a:txBody>
-                  <a:tcPr/>
-                </a:tc>
-                <a:tc>
-                  <a:txBody>
-                    <a:bodyPr/>
-                    <a:lstStyle/>
-                    <a:p>
-                      <a:r>
-                        <a:rPr lang="en-US" dirty="0" smtClean="0"/>
-                        <a:t>Control</a:t>
-                      </a:r>
-                      <a:endParaRPr lang="en-US" dirty="0"/>
-                    </a:p>
-                  </a:txBody>
-                  <a:tcPr/>
-                </a:tc>
-              </a:tr>
-              <a:tr h="370840">
-                <a:tc>
-                  <a:txBody>
-                    <a:bodyPr/>
-                    <a:lstStyle/>
-                    <a:p>
-                      <a:r>
-                        <a:rPr lang="en-US" dirty="0" smtClean="0"/>
-                        <a:t>ADO.NET</a:t>
-                      </a:r>
-                      <a:endParaRPr lang="en-US" dirty="0"/>
-                    </a:p>
-                  </a:txBody>
-                  <a:tcPr/>
-                </a:tc>
-                <a:tc>
-                  <a:txBody>
-                    <a:bodyPr/>
-                    <a:lstStyle/>
-                    <a:p>
-                      <a:pPr algn="ctr"/>
-                      <a:r>
-                        <a:rPr lang="en-US" dirty="0" smtClean="0"/>
-                        <a:t>NO</a:t>
-                      </a:r>
-                      <a:endParaRPr lang="en-US" dirty="0"/>
-                    </a:p>
-                  </a:txBody>
-                  <a:tcPr/>
-                </a:tc>
-                <a:tc>
-                  <a:txBody>
-                    <a:bodyPr/>
-                    <a:lstStyle/>
-                    <a:p>
-                      <a:pPr algn="ctr"/>
-                      <a:r>
-                        <a:rPr lang="en-US" dirty="0" smtClean="0"/>
-                        <a:t>NO</a:t>
-                      </a:r>
-                      <a:endParaRPr lang="en-US" dirty="0"/>
-                    </a:p>
-                  </a:txBody>
-                  <a:tcPr/>
-                </a:tc>
-                <a:tc>
-                  <a:txBody>
-                    <a:bodyPr/>
-                    <a:lstStyle/>
-                    <a:p>
-                      <a:pPr algn="ctr"/>
-                      <a:r>
-                        <a:rPr lang="en-US" dirty="0" smtClean="0"/>
-                        <a:t>NO</a:t>
-                      </a:r>
-                      <a:endParaRPr lang="en-US" dirty="0"/>
-                    </a:p>
-                  </a:txBody>
-                  <a:tcPr/>
-                </a:tc>
-                <a:tc>
-                  <a:txBody>
-                    <a:bodyPr/>
-                    <a:lstStyle/>
-                    <a:p>
-                      <a:pPr algn="ctr"/>
-                      <a:r>
-                        <a:rPr lang="en-US" dirty="0" smtClean="0"/>
-                        <a:t>YES</a:t>
-                      </a:r>
-                      <a:endParaRPr lang="en-US" dirty="0"/>
-                    </a:p>
-                  </a:txBody>
-                  <a:tcPr/>
-                </a:tc>
-                <a:tc>
-                  <a:txBody>
-                    <a:bodyPr/>
-                    <a:lstStyle/>
-                    <a:p>
-                      <a:pPr algn="ctr"/>
-                      <a:r>
-                        <a:rPr lang="en-US" dirty="0" smtClean="0"/>
-                        <a:t>YES</a:t>
-                      </a:r>
-                      <a:endParaRPr lang="en-US" dirty="0"/>
-                    </a:p>
-                  </a:txBody>
-                  <a:tcPr/>
-                </a:tc>
-              </a:tr>
-              <a:tr h="370840">
-                <a:tc>
-                  <a:txBody>
-                    <a:bodyPr/>
-                    <a:lstStyle/>
-                    <a:p>
-                      <a:r>
-                        <a:rPr lang="en-US" dirty="0" smtClean="0"/>
-                        <a:t>ORM</a:t>
-                      </a:r>
-                      <a:r>
-                        <a:rPr lang="en-US" baseline="0" dirty="0" smtClean="0"/>
-                        <a:t> - EF</a:t>
-                      </a:r>
-                      <a:endParaRPr lang="en-US" dirty="0"/>
-                    </a:p>
-                  </a:txBody>
-                  <a:tcPr/>
-                </a:tc>
-                <a:tc>
-                  <a:txBody>
-                    <a:bodyPr/>
-                    <a:lstStyle/>
-                    <a:p>
-                      <a:pPr algn="ctr"/>
-                      <a:r>
-                        <a:rPr lang="en-US" dirty="0" smtClean="0"/>
-                        <a:t>-</a:t>
-                      </a:r>
-                      <a:endParaRPr lang="en-US" dirty="0"/>
-                    </a:p>
-                  </a:txBody>
-                  <a:tcPr/>
-                </a:tc>
-                <a:tc>
-                  <a:txBody>
-                    <a:bodyPr/>
-                    <a:lstStyle/>
-                    <a:p>
-                      <a:pPr algn="ctr"/>
-                      <a:r>
-                        <a:rPr lang="en-US" dirty="0" smtClean="0"/>
-                        <a:t>-</a:t>
-                      </a:r>
-                      <a:endParaRPr lang="en-US" dirty="0"/>
-                    </a:p>
-                  </a:txBody>
-                  <a:tcPr/>
-                </a:tc>
-                <a:tc>
-                  <a:txBody>
-                    <a:bodyPr/>
-                    <a:lstStyle/>
-                    <a:p>
-                      <a:pPr algn="ctr"/>
-                      <a:r>
-                        <a:rPr lang="en-US" dirty="0" smtClean="0"/>
-                        <a:t>-</a:t>
-                      </a:r>
-                      <a:endParaRPr lang="en-US" dirty="0"/>
-                    </a:p>
-                  </a:txBody>
-                  <a:tcPr/>
-                </a:tc>
-                <a:tc>
-                  <a:txBody>
-                    <a:bodyPr/>
-                    <a:lstStyle/>
-                    <a:p>
-                      <a:pPr algn="ctr"/>
-                      <a:r>
-                        <a:rPr lang="en-US" dirty="0" smtClean="0"/>
-                        <a:t>NO</a:t>
-                      </a:r>
-                      <a:endParaRPr lang="en-US" dirty="0"/>
-                    </a:p>
-                  </a:txBody>
-                  <a:tcPr/>
-                </a:tc>
-                <a:tc>
-                  <a:txBody>
-                    <a:bodyPr/>
-                    <a:lstStyle/>
-                    <a:p>
-                      <a:pPr algn="ctr"/>
-                      <a:r>
-                        <a:rPr lang="en-US" dirty="0" smtClean="0"/>
-                        <a:t>NO</a:t>
-                      </a:r>
-                      <a:endParaRPr lang="en-US" dirty="0"/>
-                    </a:p>
-                  </a:txBody>
-                  <a:tcPr/>
-                </a:tc>
-              </a:tr>
-              <a:tr h="370840">
-                <a:tc>
-                  <a:txBody>
-                    <a:bodyPr/>
-                    <a:lstStyle/>
-                    <a:p>
-                      <a:r>
-                        <a:rPr lang="en-US" dirty="0" smtClean="0"/>
-                        <a:t>Light ORM - Dapper</a:t>
-                      </a:r>
-                      <a:endParaRPr lang="en-US" dirty="0"/>
-                    </a:p>
-                  </a:txBody>
-                  <a:tcPr/>
-                </a:tc>
-                <a:tc>
-                  <a:txBody>
-                    <a:bodyPr/>
-                    <a:lstStyle/>
-                    <a:p>
-                      <a:pPr algn="ctr"/>
-                      <a:r>
-                        <a:rPr lang="en-US" dirty="0" smtClean="0"/>
-                        <a:t>-</a:t>
-                      </a:r>
-                      <a:endParaRPr lang="en-US" dirty="0"/>
-                    </a:p>
-                  </a:txBody>
-                  <a:tcPr/>
-                </a:tc>
-                <a:tc>
-                  <a:txBody>
-                    <a:bodyPr/>
-                    <a:lstStyle/>
-                    <a:p>
-                      <a:pPr algn="ctr"/>
-                      <a:r>
-                        <a:rPr lang="en-US" dirty="0" smtClean="0"/>
-                        <a:t>-</a:t>
-                      </a:r>
-                      <a:endParaRPr lang="en-US" dirty="0"/>
-                    </a:p>
-                  </a:txBody>
-                  <a:tcPr/>
-                </a:tc>
-                <a:tc>
-                  <a:txBody>
-                    <a:bodyPr/>
-                    <a:lstStyle/>
-                    <a:p>
-                      <a:pPr algn="ctr"/>
-                      <a:r>
-                        <a:rPr lang="en-US" dirty="0" smtClean="0"/>
-                        <a:t>-</a:t>
-                      </a:r>
-                      <a:endParaRPr lang="en-US" dirty="0"/>
-                    </a:p>
-                  </a:txBody>
-                  <a:tcPr/>
-                </a:tc>
-                <a:tc>
-                  <a:txBody>
-                    <a:bodyPr/>
-                    <a:lstStyle/>
-                    <a:p>
-                      <a:pPr algn="ctr"/>
-                      <a:r>
-                        <a:rPr lang="en-US" dirty="0" smtClean="0"/>
-                        <a:t>YES</a:t>
-                      </a:r>
-                      <a:endParaRPr lang="en-US" dirty="0"/>
-                    </a:p>
-                  </a:txBody>
-                  <a:tcPr/>
-                </a:tc>
-                <a:tc>
-                  <a:txBody>
-                    <a:bodyPr/>
-                    <a:lstStyle/>
-                    <a:p>
-                      <a:pPr algn="ctr"/>
-                      <a:r>
-                        <a:rPr lang="en-US" dirty="0" smtClean="0"/>
-                        <a:t>YES</a:t>
-                      </a:r>
-                      <a:endParaRPr lang="en-US" dirty="0"/>
-                    </a:p>
-                  </a:txBody>
-                  <a:tcPr/>
-                </a:tc>
-              </a:tr>
-              <a:tr h="370840">
-                <a:tc>
-                  <a:txBody>
-                    <a:bodyPr/>
-                    <a:lstStyle/>
-                    <a:p>
-                      <a:r>
-                        <a:rPr lang="en-US" dirty="0" smtClean="0"/>
-                        <a:t>LINQ</a:t>
-                      </a:r>
-                      <a:r>
-                        <a:rPr lang="en-US" baseline="0" dirty="0" smtClean="0"/>
-                        <a:t> - </a:t>
-                      </a:r>
-                      <a:r>
-                        <a:rPr lang="en-US" baseline="0" dirty="0" err="1" smtClean="0"/>
-                        <a:t>SQLProvider</a:t>
-                      </a:r>
-                      <a:endParaRPr lang="en-US" dirty="0"/>
-                    </a:p>
-                  </a:txBody>
-                  <a:tcPr/>
-                </a:tc>
-                <a:tc>
-                  <a:txBody>
-                    <a:bodyPr/>
-                    <a:lstStyle/>
-                    <a:p>
-                      <a:pPr algn="ctr"/>
-                      <a:r>
-                        <a:rPr lang="en-US" dirty="0" smtClean="0"/>
-                        <a:t>YES</a:t>
-                      </a:r>
-                      <a:endParaRPr lang="en-US" dirty="0"/>
-                    </a:p>
-                  </a:txBody>
-                  <a:tcPr/>
-                </a:tc>
-                <a:tc>
-                  <a:txBody>
-                    <a:bodyPr/>
-                    <a:lstStyle/>
-                    <a:p>
-                      <a:pPr algn="ctr"/>
-                      <a:r>
-                        <a:rPr lang="en-US" dirty="0" smtClean="0"/>
-                        <a:t>YES</a:t>
-                      </a:r>
-                      <a:endParaRPr lang="en-US" dirty="0"/>
-                    </a:p>
-                  </a:txBody>
-                  <a:tcPr/>
-                </a:tc>
-                <a:tc>
-                  <a:txBody>
-                    <a:bodyPr/>
-                    <a:lstStyle/>
-                    <a:p>
-                      <a:pPr algn="ctr"/>
-                      <a:r>
-                        <a:rPr lang="en-US" dirty="0" smtClean="0"/>
-                        <a:t>-</a:t>
-                      </a:r>
-                      <a:endParaRPr lang="en-US" dirty="0"/>
-                    </a:p>
-                  </a:txBody>
-                  <a:tcPr/>
-                </a:tc>
-                <a:tc>
-                  <a:txBody>
-                    <a:bodyPr/>
-                    <a:lstStyle/>
-                    <a:p>
-                      <a:pPr algn="ctr"/>
-                      <a:r>
-                        <a:rPr lang="en-US" dirty="0" smtClean="0"/>
-                        <a:t>NO</a:t>
-                      </a:r>
-                      <a:endParaRPr lang="en-US" dirty="0"/>
-                    </a:p>
-                  </a:txBody>
-                  <a:tcPr/>
-                </a:tc>
-                <a:tc>
-                  <a:txBody>
-                    <a:bodyPr/>
-                    <a:lstStyle/>
-                    <a:p>
-                      <a:pPr algn="ctr"/>
-                      <a:r>
-                        <a:rPr lang="en-US" dirty="0" smtClean="0"/>
-                        <a:t>NO</a:t>
-                      </a:r>
-                      <a:endParaRPr lang="en-US" dirty="0"/>
-                    </a:p>
-                  </a:txBody>
-                  <a:tcPr/>
-                </a:tc>
-              </a:tr>
-            </a:tbl>
-          </a:graphicData>
-        </a:graphic>
-      </p:graphicFrame>
-    </p:spTree>
-    <p:extLst>
-      <p:ext uri="{BB962C8B-B14F-4D97-AF65-F5344CB8AC3E}">
-        <p14:creationId xmlns:p14="http://schemas.microsoft.com/office/powerpoint/2010/main" val="2731343802"/>
-      </p:ext>
-    </p:extLst>
-  </p:cSld>
-  <p:clrMapOvr>
-    <a:masterClrMapping/>
-  </p:clrMapOvr>
-  <p:timing>
-    <p:tnLst>
-      <p:par>
-        <p:cTn id="1" dur="indefinite" restart="never" nodeType="tmRoot"/>
-      </p:par>
-    </p:tnLst>
-  </p:timing>
-</p:sld>
-</file>
-
-<file path=ppt/slides/slide7.xml><?xml version="1.0" encoding="utf-8"?>
-<p:sld xmlns:a="http://schemas.openxmlformats.org/drawingml/2006/main" xmlns:r="http://schemas.openxmlformats.org/officeDocument/2006/relationships" xmlns:p="http://schemas.openxmlformats.org/presentationml/2006/main">
-  <p:cSld>
-    <p:spTree>
-      <p:nvGrpSpPr>
-        <p:cNvPr id="1" name=""/>
-        <p:cNvGrpSpPr/>
-        <p:nvPr/>
-      </p:nvGrpSpPr>
-      <p:grpSpPr>
-        <a:xfrm>
-          <a:off x="0" y="0"/>
-          <a:ext cx="0" cy="0"/>
-          <a:chOff x="0" y="0"/>
-          <a:chExt cx="0" cy="0"/>
-        </a:xfrm>
-      </p:grpSpPr>
-      <p:sp>
-        <p:nvSpPr>
-          <p:cNvPr id="2" name="Title 1"/>
-          <p:cNvSpPr>
-            <a:spLocks noGrp="1"/>
-          </p:cNvSpPr>
-          <p:nvPr>
-            <p:ph type="title"/>
-          </p:nvPr>
-        </p:nvSpPr>
-        <p:spPr/>
-        <p:txBody>
           <a:bodyPr>
             <a:normAutofit fontScale="90000"/>
           </a:bodyPr>
@@ -14139,7 +13944,7 @@
 </p:sld>
 </file>
 
-<file path=ppt/slides/slide8.xml><?xml version="1.0" encoding="utf-8"?>
+<file path=ppt/slides/slide7.xml><?xml version="1.0" encoding="utf-8"?>
 <p:sld xmlns:a="http://schemas.openxmlformats.org/drawingml/2006/main" xmlns:r="http://schemas.openxmlformats.org/officeDocument/2006/relationships" xmlns:p="http://schemas.openxmlformats.org/presentationml/2006/main">
   <p:cSld>
     <p:spTree>
@@ -14241,7 +14046,7 @@
 </p:sld>
 </file>
 
-<file path=ppt/slides/slide9.xml><?xml version="1.0" encoding="utf-8"?>
+<file path=ppt/slides/slide8.xml><?xml version="1.0" encoding="utf-8"?>
 <p:sld xmlns:a="http://schemas.openxmlformats.org/drawingml/2006/main" xmlns:r="http://schemas.openxmlformats.org/officeDocument/2006/relationships" xmlns:p="http://schemas.openxmlformats.org/presentationml/2006/main">
   <p:cSld>
     <p:spTree>
@@ -14327,6 +14132,141 @@
     <p:extLst>
       <p:ext uri="{BB962C8B-B14F-4D97-AF65-F5344CB8AC3E}">
         <p14:creationId xmlns:p14="http://schemas.microsoft.com/office/powerpoint/2010/main" val="3749182905"/>
+      </p:ext>
+    </p:extLst>
+  </p:cSld>
+  <p:clrMapOvr>
+    <a:masterClrMapping/>
+  </p:clrMapOvr>
+  <p:timing>
+    <p:tnLst>
+      <p:par>
+        <p:cTn id="1" dur="indefinite" restart="never" nodeType="tmRoot"/>
+      </p:par>
+    </p:tnLst>
+  </p:timing>
+</p:sld>
+</file>
+
+<file path=ppt/slides/slide9.xml><?xml version="1.0" encoding="utf-8"?>
+<p:sld xmlns:a="http://schemas.openxmlformats.org/drawingml/2006/main" xmlns:r="http://schemas.openxmlformats.org/officeDocument/2006/relationships" xmlns:p="http://schemas.openxmlformats.org/presentationml/2006/main">
+  <p:cSld>
+    <p:spTree>
+      <p:nvGrpSpPr>
+        <p:cNvPr id="1" name=""/>
+        <p:cNvGrpSpPr/>
+        <p:nvPr/>
+      </p:nvGrpSpPr>
+      <p:grpSpPr>
+        <a:xfrm>
+          <a:off x="0" y="0"/>
+          <a:ext cx="0" cy="0"/>
+          <a:chOff x="0" y="0"/>
+          <a:chExt cx="0" cy="0"/>
+        </a:xfrm>
+      </p:grpSpPr>
+      <p:sp>
+        <p:nvSpPr>
+          <p:cNvPr id="2" name="Title 1"/>
+          <p:cNvSpPr>
+            <a:spLocks noGrp="1"/>
+          </p:cNvSpPr>
+          <p:nvPr>
+            <p:ph type="title"/>
+          </p:nvPr>
+        </p:nvSpPr>
+        <p:spPr/>
+        <p:txBody>
+          <a:bodyPr>
+            <a:normAutofit/>
+          </a:bodyPr>
+          <a:lstStyle/>
+          <a:p>
+            <a:r>
+              <a:rPr lang="en-US" cap="none" dirty="0" err="1" smtClean="0"/>
+              <a:t>SqlProgrammabilityProvider</a:t>
+            </a:r>
+            <a:r>
+              <a:rPr lang="en-US" cap="none" dirty="0" smtClean="0"/>
+              <a:t> </a:t>
+            </a:r>
+            <a:br>
+              <a:rPr lang="en-US" cap="none" dirty="0" smtClean="0"/>
+            </a:br>
+            <a:r>
+              <a:rPr lang="en-US" cap="none" dirty="0" smtClean="0"/>
+              <a:t>Features at glance</a:t>
+            </a:r>
+            <a:endParaRPr lang="en-US" cap="none" dirty="0"/>
+          </a:p>
+        </p:txBody>
+      </p:sp>
+      <p:sp>
+        <p:nvSpPr>
+          <p:cNvPr id="3" name="Content Placeholder 2"/>
+          <p:cNvSpPr>
+            <a:spLocks noGrp="1"/>
+          </p:cNvSpPr>
+          <p:nvPr>
+            <p:ph idx="1"/>
+          </p:nvPr>
+        </p:nvSpPr>
+        <p:spPr/>
+        <p:txBody>
+          <a:bodyPr/>
+          <a:lstStyle/>
+          <a:p>
+            <a:r>
+              <a:rPr lang="en-US" dirty="0" smtClean="0"/>
+              <a:t>SSMS Object explorer in Visual Studio IntelliSense</a:t>
+            </a:r>
+          </a:p>
+          <a:p>
+            <a:r>
+              <a:rPr lang="en-US" dirty="0" smtClean="0"/>
+              <a:t>Stored procedures, table-valued user-defined functions, user-defined table types</a:t>
+            </a:r>
+          </a:p>
+          <a:p>
+            <a:r>
+              <a:rPr lang="en-US" dirty="0" err="1" smtClean="0"/>
+              <a:t>Microsoft.SqlServer.Types</a:t>
+            </a:r>
+            <a:r>
+              <a:rPr lang="en-US" dirty="0" smtClean="0"/>
+              <a:t>:</a:t>
+            </a:r>
+          </a:p>
+          <a:p>
+            <a:pPr lvl="1"/>
+            <a:r>
+              <a:rPr lang="en-US" dirty="0" err="1" smtClean="0"/>
+              <a:t>SqlHierarchyId</a:t>
+            </a:r>
+            <a:endParaRPr lang="en-US" dirty="0" smtClean="0"/>
+          </a:p>
+          <a:p>
+            <a:pPr lvl="1"/>
+            <a:r>
+              <a:rPr lang="en-US" dirty="0" err="1" smtClean="0"/>
+              <a:t>SqlGeography</a:t>
+            </a:r>
+            <a:endParaRPr lang="en-US" dirty="0" smtClean="0"/>
+          </a:p>
+          <a:p>
+            <a:pPr lvl="1"/>
+            <a:r>
+              <a:rPr lang="en-US" dirty="0" err="1" smtClean="0"/>
+              <a:t>SqlGeometry</a:t>
+            </a:r>
+            <a:endParaRPr lang="en-US" dirty="0" smtClean="0"/>
+          </a:p>
+        </p:txBody>
+      </p:sp>
+    </p:spTree>
+    <p:extLst>
+      <p:ext uri="{BB962C8B-B14F-4D97-AF65-F5344CB8AC3E}">
+        <p14:creationId xmlns:p14="http://schemas.microsoft.com/office/powerpoint/2010/main" val="1606980947"/>
       </p:ext>
     </p:extLst>
   </p:cSld>
